--- a/Presentation.pptx
+++ b/Presentation.pptx
@@ -8,9 +8,19 @@
     <p:sldId id="256" r:id="rId2"/>
     <p:sldId id="257" r:id="rId3"/>
     <p:sldId id="269" r:id="rId4"/>
-    <p:sldId id="270" r:id="rId5"/>
-    <p:sldId id="268" r:id="rId6"/>
-    <p:sldId id="260" r:id="rId7"/>
+    <p:sldId id="279" r:id="rId5"/>
+    <p:sldId id="280" r:id="rId6"/>
+    <p:sldId id="270" r:id="rId7"/>
+    <p:sldId id="272" r:id="rId8"/>
+    <p:sldId id="271" r:id="rId9"/>
+    <p:sldId id="273" r:id="rId10"/>
+    <p:sldId id="275" r:id="rId11"/>
+    <p:sldId id="274" r:id="rId12"/>
+    <p:sldId id="276" r:id="rId13"/>
+    <p:sldId id="277" r:id="rId14"/>
+    <p:sldId id="278" r:id="rId15"/>
+    <p:sldId id="268" r:id="rId16"/>
+    <p:sldId id="260" r:id="rId17"/>
   </p:sldIdLst>
   <p:sldSz cx="12192000" cy="6858000"/>
   <p:notesSz cx="6858000" cy="9144000"/>
@@ -120,13 +130,355 @@
 <file path=ppt/revisionInfo.xml><?xml version="1.0" encoding="utf-8"?>
 <p1510:revInfo xmlns:a="http://schemas.openxmlformats.org/drawingml/2006/main" xmlns:r="http://schemas.openxmlformats.org/officeDocument/2006/relationships" xmlns:p1510="http://schemas.microsoft.com/office/powerpoint/2015/10/main">
   <p1510:revLst>
-    <p1510:client id="{36E7C8E4-7FFB-448F-ADE0-B64A1369299D}" v="54" dt="2024-05-24T21:51:41.042"/>
+    <p1510:client id="{D2C05975-BD5A-4D9A-AC2A-69DB2A430846}" v="18" dt="2024-06-07T15:10:35.756"/>
   </p1510:revLst>
 </p1510:revInfo>
 </file>
 
 <file path=ppt/changesInfos/changesInfo1.xml><?xml version="1.0" encoding="utf-8"?>
 <pc:chgInfo xmlns:a="http://schemas.openxmlformats.org/drawingml/2006/main" xmlns:r="http://schemas.openxmlformats.org/officeDocument/2006/relationships" xmlns:ac="http://schemas.microsoft.com/office/drawing/2013/main/command" xmlns:pc="http://schemas.microsoft.com/office/powerpoint/2013/main/command">
+  <pc:docChgLst>
+    <pc:chgData name="Eduardo Savian" userId="83fefb37af455394" providerId="Windows Live" clId="Web-{B10124E6-5CE1-46B9-81E2-9DF613E845DA}"/>
+    <pc:docChg chg="addSld delSld modSld">
+      <pc:chgData name="Eduardo Savian" userId="83fefb37af455394" providerId="Windows Live" clId="Web-{B10124E6-5CE1-46B9-81E2-9DF613E845DA}" dt="2024-05-18T19:37:28.234" v="48"/>
+      <pc:docMkLst>
+        <pc:docMk/>
+      </pc:docMkLst>
+      <pc:sldChg chg="addSp delSp modSp del mod modClrScheme chgLayout">
+        <pc:chgData name="Eduardo Savian" userId="83fefb37af455394" providerId="Windows Live" clId="Web-{B10124E6-5CE1-46B9-81E2-9DF613E845DA}" dt="2024-05-18T19:35:57.404" v="32"/>
+        <pc:sldMkLst>
+          <pc:docMk/>
+          <pc:sldMk cId="4042955426" sldId="270"/>
+        </pc:sldMkLst>
+        <pc:spChg chg="add del">
+          <ac:chgData name="Eduardo Savian" userId="83fefb37af455394" providerId="Windows Live" clId="Web-{B10124E6-5CE1-46B9-81E2-9DF613E845DA}" dt="2024-05-18T19:33:13.696" v="10"/>
+          <ac:spMkLst>
+            <pc:docMk/>
+            <pc:sldMk cId="4042955426" sldId="270"/>
+            <ac:spMk id="2" creationId="{C97A6806-306D-5DE8-D246-239AA4809B3A}"/>
+          </ac:spMkLst>
+        </pc:spChg>
+        <pc:spChg chg="del mod">
+          <ac:chgData name="Eduardo Savian" userId="83fefb37af455394" providerId="Windows Live" clId="Web-{B10124E6-5CE1-46B9-81E2-9DF613E845DA}" dt="2024-05-18T19:32:42.023" v="2"/>
+          <ac:spMkLst>
+            <pc:docMk/>
+            <pc:sldMk cId="4042955426" sldId="270"/>
+            <ac:spMk id="3" creationId="{662D8E06-1103-5E8B-88E0-2CC1191423C4}"/>
+          </ac:spMkLst>
+        </pc:spChg>
+        <pc:spChg chg="mod">
+          <ac:chgData name="Eduardo Savian" userId="83fefb37af455394" providerId="Windows Live" clId="Web-{B10124E6-5CE1-46B9-81E2-9DF613E845DA}" dt="2024-05-18T19:33:13.696" v="10"/>
+          <ac:spMkLst>
+            <pc:docMk/>
+            <pc:sldMk cId="4042955426" sldId="270"/>
+            <ac:spMk id="4" creationId="{EC249B81-C847-2969-D44C-7D08B169C2F4}"/>
+          </ac:spMkLst>
+        </pc:spChg>
+        <pc:spChg chg="mod">
+          <ac:chgData name="Eduardo Savian" userId="83fefb37af455394" providerId="Windows Live" clId="Web-{B10124E6-5CE1-46B9-81E2-9DF613E845DA}" dt="2024-05-18T19:33:13.696" v="10"/>
+          <ac:spMkLst>
+            <pc:docMk/>
+            <pc:sldMk cId="4042955426" sldId="270"/>
+            <ac:spMk id="5" creationId="{B04CFF83-CA02-9F22-4CBF-D20905127DC9}"/>
+          </ac:spMkLst>
+        </pc:spChg>
+        <pc:spChg chg="mod">
+          <ac:chgData name="Eduardo Savian" userId="83fefb37af455394" providerId="Windows Live" clId="Web-{B10124E6-5CE1-46B9-81E2-9DF613E845DA}" dt="2024-05-18T19:33:13.696" v="10"/>
+          <ac:spMkLst>
+            <pc:docMk/>
+            <pc:sldMk cId="4042955426" sldId="270"/>
+            <ac:spMk id="6" creationId="{9831A95B-48A2-16FC-98E0-779D34F17AF7}"/>
+          </ac:spMkLst>
+        </pc:spChg>
+        <pc:spChg chg="add del mod">
+          <ac:chgData name="Eduardo Savian" userId="83fefb37af455394" providerId="Windows Live" clId="Web-{B10124E6-5CE1-46B9-81E2-9DF613E845DA}" dt="2024-05-18T19:33:13.696" v="10"/>
+          <ac:spMkLst>
+            <pc:docMk/>
+            <pc:sldMk cId="4042955426" sldId="270"/>
+            <ac:spMk id="12" creationId="{30774746-80CE-838A-AE40-BBFAF719DFE4}"/>
+          </ac:spMkLst>
+        </pc:spChg>
+        <pc:spChg chg="add del mod">
+          <ac:chgData name="Eduardo Savian" userId="83fefb37af455394" providerId="Windows Live" clId="Web-{B10124E6-5CE1-46B9-81E2-9DF613E845DA}" dt="2024-05-18T19:33:13.696" v="10"/>
+          <ac:spMkLst>
+            <pc:docMk/>
+            <pc:sldMk cId="4042955426" sldId="270"/>
+            <ac:spMk id="14" creationId="{B66501AF-2C6C-2C99-F5CD-368990638F10}"/>
+          </ac:spMkLst>
+        </pc:spChg>
+        <pc:spChg chg="add del mod">
+          <ac:chgData name="Eduardo Savian" userId="83fefb37af455394" providerId="Windows Live" clId="Web-{B10124E6-5CE1-46B9-81E2-9DF613E845DA}" dt="2024-05-18T19:33:10.649" v="8"/>
+          <ac:spMkLst>
+            <pc:docMk/>
+            <pc:sldMk cId="4042955426" sldId="270"/>
+            <ac:spMk id="19" creationId="{F069AC9D-E807-B817-5D21-B9CA00B35108}"/>
+          </ac:spMkLst>
+        </pc:spChg>
+        <pc:picChg chg="add mod ord">
+          <ac:chgData name="Eduardo Savian" userId="83fefb37af455394" providerId="Windows Live" clId="Web-{B10124E6-5CE1-46B9-81E2-9DF613E845DA}" dt="2024-05-18T19:33:13.696" v="10"/>
+          <ac:picMkLst>
+            <pc:docMk/>
+            <pc:sldMk cId="4042955426" sldId="270"/>
+            <ac:picMk id="7" creationId="{90295225-2ED7-CBBC-645A-FE5DC8994668}"/>
+          </ac:picMkLst>
+        </pc:picChg>
+      </pc:sldChg>
+      <pc:sldChg chg="addSp delSp modSp new del">
+        <pc:chgData name="Eduardo Savian" userId="83fefb37af455394" providerId="Windows Live" clId="Web-{B10124E6-5CE1-46B9-81E2-9DF613E845DA}" dt="2024-05-18T19:35:56.466" v="31"/>
+        <pc:sldMkLst>
+          <pc:docMk/>
+          <pc:sldMk cId="1562725996" sldId="271"/>
+        </pc:sldMkLst>
+        <pc:spChg chg="del mod">
+          <ac:chgData name="Eduardo Savian" userId="83fefb37af455394" providerId="Windows Live" clId="Web-{B10124E6-5CE1-46B9-81E2-9DF613E845DA}" dt="2024-05-18T19:33:55.494" v="14"/>
+          <ac:spMkLst>
+            <pc:docMk/>
+            <pc:sldMk cId="1562725996" sldId="271"/>
+            <ac:spMk id="3" creationId="{2D074F8F-942C-74E3-9363-49E237AB4A25}"/>
+          </ac:spMkLst>
+        </pc:spChg>
+        <pc:spChg chg="add del mod">
+          <ac:chgData name="Eduardo Savian" userId="83fefb37af455394" providerId="Windows Live" clId="Web-{B10124E6-5CE1-46B9-81E2-9DF613E845DA}" dt="2024-05-18T19:35:04.418" v="21"/>
+          <ac:spMkLst>
+            <pc:docMk/>
+            <pc:sldMk cId="1562725996" sldId="271"/>
+            <ac:spMk id="9" creationId="{2352341E-6D98-E594-3855-F54F1BD8E299}"/>
+          </ac:spMkLst>
+        </pc:spChg>
+        <pc:picChg chg="add del mod ord">
+          <ac:chgData name="Eduardo Savian" userId="83fefb37af455394" providerId="Windows Live" clId="Web-{B10124E6-5CE1-46B9-81E2-9DF613E845DA}" dt="2024-05-18T19:35:04.418" v="21"/>
+          <ac:picMkLst>
+            <pc:docMk/>
+            <pc:sldMk cId="1562725996" sldId="271"/>
+            <ac:picMk id="7" creationId="{4E7F57FD-AD53-1A6A-52D2-F1C464969006}"/>
+          </ac:picMkLst>
+        </pc:picChg>
+      </pc:sldChg>
+      <pc:sldChg chg="addSp delSp modSp new">
+        <pc:chgData name="Eduardo Savian" userId="83fefb37af455394" providerId="Windows Live" clId="Web-{B10124E6-5CE1-46B9-81E2-9DF613E845DA}" dt="2024-05-18T19:35:34.606" v="28"/>
+        <pc:sldMkLst>
+          <pc:docMk/>
+          <pc:sldMk cId="1909084433" sldId="272"/>
+        </pc:sldMkLst>
+        <pc:spChg chg="del mod">
+          <ac:chgData name="Eduardo Savian" userId="83fefb37af455394" providerId="Windows Live" clId="Web-{B10124E6-5CE1-46B9-81E2-9DF613E845DA}" dt="2024-05-18T19:35:34.606" v="28"/>
+          <ac:spMkLst>
+            <pc:docMk/>
+            <pc:sldMk cId="1909084433" sldId="272"/>
+            <ac:spMk id="3" creationId="{8E002528-1E90-B4D8-B7CA-234AF12D83C6}"/>
+          </ac:spMkLst>
+        </pc:spChg>
+        <pc:picChg chg="add mod ord">
+          <ac:chgData name="Eduardo Savian" userId="83fefb37af455394" providerId="Windows Live" clId="Web-{B10124E6-5CE1-46B9-81E2-9DF613E845DA}" dt="2024-05-18T19:35:34.606" v="28"/>
+          <ac:picMkLst>
+            <pc:docMk/>
+            <pc:sldMk cId="1909084433" sldId="272"/>
+            <ac:picMk id="7" creationId="{BBD67D61-1BC2-13AF-E8C5-D2DE5DC1AE75}"/>
+          </ac:picMkLst>
+        </pc:picChg>
+      </pc:sldChg>
+      <pc:sldChg chg="addSp delSp modSp new del">
+        <pc:chgData name="Eduardo Savian" userId="83fefb37af455394" providerId="Windows Live" clId="Web-{B10124E6-5CE1-46B9-81E2-9DF613E845DA}" dt="2024-05-18T19:35:07.074" v="22"/>
+        <pc:sldMkLst>
+          <pc:docMk/>
+          <pc:sldMk cId="2235354735" sldId="272"/>
+        </pc:sldMkLst>
+        <pc:spChg chg="add del">
+          <ac:chgData name="Eduardo Savian" userId="83fefb37af455394" providerId="Windows Live" clId="Web-{B10124E6-5CE1-46B9-81E2-9DF613E845DA}" dt="2024-05-18T19:34:55.949" v="19"/>
+          <ac:spMkLst>
+            <pc:docMk/>
+            <pc:sldMk cId="2235354735" sldId="272"/>
+            <ac:spMk id="3" creationId="{FA61A4B7-7010-D5E7-9783-98BB4C9472ED}"/>
+          </ac:spMkLst>
+        </pc:spChg>
+        <pc:picChg chg="add del mod ord">
+          <ac:chgData name="Eduardo Savian" userId="83fefb37af455394" providerId="Windows Live" clId="Web-{B10124E6-5CE1-46B9-81E2-9DF613E845DA}" dt="2024-05-18T19:34:21.307" v="17"/>
+          <ac:picMkLst>
+            <pc:docMk/>
+            <pc:sldMk cId="2235354735" sldId="272"/>
+            <ac:picMk id="7" creationId="{A134B4C2-DF8F-C87A-9C32-6B990484D1E5}"/>
+          </ac:picMkLst>
+        </pc:picChg>
+        <pc:picChg chg="add del mod ord">
+          <ac:chgData name="Eduardo Savian" userId="83fefb37af455394" providerId="Windows Live" clId="Web-{B10124E6-5CE1-46B9-81E2-9DF613E845DA}" dt="2024-05-18T19:34:55.949" v="19"/>
+          <ac:picMkLst>
+            <pc:docMk/>
+            <pc:sldMk cId="2235354735" sldId="272"/>
+            <ac:picMk id="8" creationId="{BD0FC381-616D-7F80-516C-4B2B9FDD1C1A}"/>
+          </ac:picMkLst>
+        </pc:picChg>
+      </pc:sldChg>
+      <pc:sldChg chg="addSp delSp modSp new">
+        <pc:chgData name="Eduardo Savian" userId="83fefb37af455394" providerId="Windows Live" clId="Web-{B10124E6-5CE1-46B9-81E2-9DF613E845DA}" dt="2024-05-18T19:35:52.794" v="30"/>
+        <pc:sldMkLst>
+          <pc:docMk/>
+          <pc:sldMk cId="4112802808" sldId="273"/>
+        </pc:sldMkLst>
+        <pc:spChg chg="del">
+          <ac:chgData name="Eduardo Savian" userId="83fefb37af455394" providerId="Windows Live" clId="Web-{B10124E6-5CE1-46B9-81E2-9DF613E845DA}" dt="2024-05-18T19:35:52.794" v="30"/>
+          <ac:spMkLst>
+            <pc:docMk/>
+            <pc:sldMk cId="4112802808" sldId="273"/>
+            <ac:spMk id="3" creationId="{48B76A36-821B-00B4-EDA6-B58B8DB664A9}"/>
+          </ac:spMkLst>
+        </pc:spChg>
+        <pc:picChg chg="add mod ord">
+          <ac:chgData name="Eduardo Savian" userId="83fefb37af455394" providerId="Windows Live" clId="Web-{B10124E6-5CE1-46B9-81E2-9DF613E845DA}" dt="2024-05-18T19:35:52.794" v="30"/>
+          <ac:picMkLst>
+            <pc:docMk/>
+            <pc:sldMk cId="4112802808" sldId="273"/>
+            <ac:picMk id="7" creationId="{BF68005B-EE7C-3D5E-4B58-4E5E71FC63D9}"/>
+          </ac:picMkLst>
+        </pc:picChg>
+      </pc:sldChg>
+      <pc:sldChg chg="addSp delSp modSp new">
+        <pc:chgData name="Eduardo Savian" userId="83fefb37af455394" providerId="Windows Live" clId="Web-{B10124E6-5CE1-46B9-81E2-9DF613E845DA}" dt="2024-05-18T19:36:48.343" v="46"/>
+        <pc:sldMkLst>
+          <pc:docMk/>
+          <pc:sldMk cId="2620471646" sldId="274"/>
+        </pc:sldMkLst>
+        <pc:spChg chg="add del mod">
+          <ac:chgData name="Eduardo Savian" userId="83fefb37af455394" providerId="Windows Live" clId="Web-{B10124E6-5CE1-46B9-81E2-9DF613E845DA}" dt="2024-05-18T19:36:48.343" v="46"/>
+          <ac:spMkLst>
+            <pc:docMk/>
+            <pc:sldMk cId="2620471646" sldId="274"/>
+            <ac:spMk id="3" creationId="{89455F0D-AD8E-DCE2-78D1-6E0FEF8648C0}"/>
+          </ac:spMkLst>
+        </pc:spChg>
+        <pc:spChg chg="add del mod">
+          <ac:chgData name="Eduardo Savian" userId="83fefb37af455394" providerId="Windows Live" clId="Web-{B10124E6-5CE1-46B9-81E2-9DF613E845DA}" dt="2024-05-18T19:36:20.592" v="41"/>
+          <ac:spMkLst>
+            <pc:docMk/>
+            <pc:sldMk cId="2620471646" sldId="274"/>
+            <ac:spMk id="7" creationId="{FA194680-CE60-F939-9D2E-969888CDA40F}"/>
+          </ac:spMkLst>
+        </pc:spChg>
+        <pc:picChg chg="add del mod ord">
+          <ac:chgData name="Eduardo Savian" userId="83fefb37af455394" providerId="Windows Live" clId="Web-{B10124E6-5CE1-46B9-81E2-9DF613E845DA}" dt="2024-05-18T19:36:37.342" v="45"/>
+          <ac:picMkLst>
+            <pc:docMk/>
+            <pc:sldMk cId="2620471646" sldId="274"/>
+            <ac:picMk id="8" creationId="{CF5A0A99-597A-F596-5219-39B7331894AE}"/>
+          </ac:picMkLst>
+        </pc:picChg>
+        <pc:picChg chg="add mod ord">
+          <ac:chgData name="Eduardo Savian" userId="83fefb37af455394" providerId="Windows Live" clId="Web-{B10124E6-5CE1-46B9-81E2-9DF613E845DA}" dt="2024-05-18T19:36:48.343" v="46"/>
+          <ac:picMkLst>
+            <pc:docMk/>
+            <pc:sldMk cId="2620471646" sldId="274"/>
+            <ac:picMk id="9" creationId="{6B3D4CF9-E4D9-CE70-77E7-5B5CC17A207F}"/>
+          </ac:picMkLst>
+        </pc:picChg>
+      </pc:sldChg>
+      <pc:sldChg chg="modSp new del">
+        <pc:chgData name="Eduardo Savian" userId="83fefb37af455394" providerId="Windows Live" clId="Web-{B10124E6-5CE1-46B9-81E2-9DF613E845DA}" dt="2024-05-18T19:36:16.686" v="37"/>
+        <pc:sldMkLst>
+          <pc:docMk/>
+          <pc:sldMk cId="22181432" sldId="275"/>
+        </pc:sldMkLst>
+        <pc:spChg chg="mod">
+          <ac:chgData name="Eduardo Savian" userId="83fefb37af455394" providerId="Windows Live" clId="Web-{B10124E6-5CE1-46B9-81E2-9DF613E845DA}" dt="2024-05-18T19:36:15.623" v="36"/>
+          <ac:spMkLst>
+            <pc:docMk/>
+            <pc:sldMk cId="22181432" sldId="275"/>
+            <ac:spMk id="3" creationId="{E48659BD-2243-9220-1B20-084CA9C015C0}"/>
+          </ac:spMkLst>
+        </pc:spChg>
+      </pc:sldChg>
+      <pc:sldChg chg="addSp delSp modSp new">
+        <pc:chgData name="Eduardo Savian" userId="83fefb37af455394" providerId="Windows Live" clId="Web-{B10124E6-5CE1-46B9-81E2-9DF613E845DA}" dt="2024-05-18T19:37:28.234" v="48"/>
+        <pc:sldMkLst>
+          <pc:docMk/>
+          <pc:sldMk cId="346760889" sldId="275"/>
+        </pc:sldMkLst>
+        <pc:spChg chg="del">
+          <ac:chgData name="Eduardo Savian" userId="83fefb37af455394" providerId="Windows Live" clId="Web-{B10124E6-5CE1-46B9-81E2-9DF613E845DA}" dt="2024-05-18T19:37:28.234" v="48"/>
+          <ac:spMkLst>
+            <pc:docMk/>
+            <pc:sldMk cId="346760889" sldId="275"/>
+            <ac:spMk id="3" creationId="{109E92D5-FAD7-5BC1-1534-06038A2AA196}"/>
+          </ac:spMkLst>
+        </pc:spChg>
+        <pc:picChg chg="add mod ord">
+          <ac:chgData name="Eduardo Savian" userId="83fefb37af455394" providerId="Windows Live" clId="Web-{B10124E6-5CE1-46B9-81E2-9DF613E845DA}" dt="2024-05-18T19:37:28.234" v="48"/>
+          <ac:picMkLst>
+            <pc:docMk/>
+            <pc:sldMk cId="346760889" sldId="275"/>
+            <ac:picMk id="7" creationId="{C8BADD49-1D18-6B75-7A7D-8B2089EF92EB}"/>
+          </ac:picMkLst>
+        </pc:picChg>
+      </pc:sldChg>
+    </pc:docChg>
+  </pc:docChgLst>
+  <pc:docChgLst>
+    <pc:chgData name="Eduardo Savian" userId="83fefb37af455394" providerId="LiveId" clId="{212EF4F1-877B-4B80-88EE-35A0BC77C71A}"/>
+    <pc:docChg chg="custSel addSld modSld">
+      <pc:chgData name="Eduardo Savian" userId="83fefb37af455394" providerId="LiveId" clId="{212EF4F1-877B-4B80-88EE-35A0BC77C71A}" dt="2024-05-03T19:36:56.092" v="52" actId="20577"/>
+      <pc:docMkLst>
+        <pc:docMk/>
+      </pc:docMkLst>
+      <pc:sldChg chg="modSp new mod">
+        <pc:chgData name="Eduardo Savian" userId="83fefb37af455394" providerId="LiveId" clId="{212EF4F1-877B-4B80-88EE-35A0BC77C71A}" dt="2024-05-03T18:53:11.223" v="29" actId="20577"/>
+        <pc:sldMkLst>
+          <pc:docMk/>
+          <pc:sldMk cId="3775945265" sldId="257"/>
+        </pc:sldMkLst>
+        <pc:spChg chg="mod">
+          <ac:chgData name="Eduardo Savian" userId="83fefb37af455394" providerId="LiveId" clId="{212EF4F1-877B-4B80-88EE-35A0BC77C71A}" dt="2024-05-03T18:53:11.223" v="29" actId="20577"/>
+          <ac:spMkLst>
+            <pc:docMk/>
+            <pc:sldMk cId="3775945265" sldId="257"/>
+            <ac:spMk id="2" creationId="{D6ADE00D-4311-50C4-8DF9-71AEE4CBFBA6}"/>
+          </ac:spMkLst>
+        </pc:spChg>
+      </pc:sldChg>
+      <pc:sldChg chg="modSp new mod">
+        <pc:chgData name="Eduardo Savian" userId="83fefb37af455394" providerId="LiveId" clId="{212EF4F1-877B-4B80-88EE-35A0BC77C71A}" dt="2024-05-03T19:36:56.092" v="52" actId="20577"/>
+        <pc:sldMkLst>
+          <pc:docMk/>
+          <pc:sldMk cId="1767302655" sldId="258"/>
+        </pc:sldMkLst>
+        <pc:spChg chg="mod">
+          <ac:chgData name="Eduardo Savian" userId="83fefb37af455394" providerId="LiveId" clId="{212EF4F1-877B-4B80-88EE-35A0BC77C71A}" dt="2024-05-03T19:36:56.092" v="52" actId="20577"/>
+          <ac:spMkLst>
+            <pc:docMk/>
+            <pc:sldMk cId="1767302655" sldId="258"/>
+            <ac:spMk id="2" creationId="{3DA2759E-6509-5739-997F-79FBA3389A58}"/>
+          </ac:spMkLst>
+        </pc:spChg>
+      </pc:sldChg>
+      <pc:sldChg chg="new">
+        <pc:chgData name="Eduardo Savian" userId="83fefb37af455394" providerId="LiveId" clId="{212EF4F1-877B-4B80-88EE-35A0BC77C71A}" dt="2024-05-03T18:52:10.151" v="2" actId="680"/>
+        <pc:sldMkLst>
+          <pc:docMk/>
+          <pc:sldMk cId="1967995460" sldId="259"/>
+        </pc:sldMkLst>
+      </pc:sldChg>
+      <pc:sldChg chg="delSp modSp new mod">
+        <pc:chgData name="Eduardo Savian" userId="83fefb37af455394" providerId="LiveId" clId="{212EF4F1-877B-4B80-88EE-35A0BC77C71A}" dt="2024-05-03T18:53:01.392" v="19" actId="1076"/>
+        <pc:sldMkLst>
+          <pc:docMk/>
+          <pc:sldMk cId="2210678312" sldId="260"/>
+        </pc:sldMkLst>
+        <pc:spChg chg="mod">
+          <ac:chgData name="Eduardo Savian" userId="83fefb37af455394" providerId="LiveId" clId="{212EF4F1-877B-4B80-88EE-35A0BC77C71A}" dt="2024-05-03T18:53:01.392" v="19" actId="1076"/>
+          <ac:spMkLst>
+            <pc:docMk/>
+            <pc:sldMk cId="2210678312" sldId="260"/>
+            <ac:spMk id="2" creationId="{B1F35A36-4B8A-CC21-A7B3-D24FC5357485}"/>
+          </ac:spMkLst>
+        </pc:spChg>
+        <pc:spChg chg="del">
+          <ac:chgData name="Eduardo Savian" userId="83fefb37af455394" providerId="LiveId" clId="{212EF4F1-877B-4B80-88EE-35A0BC77C71A}" dt="2024-05-03T18:52:32.529" v="12" actId="478"/>
+          <ac:spMkLst>
+            <pc:docMk/>
+            <pc:sldMk cId="2210678312" sldId="260"/>
+            <ac:spMk id="3" creationId="{4F31A53A-45B9-5159-56F8-275BCFA8167B}"/>
+          </ac:spMkLst>
+        </pc:spChg>
+      </pc:sldChg>
+    </pc:docChg>
+  </pc:docChgLst>
   <pc:docChgLst>
     <pc:chgData name="Eduardo Savian" userId="83fefb37af455394" providerId="Windows Live" clId="Web-{236A428B-EB3A-4EDA-8B94-5C42A3C67680}"/>
     <pc:docChg chg="modSld addMainMaster delMainMaster">
@@ -622,6 +974,2252 @@
           </pc:sldLayoutMkLst>
         </pc:sldLayoutChg>
       </pc:sldMasterChg>
+    </pc:docChg>
+  </pc:docChgLst>
+  <pc:docChgLst>
+    <pc:chgData name="Eduardo Savian" userId="83fefb37af455394" providerId="LiveId" clId="{9027FE1D-C861-432B-B1C8-11A99DB4171A}"/>
+    <pc:docChg chg="undo redo custSel addSld delSld modSld sldOrd">
+      <pc:chgData name="Eduardo Savian" userId="83fefb37af455394" providerId="LiveId" clId="{9027FE1D-C861-432B-B1C8-11A99DB4171A}" dt="2024-05-08T21:45:57.566" v="977" actId="27636"/>
+      <pc:docMkLst>
+        <pc:docMk/>
+      </pc:docMkLst>
+      <pc:sldChg chg="modSp mod">
+        <pc:chgData name="Eduardo Savian" userId="83fefb37af455394" providerId="LiveId" clId="{9027FE1D-C861-432B-B1C8-11A99DB4171A}" dt="2024-05-08T21:26:36.303" v="783" actId="20577"/>
+        <pc:sldMkLst>
+          <pc:docMk/>
+          <pc:sldMk cId="3775945265" sldId="257"/>
+        </pc:sldMkLst>
+        <pc:spChg chg="mod">
+          <ac:chgData name="Eduardo Savian" userId="83fefb37af455394" providerId="LiveId" clId="{9027FE1D-C861-432B-B1C8-11A99DB4171A}" dt="2024-05-08T21:26:36.303" v="783" actId="20577"/>
+          <ac:spMkLst>
+            <pc:docMk/>
+            <pc:sldMk cId="3775945265" sldId="257"/>
+            <ac:spMk id="3" creationId="{A3B4ADFF-18FA-819A-E2DD-F32D67BA3A8E}"/>
+          </ac:spMkLst>
+        </pc:spChg>
+      </pc:sldChg>
+      <pc:sldChg chg="add del">
+        <pc:chgData name="Eduardo Savian" userId="83fefb37af455394" providerId="LiveId" clId="{9027FE1D-C861-432B-B1C8-11A99DB4171A}" dt="2024-05-08T21:05:36.378" v="77" actId="2696"/>
+        <pc:sldMkLst>
+          <pc:docMk/>
+          <pc:sldMk cId="1767302655" sldId="258"/>
+        </pc:sldMkLst>
+      </pc:sldChg>
+      <pc:sldChg chg="addSp delSp modSp mod">
+        <pc:chgData name="Eduardo Savian" userId="83fefb37af455394" providerId="LiveId" clId="{9027FE1D-C861-432B-B1C8-11A99DB4171A}" dt="2024-05-08T21:28:22.277" v="799" actId="20577"/>
+        <pc:sldMkLst>
+          <pc:docMk/>
+          <pc:sldMk cId="1967995460" sldId="259"/>
+        </pc:sldMkLst>
+        <pc:spChg chg="mod">
+          <ac:chgData name="Eduardo Savian" userId="83fefb37af455394" providerId="LiveId" clId="{9027FE1D-C861-432B-B1C8-11A99DB4171A}" dt="2024-05-08T21:28:22.277" v="799" actId="20577"/>
+          <ac:spMkLst>
+            <pc:docMk/>
+            <pc:sldMk cId="1967995460" sldId="259"/>
+            <ac:spMk id="2" creationId="{39887D89-22FC-622C-690A-E2571C8358CE}"/>
+          </ac:spMkLst>
+        </pc:spChg>
+        <pc:spChg chg="add del mod">
+          <ac:chgData name="Eduardo Savian" userId="83fefb37af455394" providerId="LiveId" clId="{9027FE1D-C861-432B-B1C8-11A99DB4171A}" dt="2024-05-08T20:59:00.383" v="7" actId="22"/>
+          <ac:spMkLst>
+            <pc:docMk/>
+            <pc:sldMk cId="1967995460" sldId="259"/>
+            <ac:spMk id="3" creationId="{D18A5516-B06F-36C5-F2E3-84103FADF1AC}"/>
+          </ac:spMkLst>
+        </pc:spChg>
+        <pc:picChg chg="add del mod ord">
+          <ac:chgData name="Eduardo Savian" userId="83fefb37af455394" providerId="LiveId" clId="{9027FE1D-C861-432B-B1C8-11A99DB4171A}" dt="2024-05-08T20:58:36.385" v="4" actId="22"/>
+          <ac:picMkLst>
+            <pc:docMk/>
+            <pc:sldMk cId="1967995460" sldId="259"/>
+            <ac:picMk id="8" creationId="{52C2B709-56B2-20E2-768C-306D1D6965DE}"/>
+          </ac:picMkLst>
+        </pc:picChg>
+        <pc:picChg chg="add del mod ord">
+          <ac:chgData name="Eduardo Savian" userId="83fefb37af455394" providerId="LiveId" clId="{9027FE1D-C861-432B-B1C8-11A99DB4171A}" dt="2024-05-08T20:58:39.915" v="6" actId="22"/>
+          <ac:picMkLst>
+            <pc:docMk/>
+            <pc:sldMk cId="1967995460" sldId="259"/>
+            <ac:picMk id="10" creationId="{16A63DAA-E59A-D7A3-B358-FD699D848CF5}"/>
+          </ac:picMkLst>
+        </pc:picChg>
+        <pc:picChg chg="add mod ord">
+          <ac:chgData name="Eduardo Savian" userId="83fefb37af455394" providerId="LiveId" clId="{9027FE1D-C861-432B-B1C8-11A99DB4171A}" dt="2024-05-08T20:59:07.023" v="10" actId="1076"/>
+          <ac:picMkLst>
+            <pc:docMk/>
+            <pc:sldMk cId="1967995460" sldId="259"/>
+            <ac:picMk id="12" creationId="{91EFBEF1-DAB5-FE3F-2356-678CD9318547}"/>
+          </ac:picMkLst>
+        </pc:picChg>
+      </pc:sldChg>
+      <pc:sldChg chg="addSp delSp modSp new mod ord">
+        <pc:chgData name="Eduardo Savian" userId="83fefb37af455394" providerId="LiveId" clId="{9027FE1D-C861-432B-B1C8-11A99DB4171A}" dt="2024-05-08T21:28:50.537" v="801"/>
+        <pc:sldMkLst>
+          <pc:docMk/>
+          <pc:sldMk cId="2753850936" sldId="261"/>
+        </pc:sldMkLst>
+        <pc:spChg chg="mod">
+          <ac:chgData name="Eduardo Savian" userId="83fefb37af455394" providerId="LiveId" clId="{9027FE1D-C861-432B-B1C8-11A99DB4171A}" dt="2024-05-08T21:06:06.138" v="144" actId="20577"/>
+          <ac:spMkLst>
+            <pc:docMk/>
+            <pc:sldMk cId="2753850936" sldId="261"/>
+            <ac:spMk id="2" creationId="{B4FB27EB-9630-9CCA-54BD-82695DF6A1E3}"/>
+          </ac:spMkLst>
+        </pc:spChg>
+        <pc:spChg chg="del mod">
+          <ac:chgData name="Eduardo Savian" userId="83fefb37af455394" providerId="LiveId" clId="{9027FE1D-C861-432B-B1C8-11A99DB4171A}" dt="2024-05-08T20:59:30.147" v="16" actId="22"/>
+          <ac:spMkLst>
+            <pc:docMk/>
+            <pc:sldMk cId="2753850936" sldId="261"/>
+            <ac:spMk id="3" creationId="{E95B3CCF-9410-58FF-EF97-ACA0442401C7}"/>
+          </ac:spMkLst>
+        </pc:spChg>
+        <pc:spChg chg="add del mod">
+          <ac:chgData name="Eduardo Savian" userId="83fefb37af455394" providerId="LiveId" clId="{9027FE1D-C861-432B-B1C8-11A99DB4171A}" dt="2024-05-08T20:59:54.887" v="20" actId="22"/>
+          <ac:spMkLst>
+            <pc:docMk/>
+            <pc:sldMk cId="2753850936" sldId="261"/>
+            <ac:spMk id="10" creationId="{C00765DB-66B9-6550-7CC5-D2D64B7208C9}"/>
+          </ac:spMkLst>
+        </pc:spChg>
+        <pc:picChg chg="add del mod ord">
+          <ac:chgData name="Eduardo Savian" userId="83fefb37af455394" providerId="LiveId" clId="{9027FE1D-C861-432B-B1C8-11A99DB4171A}" dt="2024-05-08T20:59:52.630" v="17" actId="478"/>
+          <ac:picMkLst>
+            <pc:docMk/>
+            <pc:sldMk cId="2753850936" sldId="261"/>
+            <ac:picMk id="8" creationId="{A42A3D5C-9BC3-F8AC-7056-D24B0741EB76}"/>
+          </ac:picMkLst>
+        </pc:picChg>
+        <pc:picChg chg="add del">
+          <ac:chgData name="Eduardo Savian" userId="83fefb37af455394" providerId="LiveId" clId="{9027FE1D-C861-432B-B1C8-11A99DB4171A}" dt="2024-05-08T20:59:53.501" v="19" actId="22"/>
+          <ac:picMkLst>
+            <pc:docMk/>
+            <pc:sldMk cId="2753850936" sldId="261"/>
+            <ac:picMk id="12" creationId="{685AB56C-9814-1B1C-3041-DA15E139136D}"/>
+          </ac:picMkLst>
+        </pc:picChg>
+        <pc:picChg chg="add mod ord">
+          <ac:chgData name="Eduardo Savian" userId="83fefb37af455394" providerId="LiveId" clId="{9027FE1D-C861-432B-B1C8-11A99DB4171A}" dt="2024-05-08T20:59:54.887" v="20" actId="22"/>
+          <ac:picMkLst>
+            <pc:docMk/>
+            <pc:sldMk cId="2753850936" sldId="261"/>
+            <ac:picMk id="14" creationId="{CB3B0777-5292-ECBA-8C1A-6098EEFCD096}"/>
+          </ac:picMkLst>
+        </pc:picChg>
+      </pc:sldChg>
+      <pc:sldChg chg="addSp delSp modSp new mod ord">
+        <pc:chgData name="Eduardo Savian" userId="83fefb37af455394" providerId="LiveId" clId="{9027FE1D-C861-432B-B1C8-11A99DB4171A}" dt="2024-05-08T21:08:06.085" v="253" actId="1076"/>
+        <pc:sldMkLst>
+          <pc:docMk/>
+          <pc:sldMk cId="4074611433" sldId="262"/>
+        </pc:sldMkLst>
+        <pc:spChg chg="mod">
+          <ac:chgData name="Eduardo Savian" userId="83fefb37af455394" providerId="LiveId" clId="{9027FE1D-C861-432B-B1C8-11A99DB4171A}" dt="2024-05-08T21:07:41.346" v="248" actId="20577"/>
+          <ac:spMkLst>
+            <pc:docMk/>
+            <pc:sldMk cId="4074611433" sldId="262"/>
+            <ac:spMk id="2" creationId="{E2040403-79F0-823D-2409-D5E0B58B5402}"/>
+          </ac:spMkLst>
+        </pc:spChg>
+        <pc:spChg chg="del">
+          <ac:chgData name="Eduardo Savian" userId="83fefb37af455394" providerId="LiveId" clId="{9027FE1D-C861-432B-B1C8-11A99DB4171A}" dt="2024-05-08T21:00:17.889" v="21" actId="22"/>
+          <ac:spMkLst>
+            <pc:docMk/>
+            <pc:sldMk cId="4074611433" sldId="262"/>
+            <ac:spMk id="3" creationId="{560C1123-B873-3316-1617-C06231828F24}"/>
+          </ac:spMkLst>
+        </pc:spChg>
+        <pc:picChg chg="add mod ord">
+          <ac:chgData name="Eduardo Savian" userId="83fefb37af455394" providerId="LiveId" clId="{9027FE1D-C861-432B-B1C8-11A99DB4171A}" dt="2024-05-08T21:08:06.085" v="253" actId="1076"/>
+          <ac:picMkLst>
+            <pc:docMk/>
+            <pc:sldMk cId="4074611433" sldId="262"/>
+            <ac:picMk id="8" creationId="{5EE782DC-34E0-2145-3B71-7A7901F7FC0E}"/>
+          </ac:picMkLst>
+        </pc:picChg>
+      </pc:sldChg>
+      <pc:sldChg chg="addSp delSp modSp new mod">
+        <pc:chgData name="Eduardo Savian" userId="83fefb37af455394" providerId="LiveId" clId="{9027FE1D-C861-432B-B1C8-11A99DB4171A}" dt="2024-05-08T21:09:09.085" v="265" actId="14100"/>
+        <pc:sldMkLst>
+          <pc:docMk/>
+          <pc:sldMk cId="922261976" sldId="263"/>
+        </pc:sldMkLst>
+        <pc:spChg chg="mod">
+          <ac:chgData name="Eduardo Savian" userId="83fefb37af455394" providerId="LiveId" clId="{9027FE1D-C861-432B-B1C8-11A99DB4171A}" dt="2024-05-08T21:06:29.059" v="173" actId="20577"/>
+          <ac:spMkLst>
+            <pc:docMk/>
+            <pc:sldMk cId="922261976" sldId="263"/>
+            <ac:spMk id="2" creationId="{8CA5BA22-DDB8-EA28-662F-932D9B518648}"/>
+          </ac:spMkLst>
+        </pc:spChg>
+        <pc:spChg chg="del">
+          <ac:chgData name="Eduardo Savian" userId="83fefb37af455394" providerId="LiveId" clId="{9027FE1D-C861-432B-B1C8-11A99DB4171A}" dt="2024-05-08T21:00:38.812" v="24" actId="22"/>
+          <ac:spMkLst>
+            <pc:docMk/>
+            <pc:sldMk cId="922261976" sldId="263"/>
+            <ac:spMk id="3" creationId="{A1C9E8BB-698A-B1B5-023C-3782C298794E}"/>
+          </ac:spMkLst>
+        </pc:spChg>
+        <pc:spChg chg="add del mod">
+          <ac:chgData name="Eduardo Savian" userId="83fefb37af455394" providerId="LiveId" clId="{9027FE1D-C861-432B-B1C8-11A99DB4171A}" dt="2024-05-08T21:09:06.349" v="264" actId="22"/>
+          <ac:spMkLst>
+            <pc:docMk/>
+            <pc:sldMk cId="922261976" sldId="263"/>
+            <ac:spMk id="10" creationId="{16771269-BF36-F3C5-01E9-A007977794A6}"/>
+          </ac:spMkLst>
+        </pc:spChg>
+        <pc:spChg chg="add del">
+          <ac:chgData name="Eduardo Savian" userId="83fefb37af455394" providerId="LiveId" clId="{9027FE1D-C861-432B-B1C8-11A99DB4171A}" dt="2024-05-08T21:08:54.852" v="256" actId="22"/>
+          <ac:spMkLst>
+            <pc:docMk/>
+            <pc:sldMk cId="922261976" sldId="263"/>
+            <ac:spMk id="12" creationId="{27873F30-40D0-5B6D-5037-21289261EC30}"/>
+          </ac:spMkLst>
+        </pc:spChg>
+        <pc:picChg chg="add del mod ord">
+          <ac:chgData name="Eduardo Savian" userId="83fefb37af455394" providerId="LiveId" clId="{9027FE1D-C861-432B-B1C8-11A99DB4171A}" dt="2024-05-08T21:08:54.091" v="254" actId="478"/>
+          <ac:picMkLst>
+            <pc:docMk/>
+            <pc:sldMk cId="922261976" sldId="263"/>
+            <ac:picMk id="8" creationId="{B1CC22E3-EFFB-7223-F08A-0A40E94AE260}"/>
+          </ac:picMkLst>
+        </pc:picChg>
+        <pc:picChg chg="add del">
+          <ac:chgData name="Eduardo Savian" userId="83fefb37af455394" providerId="LiveId" clId="{9027FE1D-C861-432B-B1C8-11A99DB4171A}" dt="2024-05-08T21:09:04.535" v="262" actId="22"/>
+          <ac:picMkLst>
+            <pc:docMk/>
+            <pc:sldMk cId="922261976" sldId="263"/>
+            <ac:picMk id="14" creationId="{3CEAAAE0-FFCC-E7A5-3D69-A09E8FC2F9CE}"/>
+          </ac:picMkLst>
+        </pc:picChg>
+        <pc:picChg chg="add mod ord">
+          <ac:chgData name="Eduardo Savian" userId="83fefb37af455394" providerId="LiveId" clId="{9027FE1D-C861-432B-B1C8-11A99DB4171A}" dt="2024-05-08T21:09:09.085" v="265" actId="14100"/>
+          <ac:picMkLst>
+            <pc:docMk/>
+            <pc:sldMk cId="922261976" sldId="263"/>
+            <ac:picMk id="16" creationId="{F3F62092-4A47-DE51-7B8F-649D763BBB50}"/>
+          </ac:picMkLst>
+        </pc:picChg>
+      </pc:sldChg>
+      <pc:sldChg chg="addSp delSp modSp new mod ord">
+        <pc:chgData name="Eduardo Savian" userId="83fefb37af455394" providerId="LiveId" clId="{9027FE1D-C861-432B-B1C8-11A99DB4171A}" dt="2024-05-08T21:05:28.571" v="76" actId="1076"/>
+        <pc:sldMkLst>
+          <pc:docMk/>
+          <pc:sldMk cId="2804307500" sldId="264"/>
+        </pc:sldMkLst>
+        <pc:spChg chg="mod">
+          <ac:chgData name="Eduardo Savian" userId="83fefb37af455394" providerId="LiveId" clId="{9027FE1D-C861-432B-B1C8-11A99DB4171A}" dt="2024-05-08T21:04:38.025" v="55" actId="20577"/>
+          <ac:spMkLst>
+            <pc:docMk/>
+            <pc:sldMk cId="2804307500" sldId="264"/>
+            <ac:spMk id="2" creationId="{714336CA-46CB-E909-FCA2-DB7B50170DF0}"/>
+          </ac:spMkLst>
+        </pc:spChg>
+        <pc:spChg chg="del">
+          <ac:chgData name="Eduardo Savian" userId="83fefb37af455394" providerId="LiveId" clId="{9027FE1D-C861-432B-B1C8-11A99DB4171A}" dt="2024-05-08T21:03:25.944" v="34" actId="22"/>
+          <ac:spMkLst>
+            <pc:docMk/>
+            <pc:sldMk cId="2804307500" sldId="264"/>
+            <ac:spMk id="3" creationId="{1450566D-5868-09C0-EAAE-B766FBD4D56A}"/>
+          </ac:spMkLst>
+        </pc:spChg>
+        <pc:picChg chg="add mod ord">
+          <ac:chgData name="Eduardo Savian" userId="83fefb37af455394" providerId="LiveId" clId="{9027FE1D-C861-432B-B1C8-11A99DB4171A}" dt="2024-05-08T21:05:28.571" v="76" actId="1076"/>
+          <ac:picMkLst>
+            <pc:docMk/>
+            <pc:sldMk cId="2804307500" sldId="264"/>
+            <ac:picMk id="8" creationId="{00F452FC-2464-3821-2B96-E293938164EB}"/>
+          </ac:picMkLst>
+        </pc:picChg>
+      </pc:sldChg>
+      <pc:sldChg chg="addSp delSp modSp new mod ord">
+        <pc:chgData name="Eduardo Savian" userId="83fefb37af455394" providerId="LiveId" clId="{9027FE1D-C861-432B-B1C8-11A99DB4171A}" dt="2024-05-08T21:29:14.113" v="811" actId="20577"/>
+        <pc:sldMkLst>
+          <pc:docMk/>
+          <pc:sldMk cId="1498387516" sldId="265"/>
+        </pc:sldMkLst>
+        <pc:spChg chg="mod">
+          <ac:chgData name="Eduardo Savian" userId="83fefb37af455394" providerId="LiveId" clId="{9027FE1D-C861-432B-B1C8-11A99DB4171A}" dt="2024-05-08T21:29:14.113" v="811" actId="20577"/>
+          <ac:spMkLst>
+            <pc:docMk/>
+            <pc:sldMk cId="1498387516" sldId="265"/>
+            <ac:spMk id="2" creationId="{017149C2-F1C9-B662-3A74-0B3F0A9B813C}"/>
+          </ac:spMkLst>
+        </pc:spChg>
+        <pc:spChg chg="del">
+          <ac:chgData name="Eduardo Savian" userId="83fefb37af455394" providerId="LiveId" clId="{9027FE1D-C861-432B-B1C8-11A99DB4171A}" dt="2024-05-08T21:01:37.067" v="27" actId="22"/>
+          <ac:spMkLst>
+            <pc:docMk/>
+            <pc:sldMk cId="1498387516" sldId="265"/>
+            <ac:spMk id="3" creationId="{E26508B0-20C1-63BE-B087-39A3791B45B5}"/>
+          </ac:spMkLst>
+        </pc:spChg>
+        <pc:picChg chg="add mod ord">
+          <ac:chgData name="Eduardo Savian" userId="83fefb37af455394" providerId="LiveId" clId="{9027FE1D-C861-432B-B1C8-11A99DB4171A}" dt="2024-05-08T21:01:37.067" v="27" actId="22"/>
+          <ac:picMkLst>
+            <pc:docMk/>
+            <pc:sldMk cId="1498387516" sldId="265"/>
+            <ac:picMk id="8" creationId="{7C901518-C422-89C1-6369-69ED99F70AF8}"/>
+          </ac:picMkLst>
+        </pc:picChg>
+      </pc:sldChg>
+      <pc:sldChg chg="addSp delSp modSp new mod ord">
+        <pc:chgData name="Eduardo Savian" userId="83fefb37af455394" providerId="LiveId" clId="{9027FE1D-C861-432B-B1C8-11A99DB4171A}" dt="2024-05-08T21:07:11.088" v="221"/>
+        <pc:sldMkLst>
+          <pc:docMk/>
+          <pc:sldMk cId="1606520421" sldId="266"/>
+        </pc:sldMkLst>
+        <pc:spChg chg="mod">
+          <ac:chgData name="Eduardo Savian" userId="83fefb37af455394" providerId="LiveId" clId="{9027FE1D-C861-432B-B1C8-11A99DB4171A}" dt="2024-05-08T21:07:03.830" v="217"/>
+          <ac:spMkLst>
+            <pc:docMk/>
+            <pc:sldMk cId="1606520421" sldId="266"/>
+            <ac:spMk id="2" creationId="{06A686DF-65D1-C31B-9C66-BF7F4C7748DA}"/>
+          </ac:spMkLst>
+        </pc:spChg>
+        <pc:spChg chg="add del mod">
+          <ac:chgData name="Eduardo Savian" userId="83fefb37af455394" providerId="LiveId" clId="{9027FE1D-C861-432B-B1C8-11A99DB4171A}" dt="2024-05-08T21:02:51.476" v="33" actId="22"/>
+          <ac:spMkLst>
+            <pc:docMk/>
+            <pc:sldMk cId="1606520421" sldId="266"/>
+            <ac:spMk id="3" creationId="{65BE490F-FCAB-EE5E-5EC1-B7ED12E47A30}"/>
+          </ac:spMkLst>
+        </pc:spChg>
+        <pc:picChg chg="add del mod ord">
+          <ac:chgData name="Eduardo Savian" userId="83fefb37af455394" providerId="LiveId" clId="{9027FE1D-C861-432B-B1C8-11A99DB4171A}" dt="2024-05-08T21:02:49.808" v="32" actId="22"/>
+          <ac:picMkLst>
+            <pc:docMk/>
+            <pc:sldMk cId="1606520421" sldId="266"/>
+            <ac:picMk id="8" creationId="{2AE49F3C-725C-33E5-B0B9-6E0E4A36FBC2}"/>
+          </ac:picMkLst>
+        </pc:picChg>
+        <pc:picChg chg="add mod ord">
+          <ac:chgData name="Eduardo Savian" userId="83fefb37af455394" providerId="LiveId" clId="{9027FE1D-C861-432B-B1C8-11A99DB4171A}" dt="2024-05-08T21:02:51.476" v="33" actId="22"/>
+          <ac:picMkLst>
+            <pc:docMk/>
+            <pc:sldMk cId="1606520421" sldId="266"/>
+            <ac:picMk id="10" creationId="{1977DA46-0F53-57B2-6472-D211005044D0}"/>
+          </ac:picMkLst>
+        </pc:picChg>
+      </pc:sldChg>
+      <pc:sldChg chg="addSp delSp modSp new mod ord">
+        <pc:chgData name="Eduardo Savian" userId="83fefb37af455394" providerId="LiveId" clId="{9027FE1D-C861-432B-B1C8-11A99DB4171A}" dt="2024-05-08T21:05:19.857" v="72" actId="1076"/>
+        <pc:sldMkLst>
+          <pc:docMk/>
+          <pc:sldMk cId="3546819228" sldId="267"/>
+        </pc:sldMkLst>
+        <pc:spChg chg="mod">
+          <ac:chgData name="Eduardo Savian" userId="83fefb37af455394" providerId="LiveId" clId="{9027FE1D-C861-432B-B1C8-11A99DB4171A}" dt="2024-05-08T21:05:12.625" v="70" actId="20577"/>
+          <ac:spMkLst>
+            <pc:docMk/>
+            <pc:sldMk cId="3546819228" sldId="267"/>
+            <ac:spMk id="2" creationId="{30C56C44-CE58-41CD-29E4-49176BAA2E4E}"/>
+          </ac:spMkLst>
+        </pc:spChg>
+        <pc:spChg chg="del">
+          <ac:chgData name="Eduardo Savian" userId="83fefb37af455394" providerId="LiveId" clId="{9027FE1D-C861-432B-B1C8-11A99DB4171A}" dt="2024-05-08T21:03:46.184" v="36" actId="22"/>
+          <ac:spMkLst>
+            <pc:docMk/>
+            <pc:sldMk cId="3546819228" sldId="267"/>
+            <ac:spMk id="3" creationId="{47AFF63C-BFAA-DB6B-D078-6A65337EC5AD}"/>
+          </ac:spMkLst>
+        </pc:spChg>
+        <pc:picChg chg="add mod ord">
+          <ac:chgData name="Eduardo Savian" userId="83fefb37af455394" providerId="LiveId" clId="{9027FE1D-C861-432B-B1C8-11A99DB4171A}" dt="2024-05-08T21:05:19.857" v="72" actId="1076"/>
+          <ac:picMkLst>
+            <pc:docMk/>
+            <pc:sldMk cId="3546819228" sldId="267"/>
+            <ac:picMk id="8" creationId="{9144A76C-7831-775B-9992-B2783F29472A}"/>
+          </ac:picMkLst>
+        </pc:picChg>
+      </pc:sldChg>
+      <pc:sldChg chg="modSp new mod">
+        <pc:chgData name="Eduardo Savian" userId="83fefb37af455394" providerId="LiveId" clId="{9027FE1D-C861-432B-B1C8-11A99DB4171A}" dt="2024-05-08T21:45:57.566" v="977" actId="27636"/>
+        <pc:sldMkLst>
+          <pc:docMk/>
+          <pc:sldMk cId="2097304172" sldId="268"/>
+        </pc:sldMkLst>
+        <pc:spChg chg="mod">
+          <ac:chgData name="Eduardo Savian" userId="83fefb37af455394" providerId="LiveId" clId="{9027FE1D-C861-432B-B1C8-11A99DB4171A}" dt="2024-05-08T21:13:49.235" v="495" actId="20577"/>
+          <ac:spMkLst>
+            <pc:docMk/>
+            <pc:sldMk cId="2097304172" sldId="268"/>
+            <ac:spMk id="2" creationId="{4E319447-D02E-7C4B-241A-4A96C7ABC44D}"/>
+          </ac:spMkLst>
+        </pc:spChg>
+        <pc:spChg chg="mod">
+          <ac:chgData name="Eduardo Savian" userId="83fefb37af455394" providerId="LiveId" clId="{9027FE1D-C861-432B-B1C8-11A99DB4171A}" dt="2024-05-08T21:45:57.566" v="977" actId="27636"/>
+          <ac:spMkLst>
+            <pc:docMk/>
+            <pc:sldMk cId="2097304172" sldId="268"/>
+            <ac:spMk id="3" creationId="{DF5ABD57-ADCB-25E7-5CDB-095C18654DD9}"/>
+          </ac:spMkLst>
+        </pc:spChg>
+      </pc:sldChg>
+      <pc:sldChg chg="modSp new mod">
+        <pc:chgData name="Eduardo Savian" userId="83fefb37af455394" providerId="LiveId" clId="{9027FE1D-C861-432B-B1C8-11A99DB4171A}" dt="2024-05-08T21:37:22.219" v="949" actId="20577"/>
+        <pc:sldMkLst>
+          <pc:docMk/>
+          <pc:sldMk cId="1839108021" sldId="269"/>
+        </pc:sldMkLst>
+        <pc:spChg chg="mod">
+          <ac:chgData name="Eduardo Savian" userId="83fefb37af455394" providerId="LiveId" clId="{9027FE1D-C861-432B-B1C8-11A99DB4171A}" dt="2024-05-08T21:21:43.938" v="703" actId="20577"/>
+          <ac:spMkLst>
+            <pc:docMk/>
+            <pc:sldMk cId="1839108021" sldId="269"/>
+            <ac:spMk id="2" creationId="{E7A62A9E-C411-78B0-B6D7-66BA12C68737}"/>
+          </ac:spMkLst>
+        </pc:spChg>
+        <pc:spChg chg="mod">
+          <ac:chgData name="Eduardo Savian" userId="83fefb37af455394" providerId="LiveId" clId="{9027FE1D-C861-432B-B1C8-11A99DB4171A}" dt="2024-05-08T21:37:22.219" v="949" actId="20577"/>
+          <ac:spMkLst>
+            <pc:docMk/>
+            <pc:sldMk cId="1839108021" sldId="269"/>
+            <ac:spMk id="3" creationId="{A0A824DE-1396-458D-85D1-532A91E9C44F}"/>
+          </ac:spMkLst>
+        </pc:spChg>
+      </pc:sldChg>
+      <pc:sldChg chg="addSp delSp modSp new del mod">
+        <pc:chgData name="Eduardo Savian" userId="83fefb37af455394" providerId="LiveId" clId="{9027FE1D-C861-432B-B1C8-11A99DB4171A}" dt="2024-05-08T21:33:17.846" v="879" actId="47"/>
+        <pc:sldMkLst>
+          <pc:docMk/>
+          <pc:sldMk cId="2996622225" sldId="270"/>
+        </pc:sldMkLst>
+        <pc:spChg chg="mod">
+          <ac:chgData name="Eduardo Savian" userId="83fefb37af455394" providerId="LiveId" clId="{9027FE1D-C861-432B-B1C8-11A99DB4171A}" dt="2024-05-08T21:30:02.737" v="823" actId="20577"/>
+          <ac:spMkLst>
+            <pc:docMk/>
+            <pc:sldMk cId="2996622225" sldId="270"/>
+            <ac:spMk id="2" creationId="{A731BD3E-581C-E6C1-BAB2-551C221408FF}"/>
+          </ac:spMkLst>
+        </pc:spChg>
+        <pc:spChg chg="del">
+          <ac:chgData name="Eduardo Savian" userId="83fefb37af455394" providerId="LiveId" clId="{9027FE1D-C861-432B-B1C8-11A99DB4171A}" dt="2024-05-08T21:30:00.132" v="816" actId="22"/>
+          <ac:spMkLst>
+            <pc:docMk/>
+            <pc:sldMk cId="2996622225" sldId="270"/>
+            <ac:spMk id="3" creationId="{3A1AF626-B7CF-6730-F525-EC9181EDE06C}"/>
+          </ac:spMkLst>
+        </pc:spChg>
+        <pc:picChg chg="add mod ord">
+          <ac:chgData name="Eduardo Savian" userId="83fefb37af455394" providerId="LiveId" clId="{9027FE1D-C861-432B-B1C8-11A99DB4171A}" dt="2024-05-08T21:30:00.132" v="816" actId="22"/>
+          <ac:picMkLst>
+            <pc:docMk/>
+            <pc:sldMk cId="2996622225" sldId="270"/>
+            <ac:picMk id="8" creationId="{D88AA93B-D1F0-EBC6-D32B-7AB33AB25023}"/>
+          </ac:picMkLst>
+        </pc:picChg>
+      </pc:sldChg>
+      <pc:sldChg chg="addSp delSp modSp new mod">
+        <pc:chgData name="Eduardo Savian" userId="83fefb37af455394" providerId="LiveId" clId="{9027FE1D-C861-432B-B1C8-11A99DB4171A}" dt="2024-05-08T21:45:39.408" v="968" actId="1076"/>
+        <pc:sldMkLst>
+          <pc:docMk/>
+          <pc:sldMk cId="1206012243" sldId="271"/>
+        </pc:sldMkLst>
+        <pc:spChg chg="mod">
+          <ac:chgData name="Eduardo Savian" userId="83fefb37af455394" providerId="LiveId" clId="{9027FE1D-C861-432B-B1C8-11A99DB4171A}" dt="2024-05-08T21:32:56.956" v="857" actId="20577"/>
+          <ac:spMkLst>
+            <pc:docMk/>
+            <pc:sldMk cId="1206012243" sldId="271"/>
+            <ac:spMk id="2" creationId="{A1FFD85E-227F-A119-5DAB-F0AEE197D36E}"/>
+          </ac:spMkLst>
+        </pc:spChg>
+        <pc:spChg chg="add del">
+          <ac:chgData name="Eduardo Savian" userId="83fefb37af455394" providerId="LiveId" clId="{9027FE1D-C861-432B-B1C8-11A99DB4171A}" dt="2024-05-08T21:30:44.824" v="826" actId="22"/>
+          <ac:spMkLst>
+            <pc:docMk/>
+            <pc:sldMk cId="1206012243" sldId="271"/>
+            <ac:spMk id="3" creationId="{E36961EA-6A69-141B-5102-C3CBC720447B}"/>
+          </ac:spMkLst>
+        </pc:spChg>
+        <pc:spChg chg="add del mod">
+          <ac:chgData name="Eduardo Savian" userId="83fefb37af455394" providerId="LiveId" clId="{9027FE1D-C861-432B-B1C8-11A99DB4171A}" dt="2024-05-08T21:44:35.735" v="959" actId="22"/>
+          <ac:spMkLst>
+            <pc:docMk/>
+            <pc:sldMk cId="1206012243" sldId="271"/>
+            <ac:spMk id="7" creationId="{EC8153B1-ADCE-3E10-7113-86591DBC55EC}"/>
+          </ac:spMkLst>
+        </pc:spChg>
+        <pc:picChg chg="add del mod ord">
+          <ac:chgData name="Eduardo Savian" userId="83fefb37af455394" providerId="LiveId" clId="{9027FE1D-C861-432B-B1C8-11A99DB4171A}" dt="2024-05-08T21:30:30.456" v="825" actId="22"/>
+          <ac:picMkLst>
+            <pc:docMk/>
+            <pc:sldMk cId="1206012243" sldId="271"/>
+            <ac:picMk id="8" creationId="{B96B0055-8BDC-9DEE-030B-B55D0304E7BC}"/>
+          </ac:picMkLst>
+        </pc:picChg>
+        <pc:picChg chg="add del mod">
+          <ac:chgData name="Eduardo Savian" userId="83fefb37af455394" providerId="LiveId" clId="{9027FE1D-C861-432B-B1C8-11A99DB4171A}" dt="2024-05-08T21:44:34.492" v="958" actId="22"/>
+          <ac:picMkLst>
+            <pc:docMk/>
+            <pc:sldMk cId="1206012243" sldId="271"/>
+            <ac:picMk id="9" creationId="{B28271F7-C59B-85CC-D6DD-47E50D7EE788}"/>
+          </ac:picMkLst>
+        </pc:picChg>
+        <pc:picChg chg="add del mod ord">
+          <ac:chgData name="Eduardo Savian" userId="83fefb37af455394" providerId="LiveId" clId="{9027FE1D-C861-432B-B1C8-11A99DB4171A}" dt="2024-05-08T21:44:30.709" v="954" actId="478"/>
+          <ac:picMkLst>
+            <pc:docMk/>
+            <pc:sldMk cId="1206012243" sldId="271"/>
+            <ac:picMk id="10" creationId="{9417624B-D04C-0DED-84E1-CA4C40EF63C8}"/>
+          </ac:picMkLst>
+        </pc:picChg>
+        <pc:picChg chg="add mod">
+          <ac:chgData name="Eduardo Savian" userId="83fefb37af455394" providerId="LiveId" clId="{9027FE1D-C861-432B-B1C8-11A99DB4171A}" dt="2024-05-08T21:31:15.003" v="830" actId="1076"/>
+          <ac:picMkLst>
+            <pc:docMk/>
+            <pc:sldMk cId="1206012243" sldId="271"/>
+            <ac:picMk id="12" creationId="{1DFCAF14-CBEA-6458-A895-9A5CB9178174}"/>
+          </ac:picMkLst>
+        </pc:picChg>
+        <pc:picChg chg="add mod ord">
+          <ac:chgData name="Eduardo Savian" userId="83fefb37af455394" providerId="LiveId" clId="{9027FE1D-C861-432B-B1C8-11A99DB4171A}" dt="2024-05-08T21:45:39.408" v="968" actId="1076"/>
+          <ac:picMkLst>
+            <pc:docMk/>
+            <pc:sldMk cId="1206012243" sldId="271"/>
+            <ac:picMk id="13" creationId="{3C812D51-3395-7F75-3A24-0973BDF2A881}"/>
+          </ac:picMkLst>
+        </pc:picChg>
+      </pc:sldChg>
+      <pc:sldChg chg="new del">
+        <pc:chgData name="Eduardo Savian" userId="83fefb37af455394" providerId="LiveId" clId="{9027FE1D-C861-432B-B1C8-11A99DB4171A}" dt="2024-05-08T21:36:17.952" v="907" actId="2696"/>
+        <pc:sldMkLst>
+          <pc:docMk/>
+          <pc:sldMk cId="3012046788" sldId="272"/>
+        </pc:sldMkLst>
+      </pc:sldChg>
+      <pc:sldChg chg="new del">
+        <pc:chgData name="Eduardo Savian" userId="83fefb37af455394" providerId="LiveId" clId="{9027FE1D-C861-432B-B1C8-11A99DB4171A}" dt="2024-05-08T21:36:20.478" v="908" actId="2696"/>
+        <pc:sldMkLst>
+          <pc:docMk/>
+          <pc:sldMk cId="645024962" sldId="273"/>
+        </pc:sldMkLst>
+      </pc:sldChg>
+      <pc:sldChg chg="addSp delSp modSp new mod">
+        <pc:chgData name="Eduardo Savian" userId="83fefb37af455394" providerId="LiveId" clId="{9027FE1D-C861-432B-B1C8-11A99DB4171A}" dt="2024-05-08T21:33:52.854" v="889" actId="1076"/>
+        <pc:sldMkLst>
+          <pc:docMk/>
+          <pc:sldMk cId="1961177669" sldId="274"/>
+        </pc:sldMkLst>
+        <pc:spChg chg="mod">
+          <ac:chgData name="Eduardo Savian" userId="83fefb37af455394" providerId="LiveId" clId="{9027FE1D-C861-432B-B1C8-11A99DB4171A}" dt="2024-05-08T21:33:12.625" v="875" actId="20577"/>
+          <ac:spMkLst>
+            <pc:docMk/>
+            <pc:sldMk cId="1961177669" sldId="274"/>
+            <ac:spMk id="2" creationId="{06D4FCB5-D603-7C18-263A-DC43F62E06AB}"/>
+          </ac:spMkLst>
+        </pc:spChg>
+        <pc:spChg chg="del">
+          <ac:chgData name="Eduardo Savian" userId="83fefb37af455394" providerId="LiveId" clId="{9027FE1D-C861-432B-B1C8-11A99DB4171A}" dt="2024-05-08T21:32:44.451" v="839" actId="22"/>
+          <ac:spMkLst>
+            <pc:docMk/>
+            <pc:sldMk cId="1961177669" sldId="274"/>
+            <ac:spMk id="3" creationId="{DB619E92-5686-5AB9-FFF8-31B49E075CFA}"/>
+          </ac:spMkLst>
+        </pc:spChg>
+        <pc:picChg chg="add del mod">
+          <ac:chgData name="Eduardo Savian" userId="83fefb37af455394" providerId="LiveId" clId="{9027FE1D-C861-432B-B1C8-11A99DB4171A}" dt="2024-05-08T21:33:43.501" v="887" actId="478"/>
+          <ac:picMkLst>
+            <pc:docMk/>
+            <pc:sldMk cId="1961177669" sldId="274"/>
+            <ac:picMk id="7" creationId="{91BB26E5-DF1E-AED7-E4F1-BBC023C4D528}"/>
+          </ac:picMkLst>
+        </pc:picChg>
+        <pc:picChg chg="add del mod">
+          <ac:chgData name="Eduardo Savian" userId="83fefb37af455394" providerId="LiveId" clId="{9027FE1D-C861-432B-B1C8-11A99DB4171A}" dt="2024-05-08T21:32:42.811" v="838" actId="22"/>
+          <ac:picMkLst>
+            <pc:docMk/>
+            <pc:sldMk cId="1961177669" sldId="274"/>
+            <ac:picMk id="9" creationId="{ACF4E41A-1300-26B1-A72A-AC2E9D2A5DD2}"/>
+          </ac:picMkLst>
+        </pc:picChg>
+        <pc:picChg chg="add mod ord">
+          <ac:chgData name="Eduardo Savian" userId="83fefb37af455394" providerId="LiveId" clId="{9027FE1D-C861-432B-B1C8-11A99DB4171A}" dt="2024-05-08T21:33:52.854" v="889" actId="1076"/>
+          <ac:picMkLst>
+            <pc:docMk/>
+            <pc:sldMk cId="1961177669" sldId="274"/>
+            <ac:picMk id="11" creationId="{02E0E287-0931-F414-F9A2-4EFE97E37BB3}"/>
+          </ac:picMkLst>
+        </pc:picChg>
+        <pc:picChg chg="add del">
+          <ac:chgData name="Eduardo Savian" userId="83fefb37af455394" providerId="LiveId" clId="{9027FE1D-C861-432B-B1C8-11A99DB4171A}" dt="2024-05-08T21:33:40.521" v="884" actId="22"/>
+          <ac:picMkLst>
+            <pc:docMk/>
+            <pc:sldMk cId="1961177669" sldId="274"/>
+            <ac:picMk id="13" creationId="{47014632-7662-7EA0-4816-93382CB706D9}"/>
+          </ac:picMkLst>
+        </pc:picChg>
+        <pc:picChg chg="add mod">
+          <ac:chgData name="Eduardo Savian" userId="83fefb37af455394" providerId="LiveId" clId="{9027FE1D-C861-432B-B1C8-11A99DB4171A}" dt="2024-05-08T21:33:45.713" v="888" actId="1076"/>
+          <ac:picMkLst>
+            <pc:docMk/>
+            <pc:sldMk cId="1961177669" sldId="274"/>
+            <ac:picMk id="15" creationId="{6A412369-67DD-9B1E-2547-D4C59F3129B6}"/>
+          </ac:picMkLst>
+        </pc:picChg>
+      </pc:sldChg>
+      <pc:sldChg chg="addSp delSp modSp new mod ord">
+        <pc:chgData name="Eduardo Savian" userId="83fefb37af455394" providerId="LiveId" clId="{9027FE1D-C861-432B-B1C8-11A99DB4171A}" dt="2024-05-08T21:45:43.386" v="969" actId="1076"/>
+        <pc:sldMkLst>
+          <pc:docMk/>
+          <pc:sldMk cId="43700074" sldId="275"/>
+        </pc:sldMkLst>
+        <pc:spChg chg="mod">
+          <ac:chgData name="Eduardo Savian" userId="83fefb37af455394" providerId="LiveId" clId="{9027FE1D-C861-432B-B1C8-11A99DB4171A}" dt="2024-05-08T21:34:05.736" v="901" actId="20577"/>
+          <ac:spMkLst>
+            <pc:docMk/>
+            <pc:sldMk cId="43700074" sldId="275"/>
+            <ac:spMk id="2" creationId="{914E3F11-14DD-8077-FB41-A3392F54C934}"/>
+          </ac:spMkLst>
+        </pc:spChg>
+        <pc:spChg chg="del">
+          <ac:chgData name="Eduardo Savian" userId="83fefb37af455394" providerId="LiveId" clId="{9027FE1D-C861-432B-B1C8-11A99DB4171A}" dt="2024-05-08T21:34:28.377" v="902" actId="22"/>
+          <ac:spMkLst>
+            <pc:docMk/>
+            <pc:sldMk cId="43700074" sldId="275"/>
+            <ac:spMk id="3" creationId="{CE4BB36B-B0A5-5C54-126D-4BB4F3BFD59D}"/>
+          </ac:spMkLst>
+        </pc:spChg>
+        <pc:spChg chg="add del mod">
+          <ac:chgData name="Eduardo Savian" userId="83fefb37af455394" providerId="LiveId" clId="{9027FE1D-C861-432B-B1C8-11A99DB4171A}" dt="2024-05-08T21:44:29.070" v="953" actId="478"/>
+          <ac:spMkLst>
+            <pc:docMk/>
+            <pc:sldMk cId="43700074" sldId="275"/>
+            <ac:spMk id="7" creationId="{EEAB86D8-3114-7A75-2C87-3995D4011F6F}"/>
+          </ac:spMkLst>
+        </pc:spChg>
+        <pc:spChg chg="add del mod">
+          <ac:chgData name="Eduardo Savian" userId="83fefb37af455394" providerId="LiveId" clId="{9027FE1D-C861-432B-B1C8-11A99DB4171A}" dt="2024-05-08T21:45:23.163" v="964" actId="22"/>
+          <ac:spMkLst>
+            <pc:docMk/>
+            <pc:sldMk cId="43700074" sldId="275"/>
+            <ac:spMk id="13" creationId="{6CB0353D-079C-DD02-C36E-B933E49A5693}"/>
+          </ac:spMkLst>
+        </pc:spChg>
+        <pc:picChg chg="add del mod">
+          <ac:chgData name="Eduardo Savian" userId="83fefb37af455394" providerId="LiveId" clId="{9027FE1D-C861-432B-B1C8-11A99DB4171A}" dt="2024-05-08T21:35:20.186" v="904" actId="478"/>
+          <ac:picMkLst>
+            <pc:docMk/>
+            <pc:sldMk cId="43700074" sldId="275"/>
+            <ac:picMk id="8" creationId="{7610941A-37BD-9C19-64D1-2358EC2E8510}"/>
+          </ac:picMkLst>
+        </pc:picChg>
+        <pc:picChg chg="add del">
+          <ac:chgData name="Eduardo Savian" userId="83fefb37af455394" providerId="LiveId" clId="{9027FE1D-C861-432B-B1C8-11A99DB4171A}" dt="2024-05-08T21:44:28.124" v="952" actId="22"/>
+          <ac:picMkLst>
+            <pc:docMk/>
+            <pc:sldMk cId="43700074" sldId="275"/>
+            <ac:picMk id="9" creationId="{B8355BE1-3360-9963-116F-8D6F78F51FCD}"/>
+          </ac:picMkLst>
+        </pc:picChg>
+        <pc:picChg chg="add del mod ord">
+          <ac:chgData name="Eduardo Savian" userId="83fefb37af455394" providerId="LiveId" clId="{9027FE1D-C861-432B-B1C8-11A99DB4171A}" dt="2024-05-08T21:45:20.696" v="961" actId="478"/>
+          <ac:picMkLst>
+            <pc:docMk/>
+            <pc:sldMk cId="43700074" sldId="275"/>
+            <ac:picMk id="10" creationId="{A3D69FE1-307A-CBBF-E9CC-8C1B00F440D1}"/>
+          </ac:picMkLst>
+        </pc:picChg>
+        <pc:picChg chg="add mod">
+          <ac:chgData name="Eduardo Savian" userId="83fefb37af455394" providerId="LiveId" clId="{9027FE1D-C861-432B-B1C8-11A99DB4171A}" dt="2024-05-08T21:35:23.403" v="906" actId="1076"/>
+          <ac:picMkLst>
+            <pc:docMk/>
+            <pc:sldMk cId="43700074" sldId="275"/>
+            <ac:picMk id="12" creationId="{E99D66E1-B7D0-5B01-9676-188171541776}"/>
+          </ac:picMkLst>
+        </pc:picChg>
+        <pc:picChg chg="add del">
+          <ac:chgData name="Eduardo Savian" userId="83fefb37af455394" providerId="LiveId" clId="{9027FE1D-C861-432B-B1C8-11A99DB4171A}" dt="2024-05-08T21:45:21.771" v="963" actId="22"/>
+          <ac:picMkLst>
+            <pc:docMk/>
+            <pc:sldMk cId="43700074" sldId="275"/>
+            <ac:picMk id="15" creationId="{AA5DBF5C-6758-D7E9-19FF-DF00DC8EC6A6}"/>
+          </ac:picMkLst>
+        </pc:picChg>
+        <pc:picChg chg="add mod ord">
+          <ac:chgData name="Eduardo Savian" userId="83fefb37af455394" providerId="LiveId" clId="{9027FE1D-C861-432B-B1C8-11A99DB4171A}" dt="2024-05-08T21:45:43.386" v="969" actId="1076"/>
+          <ac:picMkLst>
+            <pc:docMk/>
+            <pc:sldMk cId="43700074" sldId="275"/>
+            <ac:picMk id="17" creationId="{82257A56-F537-8637-2D1A-5FD85F9F23FA}"/>
+          </ac:picMkLst>
+        </pc:picChg>
+      </pc:sldChg>
+    </pc:docChg>
+  </pc:docChgLst>
+  <pc:docChgLst>
+    <pc:chgData name="Eduardo Savian" userId="83fefb37af455394" providerId="LiveId" clId="{217EB2C1-E6A9-4F42-BFBF-ED5005B07AD2}"/>
+    <pc:docChg chg="undo custSel addSld delSld modSld">
+      <pc:chgData name="Eduardo Savian" userId="83fefb37af455394" providerId="LiveId" clId="{217EB2C1-E6A9-4F42-BFBF-ED5005B07AD2}" dt="2024-05-19T20:29:20.201" v="958" actId="20577"/>
+      <pc:docMkLst>
+        <pc:docMk/>
+      </pc:docMkLst>
+      <pc:sldChg chg="modSp mod">
+        <pc:chgData name="Eduardo Savian" userId="83fefb37af455394" providerId="LiveId" clId="{217EB2C1-E6A9-4F42-BFBF-ED5005B07AD2}" dt="2024-05-19T20:18:46.082" v="749" actId="790"/>
+        <pc:sldMkLst>
+          <pc:docMk/>
+          <pc:sldMk cId="3775945265" sldId="257"/>
+        </pc:sldMkLst>
+        <pc:spChg chg="mod">
+          <ac:chgData name="Eduardo Savian" userId="83fefb37af455394" providerId="LiveId" clId="{217EB2C1-E6A9-4F42-BFBF-ED5005B07AD2}" dt="2024-05-19T20:18:46.082" v="749" actId="790"/>
+          <ac:spMkLst>
+            <pc:docMk/>
+            <pc:sldMk cId="3775945265" sldId="257"/>
+            <ac:spMk id="2" creationId="{D6ADE00D-4311-50C4-8DF9-71AEE4CBFBA6}"/>
+          </ac:spMkLst>
+        </pc:spChg>
+        <pc:spChg chg="mod">
+          <ac:chgData name="Eduardo Savian" userId="83fefb37af455394" providerId="LiveId" clId="{217EB2C1-E6A9-4F42-BFBF-ED5005B07AD2}" dt="2024-05-19T20:16:23.021" v="729" actId="20577"/>
+          <ac:spMkLst>
+            <pc:docMk/>
+            <pc:sldMk cId="3775945265" sldId="257"/>
+            <ac:spMk id="3" creationId="{A3B4ADFF-18FA-819A-E2DD-F32D67BA3A8E}"/>
+          </ac:spMkLst>
+        </pc:spChg>
+      </pc:sldChg>
+      <pc:sldChg chg="modSp mod">
+        <pc:chgData name="Eduardo Savian" userId="83fefb37af455394" providerId="LiveId" clId="{217EB2C1-E6A9-4F42-BFBF-ED5005B07AD2}" dt="2024-05-19T20:01:53.490" v="74" actId="20577"/>
+        <pc:sldMkLst>
+          <pc:docMk/>
+          <pc:sldMk cId="2097304172" sldId="268"/>
+        </pc:sldMkLst>
+        <pc:spChg chg="mod">
+          <ac:chgData name="Eduardo Savian" userId="83fefb37af455394" providerId="LiveId" clId="{217EB2C1-E6A9-4F42-BFBF-ED5005B07AD2}" dt="2024-05-19T20:01:53.490" v="74" actId="20577"/>
+          <ac:spMkLst>
+            <pc:docMk/>
+            <pc:sldMk cId="2097304172" sldId="268"/>
+            <ac:spMk id="3" creationId="{DF5ABD57-ADCB-25E7-5CDB-095C18654DD9}"/>
+          </ac:spMkLst>
+        </pc:spChg>
+      </pc:sldChg>
+      <pc:sldChg chg="modSp mod">
+        <pc:chgData name="Eduardo Savian" userId="83fefb37af455394" providerId="LiveId" clId="{217EB2C1-E6A9-4F42-BFBF-ED5005B07AD2}" dt="2024-05-19T20:22:06.186" v="841" actId="20577"/>
+        <pc:sldMkLst>
+          <pc:docMk/>
+          <pc:sldMk cId="1839108021" sldId="269"/>
+        </pc:sldMkLst>
+        <pc:spChg chg="mod">
+          <ac:chgData name="Eduardo Savian" userId="83fefb37af455394" providerId="LiveId" clId="{217EB2C1-E6A9-4F42-BFBF-ED5005B07AD2}" dt="2024-05-19T20:18:08.031" v="748" actId="790"/>
+          <ac:spMkLst>
+            <pc:docMk/>
+            <pc:sldMk cId="1839108021" sldId="269"/>
+            <ac:spMk id="2" creationId="{E7A62A9E-C411-78B0-B6D7-66BA12C68737}"/>
+          </ac:spMkLst>
+        </pc:spChg>
+        <pc:spChg chg="mod">
+          <ac:chgData name="Eduardo Savian" userId="83fefb37af455394" providerId="LiveId" clId="{217EB2C1-E6A9-4F42-BFBF-ED5005B07AD2}" dt="2024-05-19T20:22:06.186" v="841" actId="20577"/>
+          <ac:spMkLst>
+            <pc:docMk/>
+            <pc:sldMk cId="1839108021" sldId="269"/>
+            <ac:spMk id="3" creationId="{A0A824DE-1396-458D-85D1-532A91E9C44F}"/>
+          </ac:spMkLst>
+        </pc:spChg>
+      </pc:sldChg>
+      <pc:sldChg chg="addSp delSp modSp new mod">
+        <pc:chgData name="Eduardo Savian" userId="83fefb37af455394" providerId="LiveId" clId="{217EB2C1-E6A9-4F42-BFBF-ED5005B07AD2}" dt="2024-05-19T20:28:34.744" v="895" actId="22"/>
+        <pc:sldMkLst>
+          <pc:docMk/>
+          <pc:sldMk cId="786732467" sldId="270"/>
+        </pc:sldMkLst>
+        <pc:spChg chg="mod">
+          <ac:chgData name="Eduardo Savian" userId="83fefb37af455394" providerId="LiveId" clId="{217EB2C1-E6A9-4F42-BFBF-ED5005B07AD2}" dt="2024-05-19T20:27:13.176" v="893" actId="20577"/>
+          <ac:spMkLst>
+            <pc:docMk/>
+            <pc:sldMk cId="786732467" sldId="270"/>
+            <ac:spMk id="2" creationId="{6996E901-EAC6-49DB-0B83-26AF19601C91}"/>
+          </ac:spMkLst>
+        </pc:spChg>
+        <pc:spChg chg="del mod">
+          <ac:chgData name="Eduardo Savian" userId="83fefb37af455394" providerId="LiveId" clId="{217EB2C1-E6A9-4F42-BFBF-ED5005B07AD2}" dt="2024-05-19T20:24:09.964" v="860" actId="22"/>
+          <ac:spMkLst>
+            <pc:docMk/>
+            <pc:sldMk cId="786732467" sldId="270"/>
+            <ac:spMk id="3" creationId="{DC1EC669-3655-A424-23B2-65E9EFCECBFE}"/>
+          </ac:spMkLst>
+        </pc:spChg>
+        <pc:spChg chg="add del mod">
+          <ac:chgData name="Eduardo Savian" userId="83fefb37af455394" providerId="LiveId" clId="{217EB2C1-E6A9-4F42-BFBF-ED5005B07AD2}" dt="2024-05-19T20:28:34.744" v="895" actId="22"/>
+          <ac:spMkLst>
+            <pc:docMk/>
+            <pc:sldMk cId="786732467" sldId="270"/>
+            <ac:spMk id="10" creationId="{8B8E139F-329A-C912-DBC9-B74376AB5FF8}"/>
+          </ac:spMkLst>
+        </pc:spChg>
+        <pc:picChg chg="add del mod ord">
+          <ac:chgData name="Eduardo Savian" userId="83fefb37af455394" providerId="LiveId" clId="{217EB2C1-E6A9-4F42-BFBF-ED5005B07AD2}" dt="2024-05-19T20:28:33" v="894" actId="478"/>
+          <ac:picMkLst>
+            <pc:docMk/>
+            <pc:sldMk cId="786732467" sldId="270"/>
+            <ac:picMk id="8" creationId="{A5CE5EAD-5777-4E33-8088-09CCA53F30E7}"/>
+          </ac:picMkLst>
+        </pc:picChg>
+        <pc:picChg chg="add mod ord">
+          <ac:chgData name="Eduardo Savian" userId="83fefb37af455394" providerId="LiveId" clId="{217EB2C1-E6A9-4F42-BFBF-ED5005B07AD2}" dt="2024-05-19T20:28:34.744" v="895" actId="22"/>
+          <ac:picMkLst>
+            <pc:docMk/>
+            <pc:sldMk cId="786732467" sldId="270"/>
+            <ac:picMk id="12" creationId="{8E951E1F-DFFC-B7ED-109F-92D63809D36D}"/>
+          </ac:picMkLst>
+        </pc:picChg>
+      </pc:sldChg>
+      <pc:sldChg chg="addSp delSp modSp new mod">
+        <pc:chgData name="Eduardo Savian" userId="83fefb37af455394" providerId="LiveId" clId="{217EB2C1-E6A9-4F42-BFBF-ED5005B07AD2}" dt="2024-05-19T20:29:02.787" v="943" actId="20577"/>
+        <pc:sldMkLst>
+          <pc:docMk/>
+          <pc:sldMk cId="563821369" sldId="271"/>
+        </pc:sldMkLst>
+        <pc:spChg chg="mod">
+          <ac:chgData name="Eduardo Savian" userId="83fefb37af455394" providerId="LiveId" clId="{217EB2C1-E6A9-4F42-BFBF-ED5005B07AD2}" dt="2024-05-19T20:29:02.787" v="943" actId="20577"/>
+          <ac:spMkLst>
+            <pc:docMk/>
+            <pc:sldMk cId="563821369" sldId="271"/>
+            <ac:spMk id="2" creationId="{E70215F8-1E37-98DE-70DB-83F0D157D2B7}"/>
+          </ac:spMkLst>
+        </pc:spChg>
+        <pc:spChg chg="del mod">
+          <ac:chgData name="Eduardo Savian" userId="83fefb37af455394" providerId="LiveId" clId="{217EB2C1-E6A9-4F42-BFBF-ED5005B07AD2}" dt="2024-05-19T20:24:51.661" v="864" actId="22"/>
+          <ac:spMkLst>
+            <pc:docMk/>
+            <pc:sldMk cId="563821369" sldId="271"/>
+            <ac:spMk id="3" creationId="{8A3E7E65-1127-F783-3450-D8C730FEF717}"/>
+          </ac:spMkLst>
+        </pc:spChg>
+        <pc:picChg chg="add mod ord">
+          <ac:chgData name="Eduardo Savian" userId="83fefb37af455394" providerId="LiveId" clId="{217EB2C1-E6A9-4F42-BFBF-ED5005B07AD2}" dt="2024-05-19T20:24:51.661" v="864" actId="22"/>
+          <ac:picMkLst>
+            <pc:docMk/>
+            <pc:sldMk cId="563821369" sldId="271"/>
+            <ac:picMk id="8" creationId="{03CB2811-2A9B-FA28-AABF-2401D30AFC24}"/>
+          </ac:picMkLst>
+        </pc:picChg>
+      </pc:sldChg>
+      <pc:sldChg chg="del">
+        <pc:chgData name="Eduardo Savian" userId="83fefb37af455394" providerId="LiveId" clId="{217EB2C1-E6A9-4F42-BFBF-ED5005B07AD2}" dt="2024-05-19T20:17:18.832" v="740" actId="47"/>
+        <pc:sldMkLst>
+          <pc:docMk/>
+          <pc:sldMk cId="1909084433" sldId="272"/>
+        </pc:sldMkLst>
+      </pc:sldChg>
+      <pc:sldChg chg="addSp delSp modSp new mod">
+        <pc:chgData name="Eduardo Savian" userId="83fefb37af455394" providerId="LiveId" clId="{217EB2C1-E6A9-4F42-BFBF-ED5005B07AD2}" dt="2024-05-19T20:29:09.064" v="944"/>
+        <pc:sldMkLst>
+          <pc:docMk/>
+          <pc:sldMk cId="3820077443" sldId="272"/>
+        </pc:sldMkLst>
+        <pc:spChg chg="mod">
+          <ac:chgData name="Eduardo Savian" userId="83fefb37af455394" providerId="LiveId" clId="{217EB2C1-E6A9-4F42-BFBF-ED5005B07AD2}" dt="2024-05-19T20:29:09.064" v="944"/>
+          <ac:spMkLst>
+            <pc:docMk/>
+            <pc:sldMk cId="3820077443" sldId="272"/>
+            <ac:spMk id="2" creationId="{52978418-C559-5F22-F1CD-E73F225DD8AF}"/>
+          </ac:spMkLst>
+        </pc:spChg>
+        <pc:spChg chg="add del">
+          <ac:chgData name="Eduardo Savian" userId="83fefb37af455394" providerId="LiveId" clId="{217EB2C1-E6A9-4F42-BFBF-ED5005B07AD2}" dt="2024-05-19T20:25:28.078" v="867" actId="22"/>
+          <ac:spMkLst>
+            <pc:docMk/>
+            <pc:sldMk cId="3820077443" sldId="272"/>
+            <ac:spMk id="3" creationId="{F2CF4DD3-D745-7A67-5FC1-64CE1F276356}"/>
+          </ac:spMkLst>
+        </pc:spChg>
+        <pc:spChg chg="add del mod">
+          <ac:chgData name="Eduardo Savian" userId="83fefb37af455394" providerId="LiveId" clId="{217EB2C1-E6A9-4F42-BFBF-ED5005B07AD2}" dt="2024-05-19T20:26:08.357" v="869" actId="22"/>
+          <ac:spMkLst>
+            <pc:docMk/>
+            <pc:sldMk cId="3820077443" sldId="272"/>
+            <ac:spMk id="12" creationId="{8B147716-5A83-A00C-7986-E34BD2F4F8B8}"/>
+          </ac:spMkLst>
+        </pc:spChg>
+        <pc:picChg chg="add del mod ord">
+          <ac:chgData name="Eduardo Savian" userId="83fefb37af455394" providerId="LiveId" clId="{217EB2C1-E6A9-4F42-BFBF-ED5005B07AD2}" dt="2024-05-19T20:25:13.739" v="866" actId="22"/>
+          <ac:picMkLst>
+            <pc:docMk/>
+            <pc:sldMk cId="3820077443" sldId="272"/>
+            <ac:picMk id="8" creationId="{47009422-2C9F-050E-35F5-0B234954222D}"/>
+          </ac:picMkLst>
+        </pc:picChg>
+        <pc:picChg chg="add del mod ord">
+          <ac:chgData name="Eduardo Savian" userId="83fefb37af455394" providerId="LiveId" clId="{217EB2C1-E6A9-4F42-BFBF-ED5005B07AD2}" dt="2024-05-19T20:26:06.229" v="868" actId="478"/>
+          <ac:picMkLst>
+            <pc:docMk/>
+            <pc:sldMk cId="3820077443" sldId="272"/>
+            <ac:picMk id="10" creationId="{4350A8DC-D2BB-1BED-AFAC-0AC310C3636E}"/>
+          </ac:picMkLst>
+        </pc:picChg>
+        <pc:picChg chg="add mod ord">
+          <ac:chgData name="Eduardo Savian" userId="83fefb37af455394" providerId="LiveId" clId="{217EB2C1-E6A9-4F42-BFBF-ED5005B07AD2}" dt="2024-05-19T20:26:08.357" v="869" actId="22"/>
+          <ac:picMkLst>
+            <pc:docMk/>
+            <pc:sldMk cId="3820077443" sldId="272"/>
+            <ac:picMk id="14" creationId="{457DD28B-A7F6-44BD-4B83-223E771FCFC2}"/>
+          </ac:picMkLst>
+        </pc:picChg>
+      </pc:sldChg>
+      <pc:sldChg chg="addSp delSp modSp new mod">
+        <pc:chgData name="Eduardo Savian" userId="83fefb37af455394" providerId="LiveId" clId="{217EB2C1-E6A9-4F42-BFBF-ED5005B07AD2}" dt="2024-05-19T20:29:11.512" v="945"/>
+        <pc:sldMkLst>
+          <pc:docMk/>
+          <pc:sldMk cId="3222751535" sldId="273"/>
+        </pc:sldMkLst>
+        <pc:spChg chg="mod">
+          <ac:chgData name="Eduardo Savian" userId="83fefb37af455394" providerId="LiveId" clId="{217EB2C1-E6A9-4F42-BFBF-ED5005B07AD2}" dt="2024-05-19T20:29:11.512" v="945"/>
+          <ac:spMkLst>
+            <pc:docMk/>
+            <pc:sldMk cId="3222751535" sldId="273"/>
+            <ac:spMk id="2" creationId="{2419E225-2928-2C8B-BCD0-743C6339F43A}"/>
+          </ac:spMkLst>
+        </pc:spChg>
+        <pc:spChg chg="del">
+          <ac:chgData name="Eduardo Savian" userId="83fefb37af455394" providerId="LiveId" clId="{217EB2C1-E6A9-4F42-BFBF-ED5005B07AD2}" dt="2024-05-19T20:26:25.528" v="870" actId="22"/>
+          <ac:spMkLst>
+            <pc:docMk/>
+            <pc:sldMk cId="3222751535" sldId="273"/>
+            <ac:spMk id="3" creationId="{0F15CF39-8530-C26D-D2C2-71BF66D2273D}"/>
+          </ac:spMkLst>
+        </pc:spChg>
+        <pc:picChg chg="add mod ord">
+          <ac:chgData name="Eduardo Savian" userId="83fefb37af455394" providerId="LiveId" clId="{217EB2C1-E6A9-4F42-BFBF-ED5005B07AD2}" dt="2024-05-19T20:26:25.528" v="870" actId="22"/>
+          <ac:picMkLst>
+            <pc:docMk/>
+            <pc:sldMk cId="3222751535" sldId="273"/>
+            <ac:picMk id="8" creationId="{531A2931-2BB1-2C76-B484-C8A956AC2FCA}"/>
+          </ac:picMkLst>
+        </pc:picChg>
+      </pc:sldChg>
+      <pc:sldChg chg="del">
+        <pc:chgData name="Eduardo Savian" userId="83fefb37af455394" providerId="LiveId" clId="{217EB2C1-E6A9-4F42-BFBF-ED5005B07AD2}" dt="2024-05-19T20:17:19.495" v="741" actId="47"/>
+        <pc:sldMkLst>
+          <pc:docMk/>
+          <pc:sldMk cId="4112802808" sldId="273"/>
+        </pc:sldMkLst>
+      </pc:sldChg>
+      <pc:sldChg chg="new del">
+        <pc:chgData name="Eduardo Savian" userId="83fefb37af455394" providerId="LiveId" clId="{217EB2C1-E6A9-4F42-BFBF-ED5005B07AD2}" dt="2024-05-19T20:23:57.870" v="856" actId="680"/>
+        <pc:sldMkLst>
+          <pc:docMk/>
+          <pc:sldMk cId="436580406" sldId="274"/>
+        </pc:sldMkLst>
+      </pc:sldChg>
+      <pc:sldChg chg="del">
+        <pc:chgData name="Eduardo Savian" userId="83fefb37af455394" providerId="LiveId" clId="{217EB2C1-E6A9-4F42-BFBF-ED5005B07AD2}" dt="2024-05-19T20:17:20.473" v="742" actId="47"/>
+        <pc:sldMkLst>
+          <pc:docMk/>
+          <pc:sldMk cId="2620471646" sldId="274"/>
+        </pc:sldMkLst>
+      </pc:sldChg>
+      <pc:sldChg chg="addSp delSp modSp new mod">
+        <pc:chgData name="Eduardo Savian" userId="83fefb37af455394" providerId="LiveId" clId="{217EB2C1-E6A9-4F42-BFBF-ED5005B07AD2}" dt="2024-05-19T20:29:20.201" v="958" actId="20577"/>
+        <pc:sldMkLst>
+          <pc:docMk/>
+          <pc:sldMk cId="4195999744" sldId="274"/>
+        </pc:sldMkLst>
+        <pc:spChg chg="mod">
+          <ac:chgData name="Eduardo Savian" userId="83fefb37af455394" providerId="LiveId" clId="{217EB2C1-E6A9-4F42-BFBF-ED5005B07AD2}" dt="2024-05-19T20:29:20.201" v="958" actId="20577"/>
+          <ac:spMkLst>
+            <pc:docMk/>
+            <pc:sldMk cId="4195999744" sldId="274"/>
+            <ac:spMk id="2" creationId="{451C791D-D01E-B198-1B98-0EE5EEC29C78}"/>
+          </ac:spMkLst>
+        </pc:spChg>
+        <pc:spChg chg="del">
+          <ac:chgData name="Eduardo Savian" userId="83fefb37af455394" providerId="LiveId" clId="{217EB2C1-E6A9-4F42-BFBF-ED5005B07AD2}" dt="2024-05-19T20:26:46.856" v="872" actId="22"/>
+          <ac:spMkLst>
+            <pc:docMk/>
+            <pc:sldMk cId="4195999744" sldId="274"/>
+            <ac:spMk id="3" creationId="{378D3F2B-2CA7-24EB-07D8-88385ABB5F84}"/>
+          </ac:spMkLst>
+        </pc:spChg>
+        <pc:picChg chg="add mod ord">
+          <ac:chgData name="Eduardo Savian" userId="83fefb37af455394" providerId="LiveId" clId="{217EB2C1-E6A9-4F42-BFBF-ED5005B07AD2}" dt="2024-05-19T20:26:46.856" v="872" actId="22"/>
+          <ac:picMkLst>
+            <pc:docMk/>
+            <pc:sldMk cId="4195999744" sldId="274"/>
+            <ac:picMk id="8" creationId="{5B95719B-D7CF-4403-159C-FE2A233F2DC4}"/>
+          </ac:picMkLst>
+        </pc:picChg>
+      </pc:sldChg>
+      <pc:sldChg chg="modSp del mod">
+        <pc:chgData name="Eduardo Savian" userId="83fefb37af455394" providerId="LiveId" clId="{217EB2C1-E6A9-4F42-BFBF-ED5005B07AD2}" dt="2024-05-19T20:17:17.968" v="739" actId="47"/>
+        <pc:sldMkLst>
+          <pc:docMk/>
+          <pc:sldMk cId="346760889" sldId="275"/>
+        </pc:sldMkLst>
+        <pc:spChg chg="mod">
+          <ac:chgData name="Eduardo Savian" userId="83fefb37af455394" providerId="LiveId" clId="{217EB2C1-E6A9-4F42-BFBF-ED5005B07AD2}" dt="2024-05-19T20:14:15.980" v="435" actId="20577"/>
+          <ac:spMkLst>
+            <pc:docMk/>
+            <pc:sldMk cId="346760889" sldId="275"/>
+            <ac:spMk id="2" creationId="{310915FC-BBB3-0797-FA5A-A24EBBD1AFF4}"/>
+          </ac:spMkLst>
+        </pc:spChg>
+      </pc:sldChg>
+      <pc:sldChg chg="addSp delSp modSp del mod">
+        <pc:chgData name="Eduardo Savian" userId="83fefb37af455394" providerId="LiveId" clId="{217EB2C1-E6A9-4F42-BFBF-ED5005B07AD2}" dt="2024-05-19T20:17:21.040" v="743" actId="47"/>
+        <pc:sldMkLst>
+          <pc:docMk/>
+          <pc:sldMk cId="3595438478" sldId="276"/>
+        </pc:sldMkLst>
+        <pc:spChg chg="del">
+          <ac:chgData name="Eduardo Savian" userId="83fefb37af455394" providerId="LiveId" clId="{217EB2C1-E6A9-4F42-BFBF-ED5005B07AD2}" dt="2024-05-19T14:19:21.568" v="0" actId="22"/>
+          <ac:spMkLst>
+            <pc:docMk/>
+            <pc:sldMk cId="3595438478" sldId="276"/>
+            <ac:spMk id="3" creationId="{82D36FF2-C1B4-C347-46EC-3D760ADA1030}"/>
+          </ac:spMkLst>
+        </pc:spChg>
+        <pc:picChg chg="add mod ord">
+          <ac:chgData name="Eduardo Savian" userId="83fefb37af455394" providerId="LiveId" clId="{217EB2C1-E6A9-4F42-BFBF-ED5005B07AD2}" dt="2024-05-19T14:19:21.568" v="0" actId="22"/>
+          <ac:picMkLst>
+            <pc:docMk/>
+            <pc:sldMk cId="3595438478" sldId="276"/>
+            <ac:picMk id="8" creationId="{7A9CB234-1876-C449-E7E2-F70945B739EE}"/>
+          </ac:picMkLst>
+        </pc:picChg>
+      </pc:sldChg>
+      <pc:sldChg chg="addSp delSp modSp new del mod">
+        <pc:chgData name="Eduardo Savian" userId="83fefb37af455394" providerId="LiveId" clId="{217EB2C1-E6A9-4F42-BFBF-ED5005B07AD2}" dt="2024-05-19T20:17:21.584" v="744" actId="47"/>
+        <pc:sldMkLst>
+          <pc:docMk/>
+          <pc:sldMk cId="2793288638" sldId="277"/>
+        </pc:sldMkLst>
+        <pc:spChg chg="del">
+          <ac:chgData name="Eduardo Savian" userId="83fefb37af455394" providerId="LiveId" clId="{217EB2C1-E6A9-4F42-BFBF-ED5005B07AD2}" dt="2024-05-19T14:20:06.266" v="2" actId="22"/>
+          <ac:spMkLst>
+            <pc:docMk/>
+            <pc:sldMk cId="2793288638" sldId="277"/>
+            <ac:spMk id="3" creationId="{6729C284-DE76-77F7-1730-B87A592F6681}"/>
+          </ac:spMkLst>
+        </pc:spChg>
+        <pc:picChg chg="add mod ord">
+          <ac:chgData name="Eduardo Savian" userId="83fefb37af455394" providerId="LiveId" clId="{217EB2C1-E6A9-4F42-BFBF-ED5005B07AD2}" dt="2024-05-19T20:04:10.212" v="86" actId="1076"/>
+          <ac:picMkLst>
+            <pc:docMk/>
+            <pc:sldMk cId="2793288638" sldId="277"/>
+            <ac:picMk id="8" creationId="{8D9BF355-56E5-74AC-4824-B062ED38DD5D}"/>
+          </ac:picMkLst>
+        </pc:picChg>
+      </pc:sldChg>
+      <pc:sldChg chg="new del">
+        <pc:chgData name="Eduardo Savian" userId="83fefb37af455394" providerId="LiveId" clId="{217EB2C1-E6A9-4F42-BFBF-ED5005B07AD2}" dt="2024-05-19T20:17:22.130" v="745" actId="47"/>
+        <pc:sldMkLst>
+          <pc:docMk/>
+          <pc:sldMk cId="798028920" sldId="278"/>
+        </pc:sldMkLst>
+      </pc:sldChg>
+    </pc:docChg>
+  </pc:docChgLst>
+  <pc:docChgLst>
+    <pc:chgData name="Eduardo Savian" userId="83fefb37af455394" providerId="Windows Live" clId="Web-{4E2BA755-9540-4322-A1D6-D9892E45D796}"/>
+    <pc:docChg chg="addSld delSld modSld">
+      <pc:chgData name="Eduardo Savian" userId="83fefb37af455394" providerId="Windows Live" clId="Web-{4E2BA755-9540-4322-A1D6-D9892E45D796}" dt="2024-05-14T00:08:28.465" v="70"/>
+      <pc:docMkLst>
+        <pc:docMk/>
+      </pc:docMkLst>
+      <pc:sldChg chg="modSp">
+        <pc:chgData name="Eduardo Savian" userId="83fefb37af455394" providerId="Windows Live" clId="Web-{4E2BA755-9540-4322-A1D6-D9892E45D796}" dt="2024-05-14T00:02:53.821" v="27" actId="20577"/>
+        <pc:sldMkLst>
+          <pc:docMk/>
+          <pc:sldMk cId="109857222" sldId="256"/>
+        </pc:sldMkLst>
+        <pc:spChg chg="mod">
+          <ac:chgData name="Eduardo Savian" userId="83fefb37af455394" providerId="Windows Live" clId="Web-{4E2BA755-9540-4322-A1D6-D9892E45D796}" dt="2024-05-14T00:02:53.821" v="27" actId="20577"/>
+          <ac:spMkLst>
+            <pc:docMk/>
+            <pc:sldMk cId="109857222" sldId="256"/>
+            <ac:spMk id="2" creationId="{00000000-0000-0000-0000-000000000000}"/>
+          </ac:spMkLst>
+        </pc:spChg>
+      </pc:sldChg>
+      <pc:sldChg chg="modSp">
+        <pc:chgData name="Eduardo Savian" userId="83fefb37af455394" providerId="Windows Live" clId="Web-{4E2BA755-9540-4322-A1D6-D9892E45D796}" dt="2024-05-14T00:08:24.090" v="69" actId="20577"/>
+        <pc:sldMkLst>
+          <pc:docMk/>
+          <pc:sldMk cId="3775945265" sldId="257"/>
+        </pc:sldMkLst>
+        <pc:spChg chg="mod">
+          <ac:chgData name="Eduardo Savian" userId="83fefb37af455394" providerId="Windows Live" clId="Web-{4E2BA755-9540-4322-A1D6-D9892E45D796}" dt="2024-05-14T00:08:24.090" v="69" actId="20577"/>
+          <ac:spMkLst>
+            <pc:docMk/>
+            <pc:sldMk cId="3775945265" sldId="257"/>
+            <ac:spMk id="3" creationId="{A3B4ADFF-18FA-819A-E2DD-F32D67BA3A8E}"/>
+          </ac:spMkLst>
+        </pc:spChg>
+      </pc:sldChg>
+      <pc:sldChg chg="del">
+        <pc:chgData name="Eduardo Savian" userId="83fefb37af455394" providerId="Windows Live" clId="Web-{4E2BA755-9540-4322-A1D6-D9892E45D796}" dt="2024-05-14T00:05:43.729" v="45"/>
+        <pc:sldMkLst>
+          <pc:docMk/>
+          <pc:sldMk cId="1967995460" sldId="259"/>
+        </pc:sldMkLst>
+      </pc:sldChg>
+      <pc:sldChg chg="del">
+        <pc:chgData name="Eduardo Savian" userId="83fefb37af455394" providerId="Windows Live" clId="Web-{4E2BA755-9540-4322-A1D6-D9892E45D796}" dt="2024-05-14T00:05:43.073" v="44"/>
+        <pc:sldMkLst>
+          <pc:docMk/>
+          <pc:sldMk cId="2753850936" sldId="261"/>
+        </pc:sldMkLst>
+      </pc:sldChg>
+      <pc:sldChg chg="del">
+        <pc:chgData name="Eduardo Savian" userId="83fefb37af455394" providerId="Windows Live" clId="Web-{4E2BA755-9540-4322-A1D6-D9892E45D796}" dt="2024-05-14T00:05:42.839" v="43"/>
+        <pc:sldMkLst>
+          <pc:docMk/>
+          <pc:sldMk cId="4074611433" sldId="262"/>
+        </pc:sldMkLst>
+      </pc:sldChg>
+      <pc:sldChg chg="del">
+        <pc:chgData name="Eduardo Savian" userId="83fefb37af455394" providerId="Windows Live" clId="Web-{4E2BA755-9540-4322-A1D6-D9892E45D796}" dt="2024-05-14T00:05:44.183" v="46"/>
+        <pc:sldMkLst>
+          <pc:docMk/>
+          <pc:sldMk cId="922261976" sldId="263"/>
+        </pc:sldMkLst>
+      </pc:sldChg>
+      <pc:sldChg chg="addSp delSp modSp del">
+        <pc:chgData name="Eduardo Savian" userId="83fefb37af455394" providerId="Windows Live" clId="Web-{4E2BA755-9540-4322-A1D6-D9892E45D796}" dt="2024-05-14T00:05:40.479" v="39"/>
+        <pc:sldMkLst>
+          <pc:docMk/>
+          <pc:sldMk cId="2804307500" sldId="264"/>
+        </pc:sldMkLst>
+        <pc:spChg chg="add mod">
+          <ac:chgData name="Eduardo Savian" userId="83fefb37af455394" providerId="Windows Live" clId="Web-{4E2BA755-9540-4322-A1D6-D9892E45D796}" dt="2024-05-14T00:05:38.495" v="38"/>
+          <ac:spMkLst>
+            <pc:docMk/>
+            <pc:sldMk cId="2804307500" sldId="264"/>
+            <ac:spMk id="7" creationId="{0F05CDE4-5110-BDB8-0763-068B58FDD9C9}"/>
+          </ac:spMkLst>
+        </pc:spChg>
+        <pc:picChg chg="del">
+          <ac:chgData name="Eduardo Savian" userId="83fefb37af455394" providerId="Windows Live" clId="Web-{4E2BA755-9540-4322-A1D6-D9892E45D796}" dt="2024-05-14T00:05:38.495" v="38"/>
+          <ac:picMkLst>
+            <pc:docMk/>
+            <pc:sldMk cId="2804307500" sldId="264"/>
+            <ac:picMk id="8" creationId="{00F452FC-2464-3821-2B96-E293938164EB}"/>
+          </ac:picMkLst>
+        </pc:picChg>
+      </pc:sldChg>
+      <pc:sldChg chg="del">
+        <pc:chgData name="Eduardo Savian" userId="83fefb37af455394" providerId="Windows Live" clId="Web-{4E2BA755-9540-4322-A1D6-D9892E45D796}" dt="2024-05-14T00:05:42.245" v="41"/>
+        <pc:sldMkLst>
+          <pc:docMk/>
+          <pc:sldMk cId="1498387516" sldId="265"/>
+        </pc:sldMkLst>
+      </pc:sldChg>
+      <pc:sldChg chg="del">
+        <pc:chgData name="Eduardo Savian" userId="83fefb37af455394" providerId="Windows Live" clId="Web-{4E2BA755-9540-4322-A1D6-D9892E45D796}" dt="2024-05-14T00:05:42.276" v="42"/>
+        <pc:sldMkLst>
+          <pc:docMk/>
+          <pc:sldMk cId="1606520421" sldId="266"/>
+        </pc:sldMkLst>
+      </pc:sldChg>
+      <pc:sldChg chg="del">
+        <pc:chgData name="Eduardo Savian" userId="83fefb37af455394" providerId="Windows Live" clId="Web-{4E2BA755-9540-4322-A1D6-D9892E45D796}" dt="2024-05-14T00:05:41.526" v="40"/>
+        <pc:sldMkLst>
+          <pc:docMk/>
+          <pc:sldMk cId="3546819228" sldId="267"/>
+        </pc:sldMkLst>
+      </pc:sldChg>
+      <pc:sldChg chg="modSp">
+        <pc:chgData name="Eduardo Savian" userId="83fefb37af455394" providerId="Windows Live" clId="Web-{4E2BA755-9540-4322-A1D6-D9892E45D796}" dt="2024-05-14T00:07:36.012" v="62" actId="20577"/>
+        <pc:sldMkLst>
+          <pc:docMk/>
+          <pc:sldMk cId="2097304172" sldId="268"/>
+        </pc:sldMkLst>
+        <pc:spChg chg="mod">
+          <ac:chgData name="Eduardo Savian" userId="83fefb37af455394" providerId="Windows Live" clId="Web-{4E2BA755-9540-4322-A1D6-D9892E45D796}" dt="2024-05-14T00:07:36.012" v="62" actId="20577"/>
+          <ac:spMkLst>
+            <pc:docMk/>
+            <pc:sldMk cId="2097304172" sldId="268"/>
+            <ac:spMk id="3" creationId="{DF5ABD57-ADCB-25E7-5CDB-095C18654DD9}"/>
+          </ac:spMkLst>
+        </pc:spChg>
+      </pc:sldChg>
+      <pc:sldChg chg="modSp">
+        <pc:chgData name="Eduardo Savian" userId="83fefb37af455394" providerId="Windows Live" clId="Web-{4E2BA755-9540-4322-A1D6-D9892E45D796}" dt="2024-05-14T00:07:49.199" v="64" actId="20577"/>
+        <pc:sldMkLst>
+          <pc:docMk/>
+          <pc:sldMk cId="1839108021" sldId="269"/>
+        </pc:sldMkLst>
+        <pc:spChg chg="mod">
+          <ac:chgData name="Eduardo Savian" userId="83fefb37af455394" providerId="Windows Live" clId="Web-{4E2BA755-9540-4322-A1D6-D9892E45D796}" dt="2024-05-14T00:07:49.199" v="64" actId="20577"/>
+          <ac:spMkLst>
+            <pc:docMk/>
+            <pc:sldMk cId="1839108021" sldId="269"/>
+            <ac:spMk id="3" creationId="{A0A824DE-1396-458D-85D1-532A91E9C44F}"/>
+          </ac:spMkLst>
+        </pc:spChg>
+      </pc:sldChg>
+      <pc:sldChg chg="new del">
+        <pc:chgData name="Eduardo Savian" userId="83fefb37af455394" providerId="Windows Live" clId="Web-{4E2BA755-9540-4322-A1D6-D9892E45D796}" dt="2024-05-14T00:08:15.403" v="66"/>
+        <pc:sldMkLst>
+          <pc:docMk/>
+          <pc:sldMk cId="3566686745" sldId="270"/>
+        </pc:sldMkLst>
+      </pc:sldChg>
+      <pc:sldChg chg="new">
+        <pc:chgData name="Eduardo Savian" userId="83fefb37af455394" providerId="Windows Live" clId="Web-{4E2BA755-9540-4322-A1D6-D9892E45D796}" dt="2024-05-14T00:08:28.465" v="70"/>
+        <pc:sldMkLst>
+          <pc:docMk/>
+          <pc:sldMk cId="4042955426" sldId="270"/>
+        </pc:sldMkLst>
+      </pc:sldChg>
+      <pc:sldChg chg="del">
+        <pc:chgData name="Eduardo Savian" userId="83fefb37af455394" providerId="Windows Live" clId="Web-{4E2BA755-9540-4322-A1D6-D9892E45D796}" dt="2024-05-14T00:05:44.901" v="48"/>
+        <pc:sldMkLst>
+          <pc:docMk/>
+          <pc:sldMk cId="1206012243" sldId="271"/>
+        </pc:sldMkLst>
+      </pc:sldChg>
+      <pc:sldChg chg="del">
+        <pc:chgData name="Eduardo Savian" userId="83fefb37af455394" providerId="Windows Live" clId="Web-{4E2BA755-9540-4322-A1D6-D9892E45D796}" dt="2024-05-14T00:05:45.526" v="49"/>
+        <pc:sldMkLst>
+          <pc:docMk/>
+          <pc:sldMk cId="1961177669" sldId="274"/>
+        </pc:sldMkLst>
+      </pc:sldChg>
+      <pc:sldChg chg="del">
+        <pc:chgData name="Eduardo Savian" userId="83fefb37af455394" providerId="Windows Live" clId="Web-{4E2BA755-9540-4322-A1D6-D9892E45D796}" dt="2024-05-14T00:05:44.714" v="47"/>
+        <pc:sldMkLst>
+          <pc:docMk/>
+          <pc:sldMk cId="43700074" sldId="275"/>
+        </pc:sldMkLst>
+      </pc:sldChg>
+    </pc:docChg>
+  </pc:docChgLst>
+  <pc:docChgLst>
+    <pc:chgData name="Eduardo Savian" userId="83fefb37af455394" providerId="Windows Live" clId="Web-{365FD200-9B60-42C4-8D5F-90C5BC58A9CE}"/>
+    <pc:docChg chg="addSld">
+      <pc:chgData name="Eduardo Savian" userId="83fefb37af455394" providerId="Windows Live" clId="Web-{365FD200-9B60-42C4-8D5F-90C5BC58A9CE}" dt="2024-05-19T14:17:20.102" v="0"/>
+      <pc:docMkLst>
+        <pc:docMk/>
+      </pc:docMkLst>
+      <pc:sldChg chg="new">
+        <pc:chgData name="Eduardo Savian" userId="83fefb37af455394" providerId="Windows Live" clId="Web-{365FD200-9B60-42C4-8D5F-90C5BC58A9CE}" dt="2024-05-19T14:17:20.102" v="0"/>
+        <pc:sldMkLst>
+          <pc:docMk/>
+          <pc:sldMk cId="3595438478" sldId="276"/>
+        </pc:sldMkLst>
+      </pc:sldChg>
+    </pc:docChg>
+  </pc:docChgLst>
+  <pc:docChgLst>
+    <pc:chgData name="Eduardo Savian" userId="83fefb37af455394" providerId="Windows Live" clId="Web-{6808E06D-317C-48B5-80AB-C63B5B44D7D8}"/>
+    <pc:docChg chg="modSld addMainMaster delMainMaster">
+      <pc:chgData name="Eduardo Savian" userId="83fefb37af455394" providerId="Windows Live" clId="Web-{6808E06D-317C-48B5-80AB-C63B5B44D7D8}" dt="2024-04-28T21:41:36.386" v="27" actId="20577"/>
+      <pc:docMkLst>
+        <pc:docMk/>
+      </pc:docMkLst>
+      <pc:sldChg chg="modSp mod modClrScheme chgLayout">
+        <pc:chgData name="Eduardo Savian" userId="83fefb37af455394" providerId="Windows Live" clId="Web-{6808E06D-317C-48B5-80AB-C63B5B44D7D8}" dt="2024-04-28T21:41:36.386" v="27" actId="20577"/>
+        <pc:sldMkLst>
+          <pc:docMk/>
+          <pc:sldMk cId="109857222" sldId="256"/>
+        </pc:sldMkLst>
+        <pc:spChg chg="mod ord">
+          <ac:chgData name="Eduardo Savian" userId="83fefb37af455394" providerId="Windows Live" clId="Web-{6808E06D-317C-48B5-80AB-C63B5B44D7D8}" dt="2024-04-28T21:41:28.213" v="8" actId="20577"/>
+          <ac:spMkLst>
+            <pc:docMk/>
+            <pc:sldMk cId="109857222" sldId="256"/>
+            <ac:spMk id="2" creationId="{00000000-0000-0000-0000-000000000000}"/>
+          </ac:spMkLst>
+        </pc:spChg>
+        <pc:spChg chg="mod ord">
+          <ac:chgData name="Eduardo Savian" userId="83fefb37af455394" providerId="Windows Live" clId="Web-{6808E06D-317C-48B5-80AB-C63B5B44D7D8}" dt="2024-04-28T21:41:36.386" v="27" actId="20577"/>
+          <ac:spMkLst>
+            <pc:docMk/>
+            <pc:sldMk cId="109857222" sldId="256"/>
+            <ac:spMk id="3" creationId="{00000000-0000-0000-0000-000000000000}"/>
+          </ac:spMkLst>
+        </pc:spChg>
+      </pc:sldChg>
+      <pc:sldMasterChg chg="del delSldLayout">
+        <pc:chgData name="Eduardo Savian" userId="83fefb37af455394" providerId="Windows Live" clId="Web-{6808E06D-317C-48B5-80AB-C63B5B44D7D8}" dt="2024-04-28T21:40:56.681" v="0"/>
+        <pc:sldMasterMkLst>
+          <pc:docMk/>
+          <pc:sldMasterMk cId="2460954070" sldId="2147483660"/>
+        </pc:sldMasterMkLst>
+        <pc:sldLayoutChg chg="del">
+          <pc:chgData name="Eduardo Savian" userId="83fefb37af455394" providerId="Windows Live" clId="Web-{6808E06D-317C-48B5-80AB-C63B5B44D7D8}" dt="2024-04-28T21:40:56.681" v="0"/>
+          <pc:sldLayoutMkLst>
+            <pc:docMk/>
+            <pc:sldMasterMk cId="2460954070" sldId="2147483660"/>
+            <pc:sldLayoutMk cId="2385387890" sldId="2147483661"/>
+          </pc:sldLayoutMkLst>
+        </pc:sldLayoutChg>
+        <pc:sldLayoutChg chg="del">
+          <pc:chgData name="Eduardo Savian" userId="83fefb37af455394" providerId="Windows Live" clId="Web-{6808E06D-317C-48B5-80AB-C63B5B44D7D8}" dt="2024-04-28T21:40:56.681" v="0"/>
+          <pc:sldLayoutMkLst>
+            <pc:docMk/>
+            <pc:sldMasterMk cId="2460954070" sldId="2147483660"/>
+            <pc:sldLayoutMk cId="949138452" sldId="2147483662"/>
+          </pc:sldLayoutMkLst>
+        </pc:sldLayoutChg>
+        <pc:sldLayoutChg chg="del">
+          <pc:chgData name="Eduardo Savian" userId="83fefb37af455394" providerId="Windows Live" clId="Web-{6808E06D-317C-48B5-80AB-C63B5B44D7D8}" dt="2024-04-28T21:40:56.681" v="0"/>
+          <pc:sldLayoutMkLst>
+            <pc:docMk/>
+            <pc:sldMasterMk cId="2460954070" sldId="2147483660"/>
+            <pc:sldLayoutMk cId="2591524520" sldId="2147483663"/>
+          </pc:sldLayoutMkLst>
+        </pc:sldLayoutChg>
+        <pc:sldLayoutChg chg="del">
+          <pc:chgData name="Eduardo Savian" userId="83fefb37af455394" providerId="Windows Live" clId="Web-{6808E06D-317C-48B5-80AB-C63B5B44D7D8}" dt="2024-04-28T21:40:56.681" v="0"/>
+          <pc:sldLayoutMkLst>
+            <pc:docMk/>
+            <pc:sldMasterMk cId="2460954070" sldId="2147483660"/>
+            <pc:sldLayoutMk cId="1203092039" sldId="2147483664"/>
+          </pc:sldLayoutMkLst>
+        </pc:sldLayoutChg>
+        <pc:sldLayoutChg chg="del">
+          <pc:chgData name="Eduardo Savian" userId="83fefb37af455394" providerId="Windows Live" clId="Web-{6808E06D-317C-48B5-80AB-C63B5B44D7D8}" dt="2024-04-28T21:40:56.681" v="0"/>
+          <pc:sldLayoutMkLst>
+            <pc:docMk/>
+            <pc:sldMasterMk cId="2460954070" sldId="2147483660"/>
+            <pc:sldLayoutMk cId="3733172339" sldId="2147483665"/>
+          </pc:sldLayoutMkLst>
+        </pc:sldLayoutChg>
+        <pc:sldLayoutChg chg="del">
+          <pc:chgData name="Eduardo Savian" userId="83fefb37af455394" providerId="Windows Live" clId="Web-{6808E06D-317C-48B5-80AB-C63B5B44D7D8}" dt="2024-04-28T21:40:56.681" v="0"/>
+          <pc:sldLayoutMkLst>
+            <pc:docMk/>
+            <pc:sldMasterMk cId="2460954070" sldId="2147483660"/>
+            <pc:sldLayoutMk cId="3210312558" sldId="2147483666"/>
+          </pc:sldLayoutMkLst>
+        </pc:sldLayoutChg>
+        <pc:sldLayoutChg chg="del">
+          <pc:chgData name="Eduardo Savian" userId="83fefb37af455394" providerId="Windows Live" clId="Web-{6808E06D-317C-48B5-80AB-C63B5B44D7D8}" dt="2024-04-28T21:40:56.681" v="0"/>
+          <pc:sldLayoutMkLst>
+            <pc:docMk/>
+            <pc:sldMasterMk cId="2460954070" sldId="2147483660"/>
+            <pc:sldLayoutMk cId="3146388984" sldId="2147483667"/>
+          </pc:sldLayoutMkLst>
+        </pc:sldLayoutChg>
+        <pc:sldLayoutChg chg="del">
+          <pc:chgData name="Eduardo Savian" userId="83fefb37af455394" providerId="Windows Live" clId="Web-{6808E06D-317C-48B5-80AB-C63B5B44D7D8}" dt="2024-04-28T21:40:56.681" v="0"/>
+          <pc:sldLayoutMkLst>
+            <pc:docMk/>
+            <pc:sldMasterMk cId="2460954070" sldId="2147483660"/>
+            <pc:sldLayoutMk cId="3171841454" sldId="2147483668"/>
+          </pc:sldLayoutMkLst>
+        </pc:sldLayoutChg>
+        <pc:sldLayoutChg chg="del">
+          <pc:chgData name="Eduardo Savian" userId="83fefb37af455394" providerId="Windows Live" clId="Web-{6808E06D-317C-48B5-80AB-C63B5B44D7D8}" dt="2024-04-28T21:40:56.681" v="0"/>
+          <pc:sldLayoutMkLst>
+            <pc:docMk/>
+            <pc:sldMasterMk cId="2460954070" sldId="2147483660"/>
+            <pc:sldLayoutMk cId="1718958274" sldId="2147483669"/>
+          </pc:sldLayoutMkLst>
+        </pc:sldLayoutChg>
+        <pc:sldLayoutChg chg="del">
+          <pc:chgData name="Eduardo Savian" userId="83fefb37af455394" providerId="Windows Live" clId="Web-{6808E06D-317C-48B5-80AB-C63B5B44D7D8}" dt="2024-04-28T21:40:56.681" v="0"/>
+          <pc:sldLayoutMkLst>
+            <pc:docMk/>
+            <pc:sldMasterMk cId="2460954070" sldId="2147483660"/>
+            <pc:sldLayoutMk cId="2202905451" sldId="2147483670"/>
+          </pc:sldLayoutMkLst>
+        </pc:sldLayoutChg>
+        <pc:sldLayoutChg chg="del">
+          <pc:chgData name="Eduardo Savian" userId="83fefb37af455394" providerId="Windows Live" clId="Web-{6808E06D-317C-48B5-80AB-C63B5B44D7D8}" dt="2024-04-28T21:40:56.681" v="0"/>
+          <pc:sldLayoutMkLst>
+            <pc:docMk/>
+            <pc:sldMasterMk cId="2460954070" sldId="2147483660"/>
+            <pc:sldLayoutMk cId="3479445657" sldId="2147483671"/>
+          </pc:sldLayoutMkLst>
+        </pc:sldLayoutChg>
+      </pc:sldMasterChg>
+      <pc:sldMasterChg chg="add del addSldLayout delSldLayout modSldLayout">
+        <pc:chgData name="Eduardo Savian" userId="83fefb37af455394" providerId="Windows Live" clId="Web-{6808E06D-317C-48B5-80AB-C63B5B44D7D8}" dt="2024-04-28T21:41:09.510" v="1"/>
+        <pc:sldMasterMkLst>
+          <pc:docMk/>
+          <pc:sldMasterMk cId="1825988211" sldId="2147483672"/>
+        </pc:sldMasterMkLst>
+        <pc:sldLayoutChg chg="add del mod replId">
+          <pc:chgData name="Eduardo Savian" userId="83fefb37af455394" providerId="Windows Live" clId="Web-{6808E06D-317C-48B5-80AB-C63B5B44D7D8}" dt="2024-04-28T21:41:09.510" v="1"/>
+          <pc:sldLayoutMkLst>
+            <pc:docMk/>
+            <pc:sldMasterMk cId="1825988211" sldId="2147483672"/>
+            <pc:sldLayoutMk cId="453625266" sldId="2147483673"/>
+          </pc:sldLayoutMkLst>
+        </pc:sldLayoutChg>
+        <pc:sldLayoutChg chg="add del mod replId">
+          <pc:chgData name="Eduardo Savian" userId="83fefb37af455394" providerId="Windows Live" clId="Web-{6808E06D-317C-48B5-80AB-C63B5B44D7D8}" dt="2024-04-28T21:41:09.510" v="1"/>
+          <pc:sldLayoutMkLst>
+            <pc:docMk/>
+            <pc:sldMasterMk cId="1825988211" sldId="2147483672"/>
+            <pc:sldLayoutMk cId="3741936793" sldId="2147483674"/>
+          </pc:sldLayoutMkLst>
+        </pc:sldLayoutChg>
+        <pc:sldLayoutChg chg="add del mod replId">
+          <pc:chgData name="Eduardo Savian" userId="83fefb37af455394" providerId="Windows Live" clId="Web-{6808E06D-317C-48B5-80AB-C63B5B44D7D8}" dt="2024-04-28T21:41:09.510" v="1"/>
+          <pc:sldLayoutMkLst>
+            <pc:docMk/>
+            <pc:sldMasterMk cId="1825988211" sldId="2147483672"/>
+            <pc:sldLayoutMk cId="3135325950" sldId="2147483675"/>
+          </pc:sldLayoutMkLst>
+        </pc:sldLayoutChg>
+        <pc:sldLayoutChg chg="add del mod replId">
+          <pc:chgData name="Eduardo Savian" userId="83fefb37af455394" providerId="Windows Live" clId="Web-{6808E06D-317C-48B5-80AB-C63B5B44D7D8}" dt="2024-04-28T21:41:09.510" v="1"/>
+          <pc:sldLayoutMkLst>
+            <pc:docMk/>
+            <pc:sldMasterMk cId="1825988211" sldId="2147483672"/>
+            <pc:sldLayoutMk cId="3029497057" sldId="2147483676"/>
+          </pc:sldLayoutMkLst>
+        </pc:sldLayoutChg>
+        <pc:sldLayoutChg chg="add del mod replId">
+          <pc:chgData name="Eduardo Savian" userId="83fefb37af455394" providerId="Windows Live" clId="Web-{6808E06D-317C-48B5-80AB-C63B5B44D7D8}" dt="2024-04-28T21:41:09.510" v="1"/>
+          <pc:sldLayoutMkLst>
+            <pc:docMk/>
+            <pc:sldMasterMk cId="1825988211" sldId="2147483672"/>
+            <pc:sldLayoutMk cId="1582056691" sldId="2147483677"/>
+          </pc:sldLayoutMkLst>
+        </pc:sldLayoutChg>
+        <pc:sldLayoutChg chg="add del mod replId">
+          <pc:chgData name="Eduardo Savian" userId="83fefb37af455394" providerId="Windows Live" clId="Web-{6808E06D-317C-48B5-80AB-C63B5B44D7D8}" dt="2024-04-28T21:41:09.510" v="1"/>
+          <pc:sldLayoutMkLst>
+            <pc:docMk/>
+            <pc:sldMasterMk cId="1825988211" sldId="2147483672"/>
+            <pc:sldLayoutMk cId="1230447073" sldId="2147483678"/>
+          </pc:sldLayoutMkLst>
+        </pc:sldLayoutChg>
+        <pc:sldLayoutChg chg="add del mod replId">
+          <pc:chgData name="Eduardo Savian" userId="83fefb37af455394" providerId="Windows Live" clId="Web-{6808E06D-317C-48B5-80AB-C63B5B44D7D8}" dt="2024-04-28T21:41:09.510" v="1"/>
+          <pc:sldLayoutMkLst>
+            <pc:docMk/>
+            <pc:sldMasterMk cId="1825988211" sldId="2147483672"/>
+            <pc:sldLayoutMk cId="2111515493" sldId="2147483679"/>
+          </pc:sldLayoutMkLst>
+        </pc:sldLayoutChg>
+        <pc:sldLayoutChg chg="add del mod replId">
+          <pc:chgData name="Eduardo Savian" userId="83fefb37af455394" providerId="Windows Live" clId="Web-{6808E06D-317C-48B5-80AB-C63B5B44D7D8}" dt="2024-04-28T21:41:09.510" v="1"/>
+          <pc:sldLayoutMkLst>
+            <pc:docMk/>
+            <pc:sldMasterMk cId="1825988211" sldId="2147483672"/>
+            <pc:sldLayoutMk cId="3466345160" sldId="2147483680"/>
+          </pc:sldLayoutMkLst>
+        </pc:sldLayoutChg>
+        <pc:sldLayoutChg chg="add del mod replId">
+          <pc:chgData name="Eduardo Savian" userId="83fefb37af455394" providerId="Windows Live" clId="Web-{6808E06D-317C-48B5-80AB-C63B5B44D7D8}" dt="2024-04-28T21:41:09.510" v="1"/>
+          <pc:sldLayoutMkLst>
+            <pc:docMk/>
+            <pc:sldMasterMk cId="1825988211" sldId="2147483672"/>
+            <pc:sldLayoutMk cId="1503474283" sldId="2147483681"/>
+          </pc:sldLayoutMkLst>
+        </pc:sldLayoutChg>
+        <pc:sldLayoutChg chg="add del mod replId">
+          <pc:chgData name="Eduardo Savian" userId="83fefb37af455394" providerId="Windows Live" clId="Web-{6808E06D-317C-48B5-80AB-C63B5B44D7D8}" dt="2024-04-28T21:41:09.510" v="1"/>
+          <pc:sldLayoutMkLst>
+            <pc:docMk/>
+            <pc:sldMasterMk cId="1825988211" sldId="2147483672"/>
+            <pc:sldLayoutMk cId="3078211142" sldId="2147483682"/>
+          </pc:sldLayoutMkLst>
+        </pc:sldLayoutChg>
+        <pc:sldLayoutChg chg="add del mod replId">
+          <pc:chgData name="Eduardo Savian" userId="83fefb37af455394" providerId="Windows Live" clId="Web-{6808E06D-317C-48B5-80AB-C63B5B44D7D8}" dt="2024-04-28T21:41:09.510" v="1"/>
+          <pc:sldLayoutMkLst>
+            <pc:docMk/>
+            <pc:sldMasterMk cId="1825988211" sldId="2147483672"/>
+            <pc:sldLayoutMk cId="459548907" sldId="2147483683"/>
+          </pc:sldLayoutMkLst>
+        </pc:sldLayoutChg>
+      </pc:sldMasterChg>
+      <pc:sldMasterChg chg="add del addSldLayout delSldLayout modSldLayout">
+        <pc:chgData name="Eduardo Savian" userId="83fefb37af455394" providerId="Windows Live" clId="Web-{6808E06D-317C-48B5-80AB-C63B5B44D7D8}" dt="2024-04-28T21:41:19.260" v="2"/>
+        <pc:sldMasterMkLst>
+          <pc:docMk/>
+          <pc:sldMasterMk cId="3576760201" sldId="2147483684"/>
+        </pc:sldMasterMkLst>
+        <pc:sldLayoutChg chg="add del mod replId">
+          <pc:chgData name="Eduardo Savian" userId="83fefb37af455394" providerId="Windows Live" clId="Web-{6808E06D-317C-48B5-80AB-C63B5B44D7D8}" dt="2024-04-28T21:41:19.260" v="2"/>
+          <pc:sldLayoutMkLst>
+            <pc:docMk/>
+            <pc:sldMasterMk cId="3576760201" sldId="2147483684"/>
+            <pc:sldLayoutMk cId="2216021014" sldId="2147483685"/>
+          </pc:sldLayoutMkLst>
+        </pc:sldLayoutChg>
+        <pc:sldLayoutChg chg="add del mod replId">
+          <pc:chgData name="Eduardo Savian" userId="83fefb37af455394" providerId="Windows Live" clId="Web-{6808E06D-317C-48B5-80AB-C63B5B44D7D8}" dt="2024-04-28T21:41:19.260" v="2"/>
+          <pc:sldLayoutMkLst>
+            <pc:docMk/>
+            <pc:sldMasterMk cId="3576760201" sldId="2147483684"/>
+            <pc:sldLayoutMk cId="3902083424" sldId="2147483686"/>
+          </pc:sldLayoutMkLst>
+        </pc:sldLayoutChg>
+        <pc:sldLayoutChg chg="add del mod replId">
+          <pc:chgData name="Eduardo Savian" userId="83fefb37af455394" providerId="Windows Live" clId="Web-{6808E06D-317C-48B5-80AB-C63B5B44D7D8}" dt="2024-04-28T21:41:19.260" v="2"/>
+          <pc:sldLayoutMkLst>
+            <pc:docMk/>
+            <pc:sldMasterMk cId="3576760201" sldId="2147483684"/>
+            <pc:sldLayoutMk cId="303830792" sldId="2147483687"/>
+          </pc:sldLayoutMkLst>
+        </pc:sldLayoutChg>
+        <pc:sldLayoutChg chg="add del mod replId">
+          <pc:chgData name="Eduardo Savian" userId="83fefb37af455394" providerId="Windows Live" clId="Web-{6808E06D-317C-48B5-80AB-C63B5B44D7D8}" dt="2024-04-28T21:41:19.260" v="2"/>
+          <pc:sldLayoutMkLst>
+            <pc:docMk/>
+            <pc:sldMasterMk cId="3576760201" sldId="2147483684"/>
+            <pc:sldLayoutMk cId="3294796599" sldId="2147483688"/>
+          </pc:sldLayoutMkLst>
+        </pc:sldLayoutChg>
+        <pc:sldLayoutChg chg="add del mod replId">
+          <pc:chgData name="Eduardo Savian" userId="83fefb37af455394" providerId="Windows Live" clId="Web-{6808E06D-317C-48B5-80AB-C63B5B44D7D8}" dt="2024-04-28T21:41:19.260" v="2"/>
+          <pc:sldLayoutMkLst>
+            <pc:docMk/>
+            <pc:sldMasterMk cId="3576760201" sldId="2147483684"/>
+            <pc:sldLayoutMk cId="2202936919" sldId="2147483689"/>
+          </pc:sldLayoutMkLst>
+        </pc:sldLayoutChg>
+        <pc:sldLayoutChg chg="add del mod replId">
+          <pc:chgData name="Eduardo Savian" userId="83fefb37af455394" providerId="Windows Live" clId="Web-{6808E06D-317C-48B5-80AB-C63B5B44D7D8}" dt="2024-04-28T21:41:19.260" v="2"/>
+          <pc:sldLayoutMkLst>
+            <pc:docMk/>
+            <pc:sldMasterMk cId="3576760201" sldId="2147483684"/>
+            <pc:sldLayoutMk cId="4008400113" sldId="2147483690"/>
+          </pc:sldLayoutMkLst>
+        </pc:sldLayoutChg>
+        <pc:sldLayoutChg chg="add del mod replId">
+          <pc:chgData name="Eduardo Savian" userId="83fefb37af455394" providerId="Windows Live" clId="Web-{6808E06D-317C-48B5-80AB-C63B5B44D7D8}" dt="2024-04-28T21:41:19.260" v="2"/>
+          <pc:sldLayoutMkLst>
+            <pc:docMk/>
+            <pc:sldMasterMk cId="3576760201" sldId="2147483684"/>
+            <pc:sldLayoutMk cId="2748376286" sldId="2147483691"/>
+          </pc:sldLayoutMkLst>
+        </pc:sldLayoutChg>
+        <pc:sldLayoutChg chg="add del mod replId">
+          <pc:chgData name="Eduardo Savian" userId="83fefb37af455394" providerId="Windows Live" clId="Web-{6808E06D-317C-48B5-80AB-C63B5B44D7D8}" dt="2024-04-28T21:41:19.260" v="2"/>
+          <pc:sldLayoutMkLst>
+            <pc:docMk/>
+            <pc:sldMasterMk cId="3576760201" sldId="2147483684"/>
+            <pc:sldLayoutMk cId="382359778" sldId="2147483692"/>
+          </pc:sldLayoutMkLst>
+        </pc:sldLayoutChg>
+        <pc:sldLayoutChg chg="add del mod replId">
+          <pc:chgData name="Eduardo Savian" userId="83fefb37af455394" providerId="Windows Live" clId="Web-{6808E06D-317C-48B5-80AB-C63B5B44D7D8}" dt="2024-04-28T21:41:19.260" v="2"/>
+          <pc:sldLayoutMkLst>
+            <pc:docMk/>
+            <pc:sldMasterMk cId="3576760201" sldId="2147483684"/>
+            <pc:sldLayoutMk cId="4040316331" sldId="2147483693"/>
+          </pc:sldLayoutMkLst>
+        </pc:sldLayoutChg>
+        <pc:sldLayoutChg chg="add del mod replId">
+          <pc:chgData name="Eduardo Savian" userId="83fefb37af455394" providerId="Windows Live" clId="Web-{6808E06D-317C-48B5-80AB-C63B5B44D7D8}" dt="2024-04-28T21:41:19.260" v="2"/>
+          <pc:sldLayoutMkLst>
+            <pc:docMk/>
+            <pc:sldMasterMk cId="3576760201" sldId="2147483684"/>
+            <pc:sldLayoutMk cId="509449739" sldId="2147483694"/>
+          </pc:sldLayoutMkLst>
+        </pc:sldLayoutChg>
+        <pc:sldLayoutChg chg="add del mod replId">
+          <pc:chgData name="Eduardo Savian" userId="83fefb37af455394" providerId="Windows Live" clId="Web-{6808E06D-317C-48B5-80AB-C63B5B44D7D8}" dt="2024-04-28T21:41:19.260" v="2"/>
+          <pc:sldLayoutMkLst>
+            <pc:docMk/>
+            <pc:sldMasterMk cId="3576760201" sldId="2147483684"/>
+            <pc:sldLayoutMk cId="623420917" sldId="2147483695"/>
+          </pc:sldLayoutMkLst>
+        </pc:sldLayoutChg>
+        <pc:sldLayoutChg chg="add del mod replId">
+          <pc:chgData name="Eduardo Savian" userId="83fefb37af455394" providerId="Windows Live" clId="Web-{6808E06D-317C-48B5-80AB-C63B5B44D7D8}" dt="2024-04-28T21:41:19.260" v="2"/>
+          <pc:sldLayoutMkLst>
+            <pc:docMk/>
+            <pc:sldMasterMk cId="3576760201" sldId="2147483684"/>
+            <pc:sldLayoutMk cId="2864147052" sldId="2147483696"/>
+          </pc:sldLayoutMkLst>
+        </pc:sldLayoutChg>
+        <pc:sldLayoutChg chg="add del mod replId">
+          <pc:chgData name="Eduardo Savian" userId="83fefb37af455394" providerId="Windows Live" clId="Web-{6808E06D-317C-48B5-80AB-C63B5B44D7D8}" dt="2024-04-28T21:41:19.260" v="2"/>
+          <pc:sldLayoutMkLst>
+            <pc:docMk/>
+            <pc:sldMasterMk cId="3576760201" sldId="2147483684"/>
+            <pc:sldLayoutMk cId="318747777" sldId="2147483697"/>
+          </pc:sldLayoutMkLst>
+        </pc:sldLayoutChg>
+        <pc:sldLayoutChg chg="add del mod replId">
+          <pc:chgData name="Eduardo Savian" userId="83fefb37af455394" providerId="Windows Live" clId="Web-{6808E06D-317C-48B5-80AB-C63B5B44D7D8}" dt="2024-04-28T21:41:19.260" v="2"/>
+          <pc:sldLayoutMkLst>
+            <pc:docMk/>
+            <pc:sldMasterMk cId="3576760201" sldId="2147483684"/>
+            <pc:sldLayoutMk cId="1646594572" sldId="2147483698"/>
+          </pc:sldLayoutMkLst>
+        </pc:sldLayoutChg>
+        <pc:sldLayoutChg chg="add del mod replId">
+          <pc:chgData name="Eduardo Savian" userId="83fefb37af455394" providerId="Windows Live" clId="Web-{6808E06D-317C-48B5-80AB-C63B5B44D7D8}" dt="2024-04-28T21:41:19.260" v="2"/>
+          <pc:sldLayoutMkLst>
+            <pc:docMk/>
+            <pc:sldMasterMk cId="3576760201" sldId="2147483684"/>
+            <pc:sldLayoutMk cId="2879648242" sldId="2147483699"/>
+          </pc:sldLayoutMkLst>
+        </pc:sldLayoutChg>
+        <pc:sldLayoutChg chg="add del mod replId">
+          <pc:chgData name="Eduardo Savian" userId="83fefb37af455394" providerId="Windows Live" clId="Web-{6808E06D-317C-48B5-80AB-C63B5B44D7D8}" dt="2024-04-28T21:41:19.260" v="2"/>
+          <pc:sldLayoutMkLst>
+            <pc:docMk/>
+            <pc:sldMasterMk cId="3576760201" sldId="2147483684"/>
+            <pc:sldLayoutMk cId="541596521" sldId="2147483700"/>
+          </pc:sldLayoutMkLst>
+        </pc:sldLayoutChg>
+        <pc:sldLayoutChg chg="add del mod replId">
+          <pc:chgData name="Eduardo Savian" userId="83fefb37af455394" providerId="Windows Live" clId="Web-{6808E06D-317C-48B5-80AB-C63B5B44D7D8}" dt="2024-04-28T21:41:19.260" v="2"/>
+          <pc:sldLayoutMkLst>
+            <pc:docMk/>
+            <pc:sldMasterMk cId="3576760201" sldId="2147483684"/>
+            <pc:sldLayoutMk cId="388203491" sldId="2147483701"/>
+          </pc:sldLayoutMkLst>
+        </pc:sldLayoutChg>
+      </pc:sldMasterChg>
+      <pc:sldMasterChg chg="add addSldLayout modSldLayout">
+        <pc:chgData name="Eduardo Savian" userId="83fefb37af455394" providerId="Windows Live" clId="Web-{6808E06D-317C-48B5-80AB-C63B5B44D7D8}" dt="2024-04-28T21:41:19.260" v="2"/>
+        <pc:sldMasterMkLst>
+          <pc:docMk/>
+          <pc:sldMasterMk cId="380110844" sldId="2147483702"/>
+        </pc:sldMasterMkLst>
+        <pc:sldLayoutChg chg="add mod replId">
+          <pc:chgData name="Eduardo Savian" userId="83fefb37af455394" providerId="Windows Live" clId="Web-{6808E06D-317C-48B5-80AB-C63B5B44D7D8}" dt="2024-04-28T21:41:19.260" v="2"/>
+          <pc:sldLayoutMkLst>
+            <pc:docMk/>
+            <pc:sldMasterMk cId="380110844" sldId="2147483702"/>
+            <pc:sldLayoutMk cId="2993827588" sldId="2147483703"/>
+          </pc:sldLayoutMkLst>
+        </pc:sldLayoutChg>
+        <pc:sldLayoutChg chg="add mod replId">
+          <pc:chgData name="Eduardo Savian" userId="83fefb37af455394" providerId="Windows Live" clId="Web-{6808E06D-317C-48B5-80AB-C63B5B44D7D8}" dt="2024-04-28T21:41:19.260" v="2"/>
+          <pc:sldLayoutMkLst>
+            <pc:docMk/>
+            <pc:sldMasterMk cId="380110844" sldId="2147483702"/>
+            <pc:sldLayoutMk cId="2457156884" sldId="2147483704"/>
+          </pc:sldLayoutMkLst>
+        </pc:sldLayoutChg>
+        <pc:sldLayoutChg chg="add mod replId">
+          <pc:chgData name="Eduardo Savian" userId="83fefb37af455394" providerId="Windows Live" clId="Web-{6808E06D-317C-48B5-80AB-C63B5B44D7D8}" dt="2024-04-28T21:41:19.260" v="2"/>
+          <pc:sldLayoutMkLst>
+            <pc:docMk/>
+            <pc:sldMasterMk cId="380110844" sldId="2147483702"/>
+            <pc:sldLayoutMk cId="2260547415" sldId="2147483705"/>
+          </pc:sldLayoutMkLst>
+        </pc:sldLayoutChg>
+        <pc:sldLayoutChg chg="add mod replId">
+          <pc:chgData name="Eduardo Savian" userId="83fefb37af455394" providerId="Windows Live" clId="Web-{6808E06D-317C-48B5-80AB-C63B5B44D7D8}" dt="2024-04-28T21:41:19.260" v="2"/>
+          <pc:sldLayoutMkLst>
+            <pc:docMk/>
+            <pc:sldMasterMk cId="380110844" sldId="2147483702"/>
+            <pc:sldLayoutMk cId="51149255" sldId="2147483706"/>
+          </pc:sldLayoutMkLst>
+        </pc:sldLayoutChg>
+        <pc:sldLayoutChg chg="add mod replId">
+          <pc:chgData name="Eduardo Savian" userId="83fefb37af455394" providerId="Windows Live" clId="Web-{6808E06D-317C-48B5-80AB-C63B5B44D7D8}" dt="2024-04-28T21:41:19.260" v="2"/>
+          <pc:sldLayoutMkLst>
+            <pc:docMk/>
+            <pc:sldMasterMk cId="380110844" sldId="2147483702"/>
+            <pc:sldLayoutMk cId="3095146221" sldId="2147483707"/>
+          </pc:sldLayoutMkLst>
+        </pc:sldLayoutChg>
+        <pc:sldLayoutChg chg="add mod replId">
+          <pc:chgData name="Eduardo Savian" userId="83fefb37af455394" providerId="Windows Live" clId="Web-{6808E06D-317C-48B5-80AB-C63B5B44D7D8}" dt="2024-04-28T21:41:19.260" v="2"/>
+          <pc:sldLayoutMkLst>
+            <pc:docMk/>
+            <pc:sldMasterMk cId="380110844" sldId="2147483702"/>
+            <pc:sldLayoutMk cId="3266165134" sldId="2147483708"/>
+          </pc:sldLayoutMkLst>
+        </pc:sldLayoutChg>
+        <pc:sldLayoutChg chg="add mod replId">
+          <pc:chgData name="Eduardo Savian" userId="83fefb37af455394" providerId="Windows Live" clId="Web-{6808E06D-317C-48B5-80AB-C63B5B44D7D8}" dt="2024-04-28T21:41:19.260" v="2"/>
+          <pc:sldLayoutMkLst>
+            <pc:docMk/>
+            <pc:sldMasterMk cId="380110844" sldId="2147483702"/>
+            <pc:sldLayoutMk cId="3757151552" sldId="2147483709"/>
+          </pc:sldLayoutMkLst>
+        </pc:sldLayoutChg>
+        <pc:sldLayoutChg chg="add mod replId">
+          <pc:chgData name="Eduardo Savian" userId="83fefb37af455394" providerId="Windows Live" clId="Web-{6808E06D-317C-48B5-80AB-C63B5B44D7D8}" dt="2024-04-28T21:41:19.260" v="2"/>
+          <pc:sldLayoutMkLst>
+            <pc:docMk/>
+            <pc:sldMasterMk cId="380110844" sldId="2147483702"/>
+            <pc:sldLayoutMk cId="2400739392" sldId="2147483710"/>
+          </pc:sldLayoutMkLst>
+        </pc:sldLayoutChg>
+        <pc:sldLayoutChg chg="add mod replId">
+          <pc:chgData name="Eduardo Savian" userId="83fefb37af455394" providerId="Windows Live" clId="Web-{6808E06D-317C-48B5-80AB-C63B5B44D7D8}" dt="2024-04-28T21:41:19.260" v="2"/>
+          <pc:sldLayoutMkLst>
+            <pc:docMk/>
+            <pc:sldMasterMk cId="380110844" sldId="2147483702"/>
+            <pc:sldLayoutMk cId="1672042868" sldId="2147483711"/>
+          </pc:sldLayoutMkLst>
+        </pc:sldLayoutChg>
+        <pc:sldLayoutChg chg="add mod replId">
+          <pc:chgData name="Eduardo Savian" userId="83fefb37af455394" providerId="Windows Live" clId="Web-{6808E06D-317C-48B5-80AB-C63B5B44D7D8}" dt="2024-04-28T21:41:19.260" v="2"/>
+          <pc:sldLayoutMkLst>
+            <pc:docMk/>
+            <pc:sldMasterMk cId="380110844" sldId="2147483702"/>
+            <pc:sldLayoutMk cId="3551866296" sldId="2147483712"/>
+          </pc:sldLayoutMkLst>
+        </pc:sldLayoutChg>
+        <pc:sldLayoutChg chg="add mod replId">
+          <pc:chgData name="Eduardo Savian" userId="83fefb37af455394" providerId="Windows Live" clId="Web-{6808E06D-317C-48B5-80AB-C63B5B44D7D8}" dt="2024-04-28T21:41:19.260" v="2"/>
+          <pc:sldLayoutMkLst>
+            <pc:docMk/>
+            <pc:sldMasterMk cId="380110844" sldId="2147483702"/>
+            <pc:sldLayoutMk cId="3957431958" sldId="2147483713"/>
+          </pc:sldLayoutMkLst>
+        </pc:sldLayoutChg>
+      </pc:sldMasterChg>
+    </pc:docChg>
+  </pc:docChgLst>
+  <pc:docChgLst>
+    <pc:chgData name="Eduardo Savian" userId="83fefb37af455394" providerId="LiveId" clId="{F92F2121-E3A7-4D5C-8A92-F61E052B0D7C}"/>
+    <pc:docChg chg="modSld">
+      <pc:chgData name="Eduardo Savian" userId="83fefb37af455394" providerId="LiveId" clId="{F92F2121-E3A7-4D5C-8A92-F61E052B0D7C}" dt="2024-05-08T21:56:59.808" v="11" actId="1076"/>
+      <pc:docMkLst>
+        <pc:docMk/>
+      </pc:docMkLst>
+      <pc:sldChg chg="addSp modSp mod">
+        <pc:chgData name="Eduardo Savian" userId="83fefb37af455394" providerId="LiveId" clId="{F92F2121-E3A7-4D5C-8A92-F61E052B0D7C}" dt="2024-05-08T21:56:59.808" v="11" actId="1076"/>
+        <pc:sldMkLst>
+          <pc:docMk/>
+          <pc:sldMk cId="2753850936" sldId="261"/>
+        </pc:sldMkLst>
+        <pc:picChg chg="add mod">
+          <ac:chgData name="Eduardo Savian" userId="83fefb37af455394" providerId="LiveId" clId="{F92F2121-E3A7-4D5C-8A92-F61E052B0D7C}" dt="2024-05-08T21:56:56.310" v="8" actId="27614"/>
+          <ac:picMkLst>
+            <pc:docMk/>
+            <pc:sldMk cId="2753850936" sldId="261"/>
+            <ac:picMk id="7" creationId="{24B49B10-7660-3EA2-3964-3F937A078934}"/>
+          </ac:picMkLst>
+        </pc:picChg>
+        <pc:picChg chg="mod">
+          <ac:chgData name="Eduardo Savian" userId="83fefb37af455394" providerId="LiveId" clId="{F92F2121-E3A7-4D5C-8A92-F61E052B0D7C}" dt="2024-05-08T21:56:59.808" v="11" actId="1076"/>
+          <ac:picMkLst>
+            <pc:docMk/>
+            <pc:sldMk cId="2753850936" sldId="261"/>
+            <ac:picMk id="14" creationId="{CB3B0777-5292-ECBA-8C1A-6098EEFCD096}"/>
+          </ac:picMkLst>
+        </pc:picChg>
+      </pc:sldChg>
+    </pc:docChg>
+  </pc:docChgLst>
+  <pc:docChgLst>
+    <pc:chgData name="Eduardo Savian" userId="83fefb37af455394" providerId="LiveId" clId="{D2C05975-BD5A-4D9A-AC2A-69DB2A430846}"/>
+    <pc:docChg chg="undo redo custSel addSld delSld modSld sldOrd">
+      <pc:chgData name="Eduardo Savian" userId="83fefb37af455394" providerId="LiveId" clId="{D2C05975-BD5A-4D9A-AC2A-69DB2A430846}" dt="2024-06-07T15:12:46.069" v="477" actId="20577"/>
+      <pc:docMkLst>
+        <pc:docMk/>
+      </pc:docMkLst>
+      <pc:sldChg chg="modSp mod">
+        <pc:chgData name="Eduardo Savian" userId="83fefb37af455394" providerId="LiveId" clId="{D2C05975-BD5A-4D9A-AC2A-69DB2A430846}" dt="2024-06-07T15:12:46.069" v="477" actId="20577"/>
+        <pc:sldMkLst>
+          <pc:docMk/>
+          <pc:sldMk cId="3775945265" sldId="257"/>
+        </pc:sldMkLst>
+        <pc:spChg chg="mod">
+          <ac:chgData name="Eduardo Savian" userId="83fefb37af455394" providerId="LiveId" clId="{D2C05975-BD5A-4D9A-AC2A-69DB2A430846}" dt="2024-06-07T15:12:46.069" v="477" actId="20577"/>
+          <ac:spMkLst>
+            <pc:docMk/>
+            <pc:sldMk cId="3775945265" sldId="257"/>
+            <ac:spMk id="3" creationId="{A3B4ADFF-18FA-819A-E2DD-F32D67BA3A8E}"/>
+          </ac:spMkLst>
+        </pc:spChg>
+      </pc:sldChg>
+      <pc:sldChg chg="modSp mod">
+        <pc:chgData name="Eduardo Savian" userId="83fefb37af455394" providerId="LiveId" clId="{D2C05975-BD5A-4D9A-AC2A-69DB2A430846}" dt="2024-06-07T14:28:57.816" v="299" actId="27636"/>
+        <pc:sldMkLst>
+          <pc:docMk/>
+          <pc:sldMk cId="2097304172" sldId="268"/>
+        </pc:sldMkLst>
+        <pc:spChg chg="mod">
+          <ac:chgData name="Eduardo Savian" userId="83fefb37af455394" providerId="LiveId" clId="{D2C05975-BD5A-4D9A-AC2A-69DB2A430846}" dt="2024-06-07T14:28:57.816" v="299" actId="27636"/>
+          <ac:spMkLst>
+            <pc:docMk/>
+            <pc:sldMk cId="2097304172" sldId="268"/>
+            <ac:spMk id="3" creationId="{DF5ABD57-ADCB-25E7-5CDB-095C18654DD9}"/>
+          </ac:spMkLst>
+        </pc:spChg>
+      </pc:sldChg>
+      <pc:sldChg chg="addSp modSp mod">
+        <pc:chgData name="Eduardo Savian" userId="83fefb37af455394" providerId="LiveId" clId="{D2C05975-BD5A-4D9A-AC2A-69DB2A430846}" dt="2024-06-07T15:12:38.129" v="476" actId="20577"/>
+        <pc:sldMkLst>
+          <pc:docMk/>
+          <pc:sldMk cId="1839108021" sldId="269"/>
+        </pc:sldMkLst>
+        <pc:spChg chg="mod">
+          <ac:chgData name="Eduardo Savian" userId="83fefb37af455394" providerId="LiveId" clId="{D2C05975-BD5A-4D9A-AC2A-69DB2A430846}" dt="2024-06-07T15:12:38.129" v="476" actId="20577"/>
+          <ac:spMkLst>
+            <pc:docMk/>
+            <pc:sldMk cId="1839108021" sldId="269"/>
+            <ac:spMk id="3" creationId="{A0A824DE-1396-458D-85D1-532A91E9C44F}"/>
+          </ac:spMkLst>
+        </pc:spChg>
+        <pc:spChg chg="add">
+          <ac:chgData name="Eduardo Savian" userId="83fefb37af455394" providerId="LiveId" clId="{D2C05975-BD5A-4D9A-AC2A-69DB2A430846}" dt="2024-06-07T14:44:42.210" v="359"/>
+          <ac:spMkLst>
+            <pc:docMk/>
+            <pc:sldMk cId="1839108021" sldId="269"/>
+            <ac:spMk id="7" creationId="{929D4EA9-2EA7-68D3-CA72-0DED08581B44}"/>
+          </ac:spMkLst>
+        </pc:spChg>
+        <pc:spChg chg="add">
+          <ac:chgData name="Eduardo Savian" userId="83fefb37af455394" providerId="LiveId" clId="{D2C05975-BD5A-4D9A-AC2A-69DB2A430846}" dt="2024-06-07T14:44:46.142" v="360"/>
+          <ac:spMkLst>
+            <pc:docMk/>
+            <pc:sldMk cId="1839108021" sldId="269"/>
+            <ac:spMk id="8" creationId="{DFE393A6-F349-06F6-65FD-38A4111C6A39}"/>
+          </ac:spMkLst>
+        </pc:spChg>
+        <pc:spChg chg="add">
+          <ac:chgData name="Eduardo Savian" userId="83fefb37af455394" providerId="LiveId" clId="{D2C05975-BD5A-4D9A-AC2A-69DB2A430846}" dt="2024-06-07T14:44:57.478" v="361"/>
+          <ac:spMkLst>
+            <pc:docMk/>
+            <pc:sldMk cId="1839108021" sldId="269"/>
+            <ac:spMk id="9" creationId="{D025FA13-71BB-A60C-6D41-F04AD909AA14}"/>
+          </ac:spMkLst>
+        </pc:spChg>
+        <pc:spChg chg="add">
+          <ac:chgData name="Eduardo Savian" userId="83fefb37af455394" providerId="LiveId" clId="{D2C05975-BD5A-4D9A-AC2A-69DB2A430846}" dt="2024-06-07T15:08:34.010" v="414"/>
+          <ac:spMkLst>
+            <pc:docMk/>
+            <pc:sldMk cId="1839108021" sldId="269"/>
+            <ac:spMk id="10" creationId="{4003230B-CC23-DFAF-3D95-28CF3E4E8C75}"/>
+          </ac:spMkLst>
+        </pc:spChg>
+        <pc:spChg chg="add">
+          <ac:chgData name="Eduardo Savian" userId="83fefb37af455394" providerId="LiveId" clId="{D2C05975-BD5A-4D9A-AC2A-69DB2A430846}" dt="2024-06-07T15:08:36.114" v="415"/>
+          <ac:spMkLst>
+            <pc:docMk/>
+            <pc:sldMk cId="1839108021" sldId="269"/>
+            <ac:spMk id="11" creationId="{BADBFF4F-09DF-6002-0486-C96880670633}"/>
+          </ac:spMkLst>
+        </pc:spChg>
+        <pc:spChg chg="add">
+          <ac:chgData name="Eduardo Savian" userId="83fefb37af455394" providerId="LiveId" clId="{D2C05975-BD5A-4D9A-AC2A-69DB2A430846}" dt="2024-06-07T15:08:43.793" v="416"/>
+          <ac:spMkLst>
+            <pc:docMk/>
+            <pc:sldMk cId="1839108021" sldId="269"/>
+            <ac:spMk id="12" creationId="{14F5F5BF-2A2F-9D6D-773F-5F4CC89DCF60}"/>
+          </ac:spMkLst>
+        </pc:spChg>
+        <pc:spChg chg="add">
+          <ac:chgData name="Eduardo Savian" userId="83fefb37af455394" providerId="LiveId" clId="{D2C05975-BD5A-4D9A-AC2A-69DB2A430846}" dt="2024-06-07T15:08:45.174" v="417"/>
+          <ac:spMkLst>
+            <pc:docMk/>
+            <pc:sldMk cId="1839108021" sldId="269"/>
+            <ac:spMk id="13" creationId="{F90E1D32-8937-A8E5-7576-F074A3760DAE}"/>
+          </ac:spMkLst>
+        </pc:spChg>
+        <pc:spChg chg="add">
+          <ac:chgData name="Eduardo Savian" userId="83fefb37af455394" providerId="LiveId" clId="{D2C05975-BD5A-4D9A-AC2A-69DB2A430846}" dt="2024-06-07T15:08:46.562" v="418"/>
+          <ac:spMkLst>
+            <pc:docMk/>
+            <pc:sldMk cId="1839108021" sldId="269"/>
+            <ac:spMk id="14" creationId="{B7839047-8484-3428-1266-F7662EA7A728}"/>
+          </ac:spMkLst>
+        </pc:spChg>
+        <pc:spChg chg="add">
+          <ac:chgData name="Eduardo Savian" userId="83fefb37af455394" providerId="LiveId" clId="{D2C05975-BD5A-4D9A-AC2A-69DB2A430846}" dt="2024-06-07T15:10:35.020" v="429"/>
+          <ac:spMkLst>
+            <pc:docMk/>
+            <pc:sldMk cId="1839108021" sldId="269"/>
+            <ac:spMk id="15" creationId="{0F010372-D4C8-314E-AB54-883854A9C638}"/>
+          </ac:spMkLst>
+        </pc:spChg>
+      </pc:sldChg>
+      <pc:sldChg chg="addSp delSp modSp mod">
+        <pc:chgData name="Eduardo Savian" userId="83fefb37af455394" providerId="LiveId" clId="{D2C05975-BD5A-4D9A-AC2A-69DB2A430846}" dt="2024-06-07T14:23:57.385" v="107" actId="20577"/>
+        <pc:sldMkLst>
+          <pc:docMk/>
+          <pc:sldMk cId="2543389946" sldId="270"/>
+        </pc:sldMkLst>
+        <pc:spChg chg="mod">
+          <ac:chgData name="Eduardo Savian" userId="83fefb37af455394" providerId="LiveId" clId="{D2C05975-BD5A-4D9A-AC2A-69DB2A430846}" dt="2024-06-07T14:23:57.385" v="107" actId="20577"/>
+          <ac:spMkLst>
+            <pc:docMk/>
+            <pc:sldMk cId="2543389946" sldId="270"/>
+            <ac:spMk id="2" creationId="{9D424C4A-0F2A-5071-F472-0ADCEA93CF25}"/>
+          </ac:spMkLst>
+        </pc:spChg>
+        <pc:spChg chg="del">
+          <ac:chgData name="Eduardo Savian" userId="83fefb37af455394" providerId="LiveId" clId="{D2C05975-BD5A-4D9A-AC2A-69DB2A430846}" dt="2024-06-07T14:16:24.545" v="0" actId="22"/>
+          <ac:spMkLst>
+            <pc:docMk/>
+            <pc:sldMk cId="2543389946" sldId="270"/>
+            <ac:spMk id="3" creationId="{0C0D8DFD-F406-E456-7C64-26337596EE00}"/>
+          </ac:spMkLst>
+        </pc:spChg>
+        <pc:spChg chg="add del mod">
+          <ac:chgData name="Eduardo Savian" userId="83fefb37af455394" providerId="LiveId" clId="{D2C05975-BD5A-4D9A-AC2A-69DB2A430846}" dt="2024-06-07T14:17:12.147" v="5" actId="22"/>
+          <ac:spMkLst>
+            <pc:docMk/>
+            <pc:sldMk cId="2543389946" sldId="270"/>
+            <ac:spMk id="10" creationId="{4B910B33-02C4-17FD-3704-08D241C6617D}"/>
+          </ac:spMkLst>
+        </pc:spChg>
+        <pc:picChg chg="add del mod ord">
+          <ac:chgData name="Eduardo Savian" userId="83fefb37af455394" providerId="LiveId" clId="{D2C05975-BD5A-4D9A-AC2A-69DB2A430846}" dt="2024-06-07T14:16:35.389" v="1" actId="478"/>
+          <ac:picMkLst>
+            <pc:docMk/>
+            <pc:sldMk cId="2543389946" sldId="270"/>
+            <ac:picMk id="8" creationId="{AD98CC59-C74B-4AF4-FE7F-7067974A6BD8}"/>
+          </ac:picMkLst>
+        </pc:picChg>
+        <pc:picChg chg="add mod ord">
+          <ac:chgData name="Eduardo Savian" userId="83fefb37af455394" providerId="LiveId" clId="{D2C05975-BD5A-4D9A-AC2A-69DB2A430846}" dt="2024-06-07T14:17:12.147" v="5" actId="22"/>
+          <ac:picMkLst>
+            <pc:docMk/>
+            <pc:sldMk cId="2543389946" sldId="270"/>
+            <ac:picMk id="12" creationId="{7D423C59-49F4-28E3-3A6D-8470B5A21224}"/>
+          </ac:picMkLst>
+        </pc:picChg>
+      </pc:sldChg>
+      <pc:sldChg chg="addSp delSp modSp new mod">
+        <pc:chgData name="Eduardo Savian" userId="83fefb37af455394" providerId="LiveId" clId="{D2C05975-BD5A-4D9A-AC2A-69DB2A430846}" dt="2024-06-07T14:24:11.325" v="125" actId="20577"/>
+        <pc:sldMkLst>
+          <pc:docMk/>
+          <pc:sldMk cId="1350081469" sldId="271"/>
+        </pc:sldMkLst>
+        <pc:spChg chg="mod">
+          <ac:chgData name="Eduardo Savian" userId="83fefb37af455394" providerId="LiveId" clId="{D2C05975-BD5A-4D9A-AC2A-69DB2A430846}" dt="2024-06-07T14:24:11.325" v="125" actId="20577"/>
+          <ac:spMkLst>
+            <pc:docMk/>
+            <pc:sldMk cId="1350081469" sldId="271"/>
+            <ac:spMk id="2" creationId="{5EE1CA99-D12D-0F24-630A-515A3426CC91}"/>
+          </ac:spMkLst>
+        </pc:spChg>
+        <pc:spChg chg="del">
+          <ac:chgData name="Eduardo Savian" userId="83fefb37af455394" providerId="LiveId" clId="{D2C05975-BD5A-4D9A-AC2A-69DB2A430846}" dt="2024-06-07T14:18:38.844" v="8" actId="22"/>
+          <ac:spMkLst>
+            <pc:docMk/>
+            <pc:sldMk cId="1350081469" sldId="271"/>
+            <ac:spMk id="3" creationId="{591694BB-A700-540F-BB3F-7870BFB2DF82}"/>
+          </ac:spMkLst>
+        </pc:spChg>
+        <pc:picChg chg="add mod ord">
+          <ac:chgData name="Eduardo Savian" userId="83fefb37af455394" providerId="LiveId" clId="{D2C05975-BD5A-4D9A-AC2A-69DB2A430846}" dt="2024-06-07T14:18:38.844" v="8" actId="22"/>
+          <ac:picMkLst>
+            <pc:docMk/>
+            <pc:sldMk cId="1350081469" sldId="271"/>
+            <ac:picMk id="8" creationId="{6E7BE190-1A81-9DF9-990E-70344C1321B5}"/>
+          </ac:picMkLst>
+        </pc:picChg>
+      </pc:sldChg>
+      <pc:sldChg chg="new del">
+        <pc:chgData name="Eduardo Savian" userId="83fefb37af455394" providerId="LiveId" clId="{D2C05975-BD5A-4D9A-AC2A-69DB2A430846}" dt="2024-06-07T14:16:45.606" v="3" actId="680"/>
+        <pc:sldMkLst>
+          <pc:docMk/>
+          <pc:sldMk cId="2222655599" sldId="271"/>
+        </pc:sldMkLst>
+      </pc:sldChg>
+      <pc:sldChg chg="addSp delSp modSp new mod">
+        <pc:chgData name="Eduardo Savian" userId="83fefb37af455394" providerId="LiveId" clId="{D2C05975-BD5A-4D9A-AC2A-69DB2A430846}" dt="2024-06-07T14:23:54.059" v="105" actId="20577"/>
+        <pc:sldMkLst>
+          <pc:docMk/>
+          <pc:sldMk cId="2782080219" sldId="272"/>
+        </pc:sldMkLst>
+        <pc:spChg chg="mod">
+          <ac:chgData name="Eduardo Savian" userId="83fefb37af455394" providerId="LiveId" clId="{D2C05975-BD5A-4D9A-AC2A-69DB2A430846}" dt="2024-06-07T14:23:54.059" v="105" actId="20577"/>
+          <ac:spMkLst>
+            <pc:docMk/>
+            <pc:sldMk cId="2782080219" sldId="272"/>
+            <ac:spMk id="2" creationId="{23EC38CA-78CA-617C-662A-6476B393209E}"/>
+          </ac:spMkLst>
+        </pc:spChg>
+        <pc:spChg chg="del">
+          <ac:chgData name="Eduardo Savian" userId="83fefb37af455394" providerId="LiveId" clId="{D2C05975-BD5A-4D9A-AC2A-69DB2A430846}" dt="2024-06-07T14:17:41.002" v="7" actId="22"/>
+          <ac:spMkLst>
+            <pc:docMk/>
+            <pc:sldMk cId="2782080219" sldId="272"/>
+            <ac:spMk id="3" creationId="{26ABB5E5-43EF-964B-7D57-932A7CBCCBA2}"/>
+          </ac:spMkLst>
+        </pc:spChg>
+        <pc:picChg chg="add mod ord">
+          <ac:chgData name="Eduardo Savian" userId="83fefb37af455394" providerId="LiveId" clId="{D2C05975-BD5A-4D9A-AC2A-69DB2A430846}" dt="2024-06-07T14:17:41.002" v="7" actId="22"/>
+          <ac:picMkLst>
+            <pc:docMk/>
+            <pc:sldMk cId="2782080219" sldId="272"/>
+            <ac:picMk id="8" creationId="{2A63EEB1-F07A-0F6E-F884-878695127927}"/>
+          </ac:picMkLst>
+        </pc:picChg>
+      </pc:sldChg>
+      <pc:sldChg chg="addSp delSp modSp new mod">
+        <pc:chgData name="Eduardo Savian" userId="83fefb37af455394" providerId="LiveId" clId="{D2C05975-BD5A-4D9A-AC2A-69DB2A430846}" dt="2024-06-07T14:24:20.358" v="148" actId="20577"/>
+        <pc:sldMkLst>
+          <pc:docMk/>
+          <pc:sldMk cId="3928988141" sldId="273"/>
+        </pc:sldMkLst>
+        <pc:spChg chg="mod">
+          <ac:chgData name="Eduardo Savian" userId="83fefb37af455394" providerId="LiveId" clId="{D2C05975-BD5A-4D9A-AC2A-69DB2A430846}" dt="2024-06-07T14:24:20.358" v="148" actId="20577"/>
+          <ac:spMkLst>
+            <pc:docMk/>
+            <pc:sldMk cId="3928988141" sldId="273"/>
+            <ac:spMk id="2" creationId="{1A20EFEA-8525-ED40-E65F-90BDBC87186C}"/>
+          </ac:spMkLst>
+        </pc:spChg>
+        <pc:spChg chg="add del">
+          <ac:chgData name="Eduardo Savian" userId="83fefb37af455394" providerId="LiveId" clId="{D2C05975-BD5A-4D9A-AC2A-69DB2A430846}" dt="2024-06-07T14:19:18.247" v="14" actId="22"/>
+          <ac:spMkLst>
+            <pc:docMk/>
+            <pc:sldMk cId="3928988141" sldId="273"/>
+            <ac:spMk id="3" creationId="{B3FA0AFB-5187-A4A3-8C2B-F005A54AC013}"/>
+          </ac:spMkLst>
+        </pc:spChg>
+        <pc:picChg chg="add del mod ord">
+          <ac:chgData name="Eduardo Savian" userId="83fefb37af455394" providerId="LiveId" clId="{D2C05975-BD5A-4D9A-AC2A-69DB2A430846}" dt="2024-06-07T14:19:00.072" v="11" actId="22"/>
+          <ac:picMkLst>
+            <pc:docMk/>
+            <pc:sldMk cId="3928988141" sldId="273"/>
+            <ac:picMk id="8" creationId="{9ECE8322-AF55-80D5-CCBC-A06DC72BA95E}"/>
+          </ac:picMkLst>
+        </pc:picChg>
+        <pc:picChg chg="add del mod ord">
+          <ac:chgData name="Eduardo Savian" userId="83fefb37af455394" providerId="LiveId" clId="{D2C05975-BD5A-4D9A-AC2A-69DB2A430846}" dt="2024-06-07T14:19:13.692" v="13" actId="22"/>
+          <ac:picMkLst>
+            <pc:docMk/>
+            <pc:sldMk cId="3928988141" sldId="273"/>
+            <ac:picMk id="10" creationId="{E590AC37-B006-1CCD-D6A7-D74ED0796D8A}"/>
+          </ac:picMkLst>
+        </pc:picChg>
+        <pc:picChg chg="add mod ord">
+          <ac:chgData name="Eduardo Savian" userId="83fefb37af455394" providerId="LiveId" clId="{D2C05975-BD5A-4D9A-AC2A-69DB2A430846}" dt="2024-06-07T14:19:18.247" v="14" actId="22"/>
+          <ac:picMkLst>
+            <pc:docMk/>
+            <pc:sldMk cId="3928988141" sldId="273"/>
+            <ac:picMk id="12" creationId="{5237F8DD-E55D-96E6-E151-86D7B9C731EF}"/>
+          </ac:picMkLst>
+        </pc:picChg>
+      </pc:sldChg>
+      <pc:sldChg chg="addSp delSp modSp new mod">
+        <pc:chgData name="Eduardo Savian" userId="83fefb37af455394" providerId="LiveId" clId="{D2C05975-BD5A-4D9A-AC2A-69DB2A430846}" dt="2024-06-07T14:29:58.909" v="338" actId="20577"/>
+        <pc:sldMkLst>
+          <pc:docMk/>
+          <pc:sldMk cId="1263016879" sldId="274"/>
+        </pc:sldMkLst>
+        <pc:spChg chg="mod">
+          <ac:chgData name="Eduardo Savian" userId="83fefb37af455394" providerId="LiveId" clId="{D2C05975-BD5A-4D9A-AC2A-69DB2A430846}" dt="2024-06-07T14:29:58.909" v="338" actId="20577"/>
+          <ac:spMkLst>
+            <pc:docMk/>
+            <pc:sldMk cId="1263016879" sldId="274"/>
+            <ac:spMk id="2" creationId="{B4FD24BB-0999-0AAF-678F-D10B50C6C35B}"/>
+          </ac:spMkLst>
+        </pc:spChg>
+        <pc:spChg chg="del">
+          <ac:chgData name="Eduardo Savian" userId="83fefb37af455394" providerId="LiveId" clId="{D2C05975-BD5A-4D9A-AC2A-69DB2A430846}" dt="2024-06-07T14:19:29.113" v="16" actId="22"/>
+          <ac:spMkLst>
+            <pc:docMk/>
+            <pc:sldMk cId="1263016879" sldId="274"/>
+            <ac:spMk id="3" creationId="{5F66C478-68D1-BA23-0648-AE1BC5503B35}"/>
+          </ac:spMkLst>
+        </pc:spChg>
+        <pc:spChg chg="add del mod">
+          <ac:chgData name="Eduardo Savian" userId="83fefb37af455394" providerId="LiveId" clId="{D2C05975-BD5A-4D9A-AC2A-69DB2A430846}" dt="2024-06-07T14:20:20.163" v="22" actId="22"/>
+          <ac:spMkLst>
+            <pc:docMk/>
+            <pc:sldMk cId="1263016879" sldId="274"/>
+            <ac:spMk id="10" creationId="{25BEA727-CFE3-8C6D-B22B-7C1C95ED1D4E}"/>
+          </ac:spMkLst>
+        </pc:spChg>
+        <pc:picChg chg="add del mod ord">
+          <ac:chgData name="Eduardo Savian" userId="83fefb37af455394" providerId="LiveId" clId="{D2C05975-BD5A-4D9A-AC2A-69DB2A430846}" dt="2024-06-07T14:20:07.225" v="21" actId="478"/>
+          <ac:picMkLst>
+            <pc:docMk/>
+            <pc:sldMk cId="1263016879" sldId="274"/>
+            <ac:picMk id="8" creationId="{E102F338-6983-7F1E-5287-33265D63BEB8}"/>
+          </ac:picMkLst>
+        </pc:picChg>
+        <pc:picChg chg="add mod ord">
+          <ac:chgData name="Eduardo Savian" userId="83fefb37af455394" providerId="LiveId" clId="{D2C05975-BD5A-4D9A-AC2A-69DB2A430846}" dt="2024-06-07T14:20:20.163" v="22" actId="22"/>
+          <ac:picMkLst>
+            <pc:docMk/>
+            <pc:sldMk cId="1263016879" sldId="274"/>
+            <ac:picMk id="12" creationId="{463571D5-C1DF-3EA6-1BF9-F91BEC7F26BD}"/>
+          </ac:picMkLst>
+        </pc:picChg>
+      </pc:sldChg>
+      <pc:sldChg chg="addSp delSp modSp new mod">
+        <pc:chgData name="Eduardo Savian" userId="83fefb37af455394" providerId="LiveId" clId="{D2C05975-BD5A-4D9A-AC2A-69DB2A430846}" dt="2024-06-07T14:24:27.243" v="149"/>
+        <pc:sldMkLst>
+          <pc:docMk/>
+          <pc:sldMk cId="2686249996" sldId="275"/>
+        </pc:sldMkLst>
+        <pc:spChg chg="mod">
+          <ac:chgData name="Eduardo Savian" userId="83fefb37af455394" providerId="LiveId" clId="{D2C05975-BD5A-4D9A-AC2A-69DB2A430846}" dt="2024-06-07T14:24:27.243" v="149"/>
+          <ac:spMkLst>
+            <pc:docMk/>
+            <pc:sldMk cId="2686249996" sldId="275"/>
+            <ac:spMk id="2" creationId="{F198CAD2-9DDE-089C-804B-2C64B520A8DF}"/>
+          </ac:spMkLst>
+        </pc:spChg>
+        <pc:spChg chg="add del">
+          <ac:chgData name="Eduardo Savian" userId="83fefb37af455394" providerId="LiveId" clId="{D2C05975-BD5A-4D9A-AC2A-69DB2A430846}" dt="2024-06-07T14:20:02.492" v="20" actId="22"/>
+          <ac:spMkLst>
+            <pc:docMk/>
+            <pc:sldMk cId="2686249996" sldId="275"/>
+            <ac:spMk id="3" creationId="{D7B3750E-F1D3-47F0-2DBF-C47247D7FCE5}"/>
+          </ac:spMkLst>
+        </pc:spChg>
+        <pc:picChg chg="add del mod ord">
+          <ac:chgData name="Eduardo Savian" userId="83fefb37af455394" providerId="LiveId" clId="{D2C05975-BD5A-4D9A-AC2A-69DB2A430846}" dt="2024-06-07T14:19:57.928" v="19" actId="22"/>
+          <ac:picMkLst>
+            <pc:docMk/>
+            <pc:sldMk cId="2686249996" sldId="275"/>
+            <ac:picMk id="8" creationId="{8BDDCBF5-C702-7A75-0058-0525C449A3B8}"/>
+          </ac:picMkLst>
+        </pc:picChg>
+        <pc:picChg chg="add mod ord">
+          <ac:chgData name="Eduardo Savian" userId="83fefb37af455394" providerId="LiveId" clId="{D2C05975-BD5A-4D9A-AC2A-69DB2A430846}" dt="2024-06-07T14:20:02.492" v="20" actId="22"/>
+          <ac:picMkLst>
+            <pc:docMk/>
+            <pc:sldMk cId="2686249996" sldId="275"/>
+            <ac:picMk id="10" creationId="{3EC9AD9F-7270-A33C-E38D-15EF7CCE3B75}"/>
+          </ac:picMkLst>
+        </pc:picChg>
+      </pc:sldChg>
+      <pc:sldChg chg="addSp delSp modSp new mod">
+        <pc:chgData name="Eduardo Savian" userId="83fefb37af455394" providerId="LiveId" clId="{D2C05975-BD5A-4D9A-AC2A-69DB2A430846}" dt="2024-06-07T14:30:04.506" v="339"/>
+        <pc:sldMkLst>
+          <pc:docMk/>
+          <pc:sldMk cId="667377066" sldId="276"/>
+        </pc:sldMkLst>
+        <pc:spChg chg="mod">
+          <ac:chgData name="Eduardo Savian" userId="83fefb37af455394" providerId="LiveId" clId="{D2C05975-BD5A-4D9A-AC2A-69DB2A430846}" dt="2024-06-07T14:30:04.506" v="339"/>
+          <ac:spMkLst>
+            <pc:docMk/>
+            <pc:sldMk cId="667377066" sldId="276"/>
+            <ac:spMk id="2" creationId="{65A08498-8E20-C6D7-FC57-74E054F87AAB}"/>
+          </ac:spMkLst>
+        </pc:spChg>
+        <pc:spChg chg="del">
+          <ac:chgData name="Eduardo Savian" userId="83fefb37af455394" providerId="LiveId" clId="{D2C05975-BD5A-4D9A-AC2A-69DB2A430846}" dt="2024-06-07T14:20:41.056" v="24" actId="22"/>
+          <ac:spMkLst>
+            <pc:docMk/>
+            <pc:sldMk cId="667377066" sldId="276"/>
+            <ac:spMk id="3" creationId="{9C5BB92B-23C2-95E7-98ED-04EEF2A22B4D}"/>
+          </ac:spMkLst>
+        </pc:spChg>
+        <pc:picChg chg="add mod ord">
+          <ac:chgData name="Eduardo Savian" userId="83fefb37af455394" providerId="LiveId" clId="{D2C05975-BD5A-4D9A-AC2A-69DB2A430846}" dt="2024-06-07T14:20:41.056" v="24" actId="22"/>
+          <ac:picMkLst>
+            <pc:docMk/>
+            <pc:sldMk cId="667377066" sldId="276"/>
+            <ac:picMk id="8" creationId="{ABA198FA-67A4-CE3C-13E3-6E0A6C2181B2}"/>
+          </ac:picMkLst>
+        </pc:picChg>
+      </pc:sldChg>
+      <pc:sldChg chg="addSp delSp modSp new mod">
+        <pc:chgData name="Eduardo Savian" userId="83fefb37af455394" providerId="LiveId" clId="{D2C05975-BD5A-4D9A-AC2A-69DB2A430846}" dt="2024-06-07T14:30:06.435" v="340"/>
+        <pc:sldMkLst>
+          <pc:docMk/>
+          <pc:sldMk cId="2659024505" sldId="277"/>
+        </pc:sldMkLst>
+        <pc:spChg chg="mod">
+          <ac:chgData name="Eduardo Savian" userId="83fefb37af455394" providerId="LiveId" clId="{D2C05975-BD5A-4D9A-AC2A-69DB2A430846}" dt="2024-06-07T14:30:06.435" v="340"/>
+          <ac:spMkLst>
+            <pc:docMk/>
+            <pc:sldMk cId="2659024505" sldId="277"/>
+            <ac:spMk id="2" creationId="{520FF987-8F20-74C7-247F-F229A4E0AC5D}"/>
+          </ac:spMkLst>
+        </pc:spChg>
+        <pc:spChg chg="del">
+          <ac:chgData name="Eduardo Savian" userId="83fefb37af455394" providerId="LiveId" clId="{D2C05975-BD5A-4D9A-AC2A-69DB2A430846}" dt="2024-06-07T14:20:58.734" v="26" actId="22"/>
+          <ac:spMkLst>
+            <pc:docMk/>
+            <pc:sldMk cId="2659024505" sldId="277"/>
+            <ac:spMk id="3" creationId="{8940CE0E-7F05-CE62-A624-56F10CC5EF3F}"/>
+          </ac:spMkLst>
+        </pc:spChg>
+        <pc:picChg chg="add mod ord">
+          <ac:chgData name="Eduardo Savian" userId="83fefb37af455394" providerId="LiveId" clId="{D2C05975-BD5A-4D9A-AC2A-69DB2A430846}" dt="2024-06-07T14:20:58.734" v="26" actId="22"/>
+          <ac:picMkLst>
+            <pc:docMk/>
+            <pc:sldMk cId="2659024505" sldId="277"/>
+            <ac:picMk id="8" creationId="{A623DDB0-9C55-CAF5-34E3-D39F4FFCF827}"/>
+          </ac:picMkLst>
+        </pc:picChg>
+      </pc:sldChg>
+      <pc:sldChg chg="addSp delSp modSp new mod">
+        <pc:chgData name="Eduardo Savian" userId="83fefb37af455394" providerId="LiveId" clId="{D2C05975-BD5A-4D9A-AC2A-69DB2A430846}" dt="2024-06-07T14:24:43.610" v="174" actId="20577"/>
+        <pc:sldMkLst>
+          <pc:docMk/>
+          <pc:sldMk cId="1153746742" sldId="278"/>
+        </pc:sldMkLst>
+        <pc:spChg chg="mod">
+          <ac:chgData name="Eduardo Savian" userId="83fefb37af455394" providerId="LiveId" clId="{D2C05975-BD5A-4D9A-AC2A-69DB2A430846}" dt="2024-06-07T14:24:43.610" v="174" actId="20577"/>
+          <ac:spMkLst>
+            <pc:docMk/>
+            <pc:sldMk cId="1153746742" sldId="278"/>
+            <ac:spMk id="2" creationId="{018C20C9-27A2-74EE-63CF-C4BA494F26AC}"/>
+          </ac:spMkLst>
+        </pc:spChg>
+        <pc:spChg chg="del">
+          <ac:chgData name="Eduardo Savian" userId="83fefb37af455394" providerId="LiveId" clId="{D2C05975-BD5A-4D9A-AC2A-69DB2A430846}" dt="2024-06-07T14:21:26.333" v="28" actId="22"/>
+          <ac:spMkLst>
+            <pc:docMk/>
+            <pc:sldMk cId="1153746742" sldId="278"/>
+            <ac:spMk id="3" creationId="{EAEBD04E-886F-7C73-3CB9-6D4FCCAD2ABE}"/>
+          </ac:spMkLst>
+        </pc:spChg>
+        <pc:picChg chg="add mod ord">
+          <ac:chgData name="Eduardo Savian" userId="83fefb37af455394" providerId="LiveId" clId="{D2C05975-BD5A-4D9A-AC2A-69DB2A430846}" dt="2024-06-07T14:21:26.333" v="28" actId="22"/>
+          <ac:picMkLst>
+            <pc:docMk/>
+            <pc:sldMk cId="1153746742" sldId="278"/>
+            <ac:picMk id="8" creationId="{9E437DA5-07E1-0C32-C2FC-E6EFBAA783DD}"/>
+          </ac:picMkLst>
+        </pc:picChg>
+      </pc:sldChg>
+      <pc:sldChg chg="addSp delSp modSp new mod ord">
+        <pc:chgData name="Eduardo Savian" userId="83fefb37af455394" providerId="LiveId" clId="{D2C05975-BD5A-4D9A-AC2A-69DB2A430846}" dt="2024-06-07T14:25:16.053" v="227"/>
+        <pc:sldMkLst>
+          <pc:docMk/>
+          <pc:sldMk cId="33882094" sldId="279"/>
+        </pc:sldMkLst>
+        <pc:spChg chg="mod">
+          <ac:chgData name="Eduardo Savian" userId="83fefb37af455394" providerId="LiveId" clId="{D2C05975-BD5A-4D9A-AC2A-69DB2A430846}" dt="2024-06-07T14:24:50.044" v="196" actId="20577"/>
+          <ac:spMkLst>
+            <pc:docMk/>
+            <pc:sldMk cId="33882094" sldId="279"/>
+            <ac:spMk id="2" creationId="{FB50DC95-6DED-0B06-4866-9A327B99963B}"/>
+          </ac:spMkLst>
+        </pc:spChg>
+        <pc:spChg chg="del">
+          <ac:chgData name="Eduardo Savian" userId="83fefb37af455394" providerId="LiveId" clId="{D2C05975-BD5A-4D9A-AC2A-69DB2A430846}" dt="2024-06-07T14:21:46.379" v="30" actId="22"/>
+          <ac:spMkLst>
+            <pc:docMk/>
+            <pc:sldMk cId="33882094" sldId="279"/>
+            <ac:spMk id="3" creationId="{3DF65689-DD9A-7277-94EE-F164E6426958}"/>
+          </ac:spMkLst>
+        </pc:spChg>
+        <pc:picChg chg="add mod ord">
+          <ac:chgData name="Eduardo Savian" userId="83fefb37af455394" providerId="LiveId" clId="{D2C05975-BD5A-4D9A-AC2A-69DB2A430846}" dt="2024-06-07T14:21:46.379" v="30" actId="22"/>
+          <ac:picMkLst>
+            <pc:docMk/>
+            <pc:sldMk cId="33882094" sldId="279"/>
+            <ac:picMk id="8" creationId="{D91ED59A-C284-10D8-1797-EE5D980B462B}"/>
+          </ac:picMkLst>
+        </pc:picChg>
+      </pc:sldChg>
+      <pc:sldChg chg="addSp delSp modSp new mod ord">
+        <pc:chgData name="Eduardo Savian" userId="83fefb37af455394" providerId="LiveId" clId="{D2C05975-BD5A-4D9A-AC2A-69DB2A430846}" dt="2024-06-07T14:25:16.053" v="227"/>
+        <pc:sldMkLst>
+          <pc:docMk/>
+          <pc:sldMk cId="1139681905" sldId="280"/>
+        </pc:sldMkLst>
+        <pc:spChg chg="mod">
+          <ac:chgData name="Eduardo Savian" userId="83fefb37af455394" providerId="LiveId" clId="{D2C05975-BD5A-4D9A-AC2A-69DB2A430846}" dt="2024-06-07T14:24:58.789" v="225" actId="20577"/>
+          <ac:spMkLst>
+            <pc:docMk/>
+            <pc:sldMk cId="1139681905" sldId="280"/>
+            <ac:spMk id="2" creationId="{B60038AE-6DAE-4693-4E65-A4F22297FBAB}"/>
+          </ac:spMkLst>
+        </pc:spChg>
+        <pc:spChg chg="del mod">
+          <ac:chgData name="Eduardo Savian" userId="83fefb37af455394" providerId="LiveId" clId="{D2C05975-BD5A-4D9A-AC2A-69DB2A430846}" dt="2024-06-07T14:22:35.619" v="35" actId="22"/>
+          <ac:spMkLst>
+            <pc:docMk/>
+            <pc:sldMk cId="1139681905" sldId="280"/>
+            <ac:spMk id="3" creationId="{DF0F315C-8DD0-21AD-16BB-99669E317FBB}"/>
+          </ac:spMkLst>
+        </pc:spChg>
+        <pc:picChg chg="add mod ord">
+          <ac:chgData name="Eduardo Savian" userId="83fefb37af455394" providerId="LiveId" clId="{D2C05975-BD5A-4D9A-AC2A-69DB2A430846}" dt="2024-06-07T14:22:35.619" v="35" actId="22"/>
+          <ac:picMkLst>
+            <pc:docMk/>
+            <pc:sldMk cId="1139681905" sldId="280"/>
+            <ac:picMk id="8" creationId="{8CA6771E-7559-E1AF-E87C-50A9B8DC9580}"/>
+          </ac:picMkLst>
+        </pc:picChg>
+      </pc:sldChg>
     </pc:docChg>
   </pc:docChgLst>
   <pc:docChgLst>
@@ -657,760 +3255,20 @@
     </pc:docChg>
   </pc:docChgLst>
   <pc:docChgLst>
-    <pc:chgData name="Eduardo Savian" userId="83fefb37af455394" providerId="LiveId" clId="{212EF4F1-877B-4B80-88EE-35A0BC77C71A}"/>
-    <pc:docChg chg="custSel addSld modSld">
-      <pc:chgData name="Eduardo Savian" userId="83fefb37af455394" providerId="LiveId" clId="{212EF4F1-877B-4B80-88EE-35A0BC77C71A}" dt="2024-05-03T19:36:56.092" v="52" actId="20577"/>
-      <pc:docMkLst>
-        <pc:docMk/>
-      </pc:docMkLst>
-      <pc:sldChg chg="modSp new mod">
-        <pc:chgData name="Eduardo Savian" userId="83fefb37af455394" providerId="LiveId" clId="{212EF4F1-877B-4B80-88EE-35A0BC77C71A}" dt="2024-05-03T18:53:11.223" v="29" actId="20577"/>
-        <pc:sldMkLst>
-          <pc:docMk/>
-          <pc:sldMk cId="3775945265" sldId="257"/>
-        </pc:sldMkLst>
-        <pc:spChg chg="mod">
-          <ac:chgData name="Eduardo Savian" userId="83fefb37af455394" providerId="LiveId" clId="{212EF4F1-877B-4B80-88EE-35A0BC77C71A}" dt="2024-05-03T18:53:11.223" v="29" actId="20577"/>
-          <ac:spMkLst>
-            <pc:docMk/>
-            <pc:sldMk cId="3775945265" sldId="257"/>
-            <ac:spMk id="2" creationId="{D6ADE00D-4311-50C4-8DF9-71AEE4CBFBA6}"/>
-          </ac:spMkLst>
-        </pc:spChg>
-      </pc:sldChg>
-      <pc:sldChg chg="modSp new mod">
-        <pc:chgData name="Eduardo Savian" userId="83fefb37af455394" providerId="LiveId" clId="{212EF4F1-877B-4B80-88EE-35A0BC77C71A}" dt="2024-05-03T19:36:56.092" v="52" actId="20577"/>
-        <pc:sldMkLst>
-          <pc:docMk/>
-          <pc:sldMk cId="1767302655" sldId="258"/>
-        </pc:sldMkLst>
-        <pc:spChg chg="mod">
-          <ac:chgData name="Eduardo Savian" userId="83fefb37af455394" providerId="LiveId" clId="{212EF4F1-877B-4B80-88EE-35A0BC77C71A}" dt="2024-05-03T19:36:56.092" v="52" actId="20577"/>
-          <ac:spMkLst>
-            <pc:docMk/>
-            <pc:sldMk cId="1767302655" sldId="258"/>
-            <ac:spMk id="2" creationId="{3DA2759E-6509-5739-997F-79FBA3389A58}"/>
-          </ac:spMkLst>
-        </pc:spChg>
-      </pc:sldChg>
-      <pc:sldChg chg="new">
-        <pc:chgData name="Eduardo Savian" userId="83fefb37af455394" providerId="LiveId" clId="{212EF4F1-877B-4B80-88EE-35A0BC77C71A}" dt="2024-05-03T18:52:10.151" v="2" actId="680"/>
-        <pc:sldMkLst>
-          <pc:docMk/>
-          <pc:sldMk cId="1967995460" sldId="259"/>
-        </pc:sldMkLst>
-      </pc:sldChg>
-      <pc:sldChg chg="delSp modSp new mod">
-        <pc:chgData name="Eduardo Savian" userId="83fefb37af455394" providerId="LiveId" clId="{212EF4F1-877B-4B80-88EE-35A0BC77C71A}" dt="2024-05-03T18:53:01.392" v="19" actId="1076"/>
-        <pc:sldMkLst>
-          <pc:docMk/>
-          <pc:sldMk cId="2210678312" sldId="260"/>
-        </pc:sldMkLst>
-        <pc:spChg chg="mod">
-          <ac:chgData name="Eduardo Savian" userId="83fefb37af455394" providerId="LiveId" clId="{212EF4F1-877B-4B80-88EE-35A0BC77C71A}" dt="2024-05-03T18:53:01.392" v="19" actId="1076"/>
-          <ac:spMkLst>
-            <pc:docMk/>
-            <pc:sldMk cId="2210678312" sldId="260"/>
-            <ac:spMk id="2" creationId="{B1F35A36-4B8A-CC21-A7B3-D24FC5357485}"/>
-          </ac:spMkLst>
-        </pc:spChg>
-        <pc:spChg chg="del">
-          <ac:chgData name="Eduardo Savian" userId="83fefb37af455394" providerId="LiveId" clId="{212EF4F1-877B-4B80-88EE-35A0BC77C71A}" dt="2024-05-03T18:52:32.529" v="12" actId="478"/>
-          <ac:spMkLst>
-            <pc:docMk/>
-            <pc:sldMk cId="2210678312" sldId="260"/>
-            <ac:spMk id="3" creationId="{4F31A53A-45B9-5159-56F8-275BCFA8167B}"/>
-          </ac:spMkLst>
-        </pc:spChg>
-      </pc:sldChg>
-    </pc:docChg>
-  </pc:docChgLst>
-  <pc:docChgLst>
-    <pc:chgData name="Eduardo Savian" userId="83fefb37af455394" providerId="LiveId" clId="{9027FE1D-C861-432B-B1C8-11A99DB4171A}"/>
-    <pc:docChg chg="undo redo custSel addSld delSld modSld sldOrd">
-      <pc:chgData name="Eduardo Savian" userId="83fefb37af455394" providerId="LiveId" clId="{9027FE1D-C861-432B-B1C8-11A99DB4171A}" dt="2024-05-08T21:45:57.566" v="977" actId="27636"/>
-      <pc:docMkLst>
-        <pc:docMk/>
-      </pc:docMkLst>
-      <pc:sldChg chg="modSp mod">
-        <pc:chgData name="Eduardo Savian" userId="83fefb37af455394" providerId="LiveId" clId="{9027FE1D-C861-432B-B1C8-11A99DB4171A}" dt="2024-05-08T21:26:36.303" v="783" actId="20577"/>
-        <pc:sldMkLst>
-          <pc:docMk/>
-          <pc:sldMk cId="3775945265" sldId="257"/>
-        </pc:sldMkLst>
-        <pc:spChg chg="mod">
-          <ac:chgData name="Eduardo Savian" userId="83fefb37af455394" providerId="LiveId" clId="{9027FE1D-C861-432B-B1C8-11A99DB4171A}" dt="2024-05-08T21:26:36.303" v="783" actId="20577"/>
-          <ac:spMkLst>
-            <pc:docMk/>
-            <pc:sldMk cId="3775945265" sldId="257"/>
-            <ac:spMk id="3" creationId="{A3B4ADFF-18FA-819A-E2DD-F32D67BA3A8E}"/>
-          </ac:spMkLst>
-        </pc:spChg>
-      </pc:sldChg>
-      <pc:sldChg chg="add del">
-        <pc:chgData name="Eduardo Savian" userId="83fefb37af455394" providerId="LiveId" clId="{9027FE1D-C861-432B-B1C8-11A99DB4171A}" dt="2024-05-08T21:05:36.378" v="77" actId="2696"/>
-        <pc:sldMkLst>
-          <pc:docMk/>
-          <pc:sldMk cId="1767302655" sldId="258"/>
-        </pc:sldMkLst>
-      </pc:sldChg>
-      <pc:sldChg chg="addSp delSp modSp mod">
-        <pc:chgData name="Eduardo Savian" userId="83fefb37af455394" providerId="LiveId" clId="{9027FE1D-C861-432B-B1C8-11A99DB4171A}" dt="2024-05-08T21:28:22.277" v="799" actId="20577"/>
-        <pc:sldMkLst>
-          <pc:docMk/>
-          <pc:sldMk cId="1967995460" sldId="259"/>
-        </pc:sldMkLst>
-        <pc:spChg chg="mod">
-          <ac:chgData name="Eduardo Savian" userId="83fefb37af455394" providerId="LiveId" clId="{9027FE1D-C861-432B-B1C8-11A99DB4171A}" dt="2024-05-08T21:28:22.277" v="799" actId="20577"/>
-          <ac:spMkLst>
-            <pc:docMk/>
-            <pc:sldMk cId="1967995460" sldId="259"/>
-            <ac:spMk id="2" creationId="{39887D89-22FC-622C-690A-E2571C8358CE}"/>
-          </ac:spMkLst>
-        </pc:spChg>
-        <pc:spChg chg="add del mod">
-          <ac:chgData name="Eduardo Savian" userId="83fefb37af455394" providerId="LiveId" clId="{9027FE1D-C861-432B-B1C8-11A99DB4171A}" dt="2024-05-08T20:59:00.383" v="7" actId="22"/>
-          <ac:spMkLst>
-            <pc:docMk/>
-            <pc:sldMk cId="1967995460" sldId="259"/>
-            <ac:spMk id="3" creationId="{D18A5516-B06F-36C5-F2E3-84103FADF1AC}"/>
-          </ac:spMkLst>
-        </pc:spChg>
-        <pc:picChg chg="add del mod ord">
-          <ac:chgData name="Eduardo Savian" userId="83fefb37af455394" providerId="LiveId" clId="{9027FE1D-C861-432B-B1C8-11A99DB4171A}" dt="2024-05-08T20:58:36.385" v="4" actId="22"/>
-          <ac:picMkLst>
-            <pc:docMk/>
-            <pc:sldMk cId="1967995460" sldId="259"/>
-            <ac:picMk id="8" creationId="{52C2B709-56B2-20E2-768C-306D1D6965DE}"/>
-          </ac:picMkLst>
-        </pc:picChg>
-        <pc:picChg chg="add del mod ord">
-          <ac:chgData name="Eduardo Savian" userId="83fefb37af455394" providerId="LiveId" clId="{9027FE1D-C861-432B-B1C8-11A99DB4171A}" dt="2024-05-08T20:58:39.915" v="6" actId="22"/>
-          <ac:picMkLst>
-            <pc:docMk/>
-            <pc:sldMk cId="1967995460" sldId="259"/>
-            <ac:picMk id="10" creationId="{16A63DAA-E59A-D7A3-B358-FD699D848CF5}"/>
-          </ac:picMkLst>
-        </pc:picChg>
-        <pc:picChg chg="add mod ord">
-          <ac:chgData name="Eduardo Savian" userId="83fefb37af455394" providerId="LiveId" clId="{9027FE1D-C861-432B-B1C8-11A99DB4171A}" dt="2024-05-08T20:59:07.023" v="10" actId="1076"/>
-          <ac:picMkLst>
-            <pc:docMk/>
-            <pc:sldMk cId="1967995460" sldId="259"/>
-            <ac:picMk id="12" creationId="{91EFBEF1-DAB5-FE3F-2356-678CD9318547}"/>
-          </ac:picMkLst>
-        </pc:picChg>
-      </pc:sldChg>
-      <pc:sldChg chg="addSp delSp modSp new mod ord">
-        <pc:chgData name="Eduardo Savian" userId="83fefb37af455394" providerId="LiveId" clId="{9027FE1D-C861-432B-B1C8-11A99DB4171A}" dt="2024-05-08T21:28:50.537" v="801"/>
-        <pc:sldMkLst>
-          <pc:docMk/>
-          <pc:sldMk cId="2753850936" sldId="261"/>
-        </pc:sldMkLst>
-        <pc:spChg chg="mod">
-          <ac:chgData name="Eduardo Savian" userId="83fefb37af455394" providerId="LiveId" clId="{9027FE1D-C861-432B-B1C8-11A99DB4171A}" dt="2024-05-08T21:06:06.138" v="144" actId="20577"/>
-          <ac:spMkLst>
-            <pc:docMk/>
-            <pc:sldMk cId="2753850936" sldId="261"/>
-            <ac:spMk id="2" creationId="{B4FB27EB-9630-9CCA-54BD-82695DF6A1E3}"/>
-          </ac:spMkLst>
-        </pc:spChg>
-        <pc:spChg chg="del mod">
-          <ac:chgData name="Eduardo Savian" userId="83fefb37af455394" providerId="LiveId" clId="{9027FE1D-C861-432B-B1C8-11A99DB4171A}" dt="2024-05-08T20:59:30.147" v="16" actId="22"/>
-          <ac:spMkLst>
-            <pc:docMk/>
-            <pc:sldMk cId="2753850936" sldId="261"/>
-            <ac:spMk id="3" creationId="{E95B3CCF-9410-58FF-EF97-ACA0442401C7}"/>
-          </ac:spMkLst>
-        </pc:spChg>
-        <pc:spChg chg="add del mod">
-          <ac:chgData name="Eduardo Savian" userId="83fefb37af455394" providerId="LiveId" clId="{9027FE1D-C861-432B-B1C8-11A99DB4171A}" dt="2024-05-08T20:59:54.887" v="20" actId="22"/>
-          <ac:spMkLst>
-            <pc:docMk/>
-            <pc:sldMk cId="2753850936" sldId="261"/>
-            <ac:spMk id="10" creationId="{C00765DB-66B9-6550-7CC5-D2D64B7208C9}"/>
-          </ac:spMkLst>
-        </pc:spChg>
-        <pc:picChg chg="add del mod ord">
-          <ac:chgData name="Eduardo Savian" userId="83fefb37af455394" providerId="LiveId" clId="{9027FE1D-C861-432B-B1C8-11A99DB4171A}" dt="2024-05-08T20:59:52.630" v="17" actId="478"/>
-          <ac:picMkLst>
-            <pc:docMk/>
-            <pc:sldMk cId="2753850936" sldId="261"/>
-            <ac:picMk id="8" creationId="{A42A3D5C-9BC3-F8AC-7056-D24B0741EB76}"/>
-          </ac:picMkLst>
-        </pc:picChg>
-        <pc:picChg chg="add del">
-          <ac:chgData name="Eduardo Savian" userId="83fefb37af455394" providerId="LiveId" clId="{9027FE1D-C861-432B-B1C8-11A99DB4171A}" dt="2024-05-08T20:59:53.501" v="19" actId="22"/>
-          <ac:picMkLst>
-            <pc:docMk/>
-            <pc:sldMk cId="2753850936" sldId="261"/>
-            <ac:picMk id="12" creationId="{685AB56C-9814-1B1C-3041-DA15E139136D}"/>
-          </ac:picMkLst>
-        </pc:picChg>
-        <pc:picChg chg="add mod ord">
-          <ac:chgData name="Eduardo Savian" userId="83fefb37af455394" providerId="LiveId" clId="{9027FE1D-C861-432B-B1C8-11A99DB4171A}" dt="2024-05-08T20:59:54.887" v="20" actId="22"/>
-          <ac:picMkLst>
-            <pc:docMk/>
-            <pc:sldMk cId="2753850936" sldId="261"/>
-            <ac:picMk id="14" creationId="{CB3B0777-5292-ECBA-8C1A-6098EEFCD096}"/>
-          </ac:picMkLst>
-        </pc:picChg>
-      </pc:sldChg>
-      <pc:sldChg chg="addSp delSp modSp new mod ord">
-        <pc:chgData name="Eduardo Savian" userId="83fefb37af455394" providerId="LiveId" clId="{9027FE1D-C861-432B-B1C8-11A99DB4171A}" dt="2024-05-08T21:08:06.085" v="253" actId="1076"/>
-        <pc:sldMkLst>
-          <pc:docMk/>
-          <pc:sldMk cId="4074611433" sldId="262"/>
-        </pc:sldMkLst>
-        <pc:spChg chg="mod">
-          <ac:chgData name="Eduardo Savian" userId="83fefb37af455394" providerId="LiveId" clId="{9027FE1D-C861-432B-B1C8-11A99DB4171A}" dt="2024-05-08T21:07:41.346" v="248" actId="20577"/>
-          <ac:spMkLst>
-            <pc:docMk/>
-            <pc:sldMk cId="4074611433" sldId="262"/>
-            <ac:spMk id="2" creationId="{E2040403-79F0-823D-2409-D5E0B58B5402}"/>
-          </ac:spMkLst>
-        </pc:spChg>
-        <pc:spChg chg="del">
-          <ac:chgData name="Eduardo Savian" userId="83fefb37af455394" providerId="LiveId" clId="{9027FE1D-C861-432B-B1C8-11A99DB4171A}" dt="2024-05-08T21:00:17.889" v="21" actId="22"/>
-          <ac:spMkLst>
-            <pc:docMk/>
-            <pc:sldMk cId="4074611433" sldId="262"/>
-            <ac:spMk id="3" creationId="{560C1123-B873-3316-1617-C06231828F24}"/>
-          </ac:spMkLst>
-        </pc:spChg>
-        <pc:picChg chg="add mod ord">
-          <ac:chgData name="Eduardo Savian" userId="83fefb37af455394" providerId="LiveId" clId="{9027FE1D-C861-432B-B1C8-11A99DB4171A}" dt="2024-05-08T21:08:06.085" v="253" actId="1076"/>
-          <ac:picMkLst>
-            <pc:docMk/>
-            <pc:sldMk cId="4074611433" sldId="262"/>
-            <ac:picMk id="8" creationId="{5EE782DC-34E0-2145-3B71-7A7901F7FC0E}"/>
-          </ac:picMkLst>
-        </pc:picChg>
-      </pc:sldChg>
-      <pc:sldChg chg="addSp delSp modSp new mod">
-        <pc:chgData name="Eduardo Savian" userId="83fefb37af455394" providerId="LiveId" clId="{9027FE1D-C861-432B-B1C8-11A99DB4171A}" dt="2024-05-08T21:09:09.085" v="265" actId="14100"/>
-        <pc:sldMkLst>
-          <pc:docMk/>
-          <pc:sldMk cId="922261976" sldId="263"/>
-        </pc:sldMkLst>
-        <pc:spChg chg="mod">
-          <ac:chgData name="Eduardo Savian" userId="83fefb37af455394" providerId="LiveId" clId="{9027FE1D-C861-432B-B1C8-11A99DB4171A}" dt="2024-05-08T21:06:29.059" v="173" actId="20577"/>
-          <ac:spMkLst>
-            <pc:docMk/>
-            <pc:sldMk cId="922261976" sldId="263"/>
-            <ac:spMk id="2" creationId="{8CA5BA22-DDB8-EA28-662F-932D9B518648}"/>
-          </ac:spMkLst>
-        </pc:spChg>
-        <pc:spChg chg="del">
-          <ac:chgData name="Eduardo Savian" userId="83fefb37af455394" providerId="LiveId" clId="{9027FE1D-C861-432B-B1C8-11A99DB4171A}" dt="2024-05-08T21:00:38.812" v="24" actId="22"/>
-          <ac:spMkLst>
-            <pc:docMk/>
-            <pc:sldMk cId="922261976" sldId="263"/>
-            <ac:spMk id="3" creationId="{A1C9E8BB-698A-B1B5-023C-3782C298794E}"/>
-          </ac:spMkLst>
-        </pc:spChg>
-        <pc:spChg chg="add del mod">
-          <ac:chgData name="Eduardo Savian" userId="83fefb37af455394" providerId="LiveId" clId="{9027FE1D-C861-432B-B1C8-11A99DB4171A}" dt="2024-05-08T21:09:06.349" v="264" actId="22"/>
-          <ac:spMkLst>
-            <pc:docMk/>
-            <pc:sldMk cId="922261976" sldId="263"/>
-            <ac:spMk id="10" creationId="{16771269-BF36-F3C5-01E9-A007977794A6}"/>
-          </ac:spMkLst>
-        </pc:spChg>
-        <pc:spChg chg="add del">
-          <ac:chgData name="Eduardo Savian" userId="83fefb37af455394" providerId="LiveId" clId="{9027FE1D-C861-432B-B1C8-11A99DB4171A}" dt="2024-05-08T21:08:54.852" v="256" actId="22"/>
-          <ac:spMkLst>
-            <pc:docMk/>
-            <pc:sldMk cId="922261976" sldId="263"/>
-            <ac:spMk id="12" creationId="{27873F30-40D0-5B6D-5037-21289261EC30}"/>
-          </ac:spMkLst>
-        </pc:spChg>
-        <pc:picChg chg="add del mod ord">
-          <ac:chgData name="Eduardo Savian" userId="83fefb37af455394" providerId="LiveId" clId="{9027FE1D-C861-432B-B1C8-11A99DB4171A}" dt="2024-05-08T21:08:54.091" v="254" actId="478"/>
-          <ac:picMkLst>
-            <pc:docMk/>
-            <pc:sldMk cId="922261976" sldId="263"/>
-            <ac:picMk id="8" creationId="{B1CC22E3-EFFB-7223-F08A-0A40E94AE260}"/>
-          </ac:picMkLst>
-        </pc:picChg>
-        <pc:picChg chg="add del">
-          <ac:chgData name="Eduardo Savian" userId="83fefb37af455394" providerId="LiveId" clId="{9027FE1D-C861-432B-B1C8-11A99DB4171A}" dt="2024-05-08T21:09:04.535" v="262" actId="22"/>
-          <ac:picMkLst>
-            <pc:docMk/>
-            <pc:sldMk cId="922261976" sldId="263"/>
-            <ac:picMk id="14" creationId="{3CEAAAE0-FFCC-E7A5-3D69-A09E8FC2F9CE}"/>
-          </ac:picMkLst>
-        </pc:picChg>
-        <pc:picChg chg="add mod ord">
-          <ac:chgData name="Eduardo Savian" userId="83fefb37af455394" providerId="LiveId" clId="{9027FE1D-C861-432B-B1C8-11A99DB4171A}" dt="2024-05-08T21:09:09.085" v="265" actId="14100"/>
-          <ac:picMkLst>
-            <pc:docMk/>
-            <pc:sldMk cId="922261976" sldId="263"/>
-            <ac:picMk id="16" creationId="{F3F62092-4A47-DE51-7B8F-649D763BBB50}"/>
-          </ac:picMkLst>
-        </pc:picChg>
-      </pc:sldChg>
-      <pc:sldChg chg="addSp delSp modSp new mod ord">
-        <pc:chgData name="Eduardo Savian" userId="83fefb37af455394" providerId="LiveId" clId="{9027FE1D-C861-432B-B1C8-11A99DB4171A}" dt="2024-05-08T21:05:28.571" v="76" actId="1076"/>
-        <pc:sldMkLst>
-          <pc:docMk/>
-          <pc:sldMk cId="2804307500" sldId="264"/>
-        </pc:sldMkLst>
-        <pc:spChg chg="mod">
-          <ac:chgData name="Eduardo Savian" userId="83fefb37af455394" providerId="LiveId" clId="{9027FE1D-C861-432B-B1C8-11A99DB4171A}" dt="2024-05-08T21:04:38.025" v="55" actId="20577"/>
-          <ac:spMkLst>
-            <pc:docMk/>
-            <pc:sldMk cId="2804307500" sldId="264"/>
-            <ac:spMk id="2" creationId="{714336CA-46CB-E909-FCA2-DB7B50170DF0}"/>
-          </ac:spMkLst>
-        </pc:spChg>
-        <pc:spChg chg="del">
-          <ac:chgData name="Eduardo Savian" userId="83fefb37af455394" providerId="LiveId" clId="{9027FE1D-C861-432B-B1C8-11A99DB4171A}" dt="2024-05-08T21:03:25.944" v="34" actId="22"/>
-          <ac:spMkLst>
-            <pc:docMk/>
-            <pc:sldMk cId="2804307500" sldId="264"/>
-            <ac:spMk id="3" creationId="{1450566D-5868-09C0-EAAE-B766FBD4D56A}"/>
-          </ac:spMkLst>
-        </pc:spChg>
-        <pc:picChg chg="add mod ord">
-          <ac:chgData name="Eduardo Savian" userId="83fefb37af455394" providerId="LiveId" clId="{9027FE1D-C861-432B-B1C8-11A99DB4171A}" dt="2024-05-08T21:05:28.571" v="76" actId="1076"/>
-          <ac:picMkLst>
-            <pc:docMk/>
-            <pc:sldMk cId="2804307500" sldId="264"/>
-            <ac:picMk id="8" creationId="{00F452FC-2464-3821-2B96-E293938164EB}"/>
-          </ac:picMkLst>
-        </pc:picChg>
-      </pc:sldChg>
-      <pc:sldChg chg="addSp delSp modSp new mod ord">
-        <pc:chgData name="Eduardo Savian" userId="83fefb37af455394" providerId="LiveId" clId="{9027FE1D-C861-432B-B1C8-11A99DB4171A}" dt="2024-05-08T21:29:14.113" v="811" actId="20577"/>
-        <pc:sldMkLst>
-          <pc:docMk/>
-          <pc:sldMk cId="1498387516" sldId="265"/>
-        </pc:sldMkLst>
-        <pc:spChg chg="mod">
-          <ac:chgData name="Eduardo Savian" userId="83fefb37af455394" providerId="LiveId" clId="{9027FE1D-C861-432B-B1C8-11A99DB4171A}" dt="2024-05-08T21:29:14.113" v="811" actId="20577"/>
-          <ac:spMkLst>
-            <pc:docMk/>
-            <pc:sldMk cId="1498387516" sldId="265"/>
-            <ac:spMk id="2" creationId="{017149C2-F1C9-B662-3A74-0B3F0A9B813C}"/>
-          </ac:spMkLst>
-        </pc:spChg>
-        <pc:spChg chg="del">
-          <ac:chgData name="Eduardo Savian" userId="83fefb37af455394" providerId="LiveId" clId="{9027FE1D-C861-432B-B1C8-11A99DB4171A}" dt="2024-05-08T21:01:37.067" v="27" actId="22"/>
-          <ac:spMkLst>
-            <pc:docMk/>
-            <pc:sldMk cId="1498387516" sldId="265"/>
-            <ac:spMk id="3" creationId="{E26508B0-20C1-63BE-B087-39A3791B45B5}"/>
-          </ac:spMkLst>
-        </pc:spChg>
-        <pc:picChg chg="add mod ord">
-          <ac:chgData name="Eduardo Savian" userId="83fefb37af455394" providerId="LiveId" clId="{9027FE1D-C861-432B-B1C8-11A99DB4171A}" dt="2024-05-08T21:01:37.067" v="27" actId="22"/>
-          <ac:picMkLst>
-            <pc:docMk/>
-            <pc:sldMk cId="1498387516" sldId="265"/>
-            <ac:picMk id="8" creationId="{7C901518-C422-89C1-6369-69ED99F70AF8}"/>
-          </ac:picMkLst>
-        </pc:picChg>
-      </pc:sldChg>
-      <pc:sldChg chg="addSp delSp modSp new mod ord">
-        <pc:chgData name="Eduardo Savian" userId="83fefb37af455394" providerId="LiveId" clId="{9027FE1D-C861-432B-B1C8-11A99DB4171A}" dt="2024-05-08T21:07:11.088" v="221"/>
-        <pc:sldMkLst>
-          <pc:docMk/>
-          <pc:sldMk cId="1606520421" sldId="266"/>
-        </pc:sldMkLst>
-        <pc:spChg chg="mod">
-          <ac:chgData name="Eduardo Savian" userId="83fefb37af455394" providerId="LiveId" clId="{9027FE1D-C861-432B-B1C8-11A99DB4171A}" dt="2024-05-08T21:07:03.830" v="217"/>
-          <ac:spMkLst>
-            <pc:docMk/>
-            <pc:sldMk cId="1606520421" sldId="266"/>
-            <ac:spMk id="2" creationId="{06A686DF-65D1-C31B-9C66-BF7F4C7748DA}"/>
-          </ac:spMkLst>
-        </pc:spChg>
-        <pc:spChg chg="add del mod">
-          <ac:chgData name="Eduardo Savian" userId="83fefb37af455394" providerId="LiveId" clId="{9027FE1D-C861-432B-B1C8-11A99DB4171A}" dt="2024-05-08T21:02:51.476" v="33" actId="22"/>
-          <ac:spMkLst>
-            <pc:docMk/>
-            <pc:sldMk cId="1606520421" sldId="266"/>
-            <ac:spMk id="3" creationId="{65BE490F-FCAB-EE5E-5EC1-B7ED12E47A30}"/>
-          </ac:spMkLst>
-        </pc:spChg>
-        <pc:picChg chg="add del mod ord">
-          <ac:chgData name="Eduardo Savian" userId="83fefb37af455394" providerId="LiveId" clId="{9027FE1D-C861-432B-B1C8-11A99DB4171A}" dt="2024-05-08T21:02:49.808" v="32" actId="22"/>
-          <ac:picMkLst>
-            <pc:docMk/>
-            <pc:sldMk cId="1606520421" sldId="266"/>
-            <ac:picMk id="8" creationId="{2AE49F3C-725C-33E5-B0B9-6E0E4A36FBC2}"/>
-          </ac:picMkLst>
-        </pc:picChg>
-        <pc:picChg chg="add mod ord">
-          <ac:chgData name="Eduardo Savian" userId="83fefb37af455394" providerId="LiveId" clId="{9027FE1D-C861-432B-B1C8-11A99DB4171A}" dt="2024-05-08T21:02:51.476" v="33" actId="22"/>
-          <ac:picMkLst>
-            <pc:docMk/>
-            <pc:sldMk cId="1606520421" sldId="266"/>
-            <ac:picMk id="10" creationId="{1977DA46-0F53-57B2-6472-D211005044D0}"/>
-          </ac:picMkLst>
-        </pc:picChg>
-      </pc:sldChg>
-      <pc:sldChg chg="addSp delSp modSp new mod ord">
-        <pc:chgData name="Eduardo Savian" userId="83fefb37af455394" providerId="LiveId" clId="{9027FE1D-C861-432B-B1C8-11A99DB4171A}" dt="2024-05-08T21:05:19.857" v="72" actId="1076"/>
-        <pc:sldMkLst>
-          <pc:docMk/>
-          <pc:sldMk cId="3546819228" sldId="267"/>
-        </pc:sldMkLst>
-        <pc:spChg chg="mod">
-          <ac:chgData name="Eduardo Savian" userId="83fefb37af455394" providerId="LiveId" clId="{9027FE1D-C861-432B-B1C8-11A99DB4171A}" dt="2024-05-08T21:05:12.625" v="70" actId="20577"/>
-          <ac:spMkLst>
-            <pc:docMk/>
-            <pc:sldMk cId="3546819228" sldId="267"/>
-            <ac:spMk id="2" creationId="{30C56C44-CE58-41CD-29E4-49176BAA2E4E}"/>
-          </ac:spMkLst>
-        </pc:spChg>
-        <pc:spChg chg="del">
-          <ac:chgData name="Eduardo Savian" userId="83fefb37af455394" providerId="LiveId" clId="{9027FE1D-C861-432B-B1C8-11A99DB4171A}" dt="2024-05-08T21:03:46.184" v="36" actId="22"/>
-          <ac:spMkLst>
-            <pc:docMk/>
-            <pc:sldMk cId="3546819228" sldId="267"/>
-            <ac:spMk id="3" creationId="{47AFF63C-BFAA-DB6B-D078-6A65337EC5AD}"/>
-          </ac:spMkLst>
-        </pc:spChg>
-        <pc:picChg chg="add mod ord">
-          <ac:chgData name="Eduardo Savian" userId="83fefb37af455394" providerId="LiveId" clId="{9027FE1D-C861-432B-B1C8-11A99DB4171A}" dt="2024-05-08T21:05:19.857" v="72" actId="1076"/>
-          <ac:picMkLst>
-            <pc:docMk/>
-            <pc:sldMk cId="3546819228" sldId="267"/>
-            <ac:picMk id="8" creationId="{9144A76C-7831-775B-9992-B2783F29472A}"/>
-          </ac:picMkLst>
-        </pc:picChg>
-      </pc:sldChg>
-      <pc:sldChg chg="modSp new mod">
-        <pc:chgData name="Eduardo Savian" userId="83fefb37af455394" providerId="LiveId" clId="{9027FE1D-C861-432B-B1C8-11A99DB4171A}" dt="2024-05-08T21:45:57.566" v="977" actId="27636"/>
-        <pc:sldMkLst>
-          <pc:docMk/>
-          <pc:sldMk cId="2097304172" sldId="268"/>
-        </pc:sldMkLst>
-        <pc:spChg chg="mod">
-          <ac:chgData name="Eduardo Savian" userId="83fefb37af455394" providerId="LiveId" clId="{9027FE1D-C861-432B-B1C8-11A99DB4171A}" dt="2024-05-08T21:13:49.235" v="495" actId="20577"/>
-          <ac:spMkLst>
-            <pc:docMk/>
-            <pc:sldMk cId="2097304172" sldId="268"/>
-            <ac:spMk id="2" creationId="{4E319447-D02E-7C4B-241A-4A96C7ABC44D}"/>
-          </ac:spMkLst>
-        </pc:spChg>
-        <pc:spChg chg="mod">
-          <ac:chgData name="Eduardo Savian" userId="83fefb37af455394" providerId="LiveId" clId="{9027FE1D-C861-432B-B1C8-11A99DB4171A}" dt="2024-05-08T21:45:57.566" v="977" actId="27636"/>
-          <ac:spMkLst>
-            <pc:docMk/>
-            <pc:sldMk cId="2097304172" sldId="268"/>
-            <ac:spMk id="3" creationId="{DF5ABD57-ADCB-25E7-5CDB-095C18654DD9}"/>
-          </ac:spMkLst>
-        </pc:spChg>
-      </pc:sldChg>
-      <pc:sldChg chg="modSp new mod">
-        <pc:chgData name="Eduardo Savian" userId="83fefb37af455394" providerId="LiveId" clId="{9027FE1D-C861-432B-B1C8-11A99DB4171A}" dt="2024-05-08T21:37:22.219" v="949" actId="20577"/>
-        <pc:sldMkLst>
-          <pc:docMk/>
-          <pc:sldMk cId="1839108021" sldId="269"/>
-        </pc:sldMkLst>
-        <pc:spChg chg="mod">
-          <ac:chgData name="Eduardo Savian" userId="83fefb37af455394" providerId="LiveId" clId="{9027FE1D-C861-432B-B1C8-11A99DB4171A}" dt="2024-05-08T21:21:43.938" v="703" actId="20577"/>
-          <ac:spMkLst>
-            <pc:docMk/>
-            <pc:sldMk cId="1839108021" sldId="269"/>
-            <ac:spMk id="2" creationId="{E7A62A9E-C411-78B0-B6D7-66BA12C68737}"/>
-          </ac:spMkLst>
-        </pc:spChg>
-        <pc:spChg chg="mod">
-          <ac:chgData name="Eduardo Savian" userId="83fefb37af455394" providerId="LiveId" clId="{9027FE1D-C861-432B-B1C8-11A99DB4171A}" dt="2024-05-08T21:37:22.219" v="949" actId="20577"/>
-          <ac:spMkLst>
-            <pc:docMk/>
-            <pc:sldMk cId="1839108021" sldId="269"/>
-            <ac:spMk id="3" creationId="{A0A824DE-1396-458D-85D1-532A91E9C44F}"/>
-          </ac:spMkLst>
-        </pc:spChg>
-      </pc:sldChg>
-      <pc:sldChg chg="addSp delSp modSp new del mod">
-        <pc:chgData name="Eduardo Savian" userId="83fefb37af455394" providerId="LiveId" clId="{9027FE1D-C861-432B-B1C8-11A99DB4171A}" dt="2024-05-08T21:33:17.846" v="879" actId="47"/>
-        <pc:sldMkLst>
-          <pc:docMk/>
-          <pc:sldMk cId="2996622225" sldId="270"/>
-        </pc:sldMkLst>
-        <pc:spChg chg="mod">
-          <ac:chgData name="Eduardo Savian" userId="83fefb37af455394" providerId="LiveId" clId="{9027FE1D-C861-432B-B1C8-11A99DB4171A}" dt="2024-05-08T21:30:02.737" v="823" actId="20577"/>
-          <ac:spMkLst>
-            <pc:docMk/>
-            <pc:sldMk cId="2996622225" sldId="270"/>
-            <ac:spMk id="2" creationId="{A731BD3E-581C-E6C1-BAB2-551C221408FF}"/>
-          </ac:spMkLst>
-        </pc:spChg>
-        <pc:spChg chg="del">
-          <ac:chgData name="Eduardo Savian" userId="83fefb37af455394" providerId="LiveId" clId="{9027FE1D-C861-432B-B1C8-11A99DB4171A}" dt="2024-05-08T21:30:00.132" v="816" actId="22"/>
-          <ac:spMkLst>
-            <pc:docMk/>
-            <pc:sldMk cId="2996622225" sldId="270"/>
-            <ac:spMk id="3" creationId="{3A1AF626-B7CF-6730-F525-EC9181EDE06C}"/>
-          </ac:spMkLst>
-        </pc:spChg>
-        <pc:picChg chg="add mod ord">
-          <ac:chgData name="Eduardo Savian" userId="83fefb37af455394" providerId="LiveId" clId="{9027FE1D-C861-432B-B1C8-11A99DB4171A}" dt="2024-05-08T21:30:00.132" v="816" actId="22"/>
-          <ac:picMkLst>
-            <pc:docMk/>
-            <pc:sldMk cId="2996622225" sldId="270"/>
-            <ac:picMk id="8" creationId="{D88AA93B-D1F0-EBC6-D32B-7AB33AB25023}"/>
-          </ac:picMkLst>
-        </pc:picChg>
-      </pc:sldChg>
-      <pc:sldChg chg="addSp delSp modSp new mod">
-        <pc:chgData name="Eduardo Savian" userId="83fefb37af455394" providerId="LiveId" clId="{9027FE1D-C861-432B-B1C8-11A99DB4171A}" dt="2024-05-08T21:45:39.408" v="968" actId="1076"/>
-        <pc:sldMkLst>
-          <pc:docMk/>
-          <pc:sldMk cId="1206012243" sldId="271"/>
-        </pc:sldMkLst>
-        <pc:spChg chg="mod">
-          <ac:chgData name="Eduardo Savian" userId="83fefb37af455394" providerId="LiveId" clId="{9027FE1D-C861-432B-B1C8-11A99DB4171A}" dt="2024-05-08T21:32:56.956" v="857" actId="20577"/>
-          <ac:spMkLst>
-            <pc:docMk/>
-            <pc:sldMk cId="1206012243" sldId="271"/>
-            <ac:spMk id="2" creationId="{A1FFD85E-227F-A119-5DAB-F0AEE197D36E}"/>
-          </ac:spMkLst>
-        </pc:spChg>
-        <pc:spChg chg="add del">
-          <ac:chgData name="Eduardo Savian" userId="83fefb37af455394" providerId="LiveId" clId="{9027FE1D-C861-432B-B1C8-11A99DB4171A}" dt="2024-05-08T21:30:44.824" v="826" actId="22"/>
-          <ac:spMkLst>
-            <pc:docMk/>
-            <pc:sldMk cId="1206012243" sldId="271"/>
-            <ac:spMk id="3" creationId="{E36961EA-6A69-141B-5102-C3CBC720447B}"/>
-          </ac:spMkLst>
-        </pc:spChg>
-        <pc:spChg chg="add del mod">
-          <ac:chgData name="Eduardo Savian" userId="83fefb37af455394" providerId="LiveId" clId="{9027FE1D-C861-432B-B1C8-11A99DB4171A}" dt="2024-05-08T21:44:35.735" v="959" actId="22"/>
-          <ac:spMkLst>
-            <pc:docMk/>
-            <pc:sldMk cId="1206012243" sldId="271"/>
-            <ac:spMk id="7" creationId="{EC8153B1-ADCE-3E10-7113-86591DBC55EC}"/>
-          </ac:spMkLst>
-        </pc:spChg>
-        <pc:picChg chg="add del mod ord">
-          <ac:chgData name="Eduardo Savian" userId="83fefb37af455394" providerId="LiveId" clId="{9027FE1D-C861-432B-B1C8-11A99DB4171A}" dt="2024-05-08T21:30:30.456" v="825" actId="22"/>
-          <ac:picMkLst>
-            <pc:docMk/>
-            <pc:sldMk cId="1206012243" sldId="271"/>
-            <ac:picMk id="8" creationId="{B96B0055-8BDC-9DEE-030B-B55D0304E7BC}"/>
-          </ac:picMkLst>
-        </pc:picChg>
-        <pc:picChg chg="add del mod">
-          <ac:chgData name="Eduardo Savian" userId="83fefb37af455394" providerId="LiveId" clId="{9027FE1D-C861-432B-B1C8-11A99DB4171A}" dt="2024-05-08T21:44:34.492" v="958" actId="22"/>
-          <ac:picMkLst>
-            <pc:docMk/>
-            <pc:sldMk cId="1206012243" sldId="271"/>
-            <ac:picMk id="9" creationId="{B28271F7-C59B-85CC-D6DD-47E50D7EE788}"/>
-          </ac:picMkLst>
-        </pc:picChg>
-        <pc:picChg chg="add del mod ord">
-          <ac:chgData name="Eduardo Savian" userId="83fefb37af455394" providerId="LiveId" clId="{9027FE1D-C861-432B-B1C8-11A99DB4171A}" dt="2024-05-08T21:44:30.709" v="954" actId="478"/>
-          <ac:picMkLst>
-            <pc:docMk/>
-            <pc:sldMk cId="1206012243" sldId="271"/>
-            <ac:picMk id="10" creationId="{9417624B-D04C-0DED-84E1-CA4C40EF63C8}"/>
-          </ac:picMkLst>
-        </pc:picChg>
-        <pc:picChg chg="add mod">
-          <ac:chgData name="Eduardo Savian" userId="83fefb37af455394" providerId="LiveId" clId="{9027FE1D-C861-432B-B1C8-11A99DB4171A}" dt="2024-05-08T21:31:15.003" v="830" actId="1076"/>
-          <ac:picMkLst>
-            <pc:docMk/>
-            <pc:sldMk cId="1206012243" sldId="271"/>
-            <ac:picMk id="12" creationId="{1DFCAF14-CBEA-6458-A895-9A5CB9178174}"/>
-          </ac:picMkLst>
-        </pc:picChg>
-        <pc:picChg chg="add mod ord">
-          <ac:chgData name="Eduardo Savian" userId="83fefb37af455394" providerId="LiveId" clId="{9027FE1D-C861-432B-B1C8-11A99DB4171A}" dt="2024-05-08T21:45:39.408" v="968" actId="1076"/>
-          <ac:picMkLst>
-            <pc:docMk/>
-            <pc:sldMk cId="1206012243" sldId="271"/>
-            <ac:picMk id="13" creationId="{3C812D51-3395-7F75-3A24-0973BDF2A881}"/>
-          </ac:picMkLst>
-        </pc:picChg>
-      </pc:sldChg>
-      <pc:sldChg chg="new del">
-        <pc:chgData name="Eduardo Savian" userId="83fefb37af455394" providerId="LiveId" clId="{9027FE1D-C861-432B-B1C8-11A99DB4171A}" dt="2024-05-08T21:36:17.952" v="907" actId="2696"/>
-        <pc:sldMkLst>
-          <pc:docMk/>
-          <pc:sldMk cId="3012046788" sldId="272"/>
-        </pc:sldMkLst>
-      </pc:sldChg>
-      <pc:sldChg chg="new del">
-        <pc:chgData name="Eduardo Savian" userId="83fefb37af455394" providerId="LiveId" clId="{9027FE1D-C861-432B-B1C8-11A99DB4171A}" dt="2024-05-08T21:36:20.478" v="908" actId="2696"/>
-        <pc:sldMkLst>
-          <pc:docMk/>
-          <pc:sldMk cId="645024962" sldId="273"/>
-        </pc:sldMkLst>
-      </pc:sldChg>
-      <pc:sldChg chg="addSp delSp modSp new mod">
-        <pc:chgData name="Eduardo Savian" userId="83fefb37af455394" providerId="LiveId" clId="{9027FE1D-C861-432B-B1C8-11A99DB4171A}" dt="2024-05-08T21:33:52.854" v="889" actId="1076"/>
-        <pc:sldMkLst>
-          <pc:docMk/>
-          <pc:sldMk cId="1961177669" sldId="274"/>
-        </pc:sldMkLst>
-        <pc:spChg chg="mod">
-          <ac:chgData name="Eduardo Savian" userId="83fefb37af455394" providerId="LiveId" clId="{9027FE1D-C861-432B-B1C8-11A99DB4171A}" dt="2024-05-08T21:33:12.625" v="875" actId="20577"/>
-          <ac:spMkLst>
-            <pc:docMk/>
-            <pc:sldMk cId="1961177669" sldId="274"/>
-            <ac:spMk id="2" creationId="{06D4FCB5-D603-7C18-263A-DC43F62E06AB}"/>
-          </ac:spMkLst>
-        </pc:spChg>
-        <pc:spChg chg="del">
-          <ac:chgData name="Eduardo Savian" userId="83fefb37af455394" providerId="LiveId" clId="{9027FE1D-C861-432B-B1C8-11A99DB4171A}" dt="2024-05-08T21:32:44.451" v="839" actId="22"/>
-          <ac:spMkLst>
-            <pc:docMk/>
-            <pc:sldMk cId="1961177669" sldId="274"/>
-            <ac:spMk id="3" creationId="{DB619E92-5686-5AB9-FFF8-31B49E075CFA}"/>
-          </ac:spMkLst>
-        </pc:spChg>
-        <pc:picChg chg="add del mod">
-          <ac:chgData name="Eduardo Savian" userId="83fefb37af455394" providerId="LiveId" clId="{9027FE1D-C861-432B-B1C8-11A99DB4171A}" dt="2024-05-08T21:33:43.501" v="887" actId="478"/>
-          <ac:picMkLst>
-            <pc:docMk/>
-            <pc:sldMk cId="1961177669" sldId="274"/>
-            <ac:picMk id="7" creationId="{91BB26E5-DF1E-AED7-E4F1-BBC023C4D528}"/>
-          </ac:picMkLst>
-        </pc:picChg>
-        <pc:picChg chg="add del mod">
-          <ac:chgData name="Eduardo Savian" userId="83fefb37af455394" providerId="LiveId" clId="{9027FE1D-C861-432B-B1C8-11A99DB4171A}" dt="2024-05-08T21:32:42.811" v="838" actId="22"/>
-          <ac:picMkLst>
-            <pc:docMk/>
-            <pc:sldMk cId="1961177669" sldId="274"/>
-            <ac:picMk id="9" creationId="{ACF4E41A-1300-26B1-A72A-AC2E9D2A5DD2}"/>
-          </ac:picMkLst>
-        </pc:picChg>
-        <pc:picChg chg="add mod ord">
-          <ac:chgData name="Eduardo Savian" userId="83fefb37af455394" providerId="LiveId" clId="{9027FE1D-C861-432B-B1C8-11A99DB4171A}" dt="2024-05-08T21:33:52.854" v="889" actId="1076"/>
-          <ac:picMkLst>
-            <pc:docMk/>
-            <pc:sldMk cId="1961177669" sldId="274"/>
-            <ac:picMk id="11" creationId="{02E0E287-0931-F414-F9A2-4EFE97E37BB3}"/>
-          </ac:picMkLst>
-        </pc:picChg>
-        <pc:picChg chg="add del">
-          <ac:chgData name="Eduardo Savian" userId="83fefb37af455394" providerId="LiveId" clId="{9027FE1D-C861-432B-B1C8-11A99DB4171A}" dt="2024-05-08T21:33:40.521" v="884" actId="22"/>
-          <ac:picMkLst>
-            <pc:docMk/>
-            <pc:sldMk cId="1961177669" sldId="274"/>
-            <ac:picMk id="13" creationId="{47014632-7662-7EA0-4816-93382CB706D9}"/>
-          </ac:picMkLst>
-        </pc:picChg>
-        <pc:picChg chg="add mod">
-          <ac:chgData name="Eduardo Savian" userId="83fefb37af455394" providerId="LiveId" clId="{9027FE1D-C861-432B-B1C8-11A99DB4171A}" dt="2024-05-08T21:33:45.713" v="888" actId="1076"/>
-          <ac:picMkLst>
-            <pc:docMk/>
-            <pc:sldMk cId="1961177669" sldId="274"/>
-            <ac:picMk id="15" creationId="{6A412369-67DD-9B1E-2547-D4C59F3129B6}"/>
-          </ac:picMkLst>
-        </pc:picChg>
-      </pc:sldChg>
-      <pc:sldChg chg="addSp delSp modSp new mod ord">
-        <pc:chgData name="Eduardo Savian" userId="83fefb37af455394" providerId="LiveId" clId="{9027FE1D-C861-432B-B1C8-11A99DB4171A}" dt="2024-05-08T21:45:43.386" v="969" actId="1076"/>
-        <pc:sldMkLst>
-          <pc:docMk/>
-          <pc:sldMk cId="43700074" sldId="275"/>
-        </pc:sldMkLst>
-        <pc:spChg chg="mod">
-          <ac:chgData name="Eduardo Savian" userId="83fefb37af455394" providerId="LiveId" clId="{9027FE1D-C861-432B-B1C8-11A99DB4171A}" dt="2024-05-08T21:34:05.736" v="901" actId="20577"/>
-          <ac:spMkLst>
-            <pc:docMk/>
-            <pc:sldMk cId="43700074" sldId="275"/>
-            <ac:spMk id="2" creationId="{914E3F11-14DD-8077-FB41-A3392F54C934}"/>
-          </ac:spMkLst>
-        </pc:spChg>
-        <pc:spChg chg="del">
-          <ac:chgData name="Eduardo Savian" userId="83fefb37af455394" providerId="LiveId" clId="{9027FE1D-C861-432B-B1C8-11A99DB4171A}" dt="2024-05-08T21:34:28.377" v="902" actId="22"/>
-          <ac:spMkLst>
-            <pc:docMk/>
-            <pc:sldMk cId="43700074" sldId="275"/>
-            <ac:spMk id="3" creationId="{CE4BB36B-B0A5-5C54-126D-4BB4F3BFD59D}"/>
-          </ac:spMkLst>
-        </pc:spChg>
-        <pc:spChg chg="add del mod">
-          <ac:chgData name="Eduardo Savian" userId="83fefb37af455394" providerId="LiveId" clId="{9027FE1D-C861-432B-B1C8-11A99DB4171A}" dt="2024-05-08T21:44:29.070" v="953" actId="478"/>
-          <ac:spMkLst>
-            <pc:docMk/>
-            <pc:sldMk cId="43700074" sldId="275"/>
-            <ac:spMk id="7" creationId="{EEAB86D8-3114-7A75-2C87-3995D4011F6F}"/>
-          </ac:spMkLst>
-        </pc:spChg>
-        <pc:spChg chg="add del mod">
-          <ac:chgData name="Eduardo Savian" userId="83fefb37af455394" providerId="LiveId" clId="{9027FE1D-C861-432B-B1C8-11A99DB4171A}" dt="2024-05-08T21:45:23.163" v="964" actId="22"/>
-          <ac:spMkLst>
-            <pc:docMk/>
-            <pc:sldMk cId="43700074" sldId="275"/>
-            <ac:spMk id="13" creationId="{6CB0353D-079C-DD02-C36E-B933E49A5693}"/>
-          </ac:spMkLst>
-        </pc:spChg>
-        <pc:picChg chg="add del mod">
-          <ac:chgData name="Eduardo Savian" userId="83fefb37af455394" providerId="LiveId" clId="{9027FE1D-C861-432B-B1C8-11A99DB4171A}" dt="2024-05-08T21:35:20.186" v="904" actId="478"/>
-          <ac:picMkLst>
-            <pc:docMk/>
-            <pc:sldMk cId="43700074" sldId="275"/>
-            <ac:picMk id="8" creationId="{7610941A-37BD-9C19-64D1-2358EC2E8510}"/>
-          </ac:picMkLst>
-        </pc:picChg>
-        <pc:picChg chg="add del">
-          <ac:chgData name="Eduardo Savian" userId="83fefb37af455394" providerId="LiveId" clId="{9027FE1D-C861-432B-B1C8-11A99DB4171A}" dt="2024-05-08T21:44:28.124" v="952" actId="22"/>
-          <ac:picMkLst>
-            <pc:docMk/>
-            <pc:sldMk cId="43700074" sldId="275"/>
-            <ac:picMk id="9" creationId="{B8355BE1-3360-9963-116F-8D6F78F51FCD}"/>
-          </ac:picMkLst>
-        </pc:picChg>
-        <pc:picChg chg="add del mod ord">
-          <ac:chgData name="Eduardo Savian" userId="83fefb37af455394" providerId="LiveId" clId="{9027FE1D-C861-432B-B1C8-11A99DB4171A}" dt="2024-05-08T21:45:20.696" v="961" actId="478"/>
-          <ac:picMkLst>
-            <pc:docMk/>
-            <pc:sldMk cId="43700074" sldId="275"/>
-            <ac:picMk id="10" creationId="{A3D69FE1-307A-CBBF-E9CC-8C1B00F440D1}"/>
-          </ac:picMkLst>
-        </pc:picChg>
-        <pc:picChg chg="add mod">
-          <ac:chgData name="Eduardo Savian" userId="83fefb37af455394" providerId="LiveId" clId="{9027FE1D-C861-432B-B1C8-11A99DB4171A}" dt="2024-05-08T21:35:23.403" v="906" actId="1076"/>
-          <ac:picMkLst>
-            <pc:docMk/>
-            <pc:sldMk cId="43700074" sldId="275"/>
-            <ac:picMk id="12" creationId="{E99D66E1-B7D0-5B01-9676-188171541776}"/>
-          </ac:picMkLst>
-        </pc:picChg>
-        <pc:picChg chg="add del">
-          <ac:chgData name="Eduardo Savian" userId="83fefb37af455394" providerId="LiveId" clId="{9027FE1D-C861-432B-B1C8-11A99DB4171A}" dt="2024-05-08T21:45:21.771" v="963" actId="22"/>
-          <ac:picMkLst>
-            <pc:docMk/>
-            <pc:sldMk cId="43700074" sldId="275"/>
-            <ac:picMk id="15" creationId="{AA5DBF5C-6758-D7E9-19FF-DF00DC8EC6A6}"/>
-          </ac:picMkLst>
-        </pc:picChg>
-        <pc:picChg chg="add mod ord">
-          <ac:chgData name="Eduardo Savian" userId="83fefb37af455394" providerId="LiveId" clId="{9027FE1D-C861-432B-B1C8-11A99DB4171A}" dt="2024-05-08T21:45:43.386" v="969" actId="1076"/>
-          <ac:picMkLst>
-            <pc:docMk/>
-            <pc:sldMk cId="43700074" sldId="275"/>
-            <ac:picMk id="17" creationId="{82257A56-F537-8637-2D1A-5FD85F9F23FA}"/>
-          </ac:picMkLst>
-        </pc:picChg>
-      </pc:sldChg>
-    </pc:docChg>
-  </pc:docChgLst>
-  <pc:docChgLst>
-    <pc:chgData name="Eduardo Savian" userId="83fefb37af455394" providerId="Windows Live" clId="Web-{4E2BA755-9540-4322-A1D6-D9892E45D796}"/>
+    <pc:chgData name="Eduardo Savian" userId="83fefb37af455394" providerId="Windows Live" clId="Web-{36E7C8E4-7FFB-448F-ADE0-B64A1369299D}"/>
     <pc:docChg chg="addSld delSld modSld">
-      <pc:chgData name="Eduardo Savian" userId="83fefb37af455394" providerId="Windows Live" clId="Web-{4E2BA755-9540-4322-A1D6-D9892E45D796}" dt="2024-05-14T00:08:28.465" v="70"/>
+      <pc:chgData name="Eduardo Savian" userId="83fefb37af455394" providerId="Windows Live" clId="Web-{36E7C8E4-7FFB-448F-ADE0-B64A1369299D}" dt="2024-05-24T21:51:41.042" v="51"/>
       <pc:docMkLst>
         <pc:docMk/>
       </pc:docMkLst>
       <pc:sldChg chg="modSp">
-        <pc:chgData name="Eduardo Savian" userId="83fefb37af455394" providerId="Windows Live" clId="Web-{4E2BA755-9540-4322-A1D6-D9892E45D796}" dt="2024-05-14T00:02:53.821" v="27" actId="20577"/>
+        <pc:chgData name="Eduardo Savian" userId="83fefb37af455394" providerId="Windows Live" clId="Web-{36E7C8E4-7FFB-448F-ADE0-B64A1369299D}" dt="2024-05-24T21:51:19.933" v="46" actId="20577"/>
         <pc:sldMkLst>
           <pc:docMk/>
           <pc:sldMk cId="109857222" sldId="256"/>
         </pc:sldMkLst>
         <pc:spChg chg="mod">
-          <ac:chgData name="Eduardo Savian" userId="83fefb37af455394" providerId="Windows Live" clId="Web-{4E2BA755-9540-4322-A1D6-D9892E45D796}" dt="2024-05-14T00:02:53.821" v="27" actId="20577"/>
+          <ac:chgData name="Eduardo Savian" userId="83fefb37af455394" providerId="Windows Live" clId="Web-{36E7C8E4-7FFB-448F-ADE0-B64A1369299D}" dt="2024-05-24T21:51:19.933" v="46" actId="20577"/>
           <ac:spMkLst>
             <pc:docMk/>
             <pc:sldMk cId="109857222" sldId="256"/>
@@ -1419,13 +3277,13 @@
         </pc:spChg>
       </pc:sldChg>
       <pc:sldChg chg="modSp">
-        <pc:chgData name="Eduardo Savian" userId="83fefb37af455394" providerId="Windows Live" clId="Web-{4E2BA755-9540-4322-A1D6-D9892E45D796}" dt="2024-05-14T00:08:24.090" v="69" actId="20577"/>
+        <pc:chgData name="Eduardo Savian" userId="83fefb37af455394" providerId="Windows Live" clId="Web-{36E7C8E4-7FFB-448F-ADE0-B64A1369299D}" dt="2024-05-24T21:51:26.417" v="47" actId="20577"/>
         <pc:sldMkLst>
           <pc:docMk/>
           <pc:sldMk cId="3775945265" sldId="257"/>
         </pc:sldMkLst>
         <pc:spChg chg="mod">
-          <ac:chgData name="Eduardo Savian" userId="83fefb37af455394" providerId="Windows Live" clId="Web-{4E2BA755-9540-4322-A1D6-D9892E45D796}" dt="2024-05-14T00:08:24.090" v="69" actId="20577"/>
+          <ac:chgData name="Eduardo Savian" userId="83fefb37af455394" providerId="Windows Live" clId="Web-{36E7C8E4-7FFB-448F-ADE0-B64A1369299D}" dt="2024-05-24T21:51:26.417" v="47" actId="20577"/>
           <ac:spMkLst>
             <pc:docMk/>
             <pc:sldMk cId="3775945265" sldId="257"/>
@@ -1433,86 +3291,14 @@
           </ac:spMkLst>
         </pc:spChg>
       </pc:sldChg>
-      <pc:sldChg chg="del">
-        <pc:chgData name="Eduardo Savian" userId="83fefb37af455394" providerId="Windows Live" clId="Web-{4E2BA755-9540-4322-A1D6-D9892E45D796}" dt="2024-05-14T00:05:43.729" v="45"/>
-        <pc:sldMkLst>
-          <pc:docMk/>
-          <pc:sldMk cId="1967995460" sldId="259"/>
-        </pc:sldMkLst>
-      </pc:sldChg>
-      <pc:sldChg chg="del">
-        <pc:chgData name="Eduardo Savian" userId="83fefb37af455394" providerId="Windows Live" clId="Web-{4E2BA755-9540-4322-A1D6-D9892E45D796}" dt="2024-05-14T00:05:43.073" v="44"/>
-        <pc:sldMkLst>
-          <pc:docMk/>
-          <pc:sldMk cId="2753850936" sldId="261"/>
-        </pc:sldMkLst>
-      </pc:sldChg>
-      <pc:sldChg chg="del">
-        <pc:chgData name="Eduardo Savian" userId="83fefb37af455394" providerId="Windows Live" clId="Web-{4E2BA755-9540-4322-A1D6-D9892E45D796}" dt="2024-05-14T00:05:42.839" v="43"/>
-        <pc:sldMkLst>
-          <pc:docMk/>
-          <pc:sldMk cId="4074611433" sldId="262"/>
-        </pc:sldMkLst>
-      </pc:sldChg>
-      <pc:sldChg chg="del">
-        <pc:chgData name="Eduardo Savian" userId="83fefb37af455394" providerId="Windows Live" clId="Web-{4E2BA755-9540-4322-A1D6-D9892E45D796}" dt="2024-05-14T00:05:44.183" v="46"/>
-        <pc:sldMkLst>
-          <pc:docMk/>
-          <pc:sldMk cId="922261976" sldId="263"/>
-        </pc:sldMkLst>
-      </pc:sldChg>
-      <pc:sldChg chg="addSp delSp modSp del">
-        <pc:chgData name="Eduardo Savian" userId="83fefb37af455394" providerId="Windows Live" clId="Web-{4E2BA755-9540-4322-A1D6-D9892E45D796}" dt="2024-05-14T00:05:40.479" v="39"/>
-        <pc:sldMkLst>
-          <pc:docMk/>
-          <pc:sldMk cId="2804307500" sldId="264"/>
-        </pc:sldMkLst>
-        <pc:spChg chg="add mod">
-          <ac:chgData name="Eduardo Savian" userId="83fefb37af455394" providerId="Windows Live" clId="Web-{4E2BA755-9540-4322-A1D6-D9892E45D796}" dt="2024-05-14T00:05:38.495" v="38"/>
-          <ac:spMkLst>
-            <pc:docMk/>
-            <pc:sldMk cId="2804307500" sldId="264"/>
-            <ac:spMk id="7" creationId="{0F05CDE4-5110-BDB8-0763-068B58FDD9C9}"/>
-          </ac:spMkLst>
-        </pc:spChg>
-        <pc:picChg chg="del">
-          <ac:chgData name="Eduardo Savian" userId="83fefb37af455394" providerId="Windows Live" clId="Web-{4E2BA755-9540-4322-A1D6-D9892E45D796}" dt="2024-05-14T00:05:38.495" v="38"/>
-          <ac:picMkLst>
-            <pc:docMk/>
-            <pc:sldMk cId="2804307500" sldId="264"/>
-            <ac:picMk id="8" creationId="{00F452FC-2464-3821-2B96-E293938164EB}"/>
-          </ac:picMkLst>
-        </pc:picChg>
-      </pc:sldChg>
-      <pc:sldChg chg="del">
-        <pc:chgData name="Eduardo Savian" userId="83fefb37af455394" providerId="Windows Live" clId="Web-{4E2BA755-9540-4322-A1D6-D9892E45D796}" dt="2024-05-14T00:05:42.245" v="41"/>
-        <pc:sldMkLst>
-          <pc:docMk/>
-          <pc:sldMk cId="1498387516" sldId="265"/>
-        </pc:sldMkLst>
-      </pc:sldChg>
-      <pc:sldChg chg="del">
-        <pc:chgData name="Eduardo Savian" userId="83fefb37af455394" providerId="Windows Live" clId="Web-{4E2BA755-9540-4322-A1D6-D9892E45D796}" dt="2024-05-14T00:05:42.276" v="42"/>
-        <pc:sldMkLst>
-          <pc:docMk/>
-          <pc:sldMk cId="1606520421" sldId="266"/>
-        </pc:sldMkLst>
-      </pc:sldChg>
-      <pc:sldChg chg="del">
-        <pc:chgData name="Eduardo Savian" userId="83fefb37af455394" providerId="Windows Live" clId="Web-{4E2BA755-9540-4322-A1D6-D9892E45D796}" dt="2024-05-14T00:05:41.526" v="40"/>
-        <pc:sldMkLst>
-          <pc:docMk/>
-          <pc:sldMk cId="3546819228" sldId="267"/>
-        </pc:sldMkLst>
-      </pc:sldChg>
       <pc:sldChg chg="modSp">
-        <pc:chgData name="Eduardo Savian" userId="83fefb37af455394" providerId="Windows Live" clId="Web-{4E2BA755-9540-4322-A1D6-D9892E45D796}" dt="2024-05-14T00:07:36.012" v="62" actId="20577"/>
+        <pc:chgData name="Eduardo Savian" userId="83fefb37af455394" providerId="Windows Live" clId="Web-{36E7C8E4-7FFB-448F-ADE0-B64A1369299D}" dt="2024-05-24T21:50:26.917" v="6" actId="20577"/>
         <pc:sldMkLst>
           <pc:docMk/>
           <pc:sldMk cId="2097304172" sldId="268"/>
         </pc:sldMkLst>
         <pc:spChg chg="mod">
-          <ac:chgData name="Eduardo Savian" userId="83fefb37af455394" providerId="Windows Live" clId="Web-{4E2BA755-9540-4322-A1D6-D9892E45D796}" dt="2024-05-14T00:07:36.012" v="62" actId="20577"/>
+          <ac:chgData name="Eduardo Savian" userId="83fefb37af455394" providerId="Windows Live" clId="Web-{36E7C8E4-7FFB-448F-ADE0-B64A1369299D}" dt="2024-05-24T21:50:26.917" v="6" actId="20577"/>
           <ac:spMkLst>
             <pc:docMk/>
             <pc:sldMk cId="2097304172" sldId="268"/>
@@ -1521,13 +3307,13 @@
         </pc:spChg>
       </pc:sldChg>
       <pc:sldChg chg="modSp">
-        <pc:chgData name="Eduardo Savian" userId="83fefb37af455394" providerId="Windows Live" clId="Web-{4E2BA755-9540-4322-A1D6-D9892E45D796}" dt="2024-05-14T00:07:49.199" v="64" actId="20577"/>
+        <pc:chgData name="Eduardo Savian" userId="83fefb37af455394" providerId="Windows Live" clId="Web-{36E7C8E4-7FFB-448F-ADE0-B64A1369299D}" dt="2024-05-24T21:51:28.745" v="48" actId="20577"/>
         <pc:sldMkLst>
           <pc:docMk/>
           <pc:sldMk cId="1839108021" sldId="269"/>
         </pc:sldMkLst>
         <pc:spChg chg="mod">
-          <ac:chgData name="Eduardo Savian" userId="83fefb37af455394" providerId="Windows Live" clId="Web-{4E2BA755-9540-4322-A1D6-D9892E45D796}" dt="2024-05-14T00:07:49.199" v="64" actId="20577"/>
+          <ac:chgData name="Eduardo Savian" userId="83fefb37af455394" providerId="Windows Live" clId="Web-{36E7C8E4-7FFB-448F-ADE0-B64A1369299D}" dt="2024-05-24T21:51:28.745" v="48" actId="20577"/>
           <ac:spMkLst>
             <pc:docMk/>
             <pc:sldMk cId="1839108021" sldId="269"/>
@@ -1535,72 +3321,169 @@
           </ac:spMkLst>
         </pc:spChg>
       </pc:sldChg>
-      <pc:sldChg chg="new del">
-        <pc:chgData name="Eduardo Savian" userId="83fefb37af455394" providerId="Windows Live" clId="Web-{4E2BA755-9540-4322-A1D6-D9892E45D796}" dt="2024-05-14T00:08:15.403" v="66"/>
-        <pc:sldMkLst>
-          <pc:docMk/>
-          <pc:sldMk cId="3566686745" sldId="270"/>
+      <pc:sldChg chg="del">
+        <pc:chgData name="Eduardo Savian" userId="83fefb37af455394" providerId="Windows Live" clId="Web-{36E7C8E4-7FFB-448F-ADE0-B64A1369299D}" dt="2024-05-24T21:50:33.777" v="7"/>
+        <pc:sldMkLst>
+          <pc:docMk/>
+          <pc:sldMk cId="786732467" sldId="270"/>
         </pc:sldMkLst>
       </pc:sldChg>
       <pc:sldChg chg="new">
-        <pc:chgData name="Eduardo Savian" userId="83fefb37af455394" providerId="Windows Live" clId="Web-{4E2BA755-9540-4322-A1D6-D9892E45D796}" dt="2024-05-14T00:08:28.465" v="70"/>
-        <pc:sldMkLst>
-          <pc:docMk/>
-          <pc:sldMk cId="4042955426" sldId="270"/>
+        <pc:chgData name="Eduardo Savian" userId="83fefb37af455394" providerId="Windows Live" clId="Web-{36E7C8E4-7FFB-448F-ADE0-B64A1369299D}" dt="2024-05-24T21:51:41.042" v="51"/>
+        <pc:sldMkLst>
+          <pc:docMk/>
+          <pc:sldMk cId="2543389946" sldId="270"/>
         </pc:sldMkLst>
       </pc:sldChg>
       <pc:sldChg chg="del">
-        <pc:chgData name="Eduardo Savian" userId="83fefb37af455394" providerId="Windows Live" clId="Web-{4E2BA755-9540-4322-A1D6-D9892E45D796}" dt="2024-05-14T00:05:44.901" v="48"/>
-        <pc:sldMkLst>
-          <pc:docMk/>
-          <pc:sldMk cId="1206012243" sldId="271"/>
+        <pc:chgData name="Eduardo Savian" userId="83fefb37af455394" providerId="Windows Live" clId="Web-{36E7C8E4-7FFB-448F-ADE0-B64A1369299D}" dt="2024-05-24T21:50:36.995" v="10"/>
+        <pc:sldMkLst>
+          <pc:docMk/>
+          <pc:sldMk cId="3820077443" sldId="272"/>
         </pc:sldMkLst>
       </pc:sldChg>
       <pc:sldChg chg="del">
-        <pc:chgData name="Eduardo Savian" userId="83fefb37af455394" providerId="Windows Live" clId="Web-{4E2BA755-9540-4322-A1D6-D9892E45D796}" dt="2024-05-14T00:05:45.526" v="49"/>
-        <pc:sldMkLst>
-          <pc:docMk/>
-          <pc:sldMk cId="1961177669" sldId="274"/>
+        <pc:chgData name="Eduardo Savian" userId="83fefb37af455394" providerId="Windows Live" clId="Web-{36E7C8E4-7FFB-448F-ADE0-B64A1369299D}" dt="2024-05-24T21:50:38.276" v="12"/>
+        <pc:sldMkLst>
+          <pc:docMk/>
+          <pc:sldMk cId="3222751535" sldId="273"/>
         </pc:sldMkLst>
       </pc:sldChg>
       <pc:sldChg chg="del">
-        <pc:chgData name="Eduardo Savian" userId="83fefb37af455394" providerId="Windows Live" clId="Web-{4E2BA755-9540-4322-A1D6-D9892E45D796}" dt="2024-05-14T00:05:44.714" v="47"/>
-        <pc:sldMkLst>
-          <pc:docMk/>
-          <pc:sldMk cId="43700074" sldId="275"/>
+        <pc:chgData name="Eduardo Savian" userId="83fefb37af455394" providerId="Windows Live" clId="Web-{36E7C8E4-7FFB-448F-ADE0-B64A1369299D}" dt="2024-05-24T21:50:39.980" v="15"/>
+        <pc:sldMkLst>
+          <pc:docMk/>
+          <pc:sldMk cId="4195999744" sldId="274"/>
+        </pc:sldMkLst>
+      </pc:sldChg>
+      <pc:sldChg chg="del">
+        <pc:chgData name="Eduardo Savian" userId="83fefb37af455394" providerId="Windows Live" clId="Web-{36E7C8E4-7FFB-448F-ADE0-B64A1369299D}" dt="2024-05-24T21:50:39.433" v="14"/>
+        <pc:sldMkLst>
+          <pc:docMk/>
+          <pc:sldMk cId="2246444756" sldId="275"/>
+        </pc:sldMkLst>
+      </pc:sldChg>
+      <pc:sldChg chg="del">
+        <pc:chgData name="Eduardo Savian" userId="83fefb37af455394" providerId="Windows Live" clId="Web-{36E7C8E4-7FFB-448F-ADE0-B64A1369299D}" dt="2024-05-24T21:50:37.605" v="11"/>
+        <pc:sldMkLst>
+          <pc:docMk/>
+          <pc:sldMk cId="177902584" sldId="276"/>
+        </pc:sldMkLst>
+      </pc:sldChg>
+      <pc:sldChg chg="del">
+        <pc:chgData name="Eduardo Savian" userId="83fefb37af455394" providerId="Windows Live" clId="Web-{36E7C8E4-7FFB-448F-ADE0-B64A1369299D}" dt="2024-05-24T21:50:40.667" v="16"/>
+        <pc:sldMkLst>
+          <pc:docMk/>
+          <pc:sldMk cId="3089438569" sldId="277"/>
+        </pc:sldMkLst>
+      </pc:sldChg>
+      <pc:sldChg chg="del">
+        <pc:chgData name="Eduardo Savian" userId="83fefb37af455394" providerId="Windows Live" clId="Web-{36E7C8E4-7FFB-448F-ADE0-B64A1369299D}" dt="2024-05-24T21:50:38.886" v="13"/>
+        <pc:sldMkLst>
+          <pc:docMk/>
+          <pc:sldMk cId="2958369243" sldId="278"/>
+        </pc:sldMkLst>
+      </pc:sldChg>
+      <pc:sldChg chg="del">
+        <pc:chgData name="Eduardo Savian" userId="83fefb37af455394" providerId="Windows Live" clId="Web-{36E7C8E4-7FFB-448F-ADE0-B64A1369299D}" dt="2024-05-24T21:50:36.261" v="9"/>
+        <pc:sldMkLst>
+          <pc:docMk/>
+          <pc:sldMk cId="3863324512" sldId="279"/>
+        </pc:sldMkLst>
+      </pc:sldChg>
+      <pc:sldChg chg="del">
+        <pc:chgData name="Eduardo Savian" userId="83fefb37af455394" providerId="Windows Live" clId="Web-{36E7C8E4-7FFB-448F-ADE0-B64A1369299D}" dt="2024-05-24T21:50:42.495" v="17"/>
+        <pc:sldMkLst>
+          <pc:docMk/>
+          <pc:sldMk cId="2943707974" sldId="280"/>
+        </pc:sldMkLst>
+      </pc:sldChg>
+      <pc:sldChg chg="del">
+        <pc:chgData name="Eduardo Savian" userId="83fefb37af455394" providerId="Windows Live" clId="Web-{36E7C8E4-7FFB-448F-ADE0-B64A1369299D}" dt="2024-05-24T21:50:43.151" v="18"/>
+        <pc:sldMkLst>
+          <pc:docMk/>
+          <pc:sldMk cId="2824806480" sldId="281"/>
+        </pc:sldMkLst>
+      </pc:sldChg>
+      <pc:sldChg chg="del">
+        <pc:chgData name="Eduardo Savian" userId="83fefb37af455394" providerId="Windows Live" clId="Web-{36E7C8E4-7FFB-448F-ADE0-B64A1369299D}" dt="2024-05-24T21:50:43.714" v="19"/>
+        <pc:sldMkLst>
+          <pc:docMk/>
+          <pc:sldMk cId="3921900917" sldId="282"/>
+        </pc:sldMkLst>
+      </pc:sldChg>
+      <pc:sldChg chg="del">
+        <pc:chgData name="Eduardo Savian" userId="83fefb37af455394" providerId="Windows Live" clId="Web-{36E7C8E4-7FFB-448F-ADE0-B64A1369299D}" dt="2024-05-24T21:50:44.886" v="20"/>
+        <pc:sldMkLst>
+          <pc:docMk/>
+          <pc:sldMk cId="3100966276" sldId="283"/>
+        </pc:sldMkLst>
+      </pc:sldChg>
+      <pc:sldChg chg="del">
+        <pc:chgData name="Eduardo Savian" userId="83fefb37af455394" providerId="Windows Live" clId="Web-{36E7C8E4-7FFB-448F-ADE0-B64A1369299D}" dt="2024-05-24T21:50:46.417" v="22"/>
+        <pc:sldMkLst>
+          <pc:docMk/>
+          <pc:sldMk cId="227339789" sldId="284"/>
+        </pc:sldMkLst>
+      </pc:sldChg>
+      <pc:sldChg chg="del">
+        <pc:chgData name="Eduardo Savian" userId="83fefb37af455394" providerId="Windows Live" clId="Web-{36E7C8E4-7FFB-448F-ADE0-B64A1369299D}" dt="2024-05-24T21:51:32.120" v="49"/>
+        <pc:sldMkLst>
+          <pc:docMk/>
+          <pc:sldMk cId="3520346450" sldId="285"/>
+        </pc:sldMkLst>
+      </pc:sldChg>
+      <pc:sldChg chg="del">
+        <pc:chgData name="Eduardo Savian" userId="83fefb37af455394" providerId="Windows Live" clId="Web-{36E7C8E4-7FFB-448F-ADE0-B64A1369299D}" dt="2024-05-24T21:51:32.948" v="50"/>
+        <pc:sldMkLst>
+          <pc:docMk/>
+          <pc:sldMk cId="3991824961" sldId="286"/>
+        </pc:sldMkLst>
+      </pc:sldChg>
+      <pc:sldChg chg="del">
+        <pc:chgData name="Eduardo Savian" userId="83fefb37af455394" providerId="Windows Live" clId="Web-{36E7C8E4-7FFB-448F-ADE0-B64A1369299D}" dt="2024-05-24T21:50:52.214" v="23"/>
+        <pc:sldMkLst>
+          <pc:docMk/>
+          <pc:sldMk cId="1294687725" sldId="287"/>
+        </pc:sldMkLst>
+      </pc:sldChg>
+      <pc:sldChg chg="del">
+        <pc:chgData name="Eduardo Savian" userId="83fefb37af455394" providerId="Windows Live" clId="Web-{36E7C8E4-7FFB-448F-ADE0-B64A1369299D}" dt="2024-05-24T21:50:45.948" v="21"/>
+        <pc:sldMkLst>
+          <pc:docMk/>
+          <pc:sldMk cId="682011853" sldId="288"/>
+        </pc:sldMkLst>
+      </pc:sldChg>
+      <pc:sldChg chg="del">
+        <pc:chgData name="Eduardo Savian" userId="83fefb37af455394" providerId="Windows Live" clId="Web-{36E7C8E4-7FFB-448F-ADE0-B64A1369299D}" dt="2024-05-24T21:50:35.198" v="8"/>
+        <pc:sldMkLst>
+          <pc:docMk/>
+          <pc:sldMk cId="1633250534" sldId="289"/>
         </pc:sldMkLst>
       </pc:sldChg>
     </pc:docChg>
   </pc:docChgLst>
   <pc:docChgLst>
-    <pc:chgData name="Eduardo Savian" userId="83fefb37af455394" providerId="LiveId" clId="{F92F2121-E3A7-4D5C-8A92-F61E052B0D7C}"/>
+    <pc:chgData clId="Web-{236A428B-EB3A-4EDA-8B94-5C42A3C67680}"/>
     <pc:docChg chg="modSld">
-      <pc:chgData name="Eduardo Savian" userId="83fefb37af455394" providerId="LiveId" clId="{F92F2121-E3A7-4D5C-8A92-F61E052B0D7C}" dt="2024-05-08T21:56:59.808" v="11" actId="1076"/>
+      <pc:chgData name="" userId="" providerId="" clId="Web-{236A428B-EB3A-4EDA-8B94-5C42A3C67680}" dt="2024-05-08T01:13:44.510" v="10" actId="20577"/>
       <pc:docMkLst>
         <pc:docMk/>
       </pc:docMkLst>
-      <pc:sldChg chg="addSp modSp mod">
-        <pc:chgData name="Eduardo Savian" userId="83fefb37af455394" providerId="LiveId" clId="{F92F2121-E3A7-4D5C-8A92-F61E052B0D7C}" dt="2024-05-08T21:56:59.808" v="11" actId="1076"/>
-        <pc:sldMkLst>
-          <pc:docMk/>
-          <pc:sldMk cId="2753850936" sldId="261"/>
-        </pc:sldMkLst>
-        <pc:picChg chg="add mod">
-          <ac:chgData name="Eduardo Savian" userId="83fefb37af455394" providerId="LiveId" clId="{F92F2121-E3A7-4D5C-8A92-F61E052B0D7C}" dt="2024-05-08T21:56:56.310" v="8" actId="27614"/>
-          <ac:picMkLst>
-            <pc:docMk/>
-            <pc:sldMk cId="2753850936" sldId="261"/>
-            <ac:picMk id="7" creationId="{24B49B10-7660-3EA2-3964-3F937A078934}"/>
-          </ac:picMkLst>
-        </pc:picChg>
-        <pc:picChg chg="mod">
-          <ac:chgData name="Eduardo Savian" userId="83fefb37af455394" providerId="LiveId" clId="{F92F2121-E3A7-4D5C-8A92-F61E052B0D7C}" dt="2024-05-08T21:56:59.808" v="11" actId="1076"/>
-          <ac:picMkLst>
-            <pc:docMk/>
-            <pc:sldMk cId="2753850936" sldId="261"/>
-            <ac:picMk id="14" creationId="{CB3B0777-5292-ECBA-8C1A-6098EEFCD096}"/>
-          </ac:picMkLst>
-        </pc:picChg>
+      <pc:sldChg chg="modSp">
+        <pc:chgData name="" userId="" providerId="" clId="Web-{236A428B-EB3A-4EDA-8B94-5C42A3C67680}" dt="2024-05-08T01:13:44.510" v="10" actId="20577"/>
+        <pc:sldMkLst>
+          <pc:docMk/>
+          <pc:sldMk cId="109857222" sldId="256"/>
+        </pc:sldMkLst>
+        <pc:spChg chg="mod">
+          <ac:chgData name="" userId="" providerId="" clId="Web-{236A428B-EB3A-4EDA-8B94-5C42A3C67680}" dt="2024-05-08T01:13:44.510" v="10" actId="20577"/>
+          <ac:spMkLst>
+            <pc:docMk/>
+            <pc:sldMk cId="109857222" sldId="256"/>
+            <ac:spMk id="3" creationId="{00000000-0000-0000-0000-000000000000}"/>
+          </ac:spMkLst>
+        </pc:spChg>
       </pc:sldChg>
     </pc:docChg>
   </pc:docChgLst>
@@ -2405,1349 +4288,6 @@
             <ac:picMk id="8" creationId="{D9594AA6-C487-FCBF-CE20-102664616D58}"/>
           </ac:picMkLst>
         </pc:picChg>
-      </pc:sldChg>
-    </pc:docChg>
-  </pc:docChgLst>
-  <pc:docChgLst>
-    <pc:chgData name="Eduardo Savian" userId="83fefb37af455394" providerId="Windows Live" clId="Web-{36E7C8E4-7FFB-448F-ADE0-B64A1369299D}"/>
-    <pc:docChg chg="addSld delSld modSld">
-      <pc:chgData name="Eduardo Savian" userId="83fefb37af455394" providerId="Windows Live" clId="Web-{36E7C8E4-7FFB-448F-ADE0-B64A1369299D}" dt="2024-05-24T21:51:41.042" v="51"/>
-      <pc:docMkLst>
-        <pc:docMk/>
-      </pc:docMkLst>
-      <pc:sldChg chg="modSp">
-        <pc:chgData name="Eduardo Savian" userId="83fefb37af455394" providerId="Windows Live" clId="Web-{36E7C8E4-7FFB-448F-ADE0-B64A1369299D}" dt="2024-05-24T21:51:19.933" v="46" actId="20577"/>
-        <pc:sldMkLst>
-          <pc:docMk/>
-          <pc:sldMk cId="109857222" sldId="256"/>
-        </pc:sldMkLst>
-        <pc:spChg chg="mod">
-          <ac:chgData name="Eduardo Savian" userId="83fefb37af455394" providerId="Windows Live" clId="Web-{36E7C8E4-7FFB-448F-ADE0-B64A1369299D}" dt="2024-05-24T21:51:19.933" v="46" actId="20577"/>
-          <ac:spMkLst>
-            <pc:docMk/>
-            <pc:sldMk cId="109857222" sldId="256"/>
-            <ac:spMk id="2" creationId="{00000000-0000-0000-0000-000000000000}"/>
-          </ac:spMkLst>
-        </pc:spChg>
-      </pc:sldChg>
-      <pc:sldChg chg="modSp">
-        <pc:chgData name="Eduardo Savian" userId="83fefb37af455394" providerId="Windows Live" clId="Web-{36E7C8E4-7FFB-448F-ADE0-B64A1369299D}" dt="2024-05-24T21:51:26.417" v="47" actId="20577"/>
-        <pc:sldMkLst>
-          <pc:docMk/>
-          <pc:sldMk cId="3775945265" sldId="257"/>
-        </pc:sldMkLst>
-        <pc:spChg chg="mod">
-          <ac:chgData name="Eduardo Savian" userId="83fefb37af455394" providerId="Windows Live" clId="Web-{36E7C8E4-7FFB-448F-ADE0-B64A1369299D}" dt="2024-05-24T21:51:26.417" v="47" actId="20577"/>
-          <ac:spMkLst>
-            <pc:docMk/>
-            <pc:sldMk cId="3775945265" sldId="257"/>
-            <ac:spMk id="3" creationId="{A3B4ADFF-18FA-819A-E2DD-F32D67BA3A8E}"/>
-          </ac:spMkLst>
-        </pc:spChg>
-      </pc:sldChg>
-      <pc:sldChg chg="modSp">
-        <pc:chgData name="Eduardo Savian" userId="83fefb37af455394" providerId="Windows Live" clId="Web-{36E7C8E4-7FFB-448F-ADE0-B64A1369299D}" dt="2024-05-24T21:50:26.917" v="6" actId="20577"/>
-        <pc:sldMkLst>
-          <pc:docMk/>
-          <pc:sldMk cId="2097304172" sldId="268"/>
-        </pc:sldMkLst>
-        <pc:spChg chg="mod">
-          <ac:chgData name="Eduardo Savian" userId="83fefb37af455394" providerId="Windows Live" clId="Web-{36E7C8E4-7FFB-448F-ADE0-B64A1369299D}" dt="2024-05-24T21:50:26.917" v="6" actId="20577"/>
-          <ac:spMkLst>
-            <pc:docMk/>
-            <pc:sldMk cId="2097304172" sldId="268"/>
-            <ac:spMk id="3" creationId="{DF5ABD57-ADCB-25E7-5CDB-095C18654DD9}"/>
-          </ac:spMkLst>
-        </pc:spChg>
-      </pc:sldChg>
-      <pc:sldChg chg="modSp">
-        <pc:chgData name="Eduardo Savian" userId="83fefb37af455394" providerId="Windows Live" clId="Web-{36E7C8E4-7FFB-448F-ADE0-B64A1369299D}" dt="2024-05-24T21:51:28.745" v="48" actId="20577"/>
-        <pc:sldMkLst>
-          <pc:docMk/>
-          <pc:sldMk cId="1839108021" sldId="269"/>
-        </pc:sldMkLst>
-        <pc:spChg chg="mod">
-          <ac:chgData name="Eduardo Savian" userId="83fefb37af455394" providerId="Windows Live" clId="Web-{36E7C8E4-7FFB-448F-ADE0-B64A1369299D}" dt="2024-05-24T21:51:28.745" v="48" actId="20577"/>
-          <ac:spMkLst>
-            <pc:docMk/>
-            <pc:sldMk cId="1839108021" sldId="269"/>
-            <ac:spMk id="3" creationId="{A0A824DE-1396-458D-85D1-532A91E9C44F}"/>
-          </ac:spMkLst>
-        </pc:spChg>
-      </pc:sldChg>
-      <pc:sldChg chg="del">
-        <pc:chgData name="Eduardo Savian" userId="83fefb37af455394" providerId="Windows Live" clId="Web-{36E7C8E4-7FFB-448F-ADE0-B64A1369299D}" dt="2024-05-24T21:50:33.777" v="7"/>
-        <pc:sldMkLst>
-          <pc:docMk/>
-          <pc:sldMk cId="786732467" sldId="270"/>
-        </pc:sldMkLst>
-      </pc:sldChg>
-      <pc:sldChg chg="new">
-        <pc:chgData name="Eduardo Savian" userId="83fefb37af455394" providerId="Windows Live" clId="Web-{36E7C8E4-7FFB-448F-ADE0-B64A1369299D}" dt="2024-05-24T21:51:41.042" v="51"/>
-        <pc:sldMkLst>
-          <pc:docMk/>
-          <pc:sldMk cId="2543389946" sldId="270"/>
-        </pc:sldMkLst>
-      </pc:sldChg>
-      <pc:sldChg chg="del">
-        <pc:chgData name="Eduardo Savian" userId="83fefb37af455394" providerId="Windows Live" clId="Web-{36E7C8E4-7FFB-448F-ADE0-B64A1369299D}" dt="2024-05-24T21:50:36.995" v="10"/>
-        <pc:sldMkLst>
-          <pc:docMk/>
-          <pc:sldMk cId="3820077443" sldId="272"/>
-        </pc:sldMkLst>
-      </pc:sldChg>
-      <pc:sldChg chg="del">
-        <pc:chgData name="Eduardo Savian" userId="83fefb37af455394" providerId="Windows Live" clId="Web-{36E7C8E4-7FFB-448F-ADE0-B64A1369299D}" dt="2024-05-24T21:50:38.276" v="12"/>
-        <pc:sldMkLst>
-          <pc:docMk/>
-          <pc:sldMk cId="3222751535" sldId="273"/>
-        </pc:sldMkLst>
-      </pc:sldChg>
-      <pc:sldChg chg="del">
-        <pc:chgData name="Eduardo Savian" userId="83fefb37af455394" providerId="Windows Live" clId="Web-{36E7C8E4-7FFB-448F-ADE0-B64A1369299D}" dt="2024-05-24T21:50:39.980" v="15"/>
-        <pc:sldMkLst>
-          <pc:docMk/>
-          <pc:sldMk cId="4195999744" sldId="274"/>
-        </pc:sldMkLst>
-      </pc:sldChg>
-      <pc:sldChg chg="del">
-        <pc:chgData name="Eduardo Savian" userId="83fefb37af455394" providerId="Windows Live" clId="Web-{36E7C8E4-7FFB-448F-ADE0-B64A1369299D}" dt="2024-05-24T21:50:39.433" v="14"/>
-        <pc:sldMkLst>
-          <pc:docMk/>
-          <pc:sldMk cId="2246444756" sldId="275"/>
-        </pc:sldMkLst>
-      </pc:sldChg>
-      <pc:sldChg chg="del">
-        <pc:chgData name="Eduardo Savian" userId="83fefb37af455394" providerId="Windows Live" clId="Web-{36E7C8E4-7FFB-448F-ADE0-B64A1369299D}" dt="2024-05-24T21:50:37.605" v="11"/>
-        <pc:sldMkLst>
-          <pc:docMk/>
-          <pc:sldMk cId="177902584" sldId="276"/>
-        </pc:sldMkLst>
-      </pc:sldChg>
-      <pc:sldChg chg="del">
-        <pc:chgData name="Eduardo Savian" userId="83fefb37af455394" providerId="Windows Live" clId="Web-{36E7C8E4-7FFB-448F-ADE0-B64A1369299D}" dt="2024-05-24T21:50:40.667" v="16"/>
-        <pc:sldMkLst>
-          <pc:docMk/>
-          <pc:sldMk cId="3089438569" sldId="277"/>
-        </pc:sldMkLst>
-      </pc:sldChg>
-      <pc:sldChg chg="del">
-        <pc:chgData name="Eduardo Savian" userId="83fefb37af455394" providerId="Windows Live" clId="Web-{36E7C8E4-7FFB-448F-ADE0-B64A1369299D}" dt="2024-05-24T21:50:38.886" v="13"/>
-        <pc:sldMkLst>
-          <pc:docMk/>
-          <pc:sldMk cId="2958369243" sldId="278"/>
-        </pc:sldMkLst>
-      </pc:sldChg>
-      <pc:sldChg chg="del">
-        <pc:chgData name="Eduardo Savian" userId="83fefb37af455394" providerId="Windows Live" clId="Web-{36E7C8E4-7FFB-448F-ADE0-B64A1369299D}" dt="2024-05-24T21:50:36.261" v="9"/>
-        <pc:sldMkLst>
-          <pc:docMk/>
-          <pc:sldMk cId="3863324512" sldId="279"/>
-        </pc:sldMkLst>
-      </pc:sldChg>
-      <pc:sldChg chg="del">
-        <pc:chgData name="Eduardo Savian" userId="83fefb37af455394" providerId="Windows Live" clId="Web-{36E7C8E4-7FFB-448F-ADE0-B64A1369299D}" dt="2024-05-24T21:50:42.495" v="17"/>
-        <pc:sldMkLst>
-          <pc:docMk/>
-          <pc:sldMk cId="2943707974" sldId="280"/>
-        </pc:sldMkLst>
-      </pc:sldChg>
-      <pc:sldChg chg="del">
-        <pc:chgData name="Eduardo Savian" userId="83fefb37af455394" providerId="Windows Live" clId="Web-{36E7C8E4-7FFB-448F-ADE0-B64A1369299D}" dt="2024-05-24T21:50:43.151" v="18"/>
-        <pc:sldMkLst>
-          <pc:docMk/>
-          <pc:sldMk cId="2824806480" sldId="281"/>
-        </pc:sldMkLst>
-      </pc:sldChg>
-      <pc:sldChg chg="del">
-        <pc:chgData name="Eduardo Savian" userId="83fefb37af455394" providerId="Windows Live" clId="Web-{36E7C8E4-7FFB-448F-ADE0-B64A1369299D}" dt="2024-05-24T21:50:43.714" v="19"/>
-        <pc:sldMkLst>
-          <pc:docMk/>
-          <pc:sldMk cId="3921900917" sldId="282"/>
-        </pc:sldMkLst>
-      </pc:sldChg>
-      <pc:sldChg chg="del">
-        <pc:chgData name="Eduardo Savian" userId="83fefb37af455394" providerId="Windows Live" clId="Web-{36E7C8E4-7FFB-448F-ADE0-B64A1369299D}" dt="2024-05-24T21:50:44.886" v="20"/>
-        <pc:sldMkLst>
-          <pc:docMk/>
-          <pc:sldMk cId="3100966276" sldId="283"/>
-        </pc:sldMkLst>
-      </pc:sldChg>
-      <pc:sldChg chg="del">
-        <pc:chgData name="Eduardo Savian" userId="83fefb37af455394" providerId="Windows Live" clId="Web-{36E7C8E4-7FFB-448F-ADE0-B64A1369299D}" dt="2024-05-24T21:50:46.417" v="22"/>
-        <pc:sldMkLst>
-          <pc:docMk/>
-          <pc:sldMk cId="227339789" sldId="284"/>
-        </pc:sldMkLst>
-      </pc:sldChg>
-      <pc:sldChg chg="del">
-        <pc:chgData name="Eduardo Savian" userId="83fefb37af455394" providerId="Windows Live" clId="Web-{36E7C8E4-7FFB-448F-ADE0-B64A1369299D}" dt="2024-05-24T21:51:32.120" v="49"/>
-        <pc:sldMkLst>
-          <pc:docMk/>
-          <pc:sldMk cId="3520346450" sldId="285"/>
-        </pc:sldMkLst>
-      </pc:sldChg>
-      <pc:sldChg chg="del">
-        <pc:chgData name="Eduardo Savian" userId="83fefb37af455394" providerId="Windows Live" clId="Web-{36E7C8E4-7FFB-448F-ADE0-B64A1369299D}" dt="2024-05-24T21:51:32.948" v="50"/>
-        <pc:sldMkLst>
-          <pc:docMk/>
-          <pc:sldMk cId="3991824961" sldId="286"/>
-        </pc:sldMkLst>
-      </pc:sldChg>
-      <pc:sldChg chg="del">
-        <pc:chgData name="Eduardo Savian" userId="83fefb37af455394" providerId="Windows Live" clId="Web-{36E7C8E4-7FFB-448F-ADE0-B64A1369299D}" dt="2024-05-24T21:50:52.214" v="23"/>
-        <pc:sldMkLst>
-          <pc:docMk/>
-          <pc:sldMk cId="1294687725" sldId="287"/>
-        </pc:sldMkLst>
-      </pc:sldChg>
-      <pc:sldChg chg="del">
-        <pc:chgData name="Eduardo Savian" userId="83fefb37af455394" providerId="Windows Live" clId="Web-{36E7C8E4-7FFB-448F-ADE0-B64A1369299D}" dt="2024-05-24T21:50:45.948" v="21"/>
-        <pc:sldMkLst>
-          <pc:docMk/>
-          <pc:sldMk cId="682011853" sldId="288"/>
-        </pc:sldMkLst>
-      </pc:sldChg>
-      <pc:sldChg chg="del">
-        <pc:chgData name="Eduardo Savian" userId="83fefb37af455394" providerId="Windows Live" clId="Web-{36E7C8E4-7FFB-448F-ADE0-B64A1369299D}" dt="2024-05-24T21:50:35.198" v="8"/>
-        <pc:sldMkLst>
-          <pc:docMk/>
-          <pc:sldMk cId="1633250534" sldId="289"/>
-        </pc:sldMkLst>
-      </pc:sldChg>
-    </pc:docChg>
-  </pc:docChgLst>
-  <pc:docChgLst>
-    <pc:chgData name="Eduardo Savian" userId="83fefb37af455394" providerId="Windows Live" clId="Web-{B10124E6-5CE1-46B9-81E2-9DF613E845DA}"/>
-    <pc:docChg chg="addSld delSld modSld">
-      <pc:chgData name="Eduardo Savian" userId="83fefb37af455394" providerId="Windows Live" clId="Web-{B10124E6-5CE1-46B9-81E2-9DF613E845DA}" dt="2024-05-18T19:37:28.234" v="48"/>
-      <pc:docMkLst>
-        <pc:docMk/>
-      </pc:docMkLst>
-      <pc:sldChg chg="addSp delSp modSp del mod modClrScheme chgLayout">
-        <pc:chgData name="Eduardo Savian" userId="83fefb37af455394" providerId="Windows Live" clId="Web-{B10124E6-5CE1-46B9-81E2-9DF613E845DA}" dt="2024-05-18T19:35:57.404" v="32"/>
-        <pc:sldMkLst>
-          <pc:docMk/>
-          <pc:sldMk cId="4042955426" sldId="270"/>
-        </pc:sldMkLst>
-        <pc:spChg chg="add del">
-          <ac:chgData name="Eduardo Savian" userId="83fefb37af455394" providerId="Windows Live" clId="Web-{B10124E6-5CE1-46B9-81E2-9DF613E845DA}" dt="2024-05-18T19:33:13.696" v="10"/>
-          <ac:spMkLst>
-            <pc:docMk/>
-            <pc:sldMk cId="4042955426" sldId="270"/>
-            <ac:spMk id="2" creationId="{C97A6806-306D-5DE8-D246-239AA4809B3A}"/>
-          </ac:spMkLst>
-        </pc:spChg>
-        <pc:spChg chg="del mod">
-          <ac:chgData name="Eduardo Savian" userId="83fefb37af455394" providerId="Windows Live" clId="Web-{B10124E6-5CE1-46B9-81E2-9DF613E845DA}" dt="2024-05-18T19:32:42.023" v="2"/>
-          <ac:spMkLst>
-            <pc:docMk/>
-            <pc:sldMk cId="4042955426" sldId="270"/>
-            <ac:spMk id="3" creationId="{662D8E06-1103-5E8B-88E0-2CC1191423C4}"/>
-          </ac:spMkLst>
-        </pc:spChg>
-        <pc:spChg chg="mod">
-          <ac:chgData name="Eduardo Savian" userId="83fefb37af455394" providerId="Windows Live" clId="Web-{B10124E6-5CE1-46B9-81E2-9DF613E845DA}" dt="2024-05-18T19:33:13.696" v="10"/>
-          <ac:spMkLst>
-            <pc:docMk/>
-            <pc:sldMk cId="4042955426" sldId="270"/>
-            <ac:spMk id="4" creationId="{EC249B81-C847-2969-D44C-7D08B169C2F4}"/>
-          </ac:spMkLst>
-        </pc:spChg>
-        <pc:spChg chg="mod">
-          <ac:chgData name="Eduardo Savian" userId="83fefb37af455394" providerId="Windows Live" clId="Web-{B10124E6-5CE1-46B9-81E2-9DF613E845DA}" dt="2024-05-18T19:33:13.696" v="10"/>
-          <ac:spMkLst>
-            <pc:docMk/>
-            <pc:sldMk cId="4042955426" sldId="270"/>
-            <ac:spMk id="5" creationId="{B04CFF83-CA02-9F22-4CBF-D20905127DC9}"/>
-          </ac:spMkLst>
-        </pc:spChg>
-        <pc:spChg chg="mod">
-          <ac:chgData name="Eduardo Savian" userId="83fefb37af455394" providerId="Windows Live" clId="Web-{B10124E6-5CE1-46B9-81E2-9DF613E845DA}" dt="2024-05-18T19:33:13.696" v="10"/>
-          <ac:spMkLst>
-            <pc:docMk/>
-            <pc:sldMk cId="4042955426" sldId="270"/>
-            <ac:spMk id="6" creationId="{9831A95B-48A2-16FC-98E0-779D34F17AF7}"/>
-          </ac:spMkLst>
-        </pc:spChg>
-        <pc:spChg chg="add del mod">
-          <ac:chgData name="Eduardo Savian" userId="83fefb37af455394" providerId="Windows Live" clId="Web-{B10124E6-5CE1-46B9-81E2-9DF613E845DA}" dt="2024-05-18T19:33:13.696" v="10"/>
-          <ac:spMkLst>
-            <pc:docMk/>
-            <pc:sldMk cId="4042955426" sldId="270"/>
-            <ac:spMk id="12" creationId="{30774746-80CE-838A-AE40-BBFAF719DFE4}"/>
-          </ac:spMkLst>
-        </pc:spChg>
-        <pc:spChg chg="add del mod">
-          <ac:chgData name="Eduardo Savian" userId="83fefb37af455394" providerId="Windows Live" clId="Web-{B10124E6-5CE1-46B9-81E2-9DF613E845DA}" dt="2024-05-18T19:33:13.696" v="10"/>
-          <ac:spMkLst>
-            <pc:docMk/>
-            <pc:sldMk cId="4042955426" sldId="270"/>
-            <ac:spMk id="14" creationId="{B66501AF-2C6C-2C99-F5CD-368990638F10}"/>
-          </ac:spMkLst>
-        </pc:spChg>
-        <pc:spChg chg="add del mod">
-          <ac:chgData name="Eduardo Savian" userId="83fefb37af455394" providerId="Windows Live" clId="Web-{B10124E6-5CE1-46B9-81E2-9DF613E845DA}" dt="2024-05-18T19:33:10.649" v="8"/>
-          <ac:spMkLst>
-            <pc:docMk/>
-            <pc:sldMk cId="4042955426" sldId="270"/>
-            <ac:spMk id="19" creationId="{F069AC9D-E807-B817-5D21-B9CA00B35108}"/>
-          </ac:spMkLst>
-        </pc:spChg>
-        <pc:picChg chg="add mod ord">
-          <ac:chgData name="Eduardo Savian" userId="83fefb37af455394" providerId="Windows Live" clId="Web-{B10124E6-5CE1-46B9-81E2-9DF613E845DA}" dt="2024-05-18T19:33:13.696" v="10"/>
-          <ac:picMkLst>
-            <pc:docMk/>
-            <pc:sldMk cId="4042955426" sldId="270"/>
-            <ac:picMk id="7" creationId="{90295225-2ED7-CBBC-645A-FE5DC8994668}"/>
-          </ac:picMkLst>
-        </pc:picChg>
-      </pc:sldChg>
-      <pc:sldChg chg="addSp delSp modSp new del">
-        <pc:chgData name="Eduardo Savian" userId="83fefb37af455394" providerId="Windows Live" clId="Web-{B10124E6-5CE1-46B9-81E2-9DF613E845DA}" dt="2024-05-18T19:35:56.466" v="31"/>
-        <pc:sldMkLst>
-          <pc:docMk/>
-          <pc:sldMk cId="1562725996" sldId="271"/>
-        </pc:sldMkLst>
-        <pc:spChg chg="del mod">
-          <ac:chgData name="Eduardo Savian" userId="83fefb37af455394" providerId="Windows Live" clId="Web-{B10124E6-5CE1-46B9-81E2-9DF613E845DA}" dt="2024-05-18T19:33:55.494" v="14"/>
-          <ac:spMkLst>
-            <pc:docMk/>
-            <pc:sldMk cId="1562725996" sldId="271"/>
-            <ac:spMk id="3" creationId="{2D074F8F-942C-74E3-9363-49E237AB4A25}"/>
-          </ac:spMkLst>
-        </pc:spChg>
-        <pc:spChg chg="add del mod">
-          <ac:chgData name="Eduardo Savian" userId="83fefb37af455394" providerId="Windows Live" clId="Web-{B10124E6-5CE1-46B9-81E2-9DF613E845DA}" dt="2024-05-18T19:35:04.418" v="21"/>
-          <ac:spMkLst>
-            <pc:docMk/>
-            <pc:sldMk cId="1562725996" sldId="271"/>
-            <ac:spMk id="9" creationId="{2352341E-6D98-E594-3855-F54F1BD8E299}"/>
-          </ac:spMkLst>
-        </pc:spChg>
-        <pc:picChg chg="add del mod ord">
-          <ac:chgData name="Eduardo Savian" userId="83fefb37af455394" providerId="Windows Live" clId="Web-{B10124E6-5CE1-46B9-81E2-9DF613E845DA}" dt="2024-05-18T19:35:04.418" v="21"/>
-          <ac:picMkLst>
-            <pc:docMk/>
-            <pc:sldMk cId="1562725996" sldId="271"/>
-            <ac:picMk id="7" creationId="{4E7F57FD-AD53-1A6A-52D2-F1C464969006}"/>
-          </ac:picMkLst>
-        </pc:picChg>
-      </pc:sldChg>
-      <pc:sldChg chg="addSp delSp modSp new">
-        <pc:chgData name="Eduardo Savian" userId="83fefb37af455394" providerId="Windows Live" clId="Web-{B10124E6-5CE1-46B9-81E2-9DF613E845DA}" dt="2024-05-18T19:35:34.606" v="28"/>
-        <pc:sldMkLst>
-          <pc:docMk/>
-          <pc:sldMk cId="1909084433" sldId="272"/>
-        </pc:sldMkLst>
-        <pc:spChg chg="del mod">
-          <ac:chgData name="Eduardo Savian" userId="83fefb37af455394" providerId="Windows Live" clId="Web-{B10124E6-5CE1-46B9-81E2-9DF613E845DA}" dt="2024-05-18T19:35:34.606" v="28"/>
-          <ac:spMkLst>
-            <pc:docMk/>
-            <pc:sldMk cId="1909084433" sldId="272"/>
-            <ac:spMk id="3" creationId="{8E002528-1E90-B4D8-B7CA-234AF12D83C6}"/>
-          </ac:spMkLst>
-        </pc:spChg>
-        <pc:picChg chg="add mod ord">
-          <ac:chgData name="Eduardo Savian" userId="83fefb37af455394" providerId="Windows Live" clId="Web-{B10124E6-5CE1-46B9-81E2-9DF613E845DA}" dt="2024-05-18T19:35:34.606" v="28"/>
-          <ac:picMkLst>
-            <pc:docMk/>
-            <pc:sldMk cId="1909084433" sldId="272"/>
-            <ac:picMk id="7" creationId="{BBD67D61-1BC2-13AF-E8C5-D2DE5DC1AE75}"/>
-          </ac:picMkLst>
-        </pc:picChg>
-      </pc:sldChg>
-      <pc:sldChg chg="addSp delSp modSp new del">
-        <pc:chgData name="Eduardo Savian" userId="83fefb37af455394" providerId="Windows Live" clId="Web-{B10124E6-5CE1-46B9-81E2-9DF613E845DA}" dt="2024-05-18T19:35:07.074" v="22"/>
-        <pc:sldMkLst>
-          <pc:docMk/>
-          <pc:sldMk cId="2235354735" sldId="272"/>
-        </pc:sldMkLst>
-        <pc:spChg chg="add del">
-          <ac:chgData name="Eduardo Savian" userId="83fefb37af455394" providerId="Windows Live" clId="Web-{B10124E6-5CE1-46B9-81E2-9DF613E845DA}" dt="2024-05-18T19:34:55.949" v="19"/>
-          <ac:spMkLst>
-            <pc:docMk/>
-            <pc:sldMk cId="2235354735" sldId="272"/>
-            <ac:spMk id="3" creationId="{FA61A4B7-7010-D5E7-9783-98BB4C9472ED}"/>
-          </ac:spMkLst>
-        </pc:spChg>
-        <pc:picChg chg="add del mod ord">
-          <ac:chgData name="Eduardo Savian" userId="83fefb37af455394" providerId="Windows Live" clId="Web-{B10124E6-5CE1-46B9-81E2-9DF613E845DA}" dt="2024-05-18T19:34:21.307" v="17"/>
-          <ac:picMkLst>
-            <pc:docMk/>
-            <pc:sldMk cId="2235354735" sldId="272"/>
-            <ac:picMk id="7" creationId="{A134B4C2-DF8F-C87A-9C32-6B990484D1E5}"/>
-          </ac:picMkLst>
-        </pc:picChg>
-        <pc:picChg chg="add del mod ord">
-          <ac:chgData name="Eduardo Savian" userId="83fefb37af455394" providerId="Windows Live" clId="Web-{B10124E6-5CE1-46B9-81E2-9DF613E845DA}" dt="2024-05-18T19:34:55.949" v="19"/>
-          <ac:picMkLst>
-            <pc:docMk/>
-            <pc:sldMk cId="2235354735" sldId="272"/>
-            <ac:picMk id="8" creationId="{BD0FC381-616D-7F80-516C-4B2B9FDD1C1A}"/>
-          </ac:picMkLst>
-        </pc:picChg>
-      </pc:sldChg>
-      <pc:sldChg chg="addSp delSp modSp new">
-        <pc:chgData name="Eduardo Savian" userId="83fefb37af455394" providerId="Windows Live" clId="Web-{B10124E6-5CE1-46B9-81E2-9DF613E845DA}" dt="2024-05-18T19:35:52.794" v="30"/>
-        <pc:sldMkLst>
-          <pc:docMk/>
-          <pc:sldMk cId="4112802808" sldId="273"/>
-        </pc:sldMkLst>
-        <pc:spChg chg="del">
-          <ac:chgData name="Eduardo Savian" userId="83fefb37af455394" providerId="Windows Live" clId="Web-{B10124E6-5CE1-46B9-81E2-9DF613E845DA}" dt="2024-05-18T19:35:52.794" v="30"/>
-          <ac:spMkLst>
-            <pc:docMk/>
-            <pc:sldMk cId="4112802808" sldId="273"/>
-            <ac:spMk id="3" creationId="{48B76A36-821B-00B4-EDA6-B58B8DB664A9}"/>
-          </ac:spMkLst>
-        </pc:spChg>
-        <pc:picChg chg="add mod ord">
-          <ac:chgData name="Eduardo Savian" userId="83fefb37af455394" providerId="Windows Live" clId="Web-{B10124E6-5CE1-46B9-81E2-9DF613E845DA}" dt="2024-05-18T19:35:52.794" v="30"/>
-          <ac:picMkLst>
-            <pc:docMk/>
-            <pc:sldMk cId="4112802808" sldId="273"/>
-            <ac:picMk id="7" creationId="{BF68005B-EE7C-3D5E-4B58-4E5E71FC63D9}"/>
-          </ac:picMkLst>
-        </pc:picChg>
-      </pc:sldChg>
-      <pc:sldChg chg="addSp delSp modSp new">
-        <pc:chgData name="Eduardo Savian" userId="83fefb37af455394" providerId="Windows Live" clId="Web-{B10124E6-5CE1-46B9-81E2-9DF613E845DA}" dt="2024-05-18T19:36:48.343" v="46"/>
-        <pc:sldMkLst>
-          <pc:docMk/>
-          <pc:sldMk cId="2620471646" sldId="274"/>
-        </pc:sldMkLst>
-        <pc:spChg chg="add del mod">
-          <ac:chgData name="Eduardo Savian" userId="83fefb37af455394" providerId="Windows Live" clId="Web-{B10124E6-5CE1-46B9-81E2-9DF613E845DA}" dt="2024-05-18T19:36:48.343" v="46"/>
-          <ac:spMkLst>
-            <pc:docMk/>
-            <pc:sldMk cId="2620471646" sldId="274"/>
-            <ac:spMk id="3" creationId="{89455F0D-AD8E-DCE2-78D1-6E0FEF8648C0}"/>
-          </ac:spMkLst>
-        </pc:spChg>
-        <pc:spChg chg="add del mod">
-          <ac:chgData name="Eduardo Savian" userId="83fefb37af455394" providerId="Windows Live" clId="Web-{B10124E6-5CE1-46B9-81E2-9DF613E845DA}" dt="2024-05-18T19:36:20.592" v="41"/>
-          <ac:spMkLst>
-            <pc:docMk/>
-            <pc:sldMk cId="2620471646" sldId="274"/>
-            <ac:spMk id="7" creationId="{FA194680-CE60-F939-9D2E-969888CDA40F}"/>
-          </ac:spMkLst>
-        </pc:spChg>
-        <pc:picChg chg="add del mod ord">
-          <ac:chgData name="Eduardo Savian" userId="83fefb37af455394" providerId="Windows Live" clId="Web-{B10124E6-5CE1-46B9-81E2-9DF613E845DA}" dt="2024-05-18T19:36:37.342" v="45"/>
-          <ac:picMkLst>
-            <pc:docMk/>
-            <pc:sldMk cId="2620471646" sldId="274"/>
-            <ac:picMk id="8" creationId="{CF5A0A99-597A-F596-5219-39B7331894AE}"/>
-          </ac:picMkLst>
-        </pc:picChg>
-        <pc:picChg chg="add mod ord">
-          <ac:chgData name="Eduardo Savian" userId="83fefb37af455394" providerId="Windows Live" clId="Web-{B10124E6-5CE1-46B9-81E2-9DF613E845DA}" dt="2024-05-18T19:36:48.343" v="46"/>
-          <ac:picMkLst>
-            <pc:docMk/>
-            <pc:sldMk cId="2620471646" sldId="274"/>
-            <ac:picMk id="9" creationId="{6B3D4CF9-E4D9-CE70-77E7-5B5CC17A207F}"/>
-          </ac:picMkLst>
-        </pc:picChg>
-      </pc:sldChg>
-      <pc:sldChg chg="modSp new del">
-        <pc:chgData name="Eduardo Savian" userId="83fefb37af455394" providerId="Windows Live" clId="Web-{B10124E6-5CE1-46B9-81E2-9DF613E845DA}" dt="2024-05-18T19:36:16.686" v="37"/>
-        <pc:sldMkLst>
-          <pc:docMk/>
-          <pc:sldMk cId="22181432" sldId="275"/>
-        </pc:sldMkLst>
-        <pc:spChg chg="mod">
-          <ac:chgData name="Eduardo Savian" userId="83fefb37af455394" providerId="Windows Live" clId="Web-{B10124E6-5CE1-46B9-81E2-9DF613E845DA}" dt="2024-05-18T19:36:15.623" v="36"/>
-          <ac:spMkLst>
-            <pc:docMk/>
-            <pc:sldMk cId="22181432" sldId="275"/>
-            <ac:spMk id="3" creationId="{E48659BD-2243-9220-1B20-084CA9C015C0}"/>
-          </ac:spMkLst>
-        </pc:spChg>
-      </pc:sldChg>
-      <pc:sldChg chg="addSp delSp modSp new">
-        <pc:chgData name="Eduardo Savian" userId="83fefb37af455394" providerId="Windows Live" clId="Web-{B10124E6-5CE1-46B9-81E2-9DF613E845DA}" dt="2024-05-18T19:37:28.234" v="48"/>
-        <pc:sldMkLst>
-          <pc:docMk/>
-          <pc:sldMk cId="346760889" sldId="275"/>
-        </pc:sldMkLst>
-        <pc:spChg chg="del">
-          <ac:chgData name="Eduardo Savian" userId="83fefb37af455394" providerId="Windows Live" clId="Web-{B10124E6-5CE1-46B9-81E2-9DF613E845DA}" dt="2024-05-18T19:37:28.234" v="48"/>
-          <ac:spMkLst>
-            <pc:docMk/>
-            <pc:sldMk cId="346760889" sldId="275"/>
-            <ac:spMk id="3" creationId="{109E92D5-FAD7-5BC1-1534-06038A2AA196}"/>
-          </ac:spMkLst>
-        </pc:spChg>
-        <pc:picChg chg="add mod ord">
-          <ac:chgData name="Eduardo Savian" userId="83fefb37af455394" providerId="Windows Live" clId="Web-{B10124E6-5CE1-46B9-81E2-9DF613E845DA}" dt="2024-05-18T19:37:28.234" v="48"/>
-          <ac:picMkLst>
-            <pc:docMk/>
-            <pc:sldMk cId="346760889" sldId="275"/>
-            <ac:picMk id="7" creationId="{C8BADD49-1D18-6B75-7A7D-8B2089EF92EB}"/>
-          </ac:picMkLst>
-        </pc:picChg>
-      </pc:sldChg>
-    </pc:docChg>
-  </pc:docChgLst>
-  <pc:docChgLst>
-    <pc:chgData clId="Web-{236A428B-EB3A-4EDA-8B94-5C42A3C67680}"/>
-    <pc:docChg chg="modSld">
-      <pc:chgData name="" userId="" providerId="" clId="Web-{236A428B-EB3A-4EDA-8B94-5C42A3C67680}" dt="2024-05-08T01:13:44.510" v="10" actId="20577"/>
-      <pc:docMkLst>
-        <pc:docMk/>
-      </pc:docMkLst>
-      <pc:sldChg chg="modSp">
-        <pc:chgData name="" userId="" providerId="" clId="Web-{236A428B-EB3A-4EDA-8B94-5C42A3C67680}" dt="2024-05-08T01:13:44.510" v="10" actId="20577"/>
-        <pc:sldMkLst>
-          <pc:docMk/>
-          <pc:sldMk cId="109857222" sldId="256"/>
-        </pc:sldMkLst>
-        <pc:spChg chg="mod">
-          <ac:chgData name="" userId="" providerId="" clId="Web-{236A428B-EB3A-4EDA-8B94-5C42A3C67680}" dt="2024-05-08T01:13:44.510" v="10" actId="20577"/>
-          <ac:spMkLst>
-            <pc:docMk/>
-            <pc:sldMk cId="109857222" sldId="256"/>
-            <ac:spMk id="3" creationId="{00000000-0000-0000-0000-000000000000}"/>
-          </ac:spMkLst>
-        </pc:spChg>
-      </pc:sldChg>
-    </pc:docChg>
-  </pc:docChgLst>
-  <pc:docChgLst>
-    <pc:chgData name="Eduardo Savian" userId="83fefb37af455394" providerId="LiveId" clId="{217EB2C1-E6A9-4F42-BFBF-ED5005B07AD2}"/>
-    <pc:docChg chg="undo custSel addSld delSld modSld">
-      <pc:chgData name="Eduardo Savian" userId="83fefb37af455394" providerId="LiveId" clId="{217EB2C1-E6A9-4F42-BFBF-ED5005B07AD2}" dt="2024-05-19T20:29:20.201" v="958" actId="20577"/>
-      <pc:docMkLst>
-        <pc:docMk/>
-      </pc:docMkLst>
-      <pc:sldChg chg="modSp mod">
-        <pc:chgData name="Eduardo Savian" userId="83fefb37af455394" providerId="LiveId" clId="{217EB2C1-E6A9-4F42-BFBF-ED5005B07AD2}" dt="2024-05-19T20:18:46.082" v="749" actId="790"/>
-        <pc:sldMkLst>
-          <pc:docMk/>
-          <pc:sldMk cId="3775945265" sldId="257"/>
-        </pc:sldMkLst>
-        <pc:spChg chg="mod">
-          <ac:chgData name="Eduardo Savian" userId="83fefb37af455394" providerId="LiveId" clId="{217EB2C1-E6A9-4F42-BFBF-ED5005B07AD2}" dt="2024-05-19T20:18:46.082" v="749" actId="790"/>
-          <ac:spMkLst>
-            <pc:docMk/>
-            <pc:sldMk cId="3775945265" sldId="257"/>
-            <ac:spMk id="2" creationId="{D6ADE00D-4311-50C4-8DF9-71AEE4CBFBA6}"/>
-          </ac:spMkLst>
-        </pc:spChg>
-        <pc:spChg chg="mod">
-          <ac:chgData name="Eduardo Savian" userId="83fefb37af455394" providerId="LiveId" clId="{217EB2C1-E6A9-4F42-BFBF-ED5005B07AD2}" dt="2024-05-19T20:16:23.021" v="729" actId="20577"/>
-          <ac:spMkLst>
-            <pc:docMk/>
-            <pc:sldMk cId="3775945265" sldId="257"/>
-            <ac:spMk id="3" creationId="{A3B4ADFF-18FA-819A-E2DD-F32D67BA3A8E}"/>
-          </ac:spMkLst>
-        </pc:spChg>
-      </pc:sldChg>
-      <pc:sldChg chg="modSp mod">
-        <pc:chgData name="Eduardo Savian" userId="83fefb37af455394" providerId="LiveId" clId="{217EB2C1-E6A9-4F42-BFBF-ED5005B07AD2}" dt="2024-05-19T20:01:53.490" v="74" actId="20577"/>
-        <pc:sldMkLst>
-          <pc:docMk/>
-          <pc:sldMk cId="2097304172" sldId="268"/>
-        </pc:sldMkLst>
-        <pc:spChg chg="mod">
-          <ac:chgData name="Eduardo Savian" userId="83fefb37af455394" providerId="LiveId" clId="{217EB2C1-E6A9-4F42-BFBF-ED5005B07AD2}" dt="2024-05-19T20:01:53.490" v="74" actId="20577"/>
-          <ac:spMkLst>
-            <pc:docMk/>
-            <pc:sldMk cId="2097304172" sldId="268"/>
-            <ac:spMk id="3" creationId="{DF5ABD57-ADCB-25E7-5CDB-095C18654DD9}"/>
-          </ac:spMkLst>
-        </pc:spChg>
-      </pc:sldChg>
-      <pc:sldChg chg="modSp mod">
-        <pc:chgData name="Eduardo Savian" userId="83fefb37af455394" providerId="LiveId" clId="{217EB2C1-E6A9-4F42-BFBF-ED5005B07AD2}" dt="2024-05-19T20:22:06.186" v="841" actId="20577"/>
-        <pc:sldMkLst>
-          <pc:docMk/>
-          <pc:sldMk cId="1839108021" sldId="269"/>
-        </pc:sldMkLst>
-        <pc:spChg chg="mod">
-          <ac:chgData name="Eduardo Savian" userId="83fefb37af455394" providerId="LiveId" clId="{217EB2C1-E6A9-4F42-BFBF-ED5005B07AD2}" dt="2024-05-19T20:18:08.031" v="748" actId="790"/>
-          <ac:spMkLst>
-            <pc:docMk/>
-            <pc:sldMk cId="1839108021" sldId="269"/>
-            <ac:spMk id="2" creationId="{E7A62A9E-C411-78B0-B6D7-66BA12C68737}"/>
-          </ac:spMkLst>
-        </pc:spChg>
-        <pc:spChg chg="mod">
-          <ac:chgData name="Eduardo Savian" userId="83fefb37af455394" providerId="LiveId" clId="{217EB2C1-E6A9-4F42-BFBF-ED5005B07AD2}" dt="2024-05-19T20:22:06.186" v="841" actId="20577"/>
-          <ac:spMkLst>
-            <pc:docMk/>
-            <pc:sldMk cId="1839108021" sldId="269"/>
-            <ac:spMk id="3" creationId="{A0A824DE-1396-458D-85D1-532A91E9C44F}"/>
-          </ac:spMkLst>
-        </pc:spChg>
-      </pc:sldChg>
-      <pc:sldChg chg="addSp delSp modSp new mod">
-        <pc:chgData name="Eduardo Savian" userId="83fefb37af455394" providerId="LiveId" clId="{217EB2C1-E6A9-4F42-BFBF-ED5005B07AD2}" dt="2024-05-19T20:28:34.744" v="895" actId="22"/>
-        <pc:sldMkLst>
-          <pc:docMk/>
-          <pc:sldMk cId="786732467" sldId="270"/>
-        </pc:sldMkLst>
-        <pc:spChg chg="mod">
-          <ac:chgData name="Eduardo Savian" userId="83fefb37af455394" providerId="LiveId" clId="{217EB2C1-E6A9-4F42-BFBF-ED5005B07AD2}" dt="2024-05-19T20:27:13.176" v="893" actId="20577"/>
-          <ac:spMkLst>
-            <pc:docMk/>
-            <pc:sldMk cId="786732467" sldId="270"/>
-            <ac:spMk id="2" creationId="{6996E901-EAC6-49DB-0B83-26AF19601C91}"/>
-          </ac:spMkLst>
-        </pc:spChg>
-        <pc:spChg chg="del mod">
-          <ac:chgData name="Eduardo Savian" userId="83fefb37af455394" providerId="LiveId" clId="{217EB2C1-E6A9-4F42-BFBF-ED5005B07AD2}" dt="2024-05-19T20:24:09.964" v="860" actId="22"/>
-          <ac:spMkLst>
-            <pc:docMk/>
-            <pc:sldMk cId="786732467" sldId="270"/>
-            <ac:spMk id="3" creationId="{DC1EC669-3655-A424-23B2-65E9EFCECBFE}"/>
-          </ac:spMkLst>
-        </pc:spChg>
-        <pc:spChg chg="add del mod">
-          <ac:chgData name="Eduardo Savian" userId="83fefb37af455394" providerId="LiveId" clId="{217EB2C1-E6A9-4F42-BFBF-ED5005B07AD2}" dt="2024-05-19T20:28:34.744" v="895" actId="22"/>
-          <ac:spMkLst>
-            <pc:docMk/>
-            <pc:sldMk cId="786732467" sldId="270"/>
-            <ac:spMk id="10" creationId="{8B8E139F-329A-C912-DBC9-B74376AB5FF8}"/>
-          </ac:spMkLst>
-        </pc:spChg>
-        <pc:picChg chg="add del mod ord">
-          <ac:chgData name="Eduardo Savian" userId="83fefb37af455394" providerId="LiveId" clId="{217EB2C1-E6A9-4F42-BFBF-ED5005B07AD2}" dt="2024-05-19T20:28:33" v="894" actId="478"/>
-          <ac:picMkLst>
-            <pc:docMk/>
-            <pc:sldMk cId="786732467" sldId="270"/>
-            <ac:picMk id="8" creationId="{A5CE5EAD-5777-4E33-8088-09CCA53F30E7}"/>
-          </ac:picMkLst>
-        </pc:picChg>
-        <pc:picChg chg="add mod ord">
-          <ac:chgData name="Eduardo Savian" userId="83fefb37af455394" providerId="LiveId" clId="{217EB2C1-E6A9-4F42-BFBF-ED5005B07AD2}" dt="2024-05-19T20:28:34.744" v="895" actId="22"/>
-          <ac:picMkLst>
-            <pc:docMk/>
-            <pc:sldMk cId="786732467" sldId="270"/>
-            <ac:picMk id="12" creationId="{8E951E1F-DFFC-B7ED-109F-92D63809D36D}"/>
-          </ac:picMkLst>
-        </pc:picChg>
-      </pc:sldChg>
-      <pc:sldChg chg="addSp delSp modSp new mod">
-        <pc:chgData name="Eduardo Savian" userId="83fefb37af455394" providerId="LiveId" clId="{217EB2C1-E6A9-4F42-BFBF-ED5005B07AD2}" dt="2024-05-19T20:29:02.787" v="943" actId="20577"/>
-        <pc:sldMkLst>
-          <pc:docMk/>
-          <pc:sldMk cId="563821369" sldId="271"/>
-        </pc:sldMkLst>
-        <pc:spChg chg="mod">
-          <ac:chgData name="Eduardo Savian" userId="83fefb37af455394" providerId="LiveId" clId="{217EB2C1-E6A9-4F42-BFBF-ED5005B07AD2}" dt="2024-05-19T20:29:02.787" v="943" actId="20577"/>
-          <ac:spMkLst>
-            <pc:docMk/>
-            <pc:sldMk cId="563821369" sldId="271"/>
-            <ac:spMk id="2" creationId="{E70215F8-1E37-98DE-70DB-83F0D157D2B7}"/>
-          </ac:spMkLst>
-        </pc:spChg>
-        <pc:spChg chg="del mod">
-          <ac:chgData name="Eduardo Savian" userId="83fefb37af455394" providerId="LiveId" clId="{217EB2C1-E6A9-4F42-BFBF-ED5005B07AD2}" dt="2024-05-19T20:24:51.661" v="864" actId="22"/>
-          <ac:spMkLst>
-            <pc:docMk/>
-            <pc:sldMk cId="563821369" sldId="271"/>
-            <ac:spMk id="3" creationId="{8A3E7E65-1127-F783-3450-D8C730FEF717}"/>
-          </ac:spMkLst>
-        </pc:spChg>
-        <pc:picChg chg="add mod ord">
-          <ac:chgData name="Eduardo Savian" userId="83fefb37af455394" providerId="LiveId" clId="{217EB2C1-E6A9-4F42-BFBF-ED5005B07AD2}" dt="2024-05-19T20:24:51.661" v="864" actId="22"/>
-          <ac:picMkLst>
-            <pc:docMk/>
-            <pc:sldMk cId="563821369" sldId="271"/>
-            <ac:picMk id="8" creationId="{03CB2811-2A9B-FA28-AABF-2401D30AFC24}"/>
-          </ac:picMkLst>
-        </pc:picChg>
-      </pc:sldChg>
-      <pc:sldChg chg="del">
-        <pc:chgData name="Eduardo Savian" userId="83fefb37af455394" providerId="LiveId" clId="{217EB2C1-E6A9-4F42-BFBF-ED5005B07AD2}" dt="2024-05-19T20:17:18.832" v="740" actId="47"/>
-        <pc:sldMkLst>
-          <pc:docMk/>
-          <pc:sldMk cId="1909084433" sldId="272"/>
-        </pc:sldMkLst>
-      </pc:sldChg>
-      <pc:sldChg chg="addSp delSp modSp new mod">
-        <pc:chgData name="Eduardo Savian" userId="83fefb37af455394" providerId="LiveId" clId="{217EB2C1-E6A9-4F42-BFBF-ED5005B07AD2}" dt="2024-05-19T20:29:09.064" v="944"/>
-        <pc:sldMkLst>
-          <pc:docMk/>
-          <pc:sldMk cId="3820077443" sldId="272"/>
-        </pc:sldMkLst>
-        <pc:spChg chg="mod">
-          <ac:chgData name="Eduardo Savian" userId="83fefb37af455394" providerId="LiveId" clId="{217EB2C1-E6A9-4F42-BFBF-ED5005B07AD2}" dt="2024-05-19T20:29:09.064" v="944"/>
-          <ac:spMkLst>
-            <pc:docMk/>
-            <pc:sldMk cId="3820077443" sldId="272"/>
-            <ac:spMk id="2" creationId="{52978418-C559-5F22-F1CD-E73F225DD8AF}"/>
-          </ac:spMkLst>
-        </pc:spChg>
-        <pc:spChg chg="add del">
-          <ac:chgData name="Eduardo Savian" userId="83fefb37af455394" providerId="LiveId" clId="{217EB2C1-E6A9-4F42-BFBF-ED5005B07AD2}" dt="2024-05-19T20:25:28.078" v="867" actId="22"/>
-          <ac:spMkLst>
-            <pc:docMk/>
-            <pc:sldMk cId="3820077443" sldId="272"/>
-            <ac:spMk id="3" creationId="{F2CF4DD3-D745-7A67-5FC1-64CE1F276356}"/>
-          </ac:spMkLst>
-        </pc:spChg>
-        <pc:spChg chg="add del mod">
-          <ac:chgData name="Eduardo Savian" userId="83fefb37af455394" providerId="LiveId" clId="{217EB2C1-E6A9-4F42-BFBF-ED5005B07AD2}" dt="2024-05-19T20:26:08.357" v="869" actId="22"/>
-          <ac:spMkLst>
-            <pc:docMk/>
-            <pc:sldMk cId="3820077443" sldId="272"/>
-            <ac:spMk id="12" creationId="{8B147716-5A83-A00C-7986-E34BD2F4F8B8}"/>
-          </ac:spMkLst>
-        </pc:spChg>
-        <pc:picChg chg="add del mod ord">
-          <ac:chgData name="Eduardo Savian" userId="83fefb37af455394" providerId="LiveId" clId="{217EB2C1-E6A9-4F42-BFBF-ED5005B07AD2}" dt="2024-05-19T20:25:13.739" v="866" actId="22"/>
-          <ac:picMkLst>
-            <pc:docMk/>
-            <pc:sldMk cId="3820077443" sldId="272"/>
-            <ac:picMk id="8" creationId="{47009422-2C9F-050E-35F5-0B234954222D}"/>
-          </ac:picMkLst>
-        </pc:picChg>
-        <pc:picChg chg="add del mod ord">
-          <ac:chgData name="Eduardo Savian" userId="83fefb37af455394" providerId="LiveId" clId="{217EB2C1-E6A9-4F42-BFBF-ED5005B07AD2}" dt="2024-05-19T20:26:06.229" v="868" actId="478"/>
-          <ac:picMkLst>
-            <pc:docMk/>
-            <pc:sldMk cId="3820077443" sldId="272"/>
-            <ac:picMk id="10" creationId="{4350A8DC-D2BB-1BED-AFAC-0AC310C3636E}"/>
-          </ac:picMkLst>
-        </pc:picChg>
-        <pc:picChg chg="add mod ord">
-          <ac:chgData name="Eduardo Savian" userId="83fefb37af455394" providerId="LiveId" clId="{217EB2C1-E6A9-4F42-BFBF-ED5005B07AD2}" dt="2024-05-19T20:26:08.357" v="869" actId="22"/>
-          <ac:picMkLst>
-            <pc:docMk/>
-            <pc:sldMk cId="3820077443" sldId="272"/>
-            <ac:picMk id="14" creationId="{457DD28B-A7F6-44BD-4B83-223E771FCFC2}"/>
-          </ac:picMkLst>
-        </pc:picChg>
-      </pc:sldChg>
-      <pc:sldChg chg="addSp delSp modSp new mod">
-        <pc:chgData name="Eduardo Savian" userId="83fefb37af455394" providerId="LiveId" clId="{217EB2C1-E6A9-4F42-BFBF-ED5005B07AD2}" dt="2024-05-19T20:29:11.512" v="945"/>
-        <pc:sldMkLst>
-          <pc:docMk/>
-          <pc:sldMk cId="3222751535" sldId="273"/>
-        </pc:sldMkLst>
-        <pc:spChg chg="mod">
-          <ac:chgData name="Eduardo Savian" userId="83fefb37af455394" providerId="LiveId" clId="{217EB2C1-E6A9-4F42-BFBF-ED5005B07AD2}" dt="2024-05-19T20:29:11.512" v="945"/>
-          <ac:spMkLst>
-            <pc:docMk/>
-            <pc:sldMk cId="3222751535" sldId="273"/>
-            <ac:spMk id="2" creationId="{2419E225-2928-2C8B-BCD0-743C6339F43A}"/>
-          </ac:spMkLst>
-        </pc:spChg>
-        <pc:spChg chg="del">
-          <ac:chgData name="Eduardo Savian" userId="83fefb37af455394" providerId="LiveId" clId="{217EB2C1-E6A9-4F42-BFBF-ED5005B07AD2}" dt="2024-05-19T20:26:25.528" v="870" actId="22"/>
-          <ac:spMkLst>
-            <pc:docMk/>
-            <pc:sldMk cId="3222751535" sldId="273"/>
-            <ac:spMk id="3" creationId="{0F15CF39-8530-C26D-D2C2-71BF66D2273D}"/>
-          </ac:spMkLst>
-        </pc:spChg>
-        <pc:picChg chg="add mod ord">
-          <ac:chgData name="Eduardo Savian" userId="83fefb37af455394" providerId="LiveId" clId="{217EB2C1-E6A9-4F42-BFBF-ED5005B07AD2}" dt="2024-05-19T20:26:25.528" v="870" actId="22"/>
-          <ac:picMkLst>
-            <pc:docMk/>
-            <pc:sldMk cId="3222751535" sldId="273"/>
-            <ac:picMk id="8" creationId="{531A2931-2BB1-2C76-B484-C8A956AC2FCA}"/>
-          </ac:picMkLst>
-        </pc:picChg>
-      </pc:sldChg>
-      <pc:sldChg chg="del">
-        <pc:chgData name="Eduardo Savian" userId="83fefb37af455394" providerId="LiveId" clId="{217EB2C1-E6A9-4F42-BFBF-ED5005B07AD2}" dt="2024-05-19T20:17:19.495" v="741" actId="47"/>
-        <pc:sldMkLst>
-          <pc:docMk/>
-          <pc:sldMk cId="4112802808" sldId="273"/>
-        </pc:sldMkLst>
-      </pc:sldChg>
-      <pc:sldChg chg="new del">
-        <pc:chgData name="Eduardo Savian" userId="83fefb37af455394" providerId="LiveId" clId="{217EB2C1-E6A9-4F42-BFBF-ED5005B07AD2}" dt="2024-05-19T20:23:57.870" v="856" actId="680"/>
-        <pc:sldMkLst>
-          <pc:docMk/>
-          <pc:sldMk cId="436580406" sldId="274"/>
-        </pc:sldMkLst>
-      </pc:sldChg>
-      <pc:sldChg chg="del">
-        <pc:chgData name="Eduardo Savian" userId="83fefb37af455394" providerId="LiveId" clId="{217EB2C1-E6A9-4F42-BFBF-ED5005B07AD2}" dt="2024-05-19T20:17:20.473" v="742" actId="47"/>
-        <pc:sldMkLst>
-          <pc:docMk/>
-          <pc:sldMk cId="2620471646" sldId="274"/>
-        </pc:sldMkLst>
-      </pc:sldChg>
-      <pc:sldChg chg="addSp delSp modSp new mod">
-        <pc:chgData name="Eduardo Savian" userId="83fefb37af455394" providerId="LiveId" clId="{217EB2C1-E6A9-4F42-BFBF-ED5005B07AD2}" dt="2024-05-19T20:29:20.201" v="958" actId="20577"/>
-        <pc:sldMkLst>
-          <pc:docMk/>
-          <pc:sldMk cId="4195999744" sldId="274"/>
-        </pc:sldMkLst>
-        <pc:spChg chg="mod">
-          <ac:chgData name="Eduardo Savian" userId="83fefb37af455394" providerId="LiveId" clId="{217EB2C1-E6A9-4F42-BFBF-ED5005B07AD2}" dt="2024-05-19T20:29:20.201" v="958" actId="20577"/>
-          <ac:spMkLst>
-            <pc:docMk/>
-            <pc:sldMk cId="4195999744" sldId="274"/>
-            <ac:spMk id="2" creationId="{451C791D-D01E-B198-1B98-0EE5EEC29C78}"/>
-          </ac:spMkLst>
-        </pc:spChg>
-        <pc:spChg chg="del">
-          <ac:chgData name="Eduardo Savian" userId="83fefb37af455394" providerId="LiveId" clId="{217EB2C1-E6A9-4F42-BFBF-ED5005B07AD2}" dt="2024-05-19T20:26:46.856" v="872" actId="22"/>
-          <ac:spMkLst>
-            <pc:docMk/>
-            <pc:sldMk cId="4195999744" sldId="274"/>
-            <ac:spMk id="3" creationId="{378D3F2B-2CA7-24EB-07D8-88385ABB5F84}"/>
-          </ac:spMkLst>
-        </pc:spChg>
-        <pc:picChg chg="add mod ord">
-          <ac:chgData name="Eduardo Savian" userId="83fefb37af455394" providerId="LiveId" clId="{217EB2C1-E6A9-4F42-BFBF-ED5005B07AD2}" dt="2024-05-19T20:26:46.856" v="872" actId="22"/>
-          <ac:picMkLst>
-            <pc:docMk/>
-            <pc:sldMk cId="4195999744" sldId="274"/>
-            <ac:picMk id="8" creationId="{5B95719B-D7CF-4403-159C-FE2A233F2DC4}"/>
-          </ac:picMkLst>
-        </pc:picChg>
-      </pc:sldChg>
-      <pc:sldChg chg="modSp del mod">
-        <pc:chgData name="Eduardo Savian" userId="83fefb37af455394" providerId="LiveId" clId="{217EB2C1-E6A9-4F42-BFBF-ED5005B07AD2}" dt="2024-05-19T20:17:17.968" v="739" actId="47"/>
-        <pc:sldMkLst>
-          <pc:docMk/>
-          <pc:sldMk cId="346760889" sldId="275"/>
-        </pc:sldMkLst>
-        <pc:spChg chg="mod">
-          <ac:chgData name="Eduardo Savian" userId="83fefb37af455394" providerId="LiveId" clId="{217EB2C1-E6A9-4F42-BFBF-ED5005B07AD2}" dt="2024-05-19T20:14:15.980" v="435" actId="20577"/>
-          <ac:spMkLst>
-            <pc:docMk/>
-            <pc:sldMk cId="346760889" sldId="275"/>
-            <ac:spMk id="2" creationId="{310915FC-BBB3-0797-FA5A-A24EBBD1AFF4}"/>
-          </ac:spMkLst>
-        </pc:spChg>
-      </pc:sldChg>
-      <pc:sldChg chg="addSp delSp modSp del mod">
-        <pc:chgData name="Eduardo Savian" userId="83fefb37af455394" providerId="LiveId" clId="{217EB2C1-E6A9-4F42-BFBF-ED5005B07AD2}" dt="2024-05-19T20:17:21.040" v="743" actId="47"/>
-        <pc:sldMkLst>
-          <pc:docMk/>
-          <pc:sldMk cId="3595438478" sldId="276"/>
-        </pc:sldMkLst>
-        <pc:spChg chg="del">
-          <ac:chgData name="Eduardo Savian" userId="83fefb37af455394" providerId="LiveId" clId="{217EB2C1-E6A9-4F42-BFBF-ED5005B07AD2}" dt="2024-05-19T14:19:21.568" v="0" actId="22"/>
-          <ac:spMkLst>
-            <pc:docMk/>
-            <pc:sldMk cId="3595438478" sldId="276"/>
-            <ac:spMk id="3" creationId="{82D36FF2-C1B4-C347-46EC-3D760ADA1030}"/>
-          </ac:spMkLst>
-        </pc:spChg>
-        <pc:picChg chg="add mod ord">
-          <ac:chgData name="Eduardo Savian" userId="83fefb37af455394" providerId="LiveId" clId="{217EB2C1-E6A9-4F42-BFBF-ED5005B07AD2}" dt="2024-05-19T14:19:21.568" v="0" actId="22"/>
-          <ac:picMkLst>
-            <pc:docMk/>
-            <pc:sldMk cId="3595438478" sldId="276"/>
-            <ac:picMk id="8" creationId="{7A9CB234-1876-C449-E7E2-F70945B739EE}"/>
-          </ac:picMkLst>
-        </pc:picChg>
-      </pc:sldChg>
-      <pc:sldChg chg="addSp delSp modSp new del mod">
-        <pc:chgData name="Eduardo Savian" userId="83fefb37af455394" providerId="LiveId" clId="{217EB2C1-E6A9-4F42-BFBF-ED5005B07AD2}" dt="2024-05-19T20:17:21.584" v="744" actId="47"/>
-        <pc:sldMkLst>
-          <pc:docMk/>
-          <pc:sldMk cId="2793288638" sldId="277"/>
-        </pc:sldMkLst>
-        <pc:spChg chg="del">
-          <ac:chgData name="Eduardo Savian" userId="83fefb37af455394" providerId="LiveId" clId="{217EB2C1-E6A9-4F42-BFBF-ED5005B07AD2}" dt="2024-05-19T14:20:06.266" v="2" actId="22"/>
-          <ac:spMkLst>
-            <pc:docMk/>
-            <pc:sldMk cId="2793288638" sldId="277"/>
-            <ac:spMk id="3" creationId="{6729C284-DE76-77F7-1730-B87A592F6681}"/>
-          </ac:spMkLst>
-        </pc:spChg>
-        <pc:picChg chg="add mod ord">
-          <ac:chgData name="Eduardo Savian" userId="83fefb37af455394" providerId="LiveId" clId="{217EB2C1-E6A9-4F42-BFBF-ED5005B07AD2}" dt="2024-05-19T20:04:10.212" v="86" actId="1076"/>
-          <ac:picMkLst>
-            <pc:docMk/>
-            <pc:sldMk cId="2793288638" sldId="277"/>
-            <ac:picMk id="8" creationId="{8D9BF355-56E5-74AC-4824-B062ED38DD5D}"/>
-          </ac:picMkLst>
-        </pc:picChg>
-      </pc:sldChg>
-      <pc:sldChg chg="new del">
-        <pc:chgData name="Eduardo Savian" userId="83fefb37af455394" providerId="LiveId" clId="{217EB2C1-E6A9-4F42-BFBF-ED5005B07AD2}" dt="2024-05-19T20:17:22.130" v="745" actId="47"/>
-        <pc:sldMkLst>
-          <pc:docMk/>
-          <pc:sldMk cId="798028920" sldId="278"/>
-        </pc:sldMkLst>
-      </pc:sldChg>
-    </pc:docChg>
-  </pc:docChgLst>
-  <pc:docChgLst>
-    <pc:chgData name="Eduardo Savian" userId="83fefb37af455394" providerId="Windows Live" clId="Web-{6808E06D-317C-48B5-80AB-C63B5B44D7D8}"/>
-    <pc:docChg chg="modSld addMainMaster delMainMaster">
-      <pc:chgData name="Eduardo Savian" userId="83fefb37af455394" providerId="Windows Live" clId="Web-{6808E06D-317C-48B5-80AB-C63B5B44D7D8}" dt="2024-04-28T21:41:36.386" v="27" actId="20577"/>
-      <pc:docMkLst>
-        <pc:docMk/>
-      </pc:docMkLst>
-      <pc:sldChg chg="modSp mod modClrScheme chgLayout">
-        <pc:chgData name="Eduardo Savian" userId="83fefb37af455394" providerId="Windows Live" clId="Web-{6808E06D-317C-48B5-80AB-C63B5B44D7D8}" dt="2024-04-28T21:41:36.386" v="27" actId="20577"/>
-        <pc:sldMkLst>
-          <pc:docMk/>
-          <pc:sldMk cId="109857222" sldId="256"/>
-        </pc:sldMkLst>
-        <pc:spChg chg="mod ord">
-          <ac:chgData name="Eduardo Savian" userId="83fefb37af455394" providerId="Windows Live" clId="Web-{6808E06D-317C-48B5-80AB-C63B5B44D7D8}" dt="2024-04-28T21:41:28.213" v="8" actId="20577"/>
-          <ac:spMkLst>
-            <pc:docMk/>
-            <pc:sldMk cId="109857222" sldId="256"/>
-            <ac:spMk id="2" creationId="{00000000-0000-0000-0000-000000000000}"/>
-          </ac:spMkLst>
-        </pc:spChg>
-        <pc:spChg chg="mod ord">
-          <ac:chgData name="Eduardo Savian" userId="83fefb37af455394" providerId="Windows Live" clId="Web-{6808E06D-317C-48B5-80AB-C63B5B44D7D8}" dt="2024-04-28T21:41:36.386" v="27" actId="20577"/>
-          <ac:spMkLst>
-            <pc:docMk/>
-            <pc:sldMk cId="109857222" sldId="256"/>
-            <ac:spMk id="3" creationId="{00000000-0000-0000-0000-000000000000}"/>
-          </ac:spMkLst>
-        </pc:spChg>
-      </pc:sldChg>
-      <pc:sldMasterChg chg="del delSldLayout">
-        <pc:chgData name="Eduardo Savian" userId="83fefb37af455394" providerId="Windows Live" clId="Web-{6808E06D-317C-48B5-80AB-C63B5B44D7D8}" dt="2024-04-28T21:40:56.681" v="0"/>
-        <pc:sldMasterMkLst>
-          <pc:docMk/>
-          <pc:sldMasterMk cId="2460954070" sldId="2147483660"/>
-        </pc:sldMasterMkLst>
-        <pc:sldLayoutChg chg="del">
-          <pc:chgData name="Eduardo Savian" userId="83fefb37af455394" providerId="Windows Live" clId="Web-{6808E06D-317C-48B5-80AB-C63B5B44D7D8}" dt="2024-04-28T21:40:56.681" v="0"/>
-          <pc:sldLayoutMkLst>
-            <pc:docMk/>
-            <pc:sldMasterMk cId="2460954070" sldId="2147483660"/>
-            <pc:sldLayoutMk cId="2385387890" sldId="2147483661"/>
-          </pc:sldLayoutMkLst>
-        </pc:sldLayoutChg>
-        <pc:sldLayoutChg chg="del">
-          <pc:chgData name="Eduardo Savian" userId="83fefb37af455394" providerId="Windows Live" clId="Web-{6808E06D-317C-48B5-80AB-C63B5B44D7D8}" dt="2024-04-28T21:40:56.681" v="0"/>
-          <pc:sldLayoutMkLst>
-            <pc:docMk/>
-            <pc:sldMasterMk cId="2460954070" sldId="2147483660"/>
-            <pc:sldLayoutMk cId="949138452" sldId="2147483662"/>
-          </pc:sldLayoutMkLst>
-        </pc:sldLayoutChg>
-        <pc:sldLayoutChg chg="del">
-          <pc:chgData name="Eduardo Savian" userId="83fefb37af455394" providerId="Windows Live" clId="Web-{6808E06D-317C-48B5-80AB-C63B5B44D7D8}" dt="2024-04-28T21:40:56.681" v="0"/>
-          <pc:sldLayoutMkLst>
-            <pc:docMk/>
-            <pc:sldMasterMk cId="2460954070" sldId="2147483660"/>
-            <pc:sldLayoutMk cId="2591524520" sldId="2147483663"/>
-          </pc:sldLayoutMkLst>
-        </pc:sldLayoutChg>
-        <pc:sldLayoutChg chg="del">
-          <pc:chgData name="Eduardo Savian" userId="83fefb37af455394" providerId="Windows Live" clId="Web-{6808E06D-317C-48B5-80AB-C63B5B44D7D8}" dt="2024-04-28T21:40:56.681" v="0"/>
-          <pc:sldLayoutMkLst>
-            <pc:docMk/>
-            <pc:sldMasterMk cId="2460954070" sldId="2147483660"/>
-            <pc:sldLayoutMk cId="1203092039" sldId="2147483664"/>
-          </pc:sldLayoutMkLst>
-        </pc:sldLayoutChg>
-        <pc:sldLayoutChg chg="del">
-          <pc:chgData name="Eduardo Savian" userId="83fefb37af455394" providerId="Windows Live" clId="Web-{6808E06D-317C-48B5-80AB-C63B5B44D7D8}" dt="2024-04-28T21:40:56.681" v="0"/>
-          <pc:sldLayoutMkLst>
-            <pc:docMk/>
-            <pc:sldMasterMk cId="2460954070" sldId="2147483660"/>
-            <pc:sldLayoutMk cId="3733172339" sldId="2147483665"/>
-          </pc:sldLayoutMkLst>
-        </pc:sldLayoutChg>
-        <pc:sldLayoutChg chg="del">
-          <pc:chgData name="Eduardo Savian" userId="83fefb37af455394" providerId="Windows Live" clId="Web-{6808E06D-317C-48B5-80AB-C63B5B44D7D8}" dt="2024-04-28T21:40:56.681" v="0"/>
-          <pc:sldLayoutMkLst>
-            <pc:docMk/>
-            <pc:sldMasterMk cId="2460954070" sldId="2147483660"/>
-            <pc:sldLayoutMk cId="3210312558" sldId="2147483666"/>
-          </pc:sldLayoutMkLst>
-        </pc:sldLayoutChg>
-        <pc:sldLayoutChg chg="del">
-          <pc:chgData name="Eduardo Savian" userId="83fefb37af455394" providerId="Windows Live" clId="Web-{6808E06D-317C-48B5-80AB-C63B5B44D7D8}" dt="2024-04-28T21:40:56.681" v="0"/>
-          <pc:sldLayoutMkLst>
-            <pc:docMk/>
-            <pc:sldMasterMk cId="2460954070" sldId="2147483660"/>
-            <pc:sldLayoutMk cId="3146388984" sldId="2147483667"/>
-          </pc:sldLayoutMkLst>
-        </pc:sldLayoutChg>
-        <pc:sldLayoutChg chg="del">
-          <pc:chgData name="Eduardo Savian" userId="83fefb37af455394" providerId="Windows Live" clId="Web-{6808E06D-317C-48B5-80AB-C63B5B44D7D8}" dt="2024-04-28T21:40:56.681" v="0"/>
-          <pc:sldLayoutMkLst>
-            <pc:docMk/>
-            <pc:sldMasterMk cId="2460954070" sldId="2147483660"/>
-            <pc:sldLayoutMk cId="3171841454" sldId="2147483668"/>
-          </pc:sldLayoutMkLst>
-        </pc:sldLayoutChg>
-        <pc:sldLayoutChg chg="del">
-          <pc:chgData name="Eduardo Savian" userId="83fefb37af455394" providerId="Windows Live" clId="Web-{6808E06D-317C-48B5-80AB-C63B5B44D7D8}" dt="2024-04-28T21:40:56.681" v="0"/>
-          <pc:sldLayoutMkLst>
-            <pc:docMk/>
-            <pc:sldMasterMk cId="2460954070" sldId="2147483660"/>
-            <pc:sldLayoutMk cId="1718958274" sldId="2147483669"/>
-          </pc:sldLayoutMkLst>
-        </pc:sldLayoutChg>
-        <pc:sldLayoutChg chg="del">
-          <pc:chgData name="Eduardo Savian" userId="83fefb37af455394" providerId="Windows Live" clId="Web-{6808E06D-317C-48B5-80AB-C63B5B44D7D8}" dt="2024-04-28T21:40:56.681" v="0"/>
-          <pc:sldLayoutMkLst>
-            <pc:docMk/>
-            <pc:sldMasterMk cId="2460954070" sldId="2147483660"/>
-            <pc:sldLayoutMk cId="2202905451" sldId="2147483670"/>
-          </pc:sldLayoutMkLst>
-        </pc:sldLayoutChg>
-        <pc:sldLayoutChg chg="del">
-          <pc:chgData name="Eduardo Savian" userId="83fefb37af455394" providerId="Windows Live" clId="Web-{6808E06D-317C-48B5-80AB-C63B5B44D7D8}" dt="2024-04-28T21:40:56.681" v="0"/>
-          <pc:sldLayoutMkLst>
-            <pc:docMk/>
-            <pc:sldMasterMk cId="2460954070" sldId="2147483660"/>
-            <pc:sldLayoutMk cId="3479445657" sldId="2147483671"/>
-          </pc:sldLayoutMkLst>
-        </pc:sldLayoutChg>
-      </pc:sldMasterChg>
-      <pc:sldMasterChg chg="add del addSldLayout delSldLayout modSldLayout">
-        <pc:chgData name="Eduardo Savian" userId="83fefb37af455394" providerId="Windows Live" clId="Web-{6808E06D-317C-48B5-80AB-C63B5B44D7D8}" dt="2024-04-28T21:41:09.510" v="1"/>
-        <pc:sldMasterMkLst>
-          <pc:docMk/>
-          <pc:sldMasterMk cId="1825988211" sldId="2147483672"/>
-        </pc:sldMasterMkLst>
-        <pc:sldLayoutChg chg="add del mod replId">
-          <pc:chgData name="Eduardo Savian" userId="83fefb37af455394" providerId="Windows Live" clId="Web-{6808E06D-317C-48B5-80AB-C63B5B44D7D8}" dt="2024-04-28T21:41:09.510" v="1"/>
-          <pc:sldLayoutMkLst>
-            <pc:docMk/>
-            <pc:sldMasterMk cId="1825988211" sldId="2147483672"/>
-            <pc:sldLayoutMk cId="453625266" sldId="2147483673"/>
-          </pc:sldLayoutMkLst>
-        </pc:sldLayoutChg>
-        <pc:sldLayoutChg chg="add del mod replId">
-          <pc:chgData name="Eduardo Savian" userId="83fefb37af455394" providerId="Windows Live" clId="Web-{6808E06D-317C-48B5-80AB-C63B5B44D7D8}" dt="2024-04-28T21:41:09.510" v="1"/>
-          <pc:sldLayoutMkLst>
-            <pc:docMk/>
-            <pc:sldMasterMk cId="1825988211" sldId="2147483672"/>
-            <pc:sldLayoutMk cId="3741936793" sldId="2147483674"/>
-          </pc:sldLayoutMkLst>
-        </pc:sldLayoutChg>
-        <pc:sldLayoutChg chg="add del mod replId">
-          <pc:chgData name="Eduardo Savian" userId="83fefb37af455394" providerId="Windows Live" clId="Web-{6808E06D-317C-48B5-80AB-C63B5B44D7D8}" dt="2024-04-28T21:41:09.510" v="1"/>
-          <pc:sldLayoutMkLst>
-            <pc:docMk/>
-            <pc:sldMasterMk cId="1825988211" sldId="2147483672"/>
-            <pc:sldLayoutMk cId="3135325950" sldId="2147483675"/>
-          </pc:sldLayoutMkLst>
-        </pc:sldLayoutChg>
-        <pc:sldLayoutChg chg="add del mod replId">
-          <pc:chgData name="Eduardo Savian" userId="83fefb37af455394" providerId="Windows Live" clId="Web-{6808E06D-317C-48B5-80AB-C63B5B44D7D8}" dt="2024-04-28T21:41:09.510" v="1"/>
-          <pc:sldLayoutMkLst>
-            <pc:docMk/>
-            <pc:sldMasterMk cId="1825988211" sldId="2147483672"/>
-            <pc:sldLayoutMk cId="3029497057" sldId="2147483676"/>
-          </pc:sldLayoutMkLst>
-        </pc:sldLayoutChg>
-        <pc:sldLayoutChg chg="add del mod replId">
-          <pc:chgData name="Eduardo Savian" userId="83fefb37af455394" providerId="Windows Live" clId="Web-{6808E06D-317C-48B5-80AB-C63B5B44D7D8}" dt="2024-04-28T21:41:09.510" v="1"/>
-          <pc:sldLayoutMkLst>
-            <pc:docMk/>
-            <pc:sldMasterMk cId="1825988211" sldId="2147483672"/>
-            <pc:sldLayoutMk cId="1582056691" sldId="2147483677"/>
-          </pc:sldLayoutMkLst>
-        </pc:sldLayoutChg>
-        <pc:sldLayoutChg chg="add del mod replId">
-          <pc:chgData name="Eduardo Savian" userId="83fefb37af455394" providerId="Windows Live" clId="Web-{6808E06D-317C-48B5-80AB-C63B5B44D7D8}" dt="2024-04-28T21:41:09.510" v="1"/>
-          <pc:sldLayoutMkLst>
-            <pc:docMk/>
-            <pc:sldMasterMk cId="1825988211" sldId="2147483672"/>
-            <pc:sldLayoutMk cId="1230447073" sldId="2147483678"/>
-          </pc:sldLayoutMkLst>
-        </pc:sldLayoutChg>
-        <pc:sldLayoutChg chg="add del mod replId">
-          <pc:chgData name="Eduardo Savian" userId="83fefb37af455394" providerId="Windows Live" clId="Web-{6808E06D-317C-48B5-80AB-C63B5B44D7D8}" dt="2024-04-28T21:41:09.510" v="1"/>
-          <pc:sldLayoutMkLst>
-            <pc:docMk/>
-            <pc:sldMasterMk cId="1825988211" sldId="2147483672"/>
-            <pc:sldLayoutMk cId="2111515493" sldId="2147483679"/>
-          </pc:sldLayoutMkLst>
-        </pc:sldLayoutChg>
-        <pc:sldLayoutChg chg="add del mod replId">
-          <pc:chgData name="Eduardo Savian" userId="83fefb37af455394" providerId="Windows Live" clId="Web-{6808E06D-317C-48B5-80AB-C63B5B44D7D8}" dt="2024-04-28T21:41:09.510" v="1"/>
-          <pc:sldLayoutMkLst>
-            <pc:docMk/>
-            <pc:sldMasterMk cId="1825988211" sldId="2147483672"/>
-            <pc:sldLayoutMk cId="3466345160" sldId="2147483680"/>
-          </pc:sldLayoutMkLst>
-        </pc:sldLayoutChg>
-        <pc:sldLayoutChg chg="add del mod replId">
-          <pc:chgData name="Eduardo Savian" userId="83fefb37af455394" providerId="Windows Live" clId="Web-{6808E06D-317C-48B5-80AB-C63B5B44D7D8}" dt="2024-04-28T21:41:09.510" v="1"/>
-          <pc:sldLayoutMkLst>
-            <pc:docMk/>
-            <pc:sldMasterMk cId="1825988211" sldId="2147483672"/>
-            <pc:sldLayoutMk cId="1503474283" sldId="2147483681"/>
-          </pc:sldLayoutMkLst>
-        </pc:sldLayoutChg>
-        <pc:sldLayoutChg chg="add del mod replId">
-          <pc:chgData name="Eduardo Savian" userId="83fefb37af455394" providerId="Windows Live" clId="Web-{6808E06D-317C-48B5-80AB-C63B5B44D7D8}" dt="2024-04-28T21:41:09.510" v="1"/>
-          <pc:sldLayoutMkLst>
-            <pc:docMk/>
-            <pc:sldMasterMk cId="1825988211" sldId="2147483672"/>
-            <pc:sldLayoutMk cId="3078211142" sldId="2147483682"/>
-          </pc:sldLayoutMkLst>
-        </pc:sldLayoutChg>
-        <pc:sldLayoutChg chg="add del mod replId">
-          <pc:chgData name="Eduardo Savian" userId="83fefb37af455394" providerId="Windows Live" clId="Web-{6808E06D-317C-48B5-80AB-C63B5B44D7D8}" dt="2024-04-28T21:41:09.510" v="1"/>
-          <pc:sldLayoutMkLst>
-            <pc:docMk/>
-            <pc:sldMasterMk cId="1825988211" sldId="2147483672"/>
-            <pc:sldLayoutMk cId="459548907" sldId="2147483683"/>
-          </pc:sldLayoutMkLst>
-        </pc:sldLayoutChg>
-      </pc:sldMasterChg>
-      <pc:sldMasterChg chg="add del addSldLayout delSldLayout modSldLayout">
-        <pc:chgData name="Eduardo Savian" userId="83fefb37af455394" providerId="Windows Live" clId="Web-{6808E06D-317C-48B5-80AB-C63B5B44D7D8}" dt="2024-04-28T21:41:19.260" v="2"/>
-        <pc:sldMasterMkLst>
-          <pc:docMk/>
-          <pc:sldMasterMk cId="3576760201" sldId="2147483684"/>
-        </pc:sldMasterMkLst>
-        <pc:sldLayoutChg chg="add del mod replId">
-          <pc:chgData name="Eduardo Savian" userId="83fefb37af455394" providerId="Windows Live" clId="Web-{6808E06D-317C-48B5-80AB-C63B5B44D7D8}" dt="2024-04-28T21:41:19.260" v="2"/>
-          <pc:sldLayoutMkLst>
-            <pc:docMk/>
-            <pc:sldMasterMk cId="3576760201" sldId="2147483684"/>
-            <pc:sldLayoutMk cId="2216021014" sldId="2147483685"/>
-          </pc:sldLayoutMkLst>
-        </pc:sldLayoutChg>
-        <pc:sldLayoutChg chg="add del mod replId">
-          <pc:chgData name="Eduardo Savian" userId="83fefb37af455394" providerId="Windows Live" clId="Web-{6808E06D-317C-48B5-80AB-C63B5B44D7D8}" dt="2024-04-28T21:41:19.260" v="2"/>
-          <pc:sldLayoutMkLst>
-            <pc:docMk/>
-            <pc:sldMasterMk cId="3576760201" sldId="2147483684"/>
-            <pc:sldLayoutMk cId="3902083424" sldId="2147483686"/>
-          </pc:sldLayoutMkLst>
-        </pc:sldLayoutChg>
-        <pc:sldLayoutChg chg="add del mod replId">
-          <pc:chgData name="Eduardo Savian" userId="83fefb37af455394" providerId="Windows Live" clId="Web-{6808E06D-317C-48B5-80AB-C63B5B44D7D8}" dt="2024-04-28T21:41:19.260" v="2"/>
-          <pc:sldLayoutMkLst>
-            <pc:docMk/>
-            <pc:sldMasterMk cId="3576760201" sldId="2147483684"/>
-            <pc:sldLayoutMk cId="303830792" sldId="2147483687"/>
-          </pc:sldLayoutMkLst>
-        </pc:sldLayoutChg>
-        <pc:sldLayoutChg chg="add del mod replId">
-          <pc:chgData name="Eduardo Savian" userId="83fefb37af455394" providerId="Windows Live" clId="Web-{6808E06D-317C-48B5-80AB-C63B5B44D7D8}" dt="2024-04-28T21:41:19.260" v="2"/>
-          <pc:sldLayoutMkLst>
-            <pc:docMk/>
-            <pc:sldMasterMk cId="3576760201" sldId="2147483684"/>
-            <pc:sldLayoutMk cId="3294796599" sldId="2147483688"/>
-          </pc:sldLayoutMkLst>
-        </pc:sldLayoutChg>
-        <pc:sldLayoutChg chg="add del mod replId">
-          <pc:chgData name="Eduardo Savian" userId="83fefb37af455394" providerId="Windows Live" clId="Web-{6808E06D-317C-48B5-80AB-C63B5B44D7D8}" dt="2024-04-28T21:41:19.260" v="2"/>
-          <pc:sldLayoutMkLst>
-            <pc:docMk/>
-            <pc:sldMasterMk cId="3576760201" sldId="2147483684"/>
-            <pc:sldLayoutMk cId="2202936919" sldId="2147483689"/>
-          </pc:sldLayoutMkLst>
-        </pc:sldLayoutChg>
-        <pc:sldLayoutChg chg="add del mod replId">
-          <pc:chgData name="Eduardo Savian" userId="83fefb37af455394" providerId="Windows Live" clId="Web-{6808E06D-317C-48B5-80AB-C63B5B44D7D8}" dt="2024-04-28T21:41:19.260" v="2"/>
-          <pc:sldLayoutMkLst>
-            <pc:docMk/>
-            <pc:sldMasterMk cId="3576760201" sldId="2147483684"/>
-            <pc:sldLayoutMk cId="4008400113" sldId="2147483690"/>
-          </pc:sldLayoutMkLst>
-        </pc:sldLayoutChg>
-        <pc:sldLayoutChg chg="add del mod replId">
-          <pc:chgData name="Eduardo Savian" userId="83fefb37af455394" providerId="Windows Live" clId="Web-{6808E06D-317C-48B5-80AB-C63B5B44D7D8}" dt="2024-04-28T21:41:19.260" v="2"/>
-          <pc:sldLayoutMkLst>
-            <pc:docMk/>
-            <pc:sldMasterMk cId="3576760201" sldId="2147483684"/>
-            <pc:sldLayoutMk cId="2748376286" sldId="2147483691"/>
-          </pc:sldLayoutMkLst>
-        </pc:sldLayoutChg>
-        <pc:sldLayoutChg chg="add del mod replId">
-          <pc:chgData name="Eduardo Savian" userId="83fefb37af455394" providerId="Windows Live" clId="Web-{6808E06D-317C-48B5-80AB-C63B5B44D7D8}" dt="2024-04-28T21:41:19.260" v="2"/>
-          <pc:sldLayoutMkLst>
-            <pc:docMk/>
-            <pc:sldMasterMk cId="3576760201" sldId="2147483684"/>
-            <pc:sldLayoutMk cId="382359778" sldId="2147483692"/>
-          </pc:sldLayoutMkLst>
-        </pc:sldLayoutChg>
-        <pc:sldLayoutChg chg="add del mod replId">
-          <pc:chgData name="Eduardo Savian" userId="83fefb37af455394" providerId="Windows Live" clId="Web-{6808E06D-317C-48B5-80AB-C63B5B44D7D8}" dt="2024-04-28T21:41:19.260" v="2"/>
-          <pc:sldLayoutMkLst>
-            <pc:docMk/>
-            <pc:sldMasterMk cId="3576760201" sldId="2147483684"/>
-            <pc:sldLayoutMk cId="4040316331" sldId="2147483693"/>
-          </pc:sldLayoutMkLst>
-        </pc:sldLayoutChg>
-        <pc:sldLayoutChg chg="add del mod replId">
-          <pc:chgData name="Eduardo Savian" userId="83fefb37af455394" providerId="Windows Live" clId="Web-{6808E06D-317C-48B5-80AB-C63B5B44D7D8}" dt="2024-04-28T21:41:19.260" v="2"/>
-          <pc:sldLayoutMkLst>
-            <pc:docMk/>
-            <pc:sldMasterMk cId="3576760201" sldId="2147483684"/>
-            <pc:sldLayoutMk cId="509449739" sldId="2147483694"/>
-          </pc:sldLayoutMkLst>
-        </pc:sldLayoutChg>
-        <pc:sldLayoutChg chg="add del mod replId">
-          <pc:chgData name="Eduardo Savian" userId="83fefb37af455394" providerId="Windows Live" clId="Web-{6808E06D-317C-48B5-80AB-C63B5B44D7D8}" dt="2024-04-28T21:41:19.260" v="2"/>
-          <pc:sldLayoutMkLst>
-            <pc:docMk/>
-            <pc:sldMasterMk cId="3576760201" sldId="2147483684"/>
-            <pc:sldLayoutMk cId="623420917" sldId="2147483695"/>
-          </pc:sldLayoutMkLst>
-        </pc:sldLayoutChg>
-        <pc:sldLayoutChg chg="add del mod replId">
-          <pc:chgData name="Eduardo Savian" userId="83fefb37af455394" providerId="Windows Live" clId="Web-{6808E06D-317C-48B5-80AB-C63B5B44D7D8}" dt="2024-04-28T21:41:19.260" v="2"/>
-          <pc:sldLayoutMkLst>
-            <pc:docMk/>
-            <pc:sldMasterMk cId="3576760201" sldId="2147483684"/>
-            <pc:sldLayoutMk cId="2864147052" sldId="2147483696"/>
-          </pc:sldLayoutMkLst>
-        </pc:sldLayoutChg>
-        <pc:sldLayoutChg chg="add del mod replId">
-          <pc:chgData name="Eduardo Savian" userId="83fefb37af455394" providerId="Windows Live" clId="Web-{6808E06D-317C-48B5-80AB-C63B5B44D7D8}" dt="2024-04-28T21:41:19.260" v="2"/>
-          <pc:sldLayoutMkLst>
-            <pc:docMk/>
-            <pc:sldMasterMk cId="3576760201" sldId="2147483684"/>
-            <pc:sldLayoutMk cId="318747777" sldId="2147483697"/>
-          </pc:sldLayoutMkLst>
-        </pc:sldLayoutChg>
-        <pc:sldLayoutChg chg="add del mod replId">
-          <pc:chgData name="Eduardo Savian" userId="83fefb37af455394" providerId="Windows Live" clId="Web-{6808E06D-317C-48B5-80AB-C63B5B44D7D8}" dt="2024-04-28T21:41:19.260" v="2"/>
-          <pc:sldLayoutMkLst>
-            <pc:docMk/>
-            <pc:sldMasterMk cId="3576760201" sldId="2147483684"/>
-            <pc:sldLayoutMk cId="1646594572" sldId="2147483698"/>
-          </pc:sldLayoutMkLst>
-        </pc:sldLayoutChg>
-        <pc:sldLayoutChg chg="add del mod replId">
-          <pc:chgData name="Eduardo Savian" userId="83fefb37af455394" providerId="Windows Live" clId="Web-{6808E06D-317C-48B5-80AB-C63B5B44D7D8}" dt="2024-04-28T21:41:19.260" v="2"/>
-          <pc:sldLayoutMkLst>
-            <pc:docMk/>
-            <pc:sldMasterMk cId="3576760201" sldId="2147483684"/>
-            <pc:sldLayoutMk cId="2879648242" sldId="2147483699"/>
-          </pc:sldLayoutMkLst>
-        </pc:sldLayoutChg>
-        <pc:sldLayoutChg chg="add del mod replId">
-          <pc:chgData name="Eduardo Savian" userId="83fefb37af455394" providerId="Windows Live" clId="Web-{6808E06D-317C-48B5-80AB-C63B5B44D7D8}" dt="2024-04-28T21:41:19.260" v="2"/>
-          <pc:sldLayoutMkLst>
-            <pc:docMk/>
-            <pc:sldMasterMk cId="3576760201" sldId="2147483684"/>
-            <pc:sldLayoutMk cId="541596521" sldId="2147483700"/>
-          </pc:sldLayoutMkLst>
-        </pc:sldLayoutChg>
-        <pc:sldLayoutChg chg="add del mod replId">
-          <pc:chgData name="Eduardo Savian" userId="83fefb37af455394" providerId="Windows Live" clId="Web-{6808E06D-317C-48B5-80AB-C63B5B44D7D8}" dt="2024-04-28T21:41:19.260" v="2"/>
-          <pc:sldLayoutMkLst>
-            <pc:docMk/>
-            <pc:sldMasterMk cId="3576760201" sldId="2147483684"/>
-            <pc:sldLayoutMk cId="388203491" sldId="2147483701"/>
-          </pc:sldLayoutMkLst>
-        </pc:sldLayoutChg>
-      </pc:sldMasterChg>
-      <pc:sldMasterChg chg="add addSldLayout modSldLayout">
-        <pc:chgData name="Eduardo Savian" userId="83fefb37af455394" providerId="Windows Live" clId="Web-{6808E06D-317C-48B5-80AB-C63B5B44D7D8}" dt="2024-04-28T21:41:19.260" v="2"/>
-        <pc:sldMasterMkLst>
-          <pc:docMk/>
-          <pc:sldMasterMk cId="380110844" sldId="2147483702"/>
-        </pc:sldMasterMkLst>
-        <pc:sldLayoutChg chg="add mod replId">
-          <pc:chgData name="Eduardo Savian" userId="83fefb37af455394" providerId="Windows Live" clId="Web-{6808E06D-317C-48B5-80AB-C63B5B44D7D8}" dt="2024-04-28T21:41:19.260" v="2"/>
-          <pc:sldLayoutMkLst>
-            <pc:docMk/>
-            <pc:sldMasterMk cId="380110844" sldId="2147483702"/>
-            <pc:sldLayoutMk cId="2993827588" sldId="2147483703"/>
-          </pc:sldLayoutMkLst>
-        </pc:sldLayoutChg>
-        <pc:sldLayoutChg chg="add mod replId">
-          <pc:chgData name="Eduardo Savian" userId="83fefb37af455394" providerId="Windows Live" clId="Web-{6808E06D-317C-48B5-80AB-C63B5B44D7D8}" dt="2024-04-28T21:41:19.260" v="2"/>
-          <pc:sldLayoutMkLst>
-            <pc:docMk/>
-            <pc:sldMasterMk cId="380110844" sldId="2147483702"/>
-            <pc:sldLayoutMk cId="2457156884" sldId="2147483704"/>
-          </pc:sldLayoutMkLst>
-        </pc:sldLayoutChg>
-        <pc:sldLayoutChg chg="add mod replId">
-          <pc:chgData name="Eduardo Savian" userId="83fefb37af455394" providerId="Windows Live" clId="Web-{6808E06D-317C-48B5-80AB-C63B5B44D7D8}" dt="2024-04-28T21:41:19.260" v="2"/>
-          <pc:sldLayoutMkLst>
-            <pc:docMk/>
-            <pc:sldMasterMk cId="380110844" sldId="2147483702"/>
-            <pc:sldLayoutMk cId="2260547415" sldId="2147483705"/>
-          </pc:sldLayoutMkLst>
-        </pc:sldLayoutChg>
-        <pc:sldLayoutChg chg="add mod replId">
-          <pc:chgData name="Eduardo Savian" userId="83fefb37af455394" providerId="Windows Live" clId="Web-{6808E06D-317C-48B5-80AB-C63B5B44D7D8}" dt="2024-04-28T21:41:19.260" v="2"/>
-          <pc:sldLayoutMkLst>
-            <pc:docMk/>
-            <pc:sldMasterMk cId="380110844" sldId="2147483702"/>
-            <pc:sldLayoutMk cId="51149255" sldId="2147483706"/>
-          </pc:sldLayoutMkLst>
-        </pc:sldLayoutChg>
-        <pc:sldLayoutChg chg="add mod replId">
-          <pc:chgData name="Eduardo Savian" userId="83fefb37af455394" providerId="Windows Live" clId="Web-{6808E06D-317C-48B5-80AB-C63B5B44D7D8}" dt="2024-04-28T21:41:19.260" v="2"/>
-          <pc:sldLayoutMkLst>
-            <pc:docMk/>
-            <pc:sldMasterMk cId="380110844" sldId="2147483702"/>
-            <pc:sldLayoutMk cId="3095146221" sldId="2147483707"/>
-          </pc:sldLayoutMkLst>
-        </pc:sldLayoutChg>
-        <pc:sldLayoutChg chg="add mod replId">
-          <pc:chgData name="Eduardo Savian" userId="83fefb37af455394" providerId="Windows Live" clId="Web-{6808E06D-317C-48B5-80AB-C63B5B44D7D8}" dt="2024-04-28T21:41:19.260" v="2"/>
-          <pc:sldLayoutMkLst>
-            <pc:docMk/>
-            <pc:sldMasterMk cId="380110844" sldId="2147483702"/>
-            <pc:sldLayoutMk cId="3266165134" sldId="2147483708"/>
-          </pc:sldLayoutMkLst>
-        </pc:sldLayoutChg>
-        <pc:sldLayoutChg chg="add mod replId">
-          <pc:chgData name="Eduardo Savian" userId="83fefb37af455394" providerId="Windows Live" clId="Web-{6808E06D-317C-48B5-80AB-C63B5B44D7D8}" dt="2024-04-28T21:41:19.260" v="2"/>
-          <pc:sldLayoutMkLst>
-            <pc:docMk/>
-            <pc:sldMasterMk cId="380110844" sldId="2147483702"/>
-            <pc:sldLayoutMk cId="3757151552" sldId="2147483709"/>
-          </pc:sldLayoutMkLst>
-        </pc:sldLayoutChg>
-        <pc:sldLayoutChg chg="add mod replId">
-          <pc:chgData name="Eduardo Savian" userId="83fefb37af455394" providerId="Windows Live" clId="Web-{6808E06D-317C-48B5-80AB-C63B5B44D7D8}" dt="2024-04-28T21:41:19.260" v="2"/>
-          <pc:sldLayoutMkLst>
-            <pc:docMk/>
-            <pc:sldMasterMk cId="380110844" sldId="2147483702"/>
-            <pc:sldLayoutMk cId="2400739392" sldId="2147483710"/>
-          </pc:sldLayoutMkLst>
-        </pc:sldLayoutChg>
-        <pc:sldLayoutChg chg="add mod replId">
-          <pc:chgData name="Eduardo Savian" userId="83fefb37af455394" providerId="Windows Live" clId="Web-{6808E06D-317C-48B5-80AB-C63B5B44D7D8}" dt="2024-04-28T21:41:19.260" v="2"/>
-          <pc:sldLayoutMkLst>
-            <pc:docMk/>
-            <pc:sldMasterMk cId="380110844" sldId="2147483702"/>
-            <pc:sldLayoutMk cId="1672042868" sldId="2147483711"/>
-          </pc:sldLayoutMkLst>
-        </pc:sldLayoutChg>
-        <pc:sldLayoutChg chg="add mod replId">
-          <pc:chgData name="Eduardo Savian" userId="83fefb37af455394" providerId="Windows Live" clId="Web-{6808E06D-317C-48B5-80AB-C63B5B44D7D8}" dt="2024-04-28T21:41:19.260" v="2"/>
-          <pc:sldLayoutMkLst>
-            <pc:docMk/>
-            <pc:sldMasterMk cId="380110844" sldId="2147483702"/>
-            <pc:sldLayoutMk cId="3551866296" sldId="2147483712"/>
-          </pc:sldLayoutMkLst>
-        </pc:sldLayoutChg>
-        <pc:sldLayoutChg chg="add mod replId">
-          <pc:chgData name="Eduardo Savian" userId="83fefb37af455394" providerId="Windows Live" clId="Web-{6808E06D-317C-48B5-80AB-C63B5B44D7D8}" dt="2024-04-28T21:41:19.260" v="2"/>
-          <pc:sldLayoutMkLst>
-            <pc:docMk/>
-            <pc:sldMasterMk cId="380110844" sldId="2147483702"/>
-            <pc:sldLayoutMk cId="3957431958" sldId="2147483713"/>
-          </pc:sldLayoutMkLst>
-        </pc:sldLayoutChg>
-      </pc:sldMasterChg>
-    </pc:docChg>
-  </pc:docChgLst>
-  <pc:docChgLst>
-    <pc:chgData name="Eduardo Savian" userId="83fefb37af455394" providerId="Windows Live" clId="Web-{365FD200-9B60-42C4-8D5F-90C5BC58A9CE}"/>
-    <pc:docChg chg="addSld">
-      <pc:chgData name="Eduardo Savian" userId="83fefb37af455394" providerId="Windows Live" clId="Web-{365FD200-9B60-42C4-8D5F-90C5BC58A9CE}" dt="2024-05-19T14:17:20.102" v="0"/>
-      <pc:docMkLst>
-        <pc:docMk/>
-      </pc:docMkLst>
-      <pc:sldChg chg="new">
-        <pc:chgData name="Eduardo Savian" userId="83fefb37af455394" providerId="Windows Live" clId="Web-{365FD200-9B60-42C4-8D5F-90C5BC58A9CE}" dt="2024-05-19T14:17:20.102" v="0"/>
-        <pc:sldMkLst>
-          <pc:docMk/>
-          <pc:sldMk cId="3595438478" sldId="276"/>
-        </pc:sldMkLst>
       </pc:sldChg>
     </pc:docChg>
   </pc:docChgLst>
@@ -3905,7 +4445,7 @@
           <a:p>
             <a:fld id="{12575099-B3AD-44D7-919B-BCB6DC3E7F21}" type="datetimeFigureOut">
               <a:rPr lang="en-US" dirty="0"/>
-              <a:t>5/24/2024</a:t>
+              <a:t>6/7/2024</a:t>
             </a:fld>
             <a:endParaRPr lang="en-US"/>
           </a:p>
@@ -3963,7 +4503,7 @@
           <a:p>
             <a:fld id="{E30AF5A0-43BB-4336-8627-9123B9144D80}" type="slidenum">
               <a:rPr lang="en-US" dirty="0"/>
-              <a:t>‹#›</a:t>
+              <a:t>‹nº›</a:t>
             </a:fld>
             <a:endParaRPr lang="en-US"/>
           </a:p>
@@ -4112,7 +4652,7 @@
           <a:p>
             <a:fld id="{F18115DA-6CBC-4AEF-A85F-371C66916CF8}" type="datetimeFigureOut">
               <a:rPr lang="en-US" dirty="0"/>
-              <a:t>5/24/2024</a:t>
+              <a:t>6/7/2024</a:t>
             </a:fld>
             <a:endParaRPr lang="en-US"/>
           </a:p>
@@ -4170,7 +4710,7 @@
           <a:p>
             <a:fld id="{E30AF5A0-43BB-4336-8627-9123B9144D80}" type="slidenum">
               <a:rPr lang="en-US" dirty="0"/>
-              <a:t>‹#›</a:t>
+              <a:t>‹nº›</a:t>
             </a:fld>
             <a:endParaRPr lang="en-US"/>
           </a:p>
@@ -4329,7 +4869,7 @@
           <a:p>
             <a:fld id="{2A6007E4-95E8-4ABC-B20B-51235318A487}" type="datetimeFigureOut">
               <a:rPr lang="en-US" dirty="0"/>
-              <a:t>5/24/2024</a:t>
+              <a:t>6/7/2024</a:t>
             </a:fld>
             <a:endParaRPr lang="en-US"/>
           </a:p>
@@ -4387,7 +4927,7 @@
           <a:p>
             <a:fld id="{E30AF5A0-43BB-4336-8627-9123B9144D80}" type="slidenum">
               <a:rPr lang="en-US" dirty="0"/>
-              <a:t>‹#›</a:t>
+              <a:t>‹nº›</a:t>
             </a:fld>
             <a:endParaRPr lang="en-US"/>
           </a:p>
@@ -4536,7 +5076,7 @@
           <a:p>
             <a:fld id="{2A4BF121-2723-4D35-ADA9-215CD054C4BC}" type="datetimeFigureOut">
               <a:rPr lang="en-US" dirty="0"/>
-              <a:t>5/24/2024</a:t>
+              <a:t>6/7/2024</a:t>
             </a:fld>
             <a:endParaRPr lang="en-US"/>
           </a:p>
@@ -4594,7 +5134,7 @@
           <a:p>
             <a:fld id="{E30AF5A0-43BB-4336-8627-9123B9144D80}" type="slidenum">
               <a:rPr lang="en-US" dirty="0"/>
-              <a:t>‹#›</a:t>
+              <a:t>‹nº›</a:t>
             </a:fld>
             <a:endParaRPr lang="en-US"/>
           </a:p>
@@ -4820,7 +5360,7 @@
           <a:p>
             <a:fld id="{C54F54BA-4BC6-480F-839C-951A49B248A9}" type="datetimeFigureOut">
               <a:rPr lang="en-US" dirty="0"/>
-              <a:t>5/24/2024</a:t>
+              <a:t>6/7/2024</a:t>
             </a:fld>
             <a:endParaRPr lang="en-US"/>
           </a:p>
@@ -4878,7 +5418,7 @@
           <a:p>
             <a:fld id="{E30AF5A0-43BB-4336-8627-9123B9144D80}" type="slidenum">
               <a:rPr lang="en-US" dirty="0"/>
-              <a:t>‹#›</a:t>
+              <a:t>‹nº›</a:t>
             </a:fld>
             <a:endParaRPr lang="en-US"/>
           </a:p>
@@ -5099,7 +5639,7 @@
           <a:p>
             <a:fld id="{0F9DD0EA-4726-4440-BF9D-E88296FC3068}" type="datetimeFigureOut">
               <a:rPr lang="en-US" dirty="0"/>
-              <a:t>5/24/2024</a:t>
+              <a:t>6/7/2024</a:t>
             </a:fld>
             <a:endParaRPr lang="en-US"/>
           </a:p>
@@ -5157,7 +5697,7 @@
           <a:p>
             <a:fld id="{E30AF5A0-43BB-4336-8627-9123B9144D80}" type="slidenum">
               <a:rPr lang="en-US" dirty="0"/>
-              <a:t>‹#›</a:t>
+              <a:t>‹nº›</a:t>
             </a:fld>
             <a:endParaRPr lang="en-US"/>
           </a:p>
@@ -5528,7 +6068,7 @@
           <a:p>
             <a:fld id="{19CAD10D-99D1-46B2-A85A-C16850FCF8CF}" type="datetimeFigureOut">
               <a:rPr lang="en-US" dirty="0"/>
-              <a:t>5/24/2024</a:t>
+              <a:t>6/7/2024</a:t>
             </a:fld>
             <a:endParaRPr lang="en-US"/>
           </a:p>
@@ -5586,7 +6126,7 @@
           <a:p>
             <a:fld id="{E30AF5A0-43BB-4336-8627-9123B9144D80}" type="slidenum">
               <a:rPr lang="en-US" dirty="0"/>
-              <a:t>‹#›</a:t>
+              <a:t>‹nº›</a:t>
             </a:fld>
             <a:endParaRPr lang="en-US"/>
           </a:p>
@@ -5673,7 +6213,7 @@
           <a:p>
             <a:fld id="{48C67E51-34D6-4E3D-8F41-CC63EA446EDD}" type="datetimeFigureOut">
               <a:rPr lang="en-US" dirty="0"/>
-              <a:t>5/24/2024</a:t>
+              <a:t>6/7/2024</a:t>
             </a:fld>
             <a:endParaRPr lang="en-US"/>
           </a:p>
@@ -5731,7 +6271,7 @@
           <a:p>
             <a:fld id="{E30AF5A0-43BB-4336-8627-9123B9144D80}" type="slidenum">
               <a:rPr lang="en-US" dirty="0"/>
-              <a:t>‹#›</a:t>
+              <a:t>‹nº›</a:t>
             </a:fld>
             <a:endParaRPr lang="en-US"/>
           </a:p>
@@ -5790,7 +6330,7 @@
           <a:p>
             <a:fld id="{8D49E550-CE3F-497F-B953-7DE0932F91C0}" type="datetimeFigureOut">
               <a:rPr lang="en-US" dirty="0"/>
-              <a:t>5/24/2024</a:t>
+              <a:t>6/7/2024</a:t>
             </a:fld>
             <a:endParaRPr lang="en-US"/>
           </a:p>
@@ -5848,7 +6388,7 @@
           <a:p>
             <a:fld id="{E30AF5A0-43BB-4336-8627-9123B9144D80}" type="slidenum">
               <a:rPr lang="en-US" dirty="0"/>
-              <a:t>‹#›</a:t>
+              <a:t>‹nº›</a:t>
             </a:fld>
             <a:endParaRPr lang="en-US"/>
           </a:p>
@@ -6105,7 +6645,7 @@
           <a:p>
             <a:fld id="{217A0BF4-BAA0-4539-95F2-9C4277F97478}" type="datetimeFigureOut">
               <a:rPr lang="en-US" dirty="0"/>
-              <a:t>5/24/2024</a:t>
+              <a:t>6/7/2024</a:t>
             </a:fld>
             <a:endParaRPr lang="en-US"/>
           </a:p>
@@ -6163,7 +6703,7 @@
           <a:p>
             <a:fld id="{E30AF5A0-43BB-4336-8627-9123B9144D80}" type="slidenum">
               <a:rPr lang="en-US" dirty="0"/>
-              <a:t>‹#›</a:t>
+              <a:t>‹nº›</a:t>
             </a:fld>
             <a:endParaRPr lang="en-US"/>
           </a:p>
@@ -6402,7 +6942,7 @@
           <a:p>
             <a:fld id="{52E9884E-D945-496C-84BE-49C61F78F9EC}" type="datetimeFigureOut">
               <a:rPr lang="en-US" dirty="0"/>
-              <a:t>5/24/2024</a:t>
+              <a:t>6/7/2024</a:t>
             </a:fld>
             <a:endParaRPr lang="en-US"/>
           </a:p>
@@ -6460,7 +7000,7 @@
           <a:p>
             <a:fld id="{E30AF5A0-43BB-4336-8627-9123B9144D80}" type="slidenum">
               <a:rPr lang="en-US" dirty="0"/>
-              <a:t>‹#›</a:t>
+              <a:t>‹nº›</a:t>
             </a:fld>
             <a:endParaRPr lang="en-US"/>
           </a:p>
@@ -6651,7 +7191,7 @@
           <a:p>
             <a:fld id="{CD438618-DEE5-47CF-A8B2-A9E090D503CD}" type="datetimeFigureOut">
               <a:rPr lang="en-US" dirty="0"/>
-              <a:t>5/24/2024</a:t>
+              <a:t>6/7/2024</a:t>
             </a:fld>
             <a:endParaRPr lang="en-US"/>
           </a:p>
@@ -6742,7 +7282,7 @@
           <a:p>
             <a:fld id="{E30AF5A0-43BB-4336-8627-9123B9144D80}" type="slidenum">
               <a:rPr lang="en-US" dirty="0"/>
-              <a:t>‹#›</a:t>
+              <a:t>‹nº›</a:t>
             </a:fld>
             <a:endParaRPr lang="en-US"/>
           </a:p>
@@ -7232,7 +7772,7 @@
             <a:br>
               <a:rPr lang="en-US" dirty="0"/>
             </a:br>
-            <a:endParaRPr lang="en-US"/>
+            <a:endParaRPr lang="en-US" dirty="0"/>
           </a:p>
           <a:p>
             <a:endParaRPr lang="en-US" dirty="0"/>
@@ -7271,6 +7811,1490 @@
     <p:extLst>
       <p:ext uri="{BB962C8B-B14F-4D97-AF65-F5344CB8AC3E}">
         <p14:creationId xmlns:p14="http://schemas.microsoft.com/office/powerpoint/2010/main" val="109857222"/>
+      </p:ext>
+    </p:extLst>
+  </p:cSld>
+  <p:clrMapOvr>
+    <a:masterClrMapping/>
+  </p:clrMapOvr>
+</p:sld>
+</file>
+
+<file path=ppt/slides/slide10.xml><?xml version="1.0" encoding="utf-8"?>
+<p:sld xmlns:a="http://schemas.openxmlformats.org/drawingml/2006/main" xmlns:r="http://schemas.openxmlformats.org/officeDocument/2006/relationships" xmlns:p="http://schemas.openxmlformats.org/presentationml/2006/main">
+  <p:cSld>
+    <p:spTree>
+      <p:nvGrpSpPr>
+        <p:cNvPr id="1" name=""/>
+        <p:cNvGrpSpPr/>
+        <p:nvPr/>
+      </p:nvGrpSpPr>
+      <p:grpSpPr>
+        <a:xfrm>
+          <a:off x="0" y="0"/>
+          <a:ext cx="0" cy="0"/>
+          <a:chOff x="0" y="0"/>
+          <a:chExt cx="0" cy="0"/>
+        </a:xfrm>
+      </p:grpSpPr>
+      <p:sp>
+        <p:nvSpPr>
+          <p:cNvPr id="2" name="Título 1">
+            <a:extLst>
+              <a:ext uri="{FF2B5EF4-FFF2-40B4-BE49-F238E27FC236}">
+                <a16:creationId xmlns:a16="http://schemas.microsoft.com/office/drawing/2014/main" id="{F198CAD2-9DDE-089C-804B-2C64B520A8DF}"/>
+              </a:ext>
+            </a:extLst>
+          </p:cNvPr>
+          <p:cNvSpPr>
+            <a:spLocks noGrp="1"/>
+          </p:cNvSpPr>
+          <p:nvPr>
+            <p:ph type="title"/>
+          </p:nvPr>
+        </p:nvSpPr>
+        <p:spPr/>
+        <p:txBody>
+          <a:bodyPr/>
+          <a:lstStyle/>
+          <a:p>
+            <a:r>
+              <a:rPr lang="en-US" dirty="0" err="1"/>
+              <a:t>Avaliar</a:t>
+            </a:r>
+            <a:r>
+              <a:rPr lang="en-US" dirty="0"/>
+              <a:t> e </a:t>
+            </a:r>
+            <a:r>
+              <a:rPr lang="en-US" dirty="0" err="1"/>
+              <a:t>selecionar</a:t>
+            </a:r>
+            <a:endParaRPr lang="pt-BR" dirty="0"/>
+          </a:p>
+        </p:txBody>
+      </p:sp>
+      <p:pic>
+        <p:nvPicPr>
+          <p:cNvPr id="10" name="Espaço Reservado para Conteúdo 9">
+            <a:extLst>
+              <a:ext uri="{FF2B5EF4-FFF2-40B4-BE49-F238E27FC236}">
+                <a16:creationId xmlns:a16="http://schemas.microsoft.com/office/drawing/2014/main" id="{3EC9AD9F-7270-A33C-E38D-15EF7CCE3B75}"/>
+              </a:ext>
+            </a:extLst>
+          </p:cNvPr>
+          <p:cNvPicPr>
+            <a:picLocks noGrp="1" noChangeAspect="1"/>
+          </p:cNvPicPr>
+          <p:nvPr>
+            <p:ph idx="1"/>
+          </p:nvPr>
+        </p:nvPicPr>
+        <p:blipFill>
+          <a:blip r:embed="rId2"/>
+          <a:stretch>
+            <a:fillRect/>
+          </a:stretch>
+        </p:blipFill>
+        <p:spPr>
+          <a:xfrm>
+            <a:off x="3377143" y="2292350"/>
+            <a:ext cx="5337701" cy="3636963"/>
+          </a:xfrm>
+        </p:spPr>
+      </p:pic>
+      <p:sp>
+        <p:nvSpPr>
+          <p:cNvPr id="4" name="Espaço Reservado para Data 3">
+            <a:extLst>
+              <a:ext uri="{FF2B5EF4-FFF2-40B4-BE49-F238E27FC236}">
+                <a16:creationId xmlns:a16="http://schemas.microsoft.com/office/drawing/2014/main" id="{0D63D68A-8A70-15BF-0E35-118ABD34A345}"/>
+              </a:ext>
+            </a:extLst>
+          </p:cNvPr>
+          <p:cNvSpPr>
+            <a:spLocks noGrp="1"/>
+          </p:cNvSpPr>
+          <p:nvPr>
+            <p:ph type="dt" sz="half" idx="10"/>
+          </p:nvPr>
+        </p:nvSpPr>
+        <p:spPr/>
+        <p:txBody>
+          <a:bodyPr/>
+          <a:lstStyle/>
+          <a:p>
+            <a:fld id="{54324141-6222-4A98-9E2C-E2DA1B11647A}" type="datetime1">
+              <a:rPr lang="en-US" smtClean="0"/>
+              <a:t>6/7/2024</a:t>
+            </a:fld>
+            <a:endParaRPr lang="en-US"/>
+          </a:p>
+        </p:txBody>
+      </p:sp>
+      <p:sp>
+        <p:nvSpPr>
+          <p:cNvPr id="5" name="Espaço Reservado para Rodapé 4">
+            <a:extLst>
+              <a:ext uri="{FF2B5EF4-FFF2-40B4-BE49-F238E27FC236}">
+                <a16:creationId xmlns:a16="http://schemas.microsoft.com/office/drawing/2014/main" id="{875F38BF-707B-0FA8-22DC-A88D12744FC7}"/>
+              </a:ext>
+            </a:extLst>
+          </p:cNvPr>
+          <p:cNvSpPr>
+            <a:spLocks noGrp="1"/>
+          </p:cNvSpPr>
+          <p:nvPr>
+            <p:ph type="ftr" sz="quarter" idx="11"/>
+          </p:nvPr>
+        </p:nvSpPr>
+        <p:spPr/>
+        <p:txBody>
+          <a:bodyPr/>
+          <a:lstStyle/>
+          <a:p>
+            <a:r>
+              <a:rPr lang="en-US"/>
+              <a:t>
+              </a:t>
+            </a:r>
+          </a:p>
+        </p:txBody>
+      </p:sp>
+      <p:sp>
+        <p:nvSpPr>
+          <p:cNvPr id="6" name="Espaço Reservado para Número de Slide 5">
+            <a:extLst>
+              <a:ext uri="{FF2B5EF4-FFF2-40B4-BE49-F238E27FC236}">
+                <a16:creationId xmlns:a16="http://schemas.microsoft.com/office/drawing/2014/main" id="{BD4C1679-AA60-928A-25E2-F9979EB684F5}"/>
+              </a:ext>
+            </a:extLst>
+          </p:cNvPr>
+          <p:cNvSpPr>
+            <a:spLocks noGrp="1"/>
+          </p:cNvSpPr>
+          <p:nvPr>
+            <p:ph type="sldNum" sz="quarter" idx="12"/>
+          </p:nvPr>
+        </p:nvSpPr>
+        <p:spPr/>
+        <p:txBody>
+          <a:bodyPr/>
+          <a:lstStyle/>
+          <a:p>
+            <a:fld id="{E30AF5A0-43BB-4336-8627-9123B9144D80}" type="slidenum">
+              <a:rPr lang="en-US" smtClean="0"/>
+              <a:t>10</a:t>
+            </a:fld>
+            <a:endParaRPr lang="en-US"/>
+          </a:p>
+        </p:txBody>
+      </p:sp>
+    </p:spTree>
+    <p:extLst>
+      <p:ext uri="{BB962C8B-B14F-4D97-AF65-F5344CB8AC3E}">
+        <p14:creationId xmlns:p14="http://schemas.microsoft.com/office/powerpoint/2010/main" val="2686249996"/>
+      </p:ext>
+    </p:extLst>
+  </p:cSld>
+  <p:clrMapOvr>
+    <a:masterClrMapping/>
+  </p:clrMapOvr>
+</p:sld>
+</file>
+
+<file path=ppt/slides/slide11.xml><?xml version="1.0" encoding="utf-8"?>
+<p:sld xmlns:a="http://schemas.openxmlformats.org/drawingml/2006/main" xmlns:r="http://schemas.openxmlformats.org/officeDocument/2006/relationships" xmlns:p="http://schemas.openxmlformats.org/presentationml/2006/main">
+  <p:cSld>
+    <p:spTree>
+      <p:nvGrpSpPr>
+        <p:cNvPr id="1" name=""/>
+        <p:cNvGrpSpPr/>
+        <p:nvPr/>
+      </p:nvGrpSpPr>
+      <p:grpSpPr>
+        <a:xfrm>
+          <a:off x="0" y="0"/>
+          <a:ext cx="0" cy="0"/>
+          <a:chOff x="0" y="0"/>
+          <a:chExt cx="0" cy="0"/>
+        </a:xfrm>
+      </p:grpSpPr>
+      <p:sp>
+        <p:nvSpPr>
+          <p:cNvPr id="2" name="Título 1">
+            <a:extLst>
+              <a:ext uri="{FF2B5EF4-FFF2-40B4-BE49-F238E27FC236}">
+                <a16:creationId xmlns:a16="http://schemas.microsoft.com/office/drawing/2014/main" id="{B4FD24BB-0999-0AAF-678F-D10B50C6C35B}"/>
+              </a:ext>
+            </a:extLst>
+          </p:cNvPr>
+          <p:cNvSpPr>
+            <a:spLocks noGrp="1"/>
+          </p:cNvSpPr>
+          <p:nvPr>
+            <p:ph type="title"/>
+          </p:nvPr>
+        </p:nvSpPr>
+        <p:spPr/>
+        <p:txBody>
+          <a:bodyPr/>
+          <a:lstStyle/>
+          <a:p>
+            <a:r>
+              <a:rPr lang="en-US" dirty="0" err="1"/>
+              <a:t>Cruzar</a:t>
+            </a:r>
+            <a:r>
+              <a:rPr lang="en-US" dirty="0"/>
+              <a:t> e </a:t>
+            </a:r>
+            <a:r>
+              <a:rPr lang="en-US" dirty="0" err="1"/>
+              <a:t>mutar</a:t>
+            </a:r>
+            <a:endParaRPr lang="pt-BR" dirty="0"/>
+          </a:p>
+        </p:txBody>
+      </p:sp>
+      <p:sp>
+        <p:nvSpPr>
+          <p:cNvPr id="4" name="Espaço Reservado para Data 3">
+            <a:extLst>
+              <a:ext uri="{FF2B5EF4-FFF2-40B4-BE49-F238E27FC236}">
+                <a16:creationId xmlns:a16="http://schemas.microsoft.com/office/drawing/2014/main" id="{9E4E617B-1B99-7ACC-ACF8-F02E391D94AF}"/>
+              </a:ext>
+            </a:extLst>
+          </p:cNvPr>
+          <p:cNvSpPr>
+            <a:spLocks noGrp="1"/>
+          </p:cNvSpPr>
+          <p:nvPr>
+            <p:ph type="dt" sz="half" idx="10"/>
+          </p:nvPr>
+        </p:nvSpPr>
+        <p:spPr/>
+        <p:txBody>
+          <a:bodyPr/>
+          <a:lstStyle/>
+          <a:p>
+            <a:fld id="{115215E4-9A3F-484D-B176-5BB82CA36BBD}" type="datetime1">
+              <a:rPr lang="en-US" smtClean="0"/>
+              <a:t>6/7/2024</a:t>
+            </a:fld>
+            <a:endParaRPr lang="en-US"/>
+          </a:p>
+        </p:txBody>
+      </p:sp>
+      <p:sp>
+        <p:nvSpPr>
+          <p:cNvPr id="5" name="Espaço Reservado para Rodapé 4">
+            <a:extLst>
+              <a:ext uri="{FF2B5EF4-FFF2-40B4-BE49-F238E27FC236}">
+                <a16:creationId xmlns:a16="http://schemas.microsoft.com/office/drawing/2014/main" id="{43212F57-C5E5-AF0B-7BAB-F03AA2816297}"/>
+              </a:ext>
+            </a:extLst>
+          </p:cNvPr>
+          <p:cNvSpPr>
+            <a:spLocks noGrp="1"/>
+          </p:cNvSpPr>
+          <p:nvPr>
+            <p:ph type="ftr" sz="quarter" idx="11"/>
+          </p:nvPr>
+        </p:nvSpPr>
+        <p:spPr/>
+        <p:txBody>
+          <a:bodyPr/>
+          <a:lstStyle/>
+          <a:p>
+            <a:r>
+              <a:rPr lang="en-US"/>
+              <a:t>
+              </a:t>
+            </a:r>
+          </a:p>
+        </p:txBody>
+      </p:sp>
+      <p:sp>
+        <p:nvSpPr>
+          <p:cNvPr id="6" name="Espaço Reservado para Número de Slide 5">
+            <a:extLst>
+              <a:ext uri="{FF2B5EF4-FFF2-40B4-BE49-F238E27FC236}">
+                <a16:creationId xmlns:a16="http://schemas.microsoft.com/office/drawing/2014/main" id="{058554D4-5C79-71D4-F8C8-12A61A7D32A8}"/>
+              </a:ext>
+            </a:extLst>
+          </p:cNvPr>
+          <p:cNvSpPr>
+            <a:spLocks noGrp="1"/>
+          </p:cNvSpPr>
+          <p:nvPr>
+            <p:ph type="sldNum" sz="quarter" idx="12"/>
+          </p:nvPr>
+        </p:nvSpPr>
+        <p:spPr/>
+        <p:txBody>
+          <a:bodyPr/>
+          <a:lstStyle/>
+          <a:p>
+            <a:fld id="{E30AF5A0-43BB-4336-8627-9123B9144D80}" type="slidenum">
+              <a:rPr lang="en-US" smtClean="0"/>
+              <a:t>11</a:t>
+            </a:fld>
+            <a:endParaRPr lang="en-US"/>
+          </a:p>
+        </p:txBody>
+      </p:sp>
+      <p:pic>
+        <p:nvPicPr>
+          <p:cNvPr id="12" name="Espaço Reservado para Conteúdo 11">
+            <a:extLst>
+              <a:ext uri="{FF2B5EF4-FFF2-40B4-BE49-F238E27FC236}">
+                <a16:creationId xmlns:a16="http://schemas.microsoft.com/office/drawing/2014/main" id="{463571D5-C1DF-3EA6-1BF9-F91BEC7F26BD}"/>
+              </a:ext>
+            </a:extLst>
+          </p:cNvPr>
+          <p:cNvPicPr>
+            <a:picLocks noGrp="1" noChangeAspect="1"/>
+          </p:cNvPicPr>
+          <p:nvPr>
+            <p:ph idx="1"/>
+          </p:nvPr>
+        </p:nvPicPr>
+        <p:blipFill>
+          <a:blip r:embed="rId2"/>
+          <a:stretch>
+            <a:fillRect/>
+          </a:stretch>
+        </p:blipFill>
+        <p:spPr>
+          <a:xfrm>
+            <a:off x="3536739" y="2292350"/>
+            <a:ext cx="5018509" cy="3636963"/>
+          </a:xfrm>
+        </p:spPr>
+      </p:pic>
+    </p:spTree>
+    <p:extLst>
+      <p:ext uri="{BB962C8B-B14F-4D97-AF65-F5344CB8AC3E}">
+        <p14:creationId xmlns:p14="http://schemas.microsoft.com/office/powerpoint/2010/main" val="1263016879"/>
+      </p:ext>
+    </p:extLst>
+  </p:cSld>
+  <p:clrMapOvr>
+    <a:masterClrMapping/>
+  </p:clrMapOvr>
+</p:sld>
+</file>
+
+<file path=ppt/slides/slide12.xml><?xml version="1.0" encoding="utf-8"?>
+<p:sld xmlns:a="http://schemas.openxmlformats.org/drawingml/2006/main" xmlns:r="http://schemas.openxmlformats.org/officeDocument/2006/relationships" xmlns:p="http://schemas.openxmlformats.org/presentationml/2006/main">
+  <p:cSld>
+    <p:spTree>
+      <p:nvGrpSpPr>
+        <p:cNvPr id="1" name=""/>
+        <p:cNvGrpSpPr/>
+        <p:nvPr/>
+      </p:nvGrpSpPr>
+      <p:grpSpPr>
+        <a:xfrm>
+          <a:off x="0" y="0"/>
+          <a:ext cx="0" cy="0"/>
+          <a:chOff x="0" y="0"/>
+          <a:chExt cx="0" cy="0"/>
+        </a:xfrm>
+      </p:grpSpPr>
+      <p:sp>
+        <p:nvSpPr>
+          <p:cNvPr id="2" name="Título 1">
+            <a:extLst>
+              <a:ext uri="{FF2B5EF4-FFF2-40B4-BE49-F238E27FC236}">
+                <a16:creationId xmlns:a16="http://schemas.microsoft.com/office/drawing/2014/main" id="{65A08498-8E20-C6D7-FC57-74E054F87AAB}"/>
+              </a:ext>
+            </a:extLst>
+          </p:cNvPr>
+          <p:cNvSpPr>
+            <a:spLocks noGrp="1"/>
+          </p:cNvSpPr>
+          <p:nvPr>
+            <p:ph type="title"/>
+          </p:nvPr>
+        </p:nvSpPr>
+        <p:spPr/>
+        <p:txBody>
+          <a:bodyPr/>
+          <a:lstStyle/>
+          <a:p>
+            <a:r>
+              <a:rPr lang="en-US" dirty="0" err="1"/>
+              <a:t>Cruzar</a:t>
+            </a:r>
+            <a:endParaRPr lang="pt-BR" dirty="0"/>
+          </a:p>
+        </p:txBody>
+      </p:sp>
+      <p:pic>
+        <p:nvPicPr>
+          <p:cNvPr id="8" name="Espaço Reservado para Conteúdo 7">
+            <a:extLst>
+              <a:ext uri="{FF2B5EF4-FFF2-40B4-BE49-F238E27FC236}">
+                <a16:creationId xmlns:a16="http://schemas.microsoft.com/office/drawing/2014/main" id="{ABA198FA-67A4-CE3C-13E3-6E0A6C2181B2}"/>
+              </a:ext>
+            </a:extLst>
+          </p:cNvPr>
+          <p:cNvPicPr>
+            <a:picLocks noGrp="1" noChangeAspect="1"/>
+          </p:cNvPicPr>
+          <p:nvPr>
+            <p:ph idx="1"/>
+          </p:nvPr>
+        </p:nvPicPr>
+        <p:blipFill>
+          <a:blip r:embed="rId2"/>
+          <a:stretch>
+            <a:fillRect/>
+          </a:stretch>
+        </p:blipFill>
+        <p:spPr>
+          <a:xfrm>
+            <a:off x="3128179" y="2292350"/>
+            <a:ext cx="5835630" cy="3636963"/>
+          </a:xfrm>
+        </p:spPr>
+      </p:pic>
+      <p:sp>
+        <p:nvSpPr>
+          <p:cNvPr id="4" name="Espaço Reservado para Data 3">
+            <a:extLst>
+              <a:ext uri="{FF2B5EF4-FFF2-40B4-BE49-F238E27FC236}">
+                <a16:creationId xmlns:a16="http://schemas.microsoft.com/office/drawing/2014/main" id="{DDD423FD-3088-24DF-65C4-6E089852B8BD}"/>
+              </a:ext>
+            </a:extLst>
+          </p:cNvPr>
+          <p:cNvSpPr>
+            <a:spLocks noGrp="1"/>
+          </p:cNvSpPr>
+          <p:nvPr>
+            <p:ph type="dt" sz="half" idx="10"/>
+          </p:nvPr>
+        </p:nvSpPr>
+        <p:spPr/>
+        <p:txBody>
+          <a:bodyPr/>
+          <a:lstStyle/>
+          <a:p>
+            <a:fld id="{009D968C-625B-47F0-B62F-EB6C249362F7}" type="datetime1">
+              <a:rPr lang="en-US" smtClean="0"/>
+              <a:t>6/7/2024</a:t>
+            </a:fld>
+            <a:endParaRPr lang="en-US"/>
+          </a:p>
+        </p:txBody>
+      </p:sp>
+      <p:sp>
+        <p:nvSpPr>
+          <p:cNvPr id="5" name="Espaço Reservado para Rodapé 4">
+            <a:extLst>
+              <a:ext uri="{FF2B5EF4-FFF2-40B4-BE49-F238E27FC236}">
+                <a16:creationId xmlns:a16="http://schemas.microsoft.com/office/drawing/2014/main" id="{95199B30-4980-2897-559F-CF804A24A8CC}"/>
+              </a:ext>
+            </a:extLst>
+          </p:cNvPr>
+          <p:cNvSpPr>
+            <a:spLocks noGrp="1"/>
+          </p:cNvSpPr>
+          <p:nvPr>
+            <p:ph type="ftr" sz="quarter" idx="11"/>
+          </p:nvPr>
+        </p:nvSpPr>
+        <p:spPr/>
+        <p:txBody>
+          <a:bodyPr/>
+          <a:lstStyle/>
+          <a:p>
+            <a:r>
+              <a:rPr lang="en-US"/>
+              <a:t>
+              </a:t>
+            </a:r>
+          </a:p>
+        </p:txBody>
+      </p:sp>
+      <p:sp>
+        <p:nvSpPr>
+          <p:cNvPr id="6" name="Espaço Reservado para Número de Slide 5">
+            <a:extLst>
+              <a:ext uri="{FF2B5EF4-FFF2-40B4-BE49-F238E27FC236}">
+                <a16:creationId xmlns:a16="http://schemas.microsoft.com/office/drawing/2014/main" id="{8EBE1C25-ED5D-AF40-1210-C151D9A3F825}"/>
+              </a:ext>
+            </a:extLst>
+          </p:cNvPr>
+          <p:cNvSpPr>
+            <a:spLocks noGrp="1"/>
+          </p:cNvSpPr>
+          <p:nvPr>
+            <p:ph type="sldNum" sz="quarter" idx="12"/>
+          </p:nvPr>
+        </p:nvSpPr>
+        <p:spPr/>
+        <p:txBody>
+          <a:bodyPr/>
+          <a:lstStyle/>
+          <a:p>
+            <a:fld id="{E30AF5A0-43BB-4336-8627-9123B9144D80}" type="slidenum">
+              <a:rPr lang="en-US" smtClean="0"/>
+              <a:t>12</a:t>
+            </a:fld>
+            <a:endParaRPr lang="en-US"/>
+          </a:p>
+        </p:txBody>
+      </p:sp>
+    </p:spTree>
+    <p:extLst>
+      <p:ext uri="{BB962C8B-B14F-4D97-AF65-F5344CB8AC3E}">
+        <p14:creationId xmlns:p14="http://schemas.microsoft.com/office/powerpoint/2010/main" val="667377066"/>
+      </p:ext>
+    </p:extLst>
+  </p:cSld>
+  <p:clrMapOvr>
+    <a:masterClrMapping/>
+  </p:clrMapOvr>
+</p:sld>
+</file>
+
+<file path=ppt/slides/slide13.xml><?xml version="1.0" encoding="utf-8"?>
+<p:sld xmlns:a="http://schemas.openxmlformats.org/drawingml/2006/main" xmlns:r="http://schemas.openxmlformats.org/officeDocument/2006/relationships" xmlns:p="http://schemas.openxmlformats.org/presentationml/2006/main">
+  <p:cSld>
+    <p:spTree>
+      <p:nvGrpSpPr>
+        <p:cNvPr id="1" name=""/>
+        <p:cNvGrpSpPr/>
+        <p:nvPr/>
+      </p:nvGrpSpPr>
+      <p:grpSpPr>
+        <a:xfrm>
+          <a:off x="0" y="0"/>
+          <a:ext cx="0" cy="0"/>
+          <a:chOff x="0" y="0"/>
+          <a:chExt cx="0" cy="0"/>
+        </a:xfrm>
+      </p:grpSpPr>
+      <p:sp>
+        <p:nvSpPr>
+          <p:cNvPr id="2" name="Título 1">
+            <a:extLst>
+              <a:ext uri="{FF2B5EF4-FFF2-40B4-BE49-F238E27FC236}">
+                <a16:creationId xmlns:a16="http://schemas.microsoft.com/office/drawing/2014/main" id="{520FF987-8F20-74C7-247F-F229A4E0AC5D}"/>
+              </a:ext>
+            </a:extLst>
+          </p:cNvPr>
+          <p:cNvSpPr>
+            <a:spLocks noGrp="1"/>
+          </p:cNvSpPr>
+          <p:nvPr>
+            <p:ph type="title"/>
+          </p:nvPr>
+        </p:nvSpPr>
+        <p:spPr/>
+        <p:txBody>
+          <a:bodyPr/>
+          <a:lstStyle/>
+          <a:p>
+            <a:r>
+              <a:rPr lang="en-US" dirty="0" err="1"/>
+              <a:t>Cruzar</a:t>
+            </a:r>
+            <a:endParaRPr lang="pt-BR" dirty="0"/>
+          </a:p>
+        </p:txBody>
+      </p:sp>
+      <p:pic>
+        <p:nvPicPr>
+          <p:cNvPr id="8" name="Espaço Reservado para Conteúdo 7">
+            <a:extLst>
+              <a:ext uri="{FF2B5EF4-FFF2-40B4-BE49-F238E27FC236}">
+                <a16:creationId xmlns:a16="http://schemas.microsoft.com/office/drawing/2014/main" id="{A623DDB0-9C55-CAF5-34E3-D39F4FFCF827}"/>
+              </a:ext>
+            </a:extLst>
+          </p:cNvPr>
+          <p:cNvPicPr>
+            <a:picLocks noGrp="1" noChangeAspect="1"/>
+          </p:cNvPicPr>
+          <p:nvPr>
+            <p:ph idx="1"/>
+          </p:nvPr>
+        </p:nvPicPr>
+        <p:blipFill>
+          <a:blip r:embed="rId2"/>
+          <a:stretch>
+            <a:fillRect/>
+          </a:stretch>
+        </p:blipFill>
+        <p:spPr>
+          <a:xfrm>
+            <a:off x="3746554" y="2292350"/>
+            <a:ext cx="4598880" cy="3636963"/>
+          </a:xfrm>
+        </p:spPr>
+      </p:pic>
+      <p:sp>
+        <p:nvSpPr>
+          <p:cNvPr id="4" name="Espaço Reservado para Data 3">
+            <a:extLst>
+              <a:ext uri="{FF2B5EF4-FFF2-40B4-BE49-F238E27FC236}">
+                <a16:creationId xmlns:a16="http://schemas.microsoft.com/office/drawing/2014/main" id="{445BA15A-85C9-6D56-8B0A-83BB510CD427}"/>
+              </a:ext>
+            </a:extLst>
+          </p:cNvPr>
+          <p:cNvSpPr>
+            <a:spLocks noGrp="1"/>
+          </p:cNvSpPr>
+          <p:nvPr>
+            <p:ph type="dt" sz="half" idx="10"/>
+          </p:nvPr>
+        </p:nvSpPr>
+        <p:spPr/>
+        <p:txBody>
+          <a:bodyPr/>
+          <a:lstStyle/>
+          <a:p>
+            <a:fld id="{DF8BD82C-ACDE-4082-B9F6-A708B337CC1C}" type="datetime1">
+              <a:rPr lang="en-US" smtClean="0"/>
+              <a:t>6/7/2024</a:t>
+            </a:fld>
+            <a:endParaRPr lang="en-US"/>
+          </a:p>
+        </p:txBody>
+      </p:sp>
+      <p:sp>
+        <p:nvSpPr>
+          <p:cNvPr id="5" name="Espaço Reservado para Rodapé 4">
+            <a:extLst>
+              <a:ext uri="{FF2B5EF4-FFF2-40B4-BE49-F238E27FC236}">
+                <a16:creationId xmlns:a16="http://schemas.microsoft.com/office/drawing/2014/main" id="{59905869-2BEC-BA8A-AB17-C8C1D46FA323}"/>
+              </a:ext>
+            </a:extLst>
+          </p:cNvPr>
+          <p:cNvSpPr>
+            <a:spLocks noGrp="1"/>
+          </p:cNvSpPr>
+          <p:nvPr>
+            <p:ph type="ftr" sz="quarter" idx="11"/>
+          </p:nvPr>
+        </p:nvSpPr>
+        <p:spPr/>
+        <p:txBody>
+          <a:bodyPr/>
+          <a:lstStyle/>
+          <a:p>
+            <a:r>
+              <a:rPr lang="en-US"/>
+              <a:t>
+              </a:t>
+            </a:r>
+          </a:p>
+        </p:txBody>
+      </p:sp>
+      <p:sp>
+        <p:nvSpPr>
+          <p:cNvPr id="6" name="Espaço Reservado para Número de Slide 5">
+            <a:extLst>
+              <a:ext uri="{FF2B5EF4-FFF2-40B4-BE49-F238E27FC236}">
+                <a16:creationId xmlns:a16="http://schemas.microsoft.com/office/drawing/2014/main" id="{29C746E7-E799-6D01-34E4-066C4E80A957}"/>
+              </a:ext>
+            </a:extLst>
+          </p:cNvPr>
+          <p:cNvSpPr>
+            <a:spLocks noGrp="1"/>
+          </p:cNvSpPr>
+          <p:nvPr>
+            <p:ph type="sldNum" sz="quarter" idx="12"/>
+          </p:nvPr>
+        </p:nvSpPr>
+        <p:spPr/>
+        <p:txBody>
+          <a:bodyPr/>
+          <a:lstStyle/>
+          <a:p>
+            <a:fld id="{E30AF5A0-43BB-4336-8627-9123B9144D80}" type="slidenum">
+              <a:rPr lang="en-US" smtClean="0"/>
+              <a:t>13</a:t>
+            </a:fld>
+            <a:endParaRPr lang="en-US"/>
+          </a:p>
+        </p:txBody>
+      </p:sp>
+    </p:spTree>
+    <p:extLst>
+      <p:ext uri="{BB962C8B-B14F-4D97-AF65-F5344CB8AC3E}">
+        <p14:creationId xmlns:p14="http://schemas.microsoft.com/office/powerpoint/2010/main" val="2659024505"/>
+      </p:ext>
+    </p:extLst>
+  </p:cSld>
+  <p:clrMapOvr>
+    <a:masterClrMapping/>
+  </p:clrMapOvr>
+</p:sld>
+</file>
+
+<file path=ppt/slides/slide14.xml><?xml version="1.0" encoding="utf-8"?>
+<p:sld xmlns:a="http://schemas.openxmlformats.org/drawingml/2006/main" xmlns:r="http://schemas.openxmlformats.org/officeDocument/2006/relationships" xmlns:p="http://schemas.openxmlformats.org/presentationml/2006/main">
+  <p:cSld>
+    <p:spTree>
+      <p:nvGrpSpPr>
+        <p:cNvPr id="1" name=""/>
+        <p:cNvGrpSpPr/>
+        <p:nvPr/>
+      </p:nvGrpSpPr>
+      <p:grpSpPr>
+        <a:xfrm>
+          <a:off x="0" y="0"/>
+          <a:ext cx="0" cy="0"/>
+          <a:chOff x="0" y="0"/>
+          <a:chExt cx="0" cy="0"/>
+        </a:xfrm>
+      </p:grpSpPr>
+      <p:sp>
+        <p:nvSpPr>
+          <p:cNvPr id="2" name="Título 1">
+            <a:extLst>
+              <a:ext uri="{FF2B5EF4-FFF2-40B4-BE49-F238E27FC236}">
+                <a16:creationId xmlns:a16="http://schemas.microsoft.com/office/drawing/2014/main" id="{018C20C9-27A2-74EE-63CF-C4BA494F26AC}"/>
+              </a:ext>
+            </a:extLst>
+          </p:cNvPr>
+          <p:cNvSpPr>
+            <a:spLocks noGrp="1"/>
+          </p:cNvSpPr>
+          <p:nvPr>
+            <p:ph type="title"/>
+          </p:nvPr>
+        </p:nvSpPr>
+        <p:spPr/>
+        <p:txBody>
+          <a:bodyPr/>
+          <a:lstStyle/>
+          <a:p>
+            <a:r>
+              <a:rPr lang="en-US" dirty="0" err="1"/>
+              <a:t>mutar</a:t>
+            </a:r>
+            <a:endParaRPr lang="pt-BR" dirty="0"/>
+          </a:p>
+        </p:txBody>
+      </p:sp>
+      <p:pic>
+        <p:nvPicPr>
+          <p:cNvPr id="8" name="Espaço Reservado para Conteúdo 7">
+            <a:extLst>
+              <a:ext uri="{FF2B5EF4-FFF2-40B4-BE49-F238E27FC236}">
+                <a16:creationId xmlns:a16="http://schemas.microsoft.com/office/drawing/2014/main" id="{9E437DA5-07E1-0C32-C2FC-E6EFBAA783DD}"/>
+              </a:ext>
+            </a:extLst>
+          </p:cNvPr>
+          <p:cNvPicPr>
+            <a:picLocks noGrp="1" noChangeAspect="1"/>
+          </p:cNvPicPr>
+          <p:nvPr>
+            <p:ph idx="1"/>
+          </p:nvPr>
+        </p:nvPicPr>
+        <p:blipFill>
+          <a:blip r:embed="rId2"/>
+          <a:stretch>
+            <a:fillRect/>
+          </a:stretch>
+        </p:blipFill>
+        <p:spPr>
+          <a:xfrm>
+            <a:off x="1975747" y="2292350"/>
+            <a:ext cx="8140494" cy="3636963"/>
+          </a:xfrm>
+        </p:spPr>
+      </p:pic>
+      <p:sp>
+        <p:nvSpPr>
+          <p:cNvPr id="4" name="Espaço Reservado para Data 3">
+            <a:extLst>
+              <a:ext uri="{FF2B5EF4-FFF2-40B4-BE49-F238E27FC236}">
+                <a16:creationId xmlns:a16="http://schemas.microsoft.com/office/drawing/2014/main" id="{566ED2F7-E36F-2241-8F27-2DA7A0C8224B}"/>
+              </a:ext>
+            </a:extLst>
+          </p:cNvPr>
+          <p:cNvSpPr>
+            <a:spLocks noGrp="1"/>
+          </p:cNvSpPr>
+          <p:nvPr>
+            <p:ph type="dt" sz="half" idx="10"/>
+          </p:nvPr>
+        </p:nvSpPr>
+        <p:spPr/>
+        <p:txBody>
+          <a:bodyPr/>
+          <a:lstStyle/>
+          <a:p>
+            <a:fld id="{A80E877E-3FE5-4B59-B391-D231086725DA}" type="datetime1">
+              <a:rPr lang="en-US" smtClean="0"/>
+              <a:t>6/7/2024</a:t>
+            </a:fld>
+            <a:endParaRPr lang="en-US"/>
+          </a:p>
+        </p:txBody>
+      </p:sp>
+      <p:sp>
+        <p:nvSpPr>
+          <p:cNvPr id="5" name="Espaço Reservado para Rodapé 4">
+            <a:extLst>
+              <a:ext uri="{FF2B5EF4-FFF2-40B4-BE49-F238E27FC236}">
+                <a16:creationId xmlns:a16="http://schemas.microsoft.com/office/drawing/2014/main" id="{B5EE8EE6-BA41-73A3-985E-3DC5924FD2B5}"/>
+              </a:ext>
+            </a:extLst>
+          </p:cNvPr>
+          <p:cNvSpPr>
+            <a:spLocks noGrp="1"/>
+          </p:cNvSpPr>
+          <p:nvPr>
+            <p:ph type="ftr" sz="quarter" idx="11"/>
+          </p:nvPr>
+        </p:nvSpPr>
+        <p:spPr/>
+        <p:txBody>
+          <a:bodyPr/>
+          <a:lstStyle/>
+          <a:p>
+            <a:r>
+              <a:rPr lang="en-US"/>
+              <a:t>
+              </a:t>
+            </a:r>
+          </a:p>
+        </p:txBody>
+      </p:sp>
+      <p:sp>
+        <p:nvSpPr>
+          <p:cNvPr id="6" name="Espaço Reservado para Número de Slide 5">
+            <a:extLst>
+              <a:ext uri="{FF2B5EF4-FFF2-40B4-BE49-F238E27FC236}">
+                <a16:creationId xmlns:a16="http://schemas.microsoft.com/office/drawing/2014/main" id="{3D591E3E-DF9B-1770-4961-944FD85D0CB6}"/>
+              </a:ext>
+            </a:extLst>
+          </p:cNvPr>
+          <p:cNvSpPr>
+            <a:spLocks noGrp="1"/>
+          </p:cNvSpPr>
+          <p:nvPr>
+            <p:ph type="sldNum" sz="quarter" idx="12"/>
+          </p:nvPr>
+        </p:nvSpPr>
+        <p:spPr/>
+        <p:txBody>
+          <a:bodyPr/>
+          <a:lstStyle/>
+          <a:p>
+            <a:fld id="{E30AF5A0-43BB-4336-8627-9123B9144D80}" type="slidenum">
+              <a:rPr lang="en-US" smtClean="0"/>
+              <a:t>14</a:t>
+            </a:fld>
+            <a:endParaRPr lang="en-US"/>
+          </a:p>
+        </p:txBody>
+      </p:sp>
+    </p:spTree>
+    <p:extLst>
+      <p:ext uri="{BB962C8B-B14F-4D97-AF65-F5344CB8AC3E}">
+        <p14:creationId xmlns:p14="http://schemas.microsoft.com/office/powerpoint/2010/main" val="1153746742"/>
+      </p:ext>
+    </p:extLst>
+  </p:cSld>
+  <p:clrMapOvr>
+    <a:masterClrMapping/>
+  </p:clrMapOvr>
+</p:sld>
+</file>
+
+<file path=ppt/slides/slide15.xml><?xml version="1.0" encoding="utf-8"?>
+<p:sld xmlns:a="http://schemas.openxmlformats.org/drawingml/2006/main" xmlns:r="http://schemas.openxmlformats.org/officeDocument/2006/relationships" xmlns:p="http://schemas.openxmlformats.org/presentationml/2006/main">
+  <p:cSld>
+    <p:spTree>
+      <p:nvGrpSpPr>
+        <p:cNvPr id="1" name=""/>
+        <p:cNvGrpSpPr/>
+        <p:nvPr/>
+      </p:nvGrpSpPr>
+      <p:grpSpPr>
+        <a:xfrm>
+          <a:off x="0" y="0"/>
+          <a:ext cx="0" cy="0"/>
+          <a:chOff x="0" y="0"/>
+          <a:chExt cx="0" cy="0"/>
+        </a:xfrm>
+      </p:grpSpPr>
+      <p:sp>
+        <p:nvSpPr>
+          <p:cNvPr id="2" name="Título 1">
+            <a:extLst>
+              <a:ext uri="{FF2B5EF4-FFF2-40B4-BE49-F238E27FC236}">
+                <a16:creationId xmlns:a16="http://schemas.microsoft.com/office/drawing/2014/main" id="{4E319447-D02E-7C4B-241A-4A96C7ABC44D}"/>
+              </a:ext>
+            </a:extLst>
+          </p:cNvPr>
+          <p:cNvSpPr>
+            <a:spLocks noGrp="1"/>
+          </p:cNvSpPr>
+          <p:nvPr>
+            <p:ph type="title"/>
+          </p:nvPr>
+        </p:nvSpPr>
+        <p:spPr/>
+        <p:txBody>
+          <a:bodyPr/>
+          <a:lstStyle/>
+          <a:p>
+            <a:r>
+              <a:rPr lang="en-US" err="1"/>
+              <a:t>Referências</a:t>
+            </a:r>
+            <a:r>
+              <a:rPr lang="en-US"/>
+              <a:t> </a:t>
+            </a:r>
+            <a:r>
+              <a:rPr lang="en-US" err="1"/>
+              <a:t>bibliográficas</a:t>
+            </a:r>
+            <a:endParaRPr lang="pt-BR"/>
+          </a:p>
+        </p:txBody>
+      </p:sp>
+      <p:sp>
+        <p:nvSpPr>
+          <p:cNvPr id="3" name="Espaço Reservado para Conteúdo 2">
+            <a:extLst>
+              <a:ext uri="{FF2B5EF4-FFF2-40B4-BE49-F238E27FC236}">
+                <a16:creationId xmlns:a16="http://schemas.microsoft.com/office/drawing/2014/main" id="{DF5ABD57-ADCB-25E7-5CDB-095C18654DD9}"/>
+              </a:ext>
+            </a:extLst>
+          </p:cNvPr>
+          <p:cNvSpPr>
+            <a:spLocks noGrp="1"/>
+          </p:cNvSpPr>
+          <p:nvPr>
+            <p:ph idx="1"/>
+          </p:nvPr>
+        </p:nvSpPr>
+        <p:spPr/>
+        <p:txBody>
+          <a:bodyPr vert="horz" lIns="91440" tIns="45720" rIns="91440" bIns="45720" rtlCol="0" anchor="t">
+            <a:normAutofit lnSpcReduction="10000"/>
+          </a:bodyPr>
+          <a:lstStyle/>
+          <a:p>
+            <a:r>
+              <a:rPr lang="pt-BR" dirty="0"/>
+              <a:t>‌SHENDY, R. </a:t>
+            </a:r>
+            <a:r>
+              <a:rPr lang="pt-BR" b="1" dirty="0" err="1"/>
+              <a:t>Traveling</a:t>
+            </a:r>
+            <a:r>
+              <a:rPr lang="pt-BR" b="1" dirty="0"/>
+              <a:t> </a:t>
+            </a:r>
+            <a:r>
+              <a:rPr lang="pt-BR" b="1" dirty="0" err="1"/>
+              <a:t>Salesman</a:t>
+            </a:r>
+            <a:r>
+              <a:rPr lang="pt-BR" b="1" dirty="0"/>
+              <a:t> </a:t>
+            </a:r>
+            <a:r>
+              <a:rPr lang="pt-BR" b="1" dirty="0" err="1"/>
+              <a:t>Problem</a:t>
+            </a:r>
+            <a:r>
+              <a:rPr lang="pt-BR" b="1" dirty="0"/>
+              <a:t> (TSP) </a:t>
+            </a:r>
+            <a:r>
+              <a:rPr lang="pt-BR" b="1" dirty="0" err="1"/>
+              <a:t>using</a:t>
+            </a:r>
+            <a:r>
+              <a:rPr lang="pt-BR" b="1" dirty="0"/>
+              <a:t> </a:t>
+            </a:r>
+            <a:r>
+              <a:rPr lang="pt-BR" b="1" dirty="0" err="1"/>
+              <a:t>Genetic</a:t>
+            </a:r>
+            <a:r>
+              <a:rPr lang="pt-BR" b="1" dirty="0"/>
+              <a:t> </a:t>
+            </a:r>
+            <a:r>
+              <a:rPr lang="pt-BR" b="1" dirty="0" err="1"/>
+              <a:t>Algorithm</a:t>
+            </a:r>
+            <a:r>
+              <a:rPr lang="pt-BR" b="1" dirty="0"/>
+              <a:t> (Python)</a:t>
+            </a:r>
+            <a:r>
+              <a:rPr lang="pt-BR" dirty="0"/>
+              <a:t>. Disponível em: &lt;https://medium.com/</a:t>
+            </a:r>
+            <a:r>
+              <a:rPr lang="pt-BR" dirty="0" err="1"/>
+              <a:t>aimonks</a:t>
+            </a:r>
+            <a:r>
+              <a:rPr lang="pt-BR" dirty="0"/>
+              <a:t>/traveling-salesman-problem-tsp-using-genetic-algorithm-fea640713758&gt;.</a:t>
+            </a:r>
+            <a:endParaRPr lang="en-US" dirty="0">
+              <a:ea typeface="+mn-lt"/>
+              <a:cs typeface="+mn-lt"/>
+            </a:endParaRPr>
+          </a:p>
+          <a:p>
+            <a:r>
+              <a:rPr lang="pt-BR" b="1" dirty="0" err="1"/>
+              <a:t>Traveling</a:t>
+            </a:r>
+            <a:r>
+              <a:rPr lang="pt-BR" b="1" dirty="0"/>
+              <a:t> </a:t>
+            </a:r>
+            <a:r>
+              <a:rPr lang="pt-BR" b="1" dirty="0" err="1"/>
+              <a:t>Salesman</a:t>
+            </a:r>
+            <a:r>
+              <a:rPr lang="pt-BR" b="1" dirty="0"/>
+              <a:t> </a:t>
+            </a:r>
+            <a:r>
+              <a:rPr lang="pt-BR" b="1" dirty="0" err="1"/>
+              <a:t>Problem</a:t>
+            </a:r>
+            <a:r>
+              <a:rPr lang="pt-BR" b="1" dirty="0"/>
+              <a:t> </a:t>
+            </a:r>
+            <a:r>
+              <a:rPr lang="pt-BR" b="1" dirty="0" err="1"/>
+              <a:t>using</a:t>
+            </a:r>
+            <a:r>
+              <a:rPr lang="pt-BR" b="1" dirty="0"/>
+              <a:t> </a:t>
+            </a:r>
+            <a:r>
+              <a:rPr lang="pt-BR" b="1" dirty="0" err="1"/>
+              <a:t>Genetic</a:t>
+            </a:r>
+            <a:r>
+              <a:rPr lang="pt-BR" b="1" dirty="0"/>
+              <a:t> </a:t>
+            </a:r>
+            <a:r>
+              <a:rPr lang="pt-BR" b="1" dirty="0" err="1"/>
+              <a:t>Algorithm</a:t>
+            </a:r>
+            <a:r>
+              <a:rPr lang="pt-BR" dirty="0"/>
+              <a:t>.</a:t>
+            </a:r>
+            <a:r>
+              <a:rPr lang="pt-BR" b="1" dirty="0"/>
+              <a:t> </a:t>
+            </a:r>
+            <a:r>
+              <a:rPr lang="pt-BR" dirty="0"/>
+              <a:t>Disponível em: &lt;https://www.geeksforgeeks.org/</a:t>
+            </a:r>
+            <a:r>
+              <a:rPr lang="pt-BR" dirty="0" err="1"/>
+              <a:t>traveling-salesman-problem-using-genetic-algorithm</a:t>
+            </a:r>
+            <a:r>
+              <a:rPr lang="pt-BR" dirty="0"/>
+              <a:t>/&gt;.</a:t>
+            </a:r>
+          </a:p>
+          <a:p>
+            <a:r>
+              <a:rPr lang="pt-BR" dirty="0"/>
+              <a:t>WIKIPEDIA CONTRIBUTORS. </a:t>
+            </a:r>
+            <a:r>
+              <a:rPr lang="pt-BR" b="1" dirty="0" err="1"/>
+              <a:t>Genetic</a:t>
+            </a:r>
+            <a:r>
+              <a:rPr lang="pt-BR" b="1" dirty="0"/>
+              <a:t> </a:t>
+            </a:r>
+            <a:r>
+              <a:rPr lang="pt-BR" b="1" dirty="0" err="1"/>
+              <a:t>algorithm</a:t>
+            </a:r>
+            <a:r>
+              <a:rPr lang="pt-BR" dirty="0"/>
+              <a:t>. Disponível em: &lt;https://en.wikipedia.org/wiki/</a:t>
+            </a:r>
+            <a:r>
+              <a:rPr lang="pt-BR" dirty="0" err="1"/>
+              <a:t>Genetic_algorithm</a:t>
+            </a:r>
+            <a:r>
+              <a:rPr lang="pt-BR" dirty="0"/>
+              <a:t>&gt;.</a:t>
+            </a:r>
+            <a:endParaRPr lang="pt-BR" dirty="0">
+              <a:ea typeface="+mn-lt"/>
+              <a:cs typeface="+mn-lt"/>
+            </a:endParaRPr>
+          </a:p>
+          <a:p>
+            <a:r>
+              <a:rPr lang="pt-BR" dirty="0">
+                <a:ea typeface="+mn-lt"/>
+                <a:cs typeface="+mn-lt"/>
+              </a:rPr>
+              <a:t>WIKIPEDIA CONTRIBUTORS. </a:t>
+            </a:r>
+            <a:r>
+              <a:rPr lang="pt-BR" b="1" dirty="0" err="1">
+                <a:ea typeface="+mn-lt"/>
+                <a:cs typeface="+mn-lt"/>
+              </a:rPr>
+              <a:t>Travelling</a:t>
+            </a:r>
+            <a:r>
+              <a:rPr lang="pt-BR" b="1" dirty="0">
+                <a:ea typeface="+mn-lt"/>
+                <a:cs typeface="+mn-lt"/>
+              </a:rPr>
+              <a:t> </a:t>
+            </a:r>
+            <a:r>
+              <a:rPr lang="pt-BR" b="1" dirty="0" err="1">
+                <a:ea typeface="+mn-lt"/>
+                <a:cs typeface="+mn-lt"/>
+              </a:rPr>
+              <a:t>salesman</a:t>
+            </a:r>
+            <a:r>
+              <a:rPr lang="pt-BR" b="1" dirty="0">
+                <a:ea typeface="+mn-lt"/>
+                <a:cs typeface="+mn-lt"/>
+              </a:rPr>
+              <a:t> problem</a:t>
+            </a:r>
+            <a:r>
+              <a:rPr lang="pt-BR" dirty="0">
+                <a:ea typeface="+mn-lt"/>
+                <a:cs typeface="+mn-lt"/>
+              </a:rPr>
+              <a:t>.</a:t>
+            </a:r>
+            <a:r>
+              <a:rPr lang="pt-BR" b="1" dirty="0">
+                <a:ea typeface="+mn-lt"/>
+                <a:cs typeface="+mn-lt"/>
+              </a:rPr>
+              <a:t> </a:t>
+            </a:r>
+            <a:r>
+              <a:rPr lang="pt-BR" dirty="0">
+                <a:ea typeface="+mn-lt"/>
+                <a:cs typeface="+mn-lt"/>
+              </a:rPr>
+              <a:t>Disponível em: &lt;https://en.wikipedia.org/w/</a:t>
+            </a:r>
+            <a:r>
+              <a:rPr lang="pt-BR" dirty="0" err="1">
+                <a:ea typeface="+mn-lt"/>
+                <a:cs typeface="+mn-lt"/>
+              </a:rPr>
+              <a:t>index.php?title</a:t>
+            </a:r>
+            <a:r>
+              <a:rPr lang="pt-BR" dirty="0">
+                <a:ea typeface="+mn-lt"/>
+                <a:cs typeface="+mn-lt"/>
+              </a:rPr>
+              <a:t>=</a:t>
+            </a:r>
+            <a:r>
+              <a:rPr lang="pt-BR" dirty="0" err="1">
+                <a:ea typeface="+mn-lt"/>
+                <a:cs typeface="+mn-lt"/>
+              </a:rPr>
+              <a:t>Travelling_salesman_problem&amp;oldid</a:t>
+            </a:r>
+            <a:r>
+              <a:rPr lang="pt-BR" dirty="0">
+                <a:ea typeface="+mn-lt"/>
+                <a:cs typeface="+mn-lt"/>
+              </a:rPr>
+              <a:t>=1225477054&gt;.</a:t>
+            </a:r>
+            <a:endParaRPr lang="pt-BR" dirty="0"/>
+          </a:p>
+          <a:p>
+            <a:endParaRPr lang="pt-BR" dirty="0"/>
+          </a:p>
+          <a:p>
+            <a:endParaRPr lang="pt-BR" dirty="0"/>
+          </a:p>
+        </p:txBody>
+      </p:sp>
+      <p:sp>
+        <p:nvSpPr>
+          <p:cNvPr id="4" name="Espaço Reservado para Data 3">
+            <a:extLst>
+              <a:ext uri="{FF2B5EF4-FFF2-40B4-BE49-F238E27FC236}">
+                <a16:creationId xmlns:a16="http://schemas.microsoft.com/office/drawing/2014/main" id="{E575A558-438B-6388-C74A-CB3D2C97D3F8}"/>
+              </a:ext>
+            </a:extLst>
+          </p:cNvPr>
+          <p:cNvSpPr>
+            <a:spLocks noGrp="1"/>
+          </p:cNvSpPr>
+          <p:nvPr>
+            <p:ph type="dt" sz="half" idx="10"/>
+          </p:nvPr>
+        </p:nvSpPr>
+        <p:spPr/>
+        <p:txBody>
+          <a:bodyPr/>
+          <a:lstStyle/>
+          <a:p>
+            <a:fld id="{5C0E8BC3-A60E-4E31-8AE4-2BE08893AD21}" type="datetime1">
+              <a:rPr lang="en-US" smtClean="0"/>
+              <a:t>6/7/2024</a:t>
+            </a:fld>
+            <a:endParaRPr lang="en-US"/>
+          </a:p>
+        </p:txBody>
+      </p:sp>
+      <p:sp>
+        <p:nvSpPr>
+          <p:cNvPr id="5" name="Espaço Reservado para Rodapé 4">
+            <a:extLst>
+              <a:ext uri="{FF2B5EF4-FFF2-40B4-BE49-F238E27FC236}">
+                <a16:creationId xmlns:a16="http://schemas.microsoft.com/office/drawing/2014/main" id="{5792529F-47F6-73F8-4E0C-FA5B71473D22}"/>
+              </a:ext>
+            </a:extLst>
+          </p:cNvPr>
+          <p:cNvSpPr>
+            <a:spLocks noGrp="1"/>
+          </p:cNvSpPr>
+          <p:nvPr>
+            <p:ph type="ftr" sz="quarter" idx="11"/>
+          </p:nvPr>
+        </p:nvSpPr>
+        <p:spPr/>
+        <p:txBody>
+          <a:bodyPr/>
+          <a:lstStyle/>
+          <a:p>
+            <a:r>
+              <a:rPr lang="en-US"/>
+              <a:t>
+              </a:t>
+            </a:r>
+          </a:p>
+        </p:txBody>
+      </p:sp>
+      <p:sp>
+        <p:nvSpPr>
+          <p:cNvPr id="6" name="Espaço Reservado para Número de Slide 5">
+            <a:extLst>
+              <a:ext uri="{FF2B5EF4-FFF2-40B4-BE49-F238E27FC236}">
+                <a16:creationId xmlns:a16="http://schemas.microsoft.com/office/drawing/2014/main" id="{6590052F-4EE3-8698-0A10-CB8C4E35A1E4}"/>
+              </a:ext>
+            </a:extLst>
+          </p:cNvPr>
+          <p:cNvSpPr>
+            <a:spLocks noGrp="1"/>
+          </p:cNvSpPr>
+          <p:nvPr>
+            <p:ph type="sldNum" sz="quarter" idx="12"/>
+          </p:nvPr>
+        </p:nvSpPr>
+        <p:spPr/>
+        <p:txBody>
+          <a:bodyPr/>
+          <a:lstStyle/>
+          <a:p>
+            <a:fld id="{E30AF5A0-43BB-4336-8627-9123B9144D80}" type="slidenum">
+              <a:rPr lang="en-US" smtClean="0"/>
+              <a:t>15</a:t>
+            </a:fld>
+            <a:endParaRPr lang="en-US"/>
+          </a:p>
+        </p:txBody>
+      </p:sp>
+    </p:spTree>
+    <p:extLst>
+      <p:ext uri="{BB962C8B-B14F-4D97-AF65-F5344CB8AC3E}">
+        <p14:creationId xmlns:p14="http://schemas.microsoft.com/office/powerpoint/2010/main" val="2097304172"/>
+      </p:ext>
+    </p:extLst>
+  </p:cSld>
+  <p:clrMapOvr>
+    <a:masterClrMapping/>
+  </p:clrMapOvr>
+</p:sld>
+</file>
+
+<file path=ppt/slides/slide16.xml><?xml version="1.0" encoding="utf-8"?>
+<p:sld xmlns:a="http://schemas.openxmlformats.org/drawingml/2006/main" xmlns:r="http://schemas.openxmlformats.org/officeDocument/2006/relationships" xmlns:p="http://schemas.openxmlformats.org/presentationml/2006/main">
+  <p:cSld>
+    <p:spTree>
+      <p:nvGrpSpPr>
+        <p:cNvPr id="1" name=""/>
+        <p:cNvGrpSpPr/>
+        <p:nvPr/>
+      </p:nvGrpSpPr>
+      <p:grpSpPr>
+        <a:xfrm>
+          <a:off x="0" y="0"/>
+          <a:ext cx="0" cy="0"/>
+          <a:chOff x="0" y="0"/>
+          <a:chExt cx="0" cy="0"/>
+        </a:xfrm>
+      </p:grpSpPr>
+      <p:sp>
+        <p:nvSpPr>
+          <p:cNvPr id="2" name="Título 1">
+            <a:extLst>
+              <a:ext uri="{FF2B5EF4-FFF2-40B4-BE49-F238E27FC236}">
+                <a16:creationId xmlns:a16="http://schemas.microsoft.com/office/drawing/2014/main" id="{B1F35A36-4B8A-CC21-A7B3-D24FC5357485}"/>
+              </a:ext>
+            </a:extLst>
+          </p:cNvPr>
+          <p:cNvSpPr>
+            <a:spLocks noGrp="1"/>
+          </p:cNvSpPr>
+          <p:nvPr>
+            <p:ph type="title"/>
+          </p:nvPr>
+        </p:nvSpPr>
+        <p:spPr>
+          <a:xfrm>
+            <a:off x="1371828" y="2217082"/>
+            <a:ext cx="9448343" cy="1820173"/>
+          </a:xfrm>
+        </p:spPr>
+        <p:txBody>
+          <a:bodyPr/>
+          <a:lstStyle/>
+          <a:p>
+            <a:pPr algn="ctr"/>
+            <a:r>
+              <a:rPr lang="en-US" sz="5400" err="1"/>
+              <a:t>Obrigado</a:t>
+            </a:r>
+            <a:endParaRPr lang="pt-BR" sz="5400"/>
+          </a:p>
+        </p:txBody>
+      </p:sp>
+      <p:sp>
+        <p:nvSpPr>
+          <p:cNvPr id="4" name="Espaço Reservado para Data 3">
+            <a:extLst>
+              <a:ext uri="{FF2B5EF4-FFF2-40B4-BE49-F238E27FC236}">
+                <a16:creationId xmlns:a16="http://schemas.microsoft.com/office/drawing/2014/main" id="{50137EE9-4887-8E0A-6349-CC3BFA083A91}"/>
+              </a:ext>
+            </a:extLst>
+          </p:cNvPr>
+          <p:cNvSpPr>
+            <a:spLocks noGrp="1"/>
+          </p:cNvSpPr>
+          <p:nvPr>
+            <p:ph type="dt" sz="half" idx="10"/>
+          </p:nvPr>
+        </p:nvSpPr>
+        <p:spPr/>
+        <p:txBody>
+          <a:bodyPr/>
+          <a:lstStyle/>
+          <a:p>
+            <a:fld id="{8ADC9E49-246E-484A-926C-3041536DB8F7}" type="datetime1">
+              <a:rPr lang="en-US" smtClean="0"/>
+              <a:t>6/7/2024</a:t>
+            </a:fld>
+            <a:endParaRPr lang="en-US"/>
+          </a:p>
+        </p:txBody>
+      </p:sp>
+      <p:sp>
+        <p:nvSpPr>
+          <p:cNvPr id="5" name="Espaço Reservado para Rodapé 4">
+            <a:extLst>
+              <a:ext uri="{FF2B5EF4-FFF2-40B4-BE49-F238E27FC236}">
+                <a16:creationId xmlns:a16="http://schemas.microsoft.com/office/drawing/2014/main" id="{F359168D-AE6A-4BA1-7FED-DC37B5B538AC}"/>
+              </a:ext>
+            </a:extLst>
+          </p:cNvPr>
+          <p:cNvSpPr>
+            <a:spLocks noGrp="1"/>
+          </p:cNvSpPr>
+          <p:nvPr>
+            <p:ph type="ftr" sz="quarter" idx="11"/>
+          </p:nvPr>
+        </p:nvSpPr>
+        <p:spPr/>
+        <p:txBody>
+          <a:bodyPr/>
+          <a:lstStyle/>
+          <a:p>
+            <a:r>
+              <a:rPr lang="en-US"/>
+              <a:t>
+              </a:t>
+            </a:r>
+          </a:p>
+        </p:txBody>
+      </p:sp>
+      <p:sp>
+        <p:nvSpPr>
+          <p:cNvPr id="6" name="Espaço Reservado para Número de Slide 5">
+            <a:extLst>
+              <a:ext uri="{FF2B5EF4-FFF2-40B4-BE49-F238E27FC236}">
+                <a16:creationId xmlns:a16="http://schemas.microsoft.com/office/drawing/2014/main" id="{4880F13E-F76E-22C7-A8C6-39DB72471046}"/>
+              </a:ext>
+            </a:extLst>
+          </p:cNvPr>
+          <p:cNvSpPr>
+            <a:spLocks noGrp="1"/>
+          </p:cNvSpPr>
+          <p:nvPr>
+            <p:ph type="sldNum" sz="quarter" idx="12"/>
+          </p:nvPr>
+        </p:nvSpPr>
+        <p:spPr/>
+        <p:txBody>
+          <a:bodyPr/>
+          <a:lstStyle/>
+          <a:p>
+            <a:fld id="{196A61CA-0502-4EE4-9724-96EA822543E5}" type="slidenum">
+              <a:rPr lang="en-US" smtClean="0"/>
+              <a:t>16</a:t>
+            </a:fld>
+            <a:endParaRPr lang="en-US"/>
+          </a:p>
+        </p:txBody>
+      </p:sp>
+    </p:spTree>
+    <p:extLst>
+      <p:ext uri="{BB962C8B-B14F-4D97-AF65-F5344CB8AC3E}">
+        <p14:creationId xmlns:p14="http://schemas.microsoft.com/office/powerpoint/2010/main" val="2210678312"/>
       </p:ext>
     </p:extLst>
   </p:cSld>
@@ -7348,7 +9372,22 @@
           </a:bodyPr>
           <a:lstStyle/>
           <a:p>
-            <a:endParaRPr lang="pt-BR" dirty="0"/>
+            <a:r>
+              <a:rPr lang="pt-BR" dirty="0"/>
+              <a:t>O problema do caixeiro-viajante (PCV) é um problema que tenta determinar a menor rota para percorrer uma série de cidades (visitando uma única vez cada uma delas), retornando à cidade de origem. </a:t>
+            </a:r>
+          </a:p>
+          <a:p>
+            <a:r>
+              <a:rPr lang="pt-BR" dirty="0"/>
+              <a:t>Ele é um problema de otimização NP-difícil </a:t>
+            </a:r>
+          </a:p>
+          <a:p>
+            <a:r>
+              <a:rPr lang="pt-BR" dirty="0"/>
+              <a:t>O método dos algoritmos genéticos é utilizado devido à simplicidade de operação, eficácia pela determinação de um máximo global e aplicabilidade em problemas onde se desconhece o modelo matemático.</a:t>
+            </a:r>
           </a:p>
         </p:txBody>
       </p:sp>
@@ -7375,7 +9414,7 @@
           <a:p>
             <a:fld id="{9FBE1B50-9130-47DA-B4F9-EEE798F3A0B6}" type="datetime1">
               <a:rPr lang="en-US" smtClean="0"/>
-              <a:t>5/24/2024</a:t>
+              <a:t>6/7/2024</a:t>
             </a:fld>
             <a:endParaRPr lang="en-US"/>
           </a:p>
@@ -7541,7 +9580,55 @@
               <a:buFont typeface="Arial" panose="020B0604020202020204" pitchFamily="34" charset="0"/>
               <a:buChar char="•"/>
             </a:pPr>
-            <a:endParaRPr lang="en-US" dirty="0"/>
+            <a:r>
+              <a:rPr lang="pt-BR" dirty="0"/>
+              <a:t>Bons em explorar uma vasta área do espaço de busca; </a:t>
+            </a:r>
+          </a:p>
+          <a:p>
+            <a:pPr algn="l" fontAlgn="base">
+              <a:buFont typeface="Arial" panose="020B0604020202020204" pitchFamily="34" charset="0"/>
+              <a:buChar char="•"/>
+            </a:pPr>
+            <a:r>
+              <a:rPr lang="pt-BR" dirty="0"/>
+              <a:t>Ele não ficam facilmente presos em mínimos locais;</a:t>
+            </a:r>
+          </a:p>
+          <a:p>
+            <a:pPr algn="l" fontAlgn="base">
+              <a:buFont typeface="Arial" panose="020B0604020202020204" pitchFamily="34" charset="0"/>
+              <a:buChar char="•"/>
+            </a:pPr>
+            <a:r>
+              <a:rPr lang="pt-BR" dirty="0"/>
+              <a:t>Combina boas soluções existentes para encontrar melhores soluções; </a:t>
+            </a:r>
+          </a:p>
+          <a:p>
+            <a:pPr algn="l" fontAlgn="base">
+              <a:buFont typeface="Arial" panose="020B0604020202020204" pitchFamily="34" charset="0"/>
+              <a:buChar char="•"/>
+            </a:pPr>
+            <a:r>
+              <a:rPr lang="pt-BR" dirty="0"/>
+              <a:t>Pode ser lento para convergir para uma solução ótima;</a:t>
+            </a:r>
+            <a:endParaRPr lang="pt-BR" b="1" dirty="0"/>
+          </a:p>
+          <a:p>
+            <a:pPr fontAlgn="base"/>
+            <a:r>
+              <a:rPr lang="pt-BR" dirty="0"/>
+              <a:t>Não garantem encontrar a solução ótima;</a:t>
+            </a:r>
+          </a:p>
+          <a:p>
+            <a:pPr fontAlgn="base"/>
+            <a:r>
+              <a:rPr lang="pt-BR" dirty="0"/>
+              <a:t>Pode ser computacionalmente caro, especialmente se forem necessárias muitas gerações para convergir para uma solução satisfatória.</a:t>
+            </a:r>
           </a:p>
         </p:txBody>
       </p:sp>
@@ -7568,7 +9655,7 @@
           <a:p>
             <a:fld id="{B4EA89E8-3B98-4FD1-88D7-71179ABDB4AC}" type="datetime1">
               <a:rPr lang="en-US" smtClean="0"/>
-              <a:t>5/24/2024</a:t>
+              <a:t>6/7/2024</a:t>
             </a:fld>
             <a:endParaRPr lang="en-US"/>
           </a:p>
@@ -7664,10 +9751,10 @@
       </p:grpSpPr>
       <p:sp>
         <p:nvSpPr>
-          <p:cNvPr id="2" name="Title 1">
-            <a:extLst>
-              <a:ext uri="{FF2B5EF4-FFF2-40B4-BE49-F238E27FC236}">
-                <a16:creationId xmlns:a16="http://schemas.microsoft.com/office/drawing/2014/main" id="{9D424C4A-0F2A-5071-F472-0ADCEA93CF25}"/>
+          <p:cNvPr id="2" name="Título 1">
+            <a:extLst>
+              <a:ext uri="{FF2B5EF4-FFF2-40B4-BE49-F238E27FC236}">
+                <a16:creationId xmlns:a16="http://schemas.microsoft.com/office/drawing/2014/main" id="{FB50DC95-6DED-0B06-4866-9A327B99963B}"/>
               </a:ext>
             </a:extLst>
           </p:cNvPr>
@@ -7683,58 +9770,83 @@
           <a:bodyPr/>
           <a:lstStyle/>
           <a:p>
-            <a:endParaRPr lang="en-US"/>
-          </a:p>
-        </p:txBody>
-      </p:sp>
-      <p:sp>
-        <p:nvSpPr>
-          <p:cNvPr id="3" name="Content Placeholder 2">
-            <a:extLst>
-              <a:ext uri="{FF2B5EF4-FFF2-40B4-BE49-F238E27FC236}">
-                <a16:creationId xmlns:a16="http://schemas.microsoft.com/office/drawing/2014/main" id="{0C0D8DFD-F406-E456-7C64-26337596EE00}"/>
-              </a:ext>
-            </a:extLst>
-          </p:cNvPr>
-          <p:cNvSpPr>
-            <a:spLocks noGrp="1"/>
-          </p:cNvSpPr>
+            <a:r>
+              <a:rPr lang="en-US" dirty="0" err="1"/>
+              <a:t>Encontrar</a:t>
+            </a:r>
+            <a:r>
+              <a:rPr lang="en-US" dirty="0"/>
+              <a:t> </a:t>
+            </a:r>
+            <a:r>
+              <a:rPr lang="en-US" dirty="0" err="1"/>
+              <a:t>melhor</a:t>
+            </a:r>
+            <a:r>
+              <a:rPr lang="en-US" dirty="0"/>
+              <a:t> </a:t>
+            </a:r>
+            <a:r>
+              <a:rPr lang="en-US" dirty="0" err="1"/>
+              <a:t>rota</a:t>
+            </a:r>
+            <a:endParaRPr lang="pt-BR" dirty="0"/>
+          </a:p>
+        </p:txBody>
+      </p:sp>
+      <p:pic>
+        <p:nvPicPr>
+          <p:cNvPr id="8" name="Espaço Reservado para Conteúdo 7">
+            <a:extLst>
+              <a:ext uri="{FF2B5EF4-FFF2-40B4-BE49-F238E27FC236}">
+                <a16:creationId xmlns:a16="http://schemas.microsoft.com/office/drawing/2014/main" id="{D91ED59A-C284-10D8-1797-EE5D980B462B}"/>
+              </a:ext>
+            </a:extLst>
+          </p:cNvPr>
+          <p:cNvPicPr>
+            <a:picLocks noGrp="1" noChangeAspect="1"/>
+          </p:cNvPicPr>
           <p:nvPr>
             <p:ph idx="1"/>
           </p:nvPr>
+        </p:nvPicPr>
+        <p:blipFill>
+          <a:blip r:embed="rId2"/>
+          <a:stretch>
+            <a:fillRect/>
+          </a:stretch>
+        </p:blipFill>
+        <p:spPr>
+          <a:xfrm>
+            <a:off x="2936696" y="2292350"/>
+            <a:ext cx="6218596" cy="3636963"/>
+          </a:xfrm>
+        </p:spPr>
+      </p:pic>
+      <p:sp>
+        <p:nvSpPr>
+          <p:cNvPr id="4" name="Espaço Reservado para Data 3">
+            <a:extLst>
+              <a:ext uri="{FF2B5EF4-FFF2-40B4-BE49-F238E27FC236}">
+                <a16:creationId xmlns:a16="http://schemas.microsoft.com/office/drawing/2014/main" id="{917A85B4-52ED-DFCF-EC44-2EA78D303BF1}"/>
+              </a:ext>
+            </a:extLst>
+          </p:cNvPr>
+          <p:cNvSpPr>
+            <a:spLocks noGrp="1"/>
+          </p:cNvSpPr>
+          <p:nvPr>
+            <p:ph type="dt" sz="half" idx="10"/>
+          </p:nvPr>
         </p:nvSpPr>
         <p:spPr/>
         <p:txBody>
           <a:bodyPr/>
           <a:lstStyle/>
           <a:p>
-            <a:endParaRPr lang="en-US"/>
-          </a:p>
-        </p:txBody>
-      </p:sp>
-      <p:sp>
-        <p:nvSpPr>
-          <p:cNvPr id="4" name="Date Placeholder 3">
-            <a:extLst>
-              <a:ext uri="{FF2B5EF4-FFF2-40B4-BE49-F238E27FC236}">
-                <a16:creationId xmlns:a16="http://schemas.microsoft.com/office/drawing/2014/main" id="{56C4408A-360B-EF37-BFB7-5B8DC93BE2E3}"/>
-              </a:ext>
-            </a:extLst>
-          </p:cNvPr>
-          <p:cNvSpPr>
-            <a:spLocks noGrp="1"/>
-          </p:cNvSpPr>
-          <p:nvPr>
-            <p:ph type="dt" sz="half" idx="10"/>
-          </p:nvPr>
-        </p:nvSpPr>
-        <p:spPr/>
-        <p:txBody>
-          <a:bodyPr/>
-          <a:lstStyle/>
-          <a:p>
-            <a:fld id="{BC977DA9-E637-49AD-9C16-6A2326F8B3B6}" type="datetime1">
-              <a:t>5/24/2024</a:t>
+            <a:fld id="{EE3D245C-8A59-463C-BE55-66F695F84485}" type="datetime1">
+              <a:rPr lang="en-US" smtClean="0"/>
+              <a:t>6/7/2024</a:t>
             </a:fld>
             <a:endParaRPr lang="en-US"/>
           </a:p>
@@ -7742,10 +9854,10 @@
       </p:sp>
       <p:sp>
         <p:nvSpPr>
-          <p:cNvPr id="5" name="Footer Placeholder 4">
-            <a:extLst>
-              <a:ext uri="{FF2B5EF4-FFF2-40B4-BE49-F238E27FC236}">
-                <a16:creationId xmlns:a16="http://schemas.microsoft.com/office/drawing/2014/main" id="{8AD5FBE2-670F-8500-1B3D-36A6B20F6934}"/>
+          <p:cNvPr id="5" name="Espaço Reservado para Rodapé 4">
+            <a:extLst>
+              <a:ext uri="{FF2B5EF4-FFF2-40B4-BE49-F238E27FC236}">
+                <a16:creationId xmlns:a16="http://schemas.microsoft.com/office/drawing/2014/main" id="{9F9D7197-18FA-E3EA-1DA9-404B78A3704F}"/>
               </a:ext>
             </a:extLst>
           </p:cNvPr>
@@ -7771,10 +9883,10 @@
       </p:sp>
       <p:sp>
         <p:nvSpPr>
-          <p:cNvPr id="6" name="Slide Number Placeholder 5">
-            <a:extLst>
-              <a:ext uri="{FF2B5EF4-FFF2-40B4-BE49-F238E27FC236}">
-                <a16:creationId xmlns:a16="http://schemas.microsoft.com/office/drawing/2014/main" id="{EBDA56E7-DD39-08DF-99A3-55C77744E8D3}"/>
+          <p:cNvPr id="6" name="Espaço Reservado para Número de Slide 5">
+            <a:extLst>
+              <a:ext uri="{FF2B5EF4-FFF2-40B4-BE49-F238E27FC236}">
+                <a16:creationId xmlns:a16="http://schemas.microsoft.com/office/drawing/2014/main" id="{2FBDBCBF-11CD-8B50-97F7-25D7887C3F1C}"/>
               </a:ext>
             </a:extLst>
           </p:cNvPr>
@@ -7791,7 +9903,7 @@
           <a:lstStyle/>
           <a:p>
             <a:fld id="{E30AF5A0-43BB-4336-8627-9123B9144D80}" type="slidenum">
-              <a:rPr lang="en-US" dirty="0"/>
+              <a:rPr lang="en-US" smtClean="0"/>
               <a:t>4</a:t>
             </a:fld>
             <a:endParaRPr lang="en-US"/>
@@ -7801,7 +9913,7 @@
     </p:spTree>
     <p:extLst>
       <p:ext uri="{BB962C8B-B14F-4D97-AF65-F5344CB8AC3E}">
-        <p14:creationId xmlns:p14="http://schemas.microsoft.com/office/powerpoint/2010/main" val="2543389946"/>
+        <p14:creationId xmlns:p14="http://schemas.microsoft.com/office/powerpoint/2010/main" val="33882094"/>
       </p:ext>
     </p:extLst>
   </p:cSld>
@@ -7833,7 +9945,7 @@
           <p:cNvPr id="2" name="Título 1">
             <a:extLst>
               <a:ext uri="{FF2B5EF4-FFF2-40B4-BE49-F238E27FC236}">
-                <a16:creationId xmlns:a16="http://schemas.microsoft.com/office/drawing/2014/main" id="{4E319447-D02E-7C4B-241A-4A96C7ABC44D}"/>
+                <a16:creationId xmlns:a16="http://schemas.microsoft.com/office/drawing/2014/main" id="{B60038AE-6DAE-4693-4E65-A4F22297FBAB}"/>
               </a:ext>
             </a:extLst>
           </p:cNvPr>
@@ -7850,153 +9962,78 @@
           <a:lstStyle/>
           <a:p>
             <a:r>
-              <a:rPr lang="en-US" err="1"/>
-              <a:t>Referências</a:t>
-            </a:r>
-            <a:r>
-              <a:rPr lang="en-US"/>
+              <a:rPr lang="en-US" dirty="0" err="1"/>
+              <a:t>Calcular</a:t>
+            </a:r>
+            <a:r>
+              <a:rPr lang="en-US" dirty="0"/>
               <a:t> </a:t>
             </a:r>
             <a:r>
-              <a:rPr lang="en-US" err="1"/>
-              <a:t>bibliográficas</a:t>
-            </a:r>
-            <a:endParaRPr lang="pt-BR"/>
-          </a:p>
-        </p:txBody>
-      </p:sp>
-      <p:sp>
-        <p:nvSpPr>
-          <p:cNvPr id="3" name="Espaço Reservado para Conteúdo 2">
-            <a:extLst>
-              <a:ext uri="{FF2B5EF4-FFF2-40B4-BE49-F238E27FC236}">
-                <a16:creationId xmlns:a16="http://schemas.microsoft.com/office/drawing/2014/main" id="{DF5ABD57-ADCB-25E7-5CDB-095C18654DD9}"/>
-              </a:ext>
-            </a:extLst>
-          </p:cNvPr>
-          <p:cNvSpPr>
-            <a:spLocks noGrp="1"/>
-          </p:cNvSpPr>
+              <a:rPr lang="en-US" dirty="0" err="1"/>
+              <a:t>distância</a:t>
+            </a:r>
+            <a:r>
+              <a:rPr lang="en-US" dirty="0"/>
+              <a:t> total</a:t>
+            </a:r>
+            <a:endParaRPr lang="pt-BR" dirty="0"/>
+          </a:p>
+        </p:txBody>
+      </p:sp>
+      <p:pic>
+        <p:nvPicPr>
+          <p:cNvPr id="8" name="Espaço Reservado para Conteúdo 7">
+            <a:extLst>
+              <a:ext uri="{FF2B5EF4-FFF2-40B4-BE49-F238E27FC236}">
+                <a16:creationId xmlns:a16="http://schemas.microsoft.com/office/drawing/2014/main" id="{8CA6771E-7559-E1AF-E87C-50A9B8DC9580}"/>
+              </a:ext>
+            </a:extLst>
+          </p:cNvPr>
+          <p:cNvPicPr>
+            <a:picLocks noGrp="1" noChangeAspect="1"/>
+          </p:cNvPicPr>
           <p:nvPr>
             <p:ph idx="1"/>
           </p:nvPr>
+        </p:nvPicPr>
+        <p:blipFill>
+          <a:blip r:embed="rId2"/>
+          <a:stretch>
+            <a:fillRect/>
+          </a:stretch>
+        </p:blipFill>
+        <p:spPr>
+          <a:xfrm>
+            <a:off x="2891387" y="2292350"/>
+            <a:ext cx="6309214" cy="3636963"/>
+          </a:xfrm>
+        </p:spPr>
+      </p:pic>
+      <p:sp>
+        <p:nvSpPr>
+          <p:cNvPr id="4" name="Espaço Reservado para Data 3">
+            <a:extLst>
+              <a:ext uri="{FF2B5EF4-FFF2-40B4-BE49-F238E27FC236}">
+                <a16:creationId xmlns:a16="http://schemas.microsoft.com/office/drawing/2014/main" id="{3E318066-AFA7-4CF9-27AB-24B0BEC3FC61}"/>
+              </a:ext>
+            </a:extLst>
+          </p:cNvPr>
+          <p:cNvSpPr>
+            <a:spLocks noGrp="1"/>
+          </p:cNvSpPr>
+          <p:nvPr>
+            <p:ph type="dt" sz="half" idx="10"/>
+          </p:nvPr>
         </p:nvSpPr>
         <p:spPr/>
         <p:txBody>
-          <a:bodyPr vert="horz" lIns="91440" tIns="45720" rIns="91440" bIns="45720" rtlCol="0" anchor="t">
-            <a:normAutofit/>
-          </a:bodyPr>
-          <a:lstStyle/>
-          <a:p>
-            <a:r>
-              <a:rPr lang="pt-BR" dirty="0">
-                <a:ea typeface="+mn-lt"/>
-                <a:cs typeface="+mn-lt"/>
-              </a:rPr>
-              <a:t>WIKIPEDIA CONTRIBUTORS. </a:t>
-            </a:r>
-            <a:r>
-              <a:rPr lang="pt-BR" dirty="0" err="1">
-                <a:ea typeface="+mn-lt"/>
-                <a:cs typeface="+mn-lt"/>
-              </a:rPr>
-              <a:t>Travelling</a:t>
-            </a:r>
-            <a:r>
-              <a:rPr lang="pt-BR" dirty="0">
-                <a:ea typeface="+mn-lt"/>
-                <a:cs typeface="+mn-lt"/>
-              </a:rPr>
-              <a:t> </a:t>
-            </a:r>
-            <a:r>
-              <a:rPr lang="pt-BR" dirty="0" err="1">
-                <a:ea typeface="+mn-lt"/>
-                <a:cs typeface="+mn-lt"/>
-              </a:rPr>
-              <a:t>salesman</a:t>
-            </a:r>
-            <a:r>
-              <a:rPr lang="pt-BR" dirty="0">
-                <a:ea typeface="+mn-lt"/>
-                <a:cs typeface="+mn-lt"/>
-              </a:rPr>
-              <a:t> problem. Disponível em: &lt;https://en.wikipedia.org/w/</a:t>
-            </a:r>
-            <a:r>
-              <a:rPr lang="pt-BR" dirty="0" err="1">
-                <a:ea typeface="+mn-lt"/>
-                <a:cs typeface="+mn-lt"/>
-              </a:rPr>
-              <a:t>index.php?title</a:t>
-            </a:r>
-            <a:r>
-              <a:rPr lang="pt-BR" dirty="0">
-                <a:ea typeface="+mn-lt"/>
-                <a:cs typeface="+mn-lt"/>
-              </a:rPr>
-              <a:t>=</a:t>
-            </a:r>
-            <a:r>
-              <a:rPr lang="pt-BR" dirty="0" err="1">
-                <a:ea typeface="+mn-lt"/>
-                <a:cs typeface="+mn-lt"/>
-              </a:rPr>
-              <a:t>Travelling_salesman_problem&amp;oldid</a:t>
-            </a:r>
-            <a:r>
-              <a:rPr lang="pt-BR" dirty="0">
-                <a:ea typeface="+mn-lt"/>
-                <a:cs typeface="+mn-lt"/>
-              </a:rPr>
-              <a:t>=1225477054&gt;.</a:t>
-            </a:r>
-            <a:endParaRPr lang="en-US" dirty="0">
-              <a:ea typeface="+mn-lt"/>
-              <a:cs typeface="+mn-lt"/>
-            </a:endParaRPr>
-          </a:p>
-          <a:p>
-            <a:endParaRPr lang="pt-BR" dirty="0"/>
-          </a:p>
-          <a:p>
-            <a:endParaRPr lang="pt-BR" dirty="0"/>
-          </a:p>
-          <a:p>
-            <a:endParaRPr lang="pt-BR" dirty="0"/>
-          </a:p>
-          <a:p>
-            <a:endParaRPr lang="pt-BR" dirty="0"/>
-          </a:p>
-          <a:p>
-            <a:endParaRPr lang="pt-BR" dirty="0"/>
-          </a:p>
-        </p:txBody>
-      </p:sp>
-      <p:sp>
-        <p:nvSpPr>
-          <p:cNvPr id="4" name="Espaço Reservado para Data 3">
-            <a:extLst>
-              <a:ext uri="{FF2B5EF4-FFF2-40B4-BE49-F238E27FC236}">
-                <a16:creationId xmlns:a16="http://schemas.microsoft.com/office/drawing/2014/main" id="{E575A558-438B-6388-C74A-CB3D2C97D3F8}"/>
-              </a:ext>
-            </a:extLst>
-          </p:cNvPr>
-          <p:cNvSpPr>
-            <a:spLocks noGrp="1"/>
-          </p:cNvSpPr>
-          <p:nvPr>
-            <p:ph type="dt" sz="half" idx="10"/>
-          </p:nvPr>
-        </p:nvSpPr>
-        <p:spPr/>
-        <p:txBody>
           <a:bodyPr/>
           <a:lstStyle/>
           <a:p>
-            <a:fld id="{5C0E8BC3-A60E-4E31-8AE4-2BE08893AD21}" type="datetime1">
+            <a:fld id="{ECB05178-ED8F-48E5-BE21-4A4BF18AEAF0}" type="datetime1">
               <a:rPr lang="en-US" smtClean="0"/>
-              <a:t>5/24/2024</a:t>
+              <a:t>6/7/2024</a:t>
             </a:fld>
             <a:endParaRPr lang="en-US"/>
           </a:p>
@@ -8007,7 +10044,7 @@
           <p:cNvPr id="5" name="Espaço Reservado para Rodapé 4">
             <a:extLst>
               <a:ext uri="{FF2B5EF4-FFF2-40B4-BE49-F238E27FC236}">
-                <a16:creationId xmlns:a16="http://schemas.microsoft.com/office/drawing/2014/main" id="{5792529F-47F6-73F8-4E0C-FA5B71473D22}"/>
+                <a16:creationId xmlns:a16="http://schemas.microsoft.com/office/drawing/2014/main" id="{2B079F03-FF72-B08C-D51C-203DCEC73D41}"/>
               </a:ext>
             </a:extLst>
           </p:cNvPr>
@@ -8036,7 +10073,7 @@
           <p:cNvPr id="6" name="Espaço Reservado para Número de Slide 5">
             <a:extLst>
               <a:ext uri="{FF2B5EF4-FFF2-40B4-BE49-F238E27FC236}">
-                <a16:creationId xmlns:a16="http://schemas.microsoft.com/office/drawing/2014/main" id="{6590052F-4EE3-8698-0A10-CB8C4E35A1E4}"/>
+                <a16:creationId xmlns:a16="http://schemas.microsoft.com/office/drawing/2014/main" id="{520FDF0F-36AF-FB61-77EC-7C4705A41B33}"/>
               </a:ext>
             </a:extLst>
           </p:cNvPr>
@@ -8063,7 +10100,7 @@
     </p:spTree>
     <p:extLst>
       <p:ext uri="{BB962C8B-B14F-4D97-AF65-F5344CB8AC3E}">
-        <p14:creationId xmlns:p14="http://schemas.microsoft.com/office/powerpoint/2010/main" val="2097304172"/>
+        <p14:creationId xmlns:p14="http://schemas.microsoft.com/office/powerpoint/2010/main" val="1139681905"/>
       </p:ext>
     </p:extLst>
   </p:cSld>
@@ -8092,10 +10129,10 @@
       </p:grpSpPr>
       <p:sp>
         <p:nvSpPr>
-          <p:cNvPr id="2" name="Título 1">
-            <a:extLst>
-              <a:ext uri="{FF2B5EF4-FFF2-40B4-BE49-F238E27FC236}">
-                <a16:creationId xmlns:a16="http://schemas.microsoft.com/office/drawing/2014/main" id="{B1F35A36-4B8A-CC21-A7B3-D24FC5357485}"/>
+          <p:cNvPr id="2" name="Title 1">
+            <a:extLst>
+              <a:ext uri="{FF2B5EF4-FFF2-40B4-BE49-F238E27FC236}">
+                <a16:creationId xmlns:a16="http://schemas.microsoft.com/office/drawing/2014/main" id="{9D424C4A-0F2A-5071-F472-0ADCEA93CF25}"/>
               </a:ext>
             </a:extLst>
           </p:cNvPr>
@@ -8106,31 +10143,33 @@
             <p:ph type="title"/>
           </p:nvPr>
         </p:nvSpPr>
-        <p:spPr>
-          <a:xfrm>
-            <a:off x="1371828" y="2217082"/>
-            <a:ext cx="9448343" cy="1820173"/>
-          </a:xfrm>
-        </p:spPr>
+        <p:spPr/>
         <p:txBody>
           <a:bodyPr/>
           <a:lstStyle/>
           <a:p>
-            <a:pPr algn="ctr"/>
-            <a:r>
-              <a:rPr lang="en-US" sz="5400" err="1"/>
-              <a:t>Obrigado</a:t>
-            </a:r>
-            <a:endParaRPr lang="pt-BR" sz="5400"/>
-          </a:p>
-        </p:txBody>
-      </p:sp>
-      <p:sp>
-        <p:nvSpPr>
-          <p:cNvPr id="4" name="Espaço Reservado para Data 3">
-            <a:extLst>
-              <a:ext uri="{FF2B5EF4-FFF2-40B4-BE49-F238E27FC236}">
-                <a16:creationId xmlns:a16="http://schemas.microsoft.com/office/drawing/2014/main" id="{50137EE9-4887-8E0A-6349-CC3BFA083A91}"/>
+            <a:r>
+              <a:rPr lang="en-US" dirty="0" err="1"/>
+              <a:t>Algoritmo</a:t>
+            </a:r>
+            <a:r>
+              <a:rPr lang="en-US" dirty="0"/>
+              <a:t> </a:t>
+            </a:r>
+            <a:r>
+              <a:rPr lang="en-US" dirty="0" err="1"/>
+              <a:t>genético</a:t>
+            </a:r>
+            <a:endParaRPr lang="en-US" dirty="0"/>
+          </a:p>
+        </p:txBody>
+      </p:sp>
+      <p:sp>
+        <p:nvSpPr>
+          <p:cNvPr id="4" name="Date Placeholder 3">
+            <a:extLst>
+              <a:ext uri="{FF2B5EF4-FFF2-40B4-BE49-F238E27FC236}">
+                <a16:creationId xmlns:a16="http://schemas.microsoft.com/office/drawing/2014/main" id="{56C4408A-360B-EF37-BFB7-5B8DC93BE2E3}"/>
               </a:ext>
             </a:extLst>
           </p:cNvPr>
@@ -8146,9 +10185,9 @@
           <a:bodyPr/>
           <a:lstStyle/>
           <a:p>
-            <a:fld id="{8ADC9E49-246E-484A-926C-3041536DB8F7}" type="datetime1">
-              <a:rPr lang="en-US" smtClean="0"/>
-              <a:t>5/24/2024</a:t>
+            <a:fld id="{BC977DA9-E637-49AD-9C16-6A2326F8B3B6}" type="datetime1">
+              <a:rPr lang="pt-BR"/>
+              <a:t>07/06/2024</a:t>
             </a:fld>
             <a:endParaRPr lang="en-US"/>
           </a:p>
@@ -8156,10 +10195,10 @@
       </p:sp>
       <p:sp>
         <p:nvSpPr>
-          <p:cNvPr id="5" name="Espaço Reservado para Rodapé 4">
-            <a:extLst>
-              <a:ext uri="{FF2B5EF4-FFF2-40B4-BE49-F238E27FC236}">
-                <a16:creationId xmlns:a16="http://schemas.microsoft.com/office/drawing/2014/main" id="{F359168D-AE6A-4BA1-7FED-DC37B5B538AC}"/>
+          <p:cNvPr id="5" name="Footer Placeholder 4">
+            <a:extLst>
+              <a:ext uri="{FF2B5EF4-FFF2-40B4-BE49-F238E27FC236}">
+                <a16:creationId xmlns:a16="http://schemas.microsoft.com/office/drawing/2014/main" id="{8AD5FBE2-670F-8500-1B3D-36A6B20F6934}"/>
               </a:ext>
             </a:extLst>
           </p:cNvPr>
@@ -8185,10 +10224,10 @@
       </p:sp>
       <p:sp>
         <p:nvSpPr>
-          <p:cNvPr id="6" name="Espaço Reservado para Número de Slide 5">
-            <a:extLst>
-              <a:ext uri="{FF2B5EF4-FFF2-40B4-BE49-F238E27FC236}">
-                <a16:creationId xmlns:a16="http://schemas.microsoft.com/office/drawing/2014/main" id="{4880F13E-F76E-22C7-A8C6-39DB72471046}"/>
+          <p:cNvPr id="6" name="Slide Number Placeholder 5">
+            <a:extLst>
+              <a:ext uri="{FF2B5EF4-FFF2-40B4-BE49-F238E27FC236}">
+                <a16:creationId xmlns:a16="http://schemas.microsoft.com/office/drawing/2014/main" id="{EBDA56E7-DD39-08DF-99A3-55C77744E8D3}"/>
               </a:ext>
             </a:extLst>
           </p:cNvPr>
@@ -8204,18 +10243,596 @@
           <a:bodyPr/>
           <a:lstStyle/>
           <a:p>
-            <a:fld id="{196A61CA-0502-4EE4-9724-96EA822543E5}" type="slidenum">
-              <a:rPr lang="en-US" smtClean="0"/>
+            <a:fld id="{E30AF5A0-43BB-4336-8627-9123B9144D80}" type="slidenum">
+              <a:rPr lang="en-US" dirty="0"/>
               <a:t>6</a:t>
             </a:fld>
             <a:endParaRPr lang="en-US"/>
           </a:p>
         </p:txBody>
       </p:sp>
+      <p:pic>
+        <p:nvPicPr>
+          <p:cNvPr id="12" name="Espaço Reservado para Conteúdo 11">
+            <a:extLst>
+              <a:ext uri="{FF2B5EF4-FFF2-40B4-BE49-F238E27FC236}">
+                <a16:creationId xmlns:a16="http://schemas.microsoft.com/office/drawing/2014/main" id="{7D423C59-49F4-28E3-3A6D-8470B5A21224}"/>
+              </a:ext>
+            </a:extLst>
+          </p:cNvPr>
+          <p:cNvPicPr>
+            <a:picLocks noGrp="1" noChangeAspect="1"/>
+          </p:cNvPicPr>
+          <p:nvPr>
+            <p:ph idx="1"/>
+          </p:nvPr>
+        </p:nvPicPr>
+        <p:blipFill>
+          <a:blip r:embed="rId2"/>
+          <a:stretch>
+            <a:fillRect/>
+          </a:stretch>
+        </p:blipFill>
+        <p:spPr>
+          <a:xfrm>
+            <a:off x="700088" y="2478179"/>
+            <a:ext cx="10691812" cy="3265305"/>
+          </a:xfrm>
+        </p:spPr>
+      </p:pic>
     </p:spTree>
     <p:extLst>
       <p:ext uri="{BB962C8B-B14F-4D97-AF65-F5344CB8AC3E}">
-        <p14:creationId xmlns:p14="http://schemas.microsoft.com/office/powerpoint/2010/main" val="2210678312"/>
+        <p14:creationId xmlns:p14="http://schemas.microsoft.com/office/powerpoint/2010/main" val="2543389946"/>
+      </p:ext>
+    </p:extLst>
+  </p:cSld>
+  <p:clrMapOvr>
+    <a:masterClrMapping/>
+  </p:clrMapOvr>
+</p:sld>
+</file>
+
+<file path=ppt/slides/slide7.xml><?xml version="1.0" encoding="utf-8"?>
+<p:sld xmlns:a="http://schemas.openxmlformats.org/drawingml/2006/main" xmlns:r="http://schemas.openxmlformats.org/officeDocument/2006/relationships" xmlns:p="http://schemas.openxmlformats.org/presentationml/2006/main">
+  <p:cSld>
+    <p:spTree>
+      <p:nvGrpSpPr>
+        <p:cNvPr id="1" name=""/>
+        <p:cNvGrpSpPr/>
+        <p:nvPr/>
+      </p:nvGrpSpPr>
+      <p:grpSpPr>
+        <a:xfrm>
+          <a:off x="0" y="0"/>
+          <a:ext cx="0" cy="0"/>
+          <a:chOff x="0" y="0"/>
+          <a:chExt cx="0" cy="0"/>
+        </a:xfrm>
+      </p:grpSpPr>
+      <p:sp>
+        <p:nvSpPr>
+          <p:cNvPr id="2" name="Título 1">
+            <a:extLst>
+              <a:ext uri="{FF2B5EF4-FFF2-40B4-BE49-F238E27FC236}">
+                <a16:creationId xmlns:a16="http://schemas.microsoft.com/office/drawing/2014/main" id="{23EC38CA-78CA-617C-662A-6476B393209E}"/>
+              </a:ext>
+            </a:extLst>
+          </p:cNvPr>
+          <p:cNvSpPr>
+            <a:spLocks noGrp="1"/>
+          </p:cNvSpPr>
+          <p:nvPr>
+            <p:ph type="title"/>
+          </p:nvPr>
+        </p:nvSpPr>
+        <p:spPr/>
+        <p:txBody>
+          <a:bodyPr/>
+          <a:lstStyle/>
+          <a:p>
+            <a:r>
+              <a:rPr lang="en-US" dirty="0" err="1"/>
+              <a:t>Algoritmo</a:t>
+            </a:r>
+            <a:r>
+              <a:rPr lang="en-US" dirty="0"/>
+              <a:t> </a:t>
+            </a:r>
+            <a:r>
+              <a:rPr lang="en-US" dirty="0" err="1"/>
+              <a:t>genético</a:t>
+            </a:r>
+            <a:endParaRPr lang="pt-BR" dirty="0"/>
+          </a:p>
+        </p:txBody>
+      </p:sp>
+      <p:pic>
+        <p:nvPicPr>
+          <p:cNvPr id="8" name="Espaço Reservado para Conteúdo 7">
+            <a:extLst>
+              <a:ext uri="{FF2B5EF4-FFF2-40B4-BE49-F238E27FC236}">
+                <a16:creationId xmlns:a16="http://schemas.microsoft.com/office/drawing/2014/main" id="{2A63EEB1-F07A-0F6E-F884-878695127927}"/>
+              </a:ext>
+            </a:extLst>
+          </p:cNvPr>
+          <p:cNvPicPr>
+            <a:picLocks noGrp="1" noChangeAspect="1"/>
+          </p:cNvPicPr>
+          <p:nvPr>
+            <p:ph idx="1"/>
+          </p:nvPr>
+        </p:nvPicPr>
+        <p:blipFill>
+          <a:blip r:embed="rId2"/>
+          <a:stretch>
+            <a:fillRect/>
+          </a:stretch>
+        </p:blipFill>
+        <p:spPr>
+          <a:xfrm>
+            <a:off x="2422114" y="2292350"/>
+            <a:ext cx="7247760" cy="3636963"/>
+          </a:xfrm>
+        </p:spPr>
+      </p:pic>
+      <p:sp>
+        <p:nvSpPr>
+          <p:cNvPr id="4" name="Espaço Reservado para Data 3">
+            <a:extLst>
+              <a:ext uri="{FF2B5EF4-FFF2-40B4-BE49-F238E27FC236}">
+                <a16:creationId xmlns:a16="http://schemas.microsoft.com/office/drawing/2014/main" id="{A9BF4FD5-F26D-1801-C9E4-C7E97A634CF9}"/>
+              </a:ext>
+            </a:extLst>
+          </p:cNvPr>
+          <p:cNvSpPr>
+            <a:spLocks noGrp="1"/>
+          </p:cNvSpPr>
+          <p:nvPr>
+            <p:ph type="dt" sz="half" idx="10"/>
+          </p:nvPr>
+        </p:nvSpPr>
+        <p:spPr/>
+        <p:txBody>
+          <a:bodyPr/>
+          <a:lstStyle/>
+          <a:p>
+            <a:fld id="{04D9FF98-70D9-4BFC-9616-89C532510933}" type="datetime1">
+              <a:rPr lang="en-US" smtClean="0"/>
+              <a:t>6/7/2024</a:t>
+            </a:fld>
+            <a:endParaRPr lang="en-US"/>
+          </a:p>
+        </p:txBody>
+      </p:sp>
+      <p:sp>
+        <p:nvSpPr>
+          <p:cNvPr id="5" name="Espaço Reservado para Rodapé 4">
+            <a:extLst>
+              <a:ext uri="{FF2B5EF4-FFF2-40B4-BE49-F238E27FC236}">
+                <a16:creationId xmlns:a16="http://schemas.microsoft.com/office/drawing/2014/main" id="{2C53058C-D257-D7C6-2D33-2061D1B17C5A}"/>
+              </a:ext>
+            </a:extLst>
+          </p:cNvPr>
+          <p:cNvSpPr>
+            <a:spLocks noGrp="1"/>
+          </p:cNvSpPr>
+          <p:nvPr>
+            <p:ph type="ftr" sz="quarter" idx="11"/>
+          </p:nvPr>
+        </p:nvSpPr>
+        <p:spPr/>
+        <p:txBody>
+          <a:bodyPr/>
+          <a:lstStyle/>
+          <a:p>
+            <a:r>
+              <a:rPr lang="en-US"/>
+              <a:t>
+              </a:t>
+            </a:r>
+          </a:p>
+        </p:txBody>
+      </p:sp>
+      <p:sp>
+        <p:nvSpPr>
+          <p:cNvPr id="6" name="Espaço Reservado para Número de Slide 5">
+            <a:extLst>
+              <a:ext uri="{FF2B5EF4-FFF2-40B4-BE49-F238E27FC236}">
+                <a16:creationId xmlns:a16="http://schemas.microsoft.com/office/drawing/2014/main" id="{80F88B74-7289-65A1-EC03-6DC0A46B45C3}"/>
+              </a:ext>
+            </a:extLst>
+          </p:cNvPr>
+          <p:cNvSpPr>
+            <a:spLocks noGrp="1"/>
+          </p:cNvSpPr>
+          <p:nvPr>
+            <p:ph type="sldNum" sz="quarter" idx="12"/>
+          </p:nvPr>
+        </p:nvSpPr>
+        <p:spPr/>
+        <p:txBody>
+          <a:bodyPr/>
+          <a:lstStyle/>
+          <a:p>
+            <a:fld id="{E30AF5A0-43BB-4336-8627-9123B9144D80}" type="slidenum">
+              <a:rPr lang="en-US" smtClean="0"/>
+              <a:t>7</a:t>
+            </a:fld>
+            <a:endParaRPr lang="en-US"/>
+          </a:p>
+        </p:txBody>
+      </p:sp>
+    </p:spTree>
+    <p:extLst>
+      <p:ext uri="{BB962C8B-B14F-4D97-AF65-F5344CB8AC3E}">
+        <p14:creationId xmlns:p14="http://schemas.microsoft.com/office/powerpoint/2010/main" val="2782080219"/>
+      </p:ext>
+    </p:extLst>
+  </p:cSld>
+  <p:clrMapOvr>
+    <a:masterClrMapping/>
+  </p:clrMapOvr>
+</p:sld>
+</file>
+
+<file path=ppt/slides/slide8.xml><?xml version="1.0" encoding="utf-8"?>
+<p:sld xmlns:a="http://schemas.openxmlformats.org/drawingml/2006/main" xmlns:r="http://schemas.openxmlformats.org/officeDocument/2006/relationships" xmlns:p="http://schemas.openxmlformats.org/presentationml/2006/main">
+  <p:cSld>
+    <p:spTree>
+      <p:nvGrpSpPr>
+        <p:cNvPr id="1" name=""/>
+        <p:cNvGrpSpPr/>
+        <p:nvPr/>
+      </p:nvGrpSpPr>
+      <p:grpSpPr>
+        <a:xfrm>
+          <a:off x="0" y="0"/>
+          <a:ext cx="0" cy="0"/>
+          <a:chOff x="0" y="0"/>
+          <a:chExt cx="0" cy="0"/>
+        </a:xfrm>
+      </p:grpSpPr>
+      <p:sp>
+        <p:nvSpPr>
+          <p:cNvPr id="2" name="Título 1">
+            <a:extLst>
+              <a:ext uri="{FF2B5EF4-FFF2-40B4-BE49-F238E27FC236}">
+                <a16:creationId xmlns:a16="http://schemas.microsoft.com/office/drawing/2014/main" id="{5EE1CA99-D12D-0F24-630A-515A3426CC91}"/>
+              </a:ext>
+            </a:extLst>
+          </p:cNvPr>
+          <p:cNvSpPr>
+            <a:spLocks noGrp="1"/>
+          </p:cNvSpPr>
+          <p:nvPr>
+            <p:ph type="title"/>
+          </p:nvPr>
+        </p:nvSpPr>
+        <p:spPr/>
+        <p:txBody>
+          <a:bodyPr/>
+          <a:lstStyle/>
+          <a:p>
+            <a:r>
+              <a:rPr lang="en-US" dirty="0" err="1"/>
+              <a:t>Iniciar</a:t>
+            </a:r>
+            <a:r>
+              <a:rPr lang="en-US" dirty="0"/>
+              <a:t> </a:t>
+            </a:r>
+            <a:r>
+              <a:rPr lang="en-US" dirty="0" err="1"/>
+              <a:t>população</a:t>
+            </a:r>
+            <a:endParaRPr lang="pt-BR" dirty="0"/>
+          </a:p>
+        </p:txBody>
+      </p:sp>
+      <p:pic>
+        <p:nvPicPr>
+          <p:cNvPr id="8" name="Espaço Reservado para Conteúdo 7">
+            <a:extLst>
+              <a:ext uri="{FF2B5EF4-FFF2-40B4-BE49-F238E27FC236}">
+                <a16:creationId xmlns:a16="http://schemas.microsoft.com/office/drawing/2014/main" id="{6E7BE190-1A81-9DF9-990E-70344C1321B5}"/>
+              </a:ext>
+            </a:extLst>
+          </p:cNvPr>
+          <p:cNvPicPr>
+            <a:picLocks noGrp="1" noChangeAspect="1"/>
+          </p:cNvPicPr>
+          <p:nvPr>
+            <p:ph idx="1"/>
+          </p:nvPr>
+        </p:nvPicPr>
+        <p:blipFill>
+          <a:blip r:embed="rId2"/>
+          <a:stretch>
+            <a:fillRect/>
+          </a:stretch>
+        </p:blipFill>
+        <p:spPr>
+          <a:xfrm>
+            <a:off x="1839607" y="2292350"/>
+            <a:ext cx="8412773" cy="3636963"/>
+          </a:xfrm>
+        </p:spPr>
+      </p:pic>
+      <p:sp>
+        <p:nvSpPr>
+          <p:cNvPr id="4" name="Espaço Reservado para Data 3">
+            <a:extLst>
+              <a:ext uri="{FF2B5EF4-FFF2-40B4-BE49-F238E27FC236}">
+                <a16:creationId xmlns:a16="http://schemas.microsoft.com/office/drawing/2014/main" id="{068D8CCB-9FC0-391B-CEA4-FA288AD7E47A}"/>
+              </a:ext>
+            </a:extLst>
+          </p:cNvPr>
+          <p:cNvSpPr>
+            <a:spLocks noGrp="1"/>
+          </p:cNvSpPr>
+          <p:nvPr>
+            <p:ph type="dt" sz="half" idx="10"/>
+          </p:nvPr>
+        </p:nvSpPr>
+        <p:spPr/>
+        <p:txBody>
+          <a:bodyPr/>
+          <a:lstStyle/>
+          <a:p>
+            <a:fld id="{F7CC7396-3A10-4BE7-9ADD-B66964E84016}" type="datetime1">
+              <a:rPr lang="en-US" smtClean="0"/>
+              <a:t>6/7/2024</a:t>
+            </a:fld>
+            <a:endParaRPr lang="en-US"/>
+          </a:p>
+        </p:txBody>
+      </p:sp>
+      <p:sp>
+        <p:nvSpPr>
+          <p:cNvPr id="5" name="Espaço Reservado para Rodapé 4">
+            <a:extLst>
+              <a:ext uri="{FF2B5EF4-FFF2-40B4-BE49-F238E27FC236}">
+                <a16:creationId xmlns:a16="http://schemas.microsoft.com/office/drawing/2014/main" id="{82AB9D4F-694E-63D3-FE8D-C494B1FA0205}"/>
+              </a:ext>
+            </a:extLst>
+          </p:cNvPr>
+          <p:cNvSpPr>
+            <a:spLocks noGrp="1"/>
+          </p:cNvSpPr>
+          <p:nvPr>
+            <p:ph type="ftr" sz="quarter" idx="11"/>
+          </p:nvPr>
+        </p:nvSpPr>
+        <p:spPr/>
+        <p:txBody>
+          <a:bodyPr/>
+          <a:lstStyle/>
+          <a:p>
+            <a:r>
+              <a:rPr lang="en-US"/>
+              <a:t>
+              </a:t>
+            </a:r>
+          </a:p>
+        </p:txBody>
+      </p:sp>
+      <p:sp>
+        <p:nvSpPr>
+          <p:cNvPr id="6" name="Espaço Reservado para Número de Slide 5">
+            <a:extLst>
+              <a:ext uri="{FF2B5EF4-FFF2-40B4-BE49-F238E27FC236}">
+                <a16:creationId xmlns:a16="http://schemas.microsoft.com/office/drawing/2014/main" id="{E522D751-1B2E-7BBE-A4D4-C6FC04E558F8}"/>
+              </a:ext>
+            </a:extLst>
+          </p:cNvPr>
+          <p:cNvSpPr>
+            <a:spLocks noGrp="1"/>
+          </p:cNvSpPr>
+          <p:nvPr>
+            <p:ph type="sldNum" sz="quarter" idx="12"/>
+          </p:nvPr>
+        </p:nvSpPr>
+        <p:spPr/>
+        <p:txBody>
+          <a:bodyPr/>
+          <a:lstStyle/>
+          <a:p>
+            <a:fld id="{E30AF5A0-43BB-4336-8627-9123B9144D80}" type="slidenum">
+              <a:rPr lang="en-US" smtClean="0"/>
+              <a:t>8</a:t>
+            </a:fld>
+            <a:endParaRPr lang="en-US"/>
+          </a:p>
+        </p:txBody>
+      </p:sp>
+    </p:spTree>
+    <p:extLst>
+      <p:ext uri="{BB962C8B-B14F-4D97-AF65-F5344CB8AC3E}">
+        <p14:creationId xmlns:p14="http://schemas.microsoft.com/office/powerpoint/2010/main" val="1350081469"/>
+      </p:ext>
+    </p:extLst>
+  </p:cSld>
+  <p:clrMapOvr>
+    <a:masterClrMapping/>
+  </p:clrMapOvr>
+</p:sld>
+</file>
+
+<file path=ppt/slides/slide9.xml><?xml version="1.0" encoding="utf-8"?>
+<p:sld xmlns:a="http://schemas.openxmlformats.org/drawingml/2006/main" xmlns:r="http://schemas.openxmlformats.org/officeDocument/2006/relationships" xmlns:p="http://schemas.openxmlformats.org/presentationml/2006/main">
+  <p:cSld>
+    <p:spTree>
+      <p:nvGrpSpPr>
+        <p:cNvPr id="1" name=""/>
+        <p:cNvGrpSpPr/>
+        <p:nvPr/>
+      </p:nvGrpSpPr>
+      <p:grpSpPr>
+        <a:xfrm>
+          <a:off x="0" y="0"/>
+          <a:ext cx="0" cy="0"/>
+          <a:chOff x="0" y="0"/>
+          <a:chExt cx="0" cy="0"/>
+        </a:xfrm>
+      </p:grpSpPr>
+      <p:sp>
+        <p:nvSpPr>
+          <p:cNvPr id="2" name="Título 1">
+            <a:extLst>
+              <a:ext uri="{FF2B5EF4-FFF2-40B4-BE49-F238E27FC236}">
+                <a16:creationId xmlns:a16="http://schemas.microsoft.com/office/drawing/2014/main" id="{1A20EFEA-8525-ED40-E65F-90BDBC87186C}"/>
+              </a:ext>
+            </a:extLst>
+          </p:cNvPr>
+          <p:cNvSpPr>
+            <a:spLocks noGrp="1"/>
+          </p:cNvSpPr>
+          <p:nvPr>
+            <p:ph type="title"/>
+          </p:nvPr>
+        </p:nvSpPr>
+        <p:spPr/>
+        <p:txBody>
+          <a:bodyPr/>
+          <a:lstStyle/>
+          <a:p>
+            <a:r>
+              <a:rPr lang="en-US" dirty="0" err="1"/>
+              <a:t>Avaliar</a:t>
+            </a:r>
+            <a:r>
+              <a:rPr lang="en-US" dirty="0"/>
+              <a:t> e </a:t>
+            </a:r>
+            <a:r>
+              <a:rPr lang="en-US" dirty="0" err="1"/>
+              <a:t>selecionar</a:t>
+            </a:r>
+            <a:endParaRPr lang="pt-BR" dirty="0"/>
+          </a:p>
+        </p:txBody>
+      </p:sp>
+      <p:pic>
+        <p:nvPicPr>
+          <p:cNvPr id="12" name="Espaço Reservado para Conteúdo 11">
+            <a:extLst>
+              <a:ext uri="{FF2B5EF4-FFF2-40B4-BE49-F238E27FC236}">
+                <a16:creationId xmlns:a16="http://schemas.microsoft.com/office/drawing/2014/main" id="{5237F8DD-E55D-96E6-E151-86D7B9C731EF}"/>
+              </a:ext>
+            </a:extLst>
+          </p:cNvPr>
+          <p:cNvPicPr>
+            <a:picLocks noGrp="1" noChangeAspect="1"/>
+          </p:cNvPicPr>
+          <p:nvPr>
+            <p:ph idx="1"/>
+          </p:nvPr>
+        </p:nvPicPr>
+        <p:blipFill>
+          <a:blip r:embed="rId2"/>
+          <a:stretch>
+            <a:fillRect/>
+          </a:stretch>
+        </p:blipFill>
+        <p:spPr>
+          <a:xfrm>
+            <a:off x="1424294" y="2292350"/>
+            <a:ext cx="9243400" cy="3636963"/>
+          </a:xfrm>
+        </p:spPr>
+      </p:pic>
+      <p:sp>
+        <p:nvSpPr>
+          <p:cNvPr id="4" name="Espaço Reservado para Data 3">
+            <a:extLst>
+              <a:ext uri="{FF2B5EF4-FFF2-40B4-BE49-F238E27FC236}">
+                <a16:creationId xmlns:a16="http://schemas.microsoft.com/office/drawing/2014/main" id="{BD171FF3-A50C-E7A7-9751-5FF7489CF5ED}"/>
+              </a:ext>
+            </a:extLst>
+          </p:cNvPr>
+          <p:cNvSpPr>
+            <a:spLocks noGrp="1"/>
+          </p:cNvSpPr>
+          <p:nvPr>
+            <p:ph type="dt" sz="half" idx="10"/>
+          </p:nvPr>
+        </p:nvSpPr>
+        <p:spPr/>
+        <p:txBody>
+          <a:bodyPr/>
+          <a:lstStyle/>
+          <a:p>
+            <a:fld id="{AD152C74-030F-420E-A197-6500961AA3BD}" type="datetime1">
+              <a:rPr lang="en-US" smtClean="0"/>
+              <a:t>6/7/2024</a:t>
+            </a:fld>
+            <a:endParaRPr lang="en-US"/>
+          </a:p>
+        </p:txBody>
+      </p:sp>
+      <p:sp>
+        <p:nvSpPr>
+          <p:cNvPr id="5" name="Espaço Reservado para Rodapé 4">
+            <a:extLst>
+              <a:ext uri="{FF2B5EF4-FFF2-40B4-BE49-F238E27FC236}">
+                <a16:creationId xmlns:a16="http://schemas.microsoft.com/office/drawing/2014/main" id="{AB3A5969-A2F3-36EF-002E-434B0D633E46}"/>
+              </a:ext>
+            </a:extLst>
+          </p:cNvPr>
+          <p:cNvSpPr>
+            <a:spLocks noGrp="1"/>
+          </p:cNvSpPr>
+          <p:nvPr>
+            <p:ph type="ftr" sz="quarter" idx="11"/>
+          </p:nvPr>
+        </p:nvSpPr>
+        <p:spPr/>
+        <p:txBody>
+          <a:bodyPr/>
+          <a:lstStyle/>
+          <a:p>
+            <a:r>
+              <a:rPr lang="en-US"/>
+              <a:t>
+              </a:t>
+            </a:r>
+          </a:p>
+        </p:txBody>
+      </p:sp>
+      <p:sp>
+        <p:nvSpPr>
+          <p:cNvPr id="6" name="Espaço Reservado para Número de Slide 5">
+            <a:extLst>
+              <a:ext uri="{FF2B5EF4-FFF2-40B4-BE49-F238E27FC236}">
+                <a16:creationId xmlns:a16="http://schemas.microsoft.com/office/drawing/2014/main" id="{5D39681C-FD7C-803E-0EE3-33971925B339}"/>
+              </a:ext>
+            </a:extLst>
+          </p:cNvPr>
+          <p:cNvSpPr>
+            <a:spLocks noGrp="1"/>
+          </p:cNvSpPr>
+          <p:nvPr>
+            <p:ph type="sldNum" sz="quarter" idx="12"/>
+          </p:nvPr>
+        </p:nvSpPr>
+        <p:spPr/>
+        <p:txBody>
+          <a:bodyPr/>
+          <a:lstStyle/>
+          <a:p>
+            <a:fld id="{E30AF5A0-43BB-4336-8627-9123B9144D80}" type="slidenum">
+              <a:rPr lang="en-US" smtClean="0"/>
+              <a:t>9</a:t>
+            </a:fld>
+            <a:endParaRPr lang="en-US"/>
+          </a:p>
+        </p:txBody>
+      </p:sp>
+    </p:spTree>
+    <p:extLst>
+      <p:ext uri="{BB962C8B-B14F-4D97-AF65-F5344CB8AC3E}">
+        <p14:creationId xmlns:p14="http://schemas.microsoft.com/office/powerpoint/2010/main" val="3928988141"/>
       </p:ext>
     </p:extLst>
   </p:cSld>

--- a/Presentation.pptx
+++ b/Presentation.pptx
@@ -26,11 +26,13 @@
     <p:sldId id="264" r:id="rId20"/>
     <p:sldId id="265" r:id="rId21"/>
     <p:sldId id="266" r:id="rId22"/>
-    <p:sldId id="267" r:id="rId23"/>
-    <p:sldId id="268" r:id="rId24"/>
-    <p:sldId id="269" r:id="rId25"/>
-    <p:sldId id="270" r:id="rId26"/>
-    <p:sldId id="271" r:id="rId27"/>
+    <p:sldId id="272" r:id="rId23"/>
+    <p:sldId id="267" r:id="rId24"/>
+    <p:sldId id="268" r:id="rId25"/>
+    <p:sldId id="273" r:id="rId26"/>
+    <p:sldId id="269" r:id="rId27"/>
+    <p:sldId id="270" r:id="rId28"/>
+    <p:sldId id="271" r:id="rId29"/>
   </p:sldIdLst>
   <p:sldSz cx="12192000" cy="6858000"/>
   <p:notesSz cx="7559675" cy="10691813"/>
@@ -129,7 +131,120 @@
       </a:defRPr>
     </a:lvl9pPr>
   </p:defaultTextStyle>
+  <p:extLst>
+    <p:ext uri="{EFAFB233-063F-42B5-8137-9DF3F51BA10A}">
+      <p15:sldGuideLst xmlns:p15="http://schemas.microsoft.com/office/powerpoint/2012/main"/>
+    </p:ext>
+  </p:extLst>
 </p:presentation>
+</file>
+
+<file path=ppt/revisionInfo.xml><?xml version="1.0" encoding="utf-8"?>
+<p1510:revInfo xmlns:a="http://schemas.openxmlformats.org/drawingml/2006/main" xmlns:r="http://schemas.openxmlformats.org/officeDocument/2006/relationships" xmlns:p1510="http://schemas.microsoft.com/office/powerpoint/2015/10/main">
+  <p1510:revLst>
+    <p1510:client id="{696FD3F6-DC1C-4A96-B064-B6B7CAE5754C}" v="26" dt="2024-06-07T18:01:53.965"/>
+  </p1510:revLst>
+</p1510:revInfo>
+</file>
+
+<file path=ppt/changesInfos/changesInfo1.xml><?xml version="1.0" encoding="utf-8"?>
+<pc:chgInfo xmlns:a="http://schemas.openxmlformats.org/drawingml/2006/main" xmlns:r="http://schemas.openxmlformats.org/officeDocument/2006/relationships" xmlns:ac="http://schemas.microsoft.com/office/drawing/2013/main/command" xmlns:pc="http://schemas.microsoft.com/office/powerpoint/2013/main/command">
+  <pc:docChgLst>
+    <pc:chgData name="Eduardo Savian" userId="83fefb37af455394" providerId="Windows Live" clId="Web-{696FD3F6-DC1C-4A96-B064-B6B7CAE5754C}"/>
+    <pc:docChg chg="addSld modSld">
+      <pc:chgData name="Eduardo Savian" userId="83fefb37af455394" providerId="Windows Live" clId="Web-{696FD3F6-DC1C-4A96-B064-B6B7CAE5754C}" dt="2024-06-07T18:01:53.965" v="21" actId="20577"/>
+      <pc:docMkLst>
+        <pc:docMk/>
+      </pc:docMkLst>
+      <pc:sldChg chg="addSp delSp modSp new">
+        <pc:chgData name="Eduardo Savian" userId="83fefb37af455394" providerId="Windows Live" clId="Web-{696FD3F6-DC1C-4A96-B064-B6B7CAE5754C}" dt="2024-06-07T18:01:53.965" v="21" actId="20577"/>
+        <pc:sldMkLst>
+          <pc:docMk/>
+          <pc:sldMk cId="2279781721" sldId="272"/>
+        </pc:sldMkLst>
+        <pc:spChg chg="mod">
+          <ac:chgData name="Eduardo Savian" userId="83fefb37af455394" providerId="Windows Live" clId="Web-{696FD3F6-DC1C-4A96-B064-B6B7CAE5754C}" dt="2024-06-07T18:01:53.965" v="21" actId="20577"/>
+          <ac:spMkLst>
+            <pc:docMk/>
+            <pc:sldMk cId="2279781721" sldId="272"/>
+            <ac:spMk id="2" creationId="{4B33858B-35C2-D714-444A-9A0898A56855}"/>
+          </ac:spMkLst>
+        </pc:spChg>
+        <pc:spChg chg="add del">
+          <ac:chgData name="Eduardo Savian" userId="83fefb37af455394" providerId="Windows Live" clId="Web-{696FD3F6-DC1C-4A96-B064-B6B7CAE5754C}" dt="2024-06-07T18:01:08.102" v="5"/>
+          <ac:spMkLst>
+            <pc:docMk/>
+            <pc:sldMk cId="2279781721" sldId="272"/>
+            <ac:spMk id="3" creationId="{0D450DE2-F406-23B3-349B-4F1ABC014C69}"/>
+          </ac:spMkLst>
+        </pc:spChg>
+        <pc:picChg chg="add del mod ord">
+          <ac:chgData name="Eduardo Savian" userId="83fefb37af455394" providerId="Windows Live" clId="Web-{696FD3F6-DC1C-4A96-B064-B6B7CAE5754C}" dt="2024-06-07T17:59:36.361" v="2"/>
+          <ac:picMkLst>
+            <pc:docMk/>
+            <pc:sldMk cId="2279781721" sldId="272"/>
+            <ac:picMk id="4" creationId="{BEFB9CCB-F3C4-0B2A-71C5-30ABE697344E}"/>
+          </ac:picMkLst>
+        </pc:picChg>
+        <pc:picChg chg="add del mod ord">
+          <ac:chgData name="Eduardo Savian" userId="83fefb37af455394" providerId="Windows Live" clId="Web-{696FD3F6-DC1C-4A96-B064-B6B7CAE5754C}" dt="2024-06-07T17:59:52.519" v="4"/>
+          <ac:picMkLst>
+            <pc:docMk/>
+            <pc:sldMk cId="2279781721" sldId="272"/>
+            <ac:picMk id="5" creationId="{C3CDD27F-9F57-6032-86C8-0B68DF404251}"/>
+          </ac:picMkLst>
+        </pc:picChg>
+        <pc:picChg chg="add mod ord">
+          <ac:chgData name="Eduardo Savian" userId="83fefb37af455394" providerId="Windows Live" clId="Web-{696FD3F6-DC1C-4A96-B064-B6B7CAE5754C}" dt="2024-06-07T18:01:08.102" v="5"/>
+          <ac:picMkLst>
+            <pc:docMk/>
+            <pc:sldMk cId="2279781721" sldId="272"/>
+            <ac:picMk id="6" creationId="{208E17CB-D798-416A-D262-2925BFD15411}"/>
+          </ac:picMkLst>
+        </pc:picChg>
+      </pc:sldChg>
+      <pc:sldChg chg="addSp delSp modSp new">
+        <pc:chgData name="Eduardo Savian" userId="83fefb37af455394" providerId="Windows Live" clId="Web-{696FD3F6-DC1C-4A96-B064-B6B7CAE5754C}" dt="2024-06-07T18:01:37.245" v="14" actId="20577"/>
+        <pc:sldMkLst>
+          <pc:docMk/>
+          <pc:sldMk cId="3900390978" sldId="273"/>
+        </pc:sldMkLst>
+        <pc:spChg chg="mod">
+          <ac:chgData name="Eduardo Savian" userId="83fefb37af455394" providerId="Windows Live" clId="Web-{696FD3F6-DC1C-4A96-B064-B6B7CAE5754C}" dt="2024-06-07T18:01:37.245" v="14" actId="20577"/>
+          <ac:spMkLst>
+            <pc:docMk/>
+            <pc:sldMk cId="3900390978" sldId="273"/>
+            <ac:spMk id="2" creationId="{472C6463-8FC6-AFDD-A596-B5A6DFBBA02B}"/>
+          </ac:spMkLst>
+        </pc:spChg>
+        <pc:spChg chg="add del">
+          <ac:chgData name="Eduardo Savian" userId="83fefb37af455394" providerId="Windows Live" clId="Web-{696FD3F6-DC1C-4A96-B064-B6B7CAE5754C}" dt="2024-06-07T18:01:28.651" v="9"/>
+          <ac:spMkLst>
+            <pc:docMk/>
+            <pc:sldMk cId="3900390978" sldId="273"/>
+            <ac:spMk id="3" creationId="{BED4AE89-5BBB-6255-34D5-FBF4ED9258A4}"/>
+          </ac:spMkLst>
+        </pc:spChg>
+        <pc:picChg chg="add del mod ord">
+          <ac:chgData name="Eduardo Savian" userId="83fefb37af455394" providerId="Windows Live" clId="Web-{696FD3F6-DC1C-4A96-B064-B6B7CAE5754C}" dt="2024-06-07T18:01:22.228" v="8"/>
+          <ac:picMkLst>
+            <pc:docMk/>
+            <pc:sldMk cId="3900390978" sldId="273"/>
+            <ac:picMk id="4" creationId="{2A35C086-7D07-6EE1-5876-C8D7227F666C}"/>
+          </ac:picMkLst>
+        </pc:picChg>
+        <pc:picChg chg="add mod ord">
+          <ac:chgData name="Eduardo Savian" userId="83fefb37af455394" providerId="Windows Live" clId="Web-{696FD3F6-DC1C-4A96-B064-B6B7CAE5754C}" dt="2024-06-07T18:01:30.729" v="11" actId="1076"/>
+          <ac:picMkLst>
+            <pc:docMk/>
+            <pc:sldMk cId="3900390978" sldId="273"/>
+            <ac:picMk id="5" creationId="{D91E092E-41FC-F964-33BD-86271C129B89}"/>
+          </ac:picMkLst>
+        </pc:picChg>
+      </pc:sldChg>
+    </pc:docChg>
+  </pc:docChgLst>
+</pc:chgInfo>
 </file>
 
 <file path=ppt/slideLayouts/slideLayout1.xml><?xml version="1.0" encoding="utf-8"?>
@@ -269,7 +384,7 @@
           <a:lstStyle/>
           <a:p>
             <a:fld id="{3CB867C8-8E60-485F-95EC-7CB9D91F0EA0}" type="slidenum">
-              <a:t>‹nº›</a:t>
+              <a:t>‹#›</a:t>
             </a:fld>
             <a:endParaRPr dirty="0"/>
           </a:p>
@@ -357,7 +472,7 @@
           <a:lstStyle/>
           <a:p>
             <a:fld id="{AB310CC9-AF53-4CB0-B340-0F374E6DA2A6}" type="slidenum">
-              <a:t>‹nº›</a:t>
+              <a:t>‹#›</a:t>
             </a:fld>
             <a:endParaRPr dirty="0"/>
           </a:p>
@@ -445,7 +560,7 @@
           <a:lstStyle/>
           <a:p>
             <a:fld id="{50133810-1015-4314-81EE-E7AB51054727}" type="slidenum">
-              <a:t>‹nº›</a:t>
+              <a:t>‹#›</a:t>
             </a:fld>
             <a:endParaRPr dirty="0"/>
           </a:p>
@@ -533,7 +648,7 @@
           <a:lstStyle/>
           <a:p>
             <a:fld id="{7CFFD69F-AB2D-4303-BC8B-02322978CCCD}" type="slidenum">
-              <a:t>‹nº›</a:t>
+              <a:t>‹#›</a:t>
             </a:fld>
             <a:endParaRPr dirty="0"/>
           </a:p>
@@ -621,7 +736,7 @@
           <a:lstStyle/>
           <a:p>
             <a:fld id="{4D3D6713-075E-4F94-9B7E-74969422E84B}" type="slidenum">
-              <a:t>‹nº›</a:t>
+              <a:t>‹#›</a:t>
             </a:fld>
             <a:endParaRPr dirty="0"/>
           </a:p>
@@ -797,7 +912,7 @@
           <a:lstStyle/>
           <a:p>
             <a:fld id="{5C409584-9037-48F5-8139-64DDB8F91C6C}" type="slidenum">
-              <a:t>‹nº›</a:t>
+              <a:t>‹#›</a:t>
             </a:fld>
             <a:endParaRPr dirty="0"/>
           </a:p>
@@ -885,7 +1000,7 @@
           <a:lstStyle/>
           <a:p>
             <a:fld id="{C7F56E65-1183-4DC8-9691-1E279E94E6A5}" type="slidenum">
-              <a:t>‹nº›</a:t>
+              <a:t>‹#›</a:t>
             </a:fld>
             <a:endParaRPr dirty="0"/>
           </a:p>
@@ -1108,7 +1223,7 @@
           <a:lstStyle/>
           <a:p>
             <a:fld id="{001C6514-E670-469D-A352-7137B9642B3C}" type="slidenum">
-              <a:t>‹nº›</a:t>
+              <a:t>‹#›</a:t>
             </a:fld>
             <a:endParaRPr dirty="0"/>
           </a:p>
@@ -1196,7 +1311,7 @@
           <a:lstStyle/>
           <a:p>
             <a:fld id="{8ED656BF-FFB5-451D-AC0C-7F432C81792F}" type="slidenum">
-              <a:t>‹nº›</a:t>
+              <a:t>‹#›</a:t>
             </a:fld>
             <a:endParaRPr dirty="0"/>
           </a:p>
@@ -1325,7 +1440,7 @@
           <a:lstStyle/>
           <a:p>
             <a:fld id="{2D447967-F851-4E45-A34E-F5F47488CDEB}" type="slidenum">
-              <a:t>‹nº›</a:t>
+              <a:t>‹#›</a:t>
             </a:fld>
             <a:endParaRPr dirty="0"/>
           </a:p>
@@ -1413,7 +1528,7 @@
           <a:lstStyle/>
           <a:p>
             <a:fld id="{7979DC0C-E68C-4034-910F-0B64E66FDA7F}" type="slidenum">
-              <a:t>‹nº›</a:t>
+              <a:t>‹#›</a:t>
             </a:fld>
             <a:endParaRPr dirty="0"/>
           </a:p>
@@ -1747,7 +1862,7 @@
                 </a:solidFill>
                 <a:latin typeface="Calisto MT"/>
               </a:rPr>
-              <a:t>‹nº›</a:t>
+              <a:t>‹#›</a:t>
             </a:fld>
             <a:endParaRPr lang="en-AU" sz="1800" b="0" strike="noStrike" spc="-1" dirty="0">
               <a:solidFill>
@@ -2756,7 +2871,7 @@
                 </a:solidFill>
                 <a:latin typeface="Calisto MT"/>
               </a:rPr>
-              <a:t>‹nº›</a:t>
+              <a:t>‹#›</a:t>
             </a:fld>
             <a:endParaRPr lang="en-AU" sz="1800" b="0" strike="noStrike" spc="-1" dirty="0">
               <a:solidFill>
@@ -3615,7 +3730,7 @@
                 </a:solidFill>
                 <a:latin typeface="Calisto MT"/>
               </a:rPr>
-              <a:t>‹nº›</a:t>
+              <a:t>‹#›</a:t>
             </a:fld>
             <a:endParaRPr lang="en-AU" sz="1800" b="0" strike="noStrike" spc="-1" dirty="0">
               <a:solidFill>
@@ -4366,7 +4481,7 @@
                 </a:solidFill>
                 <a:latin typeface="Calisto MT"/>
               </a:rPr>
-              <a:t>‹nº›</a:t>
+              <a:t>‹#›</a:t>
             </a:fld>
             <a:endParaRPr lang="en-AU" sz="1800" b="0" strike="noStrike" spc="-1" dirty="0">
               <a:solidFill>
@@ -5117,7 +5232,7 @@
                 </a:solidFill>
                 <a:latin typeface="Calisto MT"/>
               </a:rPr>
-              <a:t>‹nº›</a:t>
+              <a:t>‹#›</a:t>
             </a:fld>
             <a:endParaRPr lang="en-AU" sz="1800" b="0" strike="noStrike" spc="-1" dirty="0">
               <a:solidFill>
@@ -5868,7 +5983,7 @@
                 </a:solidFill>
                 <a:latin typeface="Calisto MT"/>
               </a:rPr>
-              <a:t>‹nº›</a:t>
+              <a:t>‹#›</a:t>
             </a:fld>
             <a:endParaRPr lang="en-AU" sz="1800" b="0" strike="noStrike" spc="-1" dirty="0">
               <a:solidFill>
@@ -6530,7 +6645,7 @@
                 </a:solidFill>
                 <a:latin typeface="Calisto MT"/>
               </a:rPr>
-              <a:t>‹nº›</a:t>
+              <a:t>‹#›</a:t>
             </a:fld>
             <a:endParaRPr lang="en-AU" sz="1800" b="0" strike="noStrike" spc="-1" dirty="0">
               <a:solidFill>
@@ -7431,7 +7546,7 @@
                 </a:solidFill>
                 <a:latin typeface="Calisto MT"/>
               </a:rPr>
-              <a:t>‹nº›</a:t>
+              <a:t>‹#›</a:t>
             </a:fld>
             <a:endParaRPr lang="en-AU" sz="1800" b="0" strike="noStrike" spc="-1" dirty="0">
               <a:solidFill>
@@ -8450,7 +8565,7 @@
                 </a:solidFill>
                 <a:latin typeface="Calisto MT"/>
               </a:rPr>
-              <a:t>‹nº›</a:t>
+              <a:t>‹#›</a:t>
             </a:fld>
             <a:endParaRPr lang="en-AU" sz="1800" b="0" strike="noStrike" spc="-1" dirty="0">
               <a:solidFill>
@@ -9051,7 +9166,7 @@
                 </a:solidFill>
                 <a:latin typeface="Calisto MT"/>
               </a:rPr>
-              <a:t>‹nº›</a:t>
+              <a:t>‹#›</a:t>
             </a:fld>
             <a:endParaRPr lang="en-AU" sz="1800" b="0" strike="noStrike" spc="-1" dirty="0">
               <a:solidFill>
@@ -9599,7 +9714,7 @@
                 </a:solidFill>
                 <a:latin typeface="Calisto MT"/>
               </a:rPr>
-              <a:t>‹nº›</a:t>
+              <a:t>‹#›</a:t>
             </a:fld>
             <a:endParaRPr lang="en-AU" sz="1800" b="0" strike="noStrike" spc="-1" dirty="0">
               <a:solidFill>
@@ -10410,7 +10525,13 @@
       </p:grpSpPr>
       <p:sp>
         <p:nvSpPr>
-          <p:cNvPr id="110" name="PlaceHolder 1"/>
+          <p:cNvPr id="2" name="Title 1">
+            <a:extLst>
+              <a:ext uri="{FF2B5EF4-FFF2-40B4-BE49-F238E27FC236}">
+                <a16:creationId xmlns:a16="http://schemas.microsoft.com/office/drawing/2014/main" id="{4B33858B-35C2-D714-444A-9A0898A56855}"/>
+              </a:ext>
+            </a:extLst>
+          </p:cNvPr>
           <p:cNvSpPr>
             <a:spLocks noGrp="1"/>
           </p:cNvSpPr>
@@ -10418,141 +10539,53 @@
             <p:ph type="title"/>
           </p:nvPr>
         </p:nvSpPr>
-        <p:spPr>
-          <a:xfrm>
-            <a:off x="700560" y="921960"/>
-            <a:ext cx="10690920" cy="1370520"/>
-          </a:xfrm>
-          <a:prstGeom prst="rect">
-            <a:avLst/>
-          </a:prstGeom>
-          <a:noFill/>
-          <a:ln w="0">
-            <a:noFill/>
-          </a:ln>
-        </p:spPr>
-        <p:txBody>
-          <a:bodyPr lIns="91440" tIns="45720" rIns="91440" bIns="45720" anchor="t">
-            <a:noAutofit/>
-          </a:bodyPr>
+        <p:spPr/>
+        <p:txBody>
+          <a:bodyPr/>
           <a:lstStyle/>
           <a:p>
-            <a:pPr indent="0" defTabSz="914400">
-              <a:lnSpc>
-                <a:spcPct val="100000"/>
-              </a:lnSpc>
-              <a:buNone/>
-            </a:pPr>
-            <a:r>
-              <a:rPr lang="en-US" sz="4000" b="0" strike="noStrike" cap="all" spc="29" dirty="0">
-                <a:solidFill>
-                  <a:schemeClr val="dk1"/>
-                </a:solidFill>
-                <a:latin typeface="Univers Condensed"/>
-              </a:rPr>
-              <a:t>Cruzar</a:t>
-            </a:r>
-            <a:endParaRPr lang="en-US" sz="4000" b="0" strike="noStrike" spc="-1" dirty="0">
-              <a:solidFill>
-                <a:schemeClr val="dk1"/>
-              </a:solidFill>
-              <a:latin typeface="Calisto MT"/>
-            </a:endParaRPr>
+            <a:r>
+              <a:rPr lang="en-US" dirty="0"/>
+              <a:t>CRUZAR</a:t>
+            </a:r>
           </a:p>
         </p:txBody>
       </p:sp>
       <p:pic>
         <p:nvPicPr>
-          <p:cNvPr id="111" name="Espaço Reservado para Conteúdo 7"/>
-          <p:cNvPicPr/>
-          <p:nvPr/>
+          <p:cNvPr id="6" name="Content Placeholder 5" descr="A screenshot of a computer&#10;&#10;Description automatically generated">
+            <a:extLst>
+              <a:ext uri="{FF2B5EF4-FFF2-40B4-BE49-F238E27FC236}">
+                <a16:creationId xmlns:a16="http://schemas.microsoft.com/office/drawing/2014/main" id="{208E17CB-D798-416A-D262-2925BFD15411}"/>
+              </a:ext>
+            </a:extLst>
+          </p:cNvPr>
+          <p:cNvPicPr>
+            <a:picLocks noGrp="1" noChangeAspect="1"/>
+          </p:cNvPicPr>
+          <p:nvPr>
+            <p:ph/>
+          </p:nvPr>
         </p:nvPicPr>
         <p:blipFill>
           <a:blip r:embed="rId2"/>
-          <a:stretch/>
+          <a:stretch>
+            <a:fillRect/>
+          </a:stretch>
         </p:blipFill>
         <p:spPr>
           <a:xfrm>
-            <a:off x="3128040" y="2292480"/>
-            <a:ext cx="5835240" cy="3636720"/>
+            <a:off x="1685708" y="2293200"/>
+            <a:ext cx="8720623" cy="3635640"/>
           </a:xfrm>
-          <a:prstGeom prst="rect">
-            <a:avLst/>
-          </a:prstGeom>
-          <a:ln w="0">
-            <a:noFill/>
-          </a:ln>
         </p:spPr>
       </p:pic>
-      <p:sp>
-        <p:nvSpPr>
-          <p:cNvPr id="3" name="PlaceHolder 2"/>
-          <p:cNvSpPr>
-            <a:spLocks noGrp="1"/>
-          </p:cNvSpPr>
-          <p:nvPr>
-            <p:ph type="ftr" idx="11"/>
-          </p:nvPr>
-        </p:nvSpPr>
-        <p:spPr/>
-        <p:txBody>
-          <a:bodyPr/>
-          <a:lstStyle/>
-          <a:p>
-            <a:r>
-              <a:rPr dirty="0"/>
-              <a:t>
-              </a:t>
-            </a:r>
-          </a:p>
-        </p:txBody>
-      </p:sp>
-      <p:sp>
-        <p:nvSpPr>
-          <p:cNvPr id="4" name="PlaceHolder 3"/>
-          <p:cNvSpPr>
-            <a:spLocks noGrp="1"/>
-          </p:cNvSpPr>
-          <p:nvPr>
-            <p:ph type="sldNum" idx="12"/>
-          </p:nvPr>
-        </p:nvSpPr>
-        <p:spPr/>
-        <p:txBody>
-          <a:bodyPr/>
-          <a:lstStyle/>
-          <a:p>
-            <a:fld id="{06ACC21E-85C8-4429-9253-9B21569DC73E}" type="slidenum">
-              <a:t>12</a:t>
-            </a:fld>
-            <a:endParaRPr dirty="0"/>
-          </a:p>
-        </p:txBody>
-      </p:sp>
-      <p:sp>
-        <p:nvSpPr>
-          <p:cNvPr id="5" name="PlaceHolder 4"/>
-          <p:cNvSpPr>
-            <a:spLocks noGrp="1"/>
-          </p:cNvSpPr>
-          <p:nvPr>
-            <p:ph type="dt" idx="10"/>
-          </p:nvPr>
-        </p:nvSpPr>
-        <p:spPr/>
-        <p:txBody>
-          <a:bodyPr/>
-          <a:lstStyle/>
-          <a:p>
-            <a:fld id="{8059CF63-C65D-456F-89CB-B815AE4E4BC9}" type="datetime1">
-              <a:rPr lang="en-AU"/>
-              <a:t>7/06/2024</a:t>
-            </a:fld>
-            <a:endParaRPr lang="en-AU" dirty="0"/>
-          </a:p>
-        </p:txBody>
-      </p:sp>
     </p:spTree>
+    <p:extLst>
+      <p:ext uri="{BB962C8B-B14F-4D97-AF65-F5344CB8AC3E}">
+        <p14:creationId xmlns:p14="http://schemas.microsoft.com/office/powerpoint/2010/main" val="2279781721"/>
+      </p:ext>
+    </p:extLst>
   </p:cSld>
   <p:clrMapOvr>
     <a:masterClrMapping/>
@@ -10579,7 +10612,7 @@
       </p:grpSpPr>
       <p:sp>
         <p:nvSpPr>
-          <p:cNvPr id="112" name="PlaceHolder 1"/>
+          <p:cNvPr id="110" name="PlaceHolder 1"/>
           <p:cNvSpPr>
             <a:spLocks noGrp="1"/>
           </p:cNvSpPr>
@@ -10632,7 +10665,7 @@
       </p:sp>
       <p:pic>
         <p:nvPicPr>
-          <p:cNvPr id="113" name="Espaço Reservado para Conteúdo 7"/>
+          <p:cNvPr id="111" name="Espaço Reservado para Conteúdo 7"/>
           <p:cNvPicPr/>
           <p:nvPr/>
         </p:nvPicPr>
@@ -10642,8 +10675,8 @@
         </p:blipFill>
         <p:spPr>
           <a:xfrm>
-            <a:off x="3746520" y="2292480"/>
-            <a:ext cx="4598640" cy="3636720"/>
+            <a:off x="3128040" y="2292480"/>
+            <a:ext cx="5835240" cy="3636720"/>
           </a:xfrm>
           <a:prstGeom prst="rect">
             <a:avLst/>
@@ -10691,7 +10724,7 @@
           <a:bodyPr/>
           <a:lstStyle/>
           <a:p>
-            <a:fld id="{7328F772-CE63-4EEF-A105-5F0FE3D861CA}" type="slidenum">
+            <a:fld id="{06ACC21E-85C8-4429-9253-9B21569DC73E}" type="slidenum">
               <a:t>13</a:t>
             </a:fld>
             <a:endParaRPr dirty="0"/>
@@ -10713,7 +10746,7 @@
           <a:bodyPr/>
           <a:lstStyle/>
           <a:p>
-            <a:fld id="{C85C4308-B07B-4D1A-AF7A-384068CC4219}" type="datetime1">
+            <a:fld id="{8059CF63-C65D-456F-89CB-B815AE4E4BC9}" type="datetime1">
               <a:rPr lang="en-AU"/>
               <a:t>7/06/2024</a:t>
             </a:fld>
@@ -10748,7 +10781,7 @@
       </p:grpSpPr>
       <p:sp>
         <p:nvSpPr>
-          <p:cNvPr id="114" name="PlaceHolder 1"/>
+          <p:cNvPr id="112" name="PlaceHolder 1"/>
           <p:cNvSpPr>
             <a:spLocks noGrp="1"/>
           </p:cNvSpPr>
@@ -10788,7 +10821,7 @@
                 </a:solidFill>
                 <a:latin typeface="Univers Condensed"/>
               </a:rPr>
-              <a:t>mutar</a:t>
+              <a:t>Cruzar</a:t>
             </a:r>
             <a:endParaRPr lang="en-US" sz="4000" b="0" strike="noStrike" spc="-1" dirty="0">
               <a:solidFill>
@@ -10801,7 +10834,7 @@
       </p:sp>
       <p:pic>
         <p:nvPicPr>
-          <p:cNvPr id="115" name="Espaço Reservado para Conteúdo 7"/>
+          <p:cNvPr id="113" name="Espaço Reservado para Conteúdo 7"/>
           <p:cNvPicPr/>
           <p:nvPr/>
         </p:nvPicPr>
@@ -10811,8 +10844,8 @@
         </p:blipFill>
         <p:spPr>
           <a:xfrm>
-            <a:off x="1975680" y="2292480"/>
-            <a:ext cx="8139960" cy="3636720"/>
+            <a:off x="3746520" y="2292480"/>
+            <a:ext cx="4598640" cy="3636720"/>
           </a:xfrm>
           <a:prstGeom prst="rect">
             <a:avLst/>
@@ -10860,7 +10893,7 @@
           <a:bodyPr/>
           <a:lstStyle/>
           <a:p>
-            <a:fld id="{F1A161CB-7BE6-45FA-AD7A-11BA102F9974}" type="slidenum">
+            <a:fld id="{7328F772-CE63-4EEF-A105-5F0FE3D861CA}" type="slidenum">
               <a:t>14</a:t>
             </a:fld>
             <a:endParaRPr dirty="0"/>
@@ -10882,7 +10915,7 @@
           <a:bodyPr/>
           <a:lstStyle/>
           <a:p>
-            <a:fld id="{185AB305-EA15-4526-801D-EBA776E2A98D}" type="datetime1">
+            <a:fld id="{C85C4308-B07B-4D1A-AF7A-384068CC4219}" type="datetime1">
               <a:rPr lang="en-AU"/>
               <a:t>7/06/2024</a:t>
             </a:fld>
@@ -10917,7 +10950,13 @@
       </p:grpSpPr>
       <p:sp>
         <p:nvSpPr>
-          <p:cNvPr id="116" name="PlaceHolder 1"/>
+          <p:cNvPr id="2" name="Title 1">
+            <a:extLst>
+              <a:ext uri="{FF2B5EF4-FFF2-40B4-BE49-F238E27FC236}">
+                <a16:creationId xmlns:a16="http://schemas.microsoft.com/office/drawing/2014/main" id="{472C6463-8FC6-AFDD-A596-B5A6DFBBA02B}"/>
+              </a:ext>
+            </a:extLst>
+          </p:cNvPr>
           <p:cNvSpPr>
             <a:spLocks noGrp="1"/>
           </p:cNvSpPr>
@@ -10925,407 +10964,53 @@
             <p:ph type="title"/>
           </p:nvPr>
         </p:nvSpPr>
+        <p:spPr/>
+        <p:txBody>
+          <a:bodyPr/>
+          <a:lstStyle/>
+          <a:p>
+            <a:r>
+              <a:rPr lang="en-US" dirty="0"/>
+              <a:t>MUTAR</a:t>
+            </a:r>
+          </a:p>
+        </p:txBody>
+      </p:sp>
+      <p:pic>
+        <p:nvPicPr>
+          <p:cNvPr id="5" name="Content Placeholder 4" descr="A black screen with black text&#10;&#10;Description automatically generated">
+            <a:extLst>
+              <a:ext uri="{FF2B5EF4-FFF2-40B4-BE49-F238E27FC236}">
+                <a16:creationId xmlns:a16="http://schemas.microsoft.com/office/drawing/2014/main" id="{D91E092E-41FC-F964-33BD-86271C129B89}"/>
+              </a:ext>
+            </a:extLst>
+          </p:cNvPr>
+          <p:cNvPicPr>
+            <a:picLocks noGrp="1" noChangeAspect="1"/>
+          </p:cNvPicPr>
+          <p:nvPr>
+            <p:ph/>
+          </p:nvPr>
+        </p:nvPicPr>
+        <p:blipFill>
+          <a:blip r:embed="rId2"/>
+          <a:stretch>
+            <a:fillRect/>
+          </a:stretch>
+        </p:blipFill>
         <p:spPr>
           <a:xfrm>
-            <a:off x="700560" y="921960"/>
-            <a:ext cx="10690920" cy="1370520"/>
+            <a:off x="700560" y="3071625"/>
+            <a:ext cx="10690920" cy="2078790"/>
           </a:xfrm>
-          <a:prstGeom prst="rect">
-            <a:avLst/>
-          </a:prstGeom>
-          <a:noFill/>
-          <a:ln w="0">
-            <a:noFill/>
-          </a:ln>
         </p:spPr>
-        <p:txBody>
-          <a:bodyPr lIns="91440" tIns="45720" rIns="91440" bIns="45720" anchor="t">
-            <a:noAutofit/>
-          </a:bodyPr>
-          <a:lstStyle/>
-          <a:p>
-            <a:pPr indent="0" defTabSz="914400">
-              <a:lnSpc>
-                <a:spcPct val="100000"/>
-              </a:lnSpc>
-              <a:buNone/>
-            </a:pPr>
-            <a:r>
-              <a:rPr lang="en-US" sz="4000" b="0" strike="noStrike" cap="all" spc="29" dirty="0">
-                <a:solidFill>
-                  <a:schemeClr val="dk1"/>
-                </a:solidFill>
-                <a:latin typeface="Univers Condensed"/>
-              </a:rPr>
-              <a:t>Referências bibliográficas</a:t>
-            </a:r>
-            <a:endParaRPr lang="en-US" sz="4000" b="0" strike="noStrike" spc="-1" dirty="0">
-              <a:solidFill>
-                <a:schemeClr val="dk1"/>
-              </a:solidFill>
-              <a:latin typeface="Calisto MT"/>
-            </a:endParaRPr>
-          </a:p>
-        </p:txBody>
-      </p:sp>
-      <p:sp>
-        <p:nvSpPr>
-          <p:cNvPr id="117" name="PlaceHolder 2"/>
-          <p:cNvSpPr>
-            <a:spLocks noGrp="1"/>
-          </p:cNvSpPr>
-          <p:nvPr>
-            <p:ph/>
-          </p:nvPr>
-        </p:nvSpPr>
-        <p:spPr>
-          <a:xfrm>
-            <a:off x="700560" y="2293200"/>
-            <a:ext cx="10690920" cy="3635640"/>
-          </a:xfrm>
-          <a:prstGeom prst="rect">
-            <a:avLst/>
-          </a:prstGeom>
-          <a:noFill/>
-          <a:ln w="0">
-            <a:noFill/>
-          </a:ln>
-        </p:spPr>
-        <p:txBody>
-          <a:bodyPr lIns="91440" tIns="45720" rIns="91440" bIns="45720" anchor="t">
-            <a:normAutofit fontScale="93441"/>
-          </a:bodyPr>
-          <a:lstStyle/>
-          <a:p>
-            <a:pPr marL="228600" indent="-228600" defTabSz="914400">
-              <a:lnSpc>
-                <a:spcPct val="110000"/>
-              </a:lnSpc>
-              <a:spcBef>
-                <a:spcPts val="1001"/>
-              </a:spcBef>
-              <a:buClr>
-                <a:srgbClr val="000000"/>
-              </a:buClr>
-              <a:buFont typeface="Arial"/>
-              <a:buChar char="•"/>
-            </a:pPr>
-            <a:r>
-              <a:rPr lang="pt-BR" sz="2000" b="0" strike="noStrike" spc="-1" dirty="0">
-                <a:solidFill>
-                  <a:schemeClr val="dk1"/>
-                </a:solidFill>
-                <a:latin typeface="Calisto MT"/>
-              </a:rPr>
-              <a:t>‌SHENDY, R. </a:t>
-            </a:r>
-            <a:r>
-              <a:rPr lang="pt-BR" sz="2000" b="1" strike="noStrike" spc="-1" dirty="0">
-                <a:solidFill>
-                  <a:schemeClr val="dk1"/>
-                </a:solidFill>
-                <a:latin typeface="Calisto MT"/>
-              </a:rPr>
-              <a:t>Traveling Salesman Problem (TSP) using Genetic Algorithm (Python)</a:t>
-            </a:r>
-            <a:r>
-              <a:rPr lang="pt-BR" sz="2000" b="0" strike="noStrike" spc="-1" dirty="0">
-                <a:solidFill>
-                  <a:schemeClr val="dk1"/>
-                </a:solidFill>
-                <a:latin typeface="Calisto MT"/>
-              </a:rPr>
-              <a:t>. Disponível em: &lt;https://medium.com/aimonks/traveling-salesman-problem-tsp-using-genetic-algorithm-fea640713758&gt;.</a:t>
-            </a:r>
-            <a:endParaRPr lang="en-US" sz="2000" b="0" strike="noStrike" spc="-1" dirty="0">
-              <a:solidFill>
-                <a:schemeClr val="dk1"/>
-              </a:solidFill>
-              <a:latin typeface="Calisto MT"/>
-            </a:endParaRPr>
-          </a:p>
-          <a:p>
-            <a:pPr marL="228600" indent="-228600" defTabSz="914400">
-              <a:lnSpc>
-                <a:spcPct val="110000"/>
-              </a:lnSpc>
-              <a:spcBef>
-                <a:spcPts val="1001"/>
-              </a:spcBef>
-              <a:buClr>
-                <a:srgbClr val="000000"/>
-              </a:buClr>
-              <a:buFont typeface="Arial"/>
-              <a:buChar char="•"/>
-            </a:pPr>
-            <a:r>
-              <a:rPr lang="pt-BR" sz="2000" b="1" strike="noStrike" spc="-1" dirty="0">
-                <a:solidFill>
-                  <a:schemeClr val="dk1"/>
-                </a:solidFill>
-                <a:latin typeface="Calisto MT"/>
-              </a:rPr>
-              <a:t>Traveling Salesman Problem using Genetic Algorithm</a:t>
-            </a:r>
-            <a:r>
-              <a:rPr lang="pt-BR" sz="2000" b="0" strike="noStrike" spc="-1" dirty="0">
-                <a:solidFill>
-                  <a:schemeClr val="dk1"/>
-                </a:solidFill>
-                <a:latin typeface="Calisto MT"/>
-              </a:rPr>
-              <a:t>.</a:t>
-            </a:r>
-            <a:r>
-              <a:rPr lang="pt-BR" sz="2000" b="1" strike="noStrike" spc="-1" dirty="0">
-                <a:solidFill>
-                  <a:schemeClr val="dk1"/>
-                </a:solidFill>
-                <a:latin typeface="Calisto MT"/>
-              </a:rPr>
-              <a:t> </a:t>
-            </a:r>
-            <a:r>
-              <a:rPr lang="pt-BR" sz="2000" b="0" strike="noStrike" spc="-1" dirty="0">
-                <a:solidFill>
-                  <a:schemeClr val="dk1"/>
-                </a:solidFill>
-                <a:latin typeface="Calisto MT"/>
-              </a:rPr>
-              <a:t>Disponível em: &lt;https://www.geeksforgeeks.org/traveling-salesman-problem-using-genetic-algorithm/&gt;.</a:t>
-            </a:r>
-            <a:endParaRPr lang="en-US" sz="2000" b="0" strike="noStrike" spc="-1" dirty="0">
-              <a:solidFill>
-                <a:schemeClr val="dk1"/>
-              </a:solidFill>
-              <a:latin typeface="Calisto MT"/>
-            </a:endParaRPr>
-          </a:p>
-          <a:p>
-            <a:pPr marL="228600" indent="-228600" defTabSz="914400">
-              <a:lnSpc>
-                <a:spcPct val="110000"/>
-              </a:lnSpc>
-              <a:spcBef>
-                <a:spcPts val="1001"/>
-              </a:spcBef>
-              <a:buClr>
-                <a:srgbClr val="000000"/>
-              </a:buClr>
-              <a:buFont typeface="Arial"/>
-              <a:buChar char="•"/>
-            </a:pPr>
-            <a:r>
-              <a:rPr lang="pt-BR" sz="2000" b="0" strike="noStrike" spc="-1" dirty="0">
-                <a:solidFill>
-                  <a:schemeClr val="dk1"/>
-                </a:solidFill>
-                <a:latin typeface="Calisto MT"/>
-              </a:rPr>
-              <a:t>WIKIPEDIA CONTRIBUTORS. </a:t>
-            </a:r>
-            <a:r>
-              <a:rPr lang="pt-BR" sz="2000" b="1" strike="noStrike" spc="-1" dirty="0">
-                <a:solidFill>
-                  <a:schemeClr val="dk1"/>
-                </a:solidFill>
-                <a:latin typeface="Calisto MT"/>
-              </a:rPr>
-              <a:t>Genetic algorithm</a:t>
-            </a:r>
-            <a:r>
-              <a:rPr lang="pt-BR" sz="2000" b="0" strike="noStrike" spc="-1" dirty="0">
-                <a:solidFill>
-                  <a:schemeClr val="dk1"/>
-                </a:solidFill>
-                <a:latin typeface="Calisto MT"/>
-              </a:rPr>
-              <a:t>. Disponível em: &lt;https://en.wikipedia.org/wiki/Genetic_algorithm&gt;.</a:t>
-            </a:r>
-            <a:endParaRPr lang="en-US" sz="2000" b="0" strike="noStrike" spc="-1" dirty="0">
-              <a:solidFill>
-                <a:schemeClr val="dk1"/>
-              </a:solidFill>
-              <a:latin typeface="Calisto MT"/>
-            </a:endParaRPr>
-          </a:p>
-          <a:p>
-            <a:pPr marL="228600" indent="-228600" defTabSz="914400">
-              <a:lnSpc>
-                <a:spcPct val="110000"/>
-              </a:lnSpc>
-              <a:spcBef>
-                <a:spcPts val="1001"/>
-              </a:spcBef>
-              <a:buClr>
-                <a:srgbClr val="000000"/>
-              </a:buClr>
-              <a:buFont typeface="Arial"/>
-              <a:buChar char="•"/>
-            </a:pPr>
-            <a:r>
-              <a:rPr lang="pt-BR" sz="2000" b="0" strike="noStrike" spc="-1" dirty="0">
-                <a:solidFill>
-                  <a:schemeClr val="dk1"/>
-                </a:solidFill>
-                <a:latin typeface="Calisto MT"/>
-                <a:ea typeface="Calisto MT"/>
-              </a:rPr>
-              <a:t>WIKIPEDIA CONTRIBUTORS. </a:t>
-            </a:r>
-            <a:r>
-              <a:rPr lang="pt-BR" sz="2000" b="1" strike="noStrike" spc="-1" dirty="0">
-                <a:solidFill>
-                  <a:schemeClr val="dk1"/>
-                </a:solidFill>
-                <a:latin typeface="Calisto MT"/>
-                <a:ea typeface="Calisto MT"/>
-              </a:rPr>
-              <a:t>Travelling salesman problem</a:t>
-            </a:r>
-            <a:r>
-              <a:rPr lang="pt-BR" sz="2000" b="0" strike="noStrike" spc="-1" dirty="0">
-                <a:solidFill>
-                  <a:schemeClr val="dk1"/>
-                </a:solidFill>
-                <a:latin typeface="Calisto MT"/>
-                <a:ea typeface="Calisto MT"/>
-              </a:rPr>
-              <a:t>.</a:t>
-            </a:r>
-            <a:r>
-              <a:rPr lang="pt-BR" sz="2000" b="1" strike="noStrike" spc="-1" dirty="0">
-                <a:solidFill>
-                  <a:schemeClr val="dk1"/>
-                </a:solidFill>
-                <a:latin typeface="Calisto MT"/>
-                <a:ea typeface="Calisto MT"/>
-              </a:rPr>
-              <a:t> </a:t>
-            </a:r>
-            <a:r>
-              <a:rPr lang="pt-BR" sz="2000" b="0" strike="noStrike" spc="-1" dirty="0">
-                <a:solidFill>
-                  <a:schemeClr val="dk1"/>
-                </a:solidFill>
-                <a:latin typeface="Calisto MT"/>
-                <a:ea typeface="Calisto MT"/>
-              </a:rPr>
-              <a:t>Disponível em: &lt;https://en.wikipedia.org/w/index.php?title=Travelling_salesman_problem&amp;oldid=1225477054&gt;.</a:t>
-            </a:r>
-            <a:endParaRPr lang="en-US" sz="2000" b="0" strike="noStrike" spc="-1" dirty="0">
-              <a:solidFill>
-                <a:schemeClr val="dk1"/>
-              </a:solidFill>
-              <a:latin typeface="Calisto MT"/>
-            </a:endParaRPr>
-          </a:p>
-          <a:p>
-            <a:pPr indent="0" defTabSz="914400">
-              <a:lnSpc>
-                <a:spcPct val="110000"/>
-              </a:lnSpc>
-              <a:spcBef>
-                <a:spcPts val="1001"/>
-              </a:spcBef>
-              <a:buNone/>
-            </a:pPr>
-            <a:endParaRPr lang="en-US" sz="2000" b="0" strike="noStrike" spc="-1" dirty="0">
-              <a:solidFill>
-                <a:schemeClr val="dk1"/>
-              </a:solidFill>
-              <a:latin typeface="Calisto MT"/>
-            </a:endParaRPr>
-          </a:p>
-          <a:p>
-            <a:pPr indent="0" defTabSz="914400">
-              <a:lnSpc>
-                <a:spcPct val="110000"/>
-              </a:lnSpc>
-              <a:spcBef>
-                <a:spcPts val="1001"/>
-              </a:spcBef>
-              <a:buNone/>
-            </a:pPr>
-            <a:endParaRPr lang="en-US" sz="2000" b="0" strike="noStrike" spc="-1" dirty="0">
-              <a:solidFill>
-                <a:schemeClr val="dk1"/>
-              </a:solidFill>
-              <a:latin typeface="Calisto MT"/>
-            </a:endParaRPr>
-          </a:p>
-        </p:txBody>
-      </p:sp>
-      <p:sp>
-        <p:nvSpPr>
-          <p:cNvPr id="4" name="PlaceHolder 3"/>
-          <p:cNvSpPr>
-            <a:spLocks noGrp="1"/>
-          </p:cNvSpPr>
-          <p:nvPr>
-            <p:ph type="ftr" idx="11"/>
-          </p:nvPr>
-        </p:nvSpPr>
-        <p:spPr/>
-        <p:txBody>
-          <a:bodyPr/>
-          <a:lstStyle/>
-          <a:p>
-            <a:r>
-              <a:rPr dirty="0"/>
-              <a:t>
-              </a:t>
-            </a:r>
-          </a:p>
-        </p:txBody>
-      </p:sp>
-      <p:sp>
-        <p:nvSpPr>
-          <p:cNvPr id="5" name="PlaceHolder 4"/>
-          <p:cNvSpPr>
-            <a:spLocks noGrp="1"/>
-          </p:cNvSpPr>
-          <p:nvPr>
-            <p:ph type="sldNum" idx="12"/>
-          </p:nvPr>
-        </p:nvSpPr>
-        <p:spPr/>
-        <p:txBody>
-          <a:bodyPr/>
-          <a:lstStyle/>
-          <a:p>
-            <a:fld id="{02CF5C4C-7FBF-4BEC-A9B8-1DCE4265BCD3}" type="slidenum">
-              <a:rPr/>
-              <a:t>15</a:t>
-            </a:fld>
-            <a:endParaRPr dirty="0"/>
-          </a:p>
-        </p:txBody>
-      </p:sp>
-      <p:sp>
-        <p:nvSpPr>
-          <p:cNvPr id="6" name="PlaceHolder 5"/>
-          <p:cNvSpPr>
-            <a:spLocks noGrp="1"/>
-          </p:cNvSpPr>
-          <p:nvPr>
-            <p:ph type="dt" idx="10"/>
-          </p:nvPr>
-        </p:nvSpPr>
-        <p:spPr/>
-        <p:txBody>
-          <a:bodyPr/>
-          <a:lstStyle/>
-          <a:p>
-            <a:fld id="{30E210F2-C1B3-417B-B632-501DCE9DD73D}" type="datetime1">
-              <a:rPr lang="en-AU"/>
-              <a:t>7/06/2024</a:t>
-            </a:fld>
-            <a:endParaRPr lang="en-AU" dirty="0"/>
-          </a:p>
-        </p:txBody>
-      </p:sp>
+      </p:pic>
     </p:spTree>
+    <p:extLst>
+      <p:ext uri="{BB962C8B-B14F-4D97-AF65-F5344CB8AC3E}">
+        <p14:creationId xmlns:p14="http://schemas.microsoft.com/office/powerpoint/2010/main" val="3900390978"/>
+      </p:ext>
+    </p:extLst>
   </p:cSld>
   <p:clrMapOvr>
     <a:masterClrMapping/>
@@ -11352,6 +11037,610 @@
       </p:grpSpPr>
       <p:sp>
         <p:nvSpPr>
+          <p:cNvPr id="114" name="PlaceHolder 1"/>
+          <p:cNvSpPr>
+            <a:spLocks noGrp="1"/>
+          </p:cNvSpPr>
+          <p:nvPr>
+            <p:ph type="title"/>
+          </p:nvPr>
+        </p:nvSpPr>
+        <p:spPr>
+          <a:xfrm>
+            <a:off x="700560" y="921960"/>
+            <a:ext cx="10690920" cy="1370520"/>
+          </a:xfrm>
+          <a:prstGeom prst="rect">
+            <a:avLst/>
+          </a:prstGeom>
+          <a:noFill/>
+          <a:ln w="0">
+            <a:noFill/>
+          </a:ln>
+        </p:spPr>
+        <p:txBody>
+          <a:bodyPr lIns="91440" tIns="45720" rIns="91440" bIns="45720" anchor="t">
+            <a:noAutofit/>
+          </a:bodyPr>
+          <a:lstStyle/>
+          <a:p>
+            <a:pPr indent="0" defTabSz="914400">
+              <a:lnSpc>
+                <a:spcPct val="100000"/>
+              </a:lnSpc>
+              <a:buNone/>
+            </a:pPr>
+            <a:r>
+              <a:rPr lang="en-US" sz="4000" b="0" strike="noStrike" cap="all" spc="29" dirty="0">
+                <a:solidFill>
+                  <a:schemeClr val="dk1"/>
+                </a:solidFill>
+                <a:latin typeface="Univers Condensed"/>
+              </a:rPr>
+              <a:t>mutar</a:t>
+            </a:r>
+            <a:endParaRPr lang="en-US" sz="4000" b="0" strike="noStrike" spc="-1" dirty="0">
+              <a:solidFill>
+                <a:schemeClr val="dk1"/>
+              </a:solidFill>
+              <a:latin typeface="Calisto MT"/>
+            </a:endParaRPr>
+          </a:p>
+        </p:txBody>
+      </p:sp>
+      <p:pic>
+        <p:nvPicPr>
+          <p:cNvPr id="115" name="Espaço Reservado para Conteúdo 7"/>
+          <p:cNvPicPr/>
+          <p:nvPr/>
+        </p:nvPicPr>
+        <p:blipFill>
+          <a:blip r:embed="rId2"/>
+          <a:stretch/>
+        </p:blipFill>
+        <p:spPr>
+          <a:xfrm>
+            <a:off x="1975680" y="2292480"/>
+            <a:ext cx="8139960" cy="3636720"/>
+          </a:xfrm>
+          <a:prstGeom prst="rect">
+            <a:avLst/>
+          </a:prstGeom>
+          <a:ln w="0">
+            <a:noFill/>
+          </a:ln>
+        </p:spPr>
+      </p:pic>
+      <p:sp>
+        <p:nvSpPr>
+          <p:cNvPr id="3" name="PlaceHolder 2"/>
+          <p:cNvSpPr>
+            <a:spLocks noGrp="1"/>
+          </p:cNvSpPr>
+          <p:nvPr>
+            <p:ph type="ftr" idx="11"/>
+          </p:nvPr>
+        </p:nvSpPr>
+        <p:spPr/>
+        <p:txBody>
+          <a:bodyPr/>
+          <a:lstStyle/>
+          <a:p>
+            <a:r>
+              <a:rPr dirty="0"/>
+              <a:t>
+              </a:t>
+            </a:r>
+          </a:p>
+        </p:txBody>
+      </p:sp>
+      <p:sp>
+        <p:nvSpPr>
+          <p:cNvPr id="4" name="PlaceHolder 3"/>
+          <p:cNvSpPr>
+            <a:spLocks noGrp="1"/>
+          </p:cNvSpPr>
+          <p:nvPr>
+            <p:ph type="sldNum" idx="12"/>
+          </p:nvPr>
+        </p:nvSpPr>
+        <p:spPr/>
+        <p:txBody>
+          <a:bodyPr/>
+          <a:lstStyle/>
+          <a:p>
+            <a:fld id="{F1A161CB-7BE6-45FA-AD7A-11BA102F9974}" type="slidenum">
+              <a:t>16</a:t>
+            </a:fld>
+            <a:endParaRPr dirty="0"/>
+          </a:p>
+        </p:txBody>
+      </p:sp>
+      <p:sp>
+        <p:nvSpPr>
+          <p:cNvPr id="5" name="PlaceHolder 4"/>
+          <p:cNvSpPr>
+            <a:spLocks noGrp="1"/>
+          </p:cNvSpPr>
+          <p:nvPr>
+            <p:ph type="dt" idx="10"/>
+          </p:nvPr>
+        </p:nvSpPr>
+        <p:spPr/>
+        <p:txBody>
+          <a:bodyPr/>
+          <a:lstStyle/>
+          <a:p>
+            <a:fld id="{185AB305-EA15-4526-801D-EBA776E2A98D}" type="datetime1">
+              <a:rPr lang="en-AU"/>
+              <a:t>7/06/2024</a:t>
+            </a:fld>
+            <a:endParaRPr lang="en-AU" dirty="0"/>
+          </a:p>
+        </p:txBody>
+      </p:sp>
+    </p:spTree>
+  </p:cSld>
+  <p:clrMapOvr>
+    <a:masterClrMapping/>
+  </p:clrMapOvr>
+</p:sld>
+</file>
+
+<file path=ppt/slides/slide17.xml><?xml version="1.0" encoding="utf-8"?>
+<p:sld xmlns:a="http://schemas.openxmlformats.org/drawingml/2006/main" xmlns:r="http://schemas.openxmlformats.org/officeDocument/2006/relationships" xmlns:p="http://schemas.openxmlformats.org/presentationml/2006/main">
+  <p:cSld>
+    <p:spTree>
+      <p:nvGrpSpPr>
+        <p:cNvPr id="1" name=""/>
+        <p:cNvGrpSpPr/>
+        <p:nvPr/>
+      </p:nvGrpSpPr>
+      <p:grpSpPr>
+        <a:xfrm>
+          <a:off x="0" y="0"/>
+          <a:ext cx="0" cy="0"/>
+          <a:chOff x="0" y="0"/>
+          <a:chExt cx="0" cy="0"/>
+        </a:xfrm>
+      </p:grpSpPr>
+      <p:sp>
+        <p:nvSpPr>
+          <p:cNvPr id="116" name="PlaceHolder 1"/>
+          <p:cNvSpPr>
+            <a:spLocks noGrp="1"/>
+          </p:cNvSpPr>
+          <p:nvPr>
+            <p:ph type="title"/>
+          </p:nvPr>
+        </p:nvSpPr>
+        <p:spPr>
+          <a:xfrm>
+            <a:off x="700560" y="921960"/>
+            <a:ext cx="10690920" cy="1370520"/>
+          </a:xfrm>
+          <a:prstGeom prst="rect">
+            <a:avLst/>
+          </a:prstGeom>
+          <a:noFill/>
+          <a:ln w="0">
+            <a:noFill/>
+          </a:ln>
+        </p:spPr>
+        <p:txBody>
+          <a:bodyPr lIns="91440" tIns="45720" rIns="91440" bIns="45720" anchor="t">
+            <a:noAutofit/>
+          </a:bodyPr>
+          <a:lstStyle/>
+          <a:p>
+            <a:pPr indent="0" defTabSz="914400">
+              <a:lnSpc>
+                <a:spcPct val="100000"/>
+              </a:lnSpc>
+              <a:buNone/>
+            </a:pPr>
+            <a:r>
+              <a:rPr lang="en-US" sz="4000" b="0" strike="noStrike" cap="all" spc="29" dirty="0">
+                <a:solidFill>
+                  <a:schemeClr val="dk1"/>
+                </a:solidFill>
+                <a:latin typeface="Univers Condensed"/>
+              </a:rPr>
+              <a:t>Referências bibliográficas</a:t>
+            </a:r>
+            <a:endParaRPr lang="en-US" sz="4000" b="0" strike="noStrike" spc="-1" dirty="0">
+              <a:solidFill>
+                <a:schemeClr val="dk1"/>
+              </a:solidFill>
+              <a:latin typeface="Calisto MT"/>
+            </a:endParaRPr>
+          </a:p>
+        </p:txBody>
+      </p:sp>
+      <p:sp>
+        <p:nvSpPr>
+          <p:cNvPr id="117" name="PlaceHolder 2"/>
+          <p:cNvSpPr>
+            <a:spLocks noGrp="1"/>
+          </p:cNvSpPr>
+          <p:nvPr>
+            <p:ph/>
+          </p:nvPr>
+        </p:nvSpPr>
+        <p:spPr>
+          <a:xfrm>
+            <a:off x="700560" y="2293200"/>
+            <a:ext cx="10690920" cy="3635640"/>
+          </a:xfrm>
+          <a:prstGeom prst="rect">
+            <a:avLst/>
+          </a:prstGeom>
+          <a:noFill/>
+          <a:ln w="0">
+            <a:noFill/>
+          </a:ln>
+        </p:spPr>
+        <p:txBody>
+          <a:bodyPr lIns="91440" tIns="45720" rIns="91440" bIns="45720" anchor="t">
+            <a:normAutofit fontScale="93441"/>
+          </a:bodyPr>
+          <a:lstStyle/>
+          <a:p>
+            <a:pPr marL="228600" indent="-228600" defTabSz="914400">
+              <a:lnSpc>
+                <a:spcPct val="110000"/>
+              </a:lnSpc>
+              <a:spcBef>
+                <a:spcPts val="1001"/>
+              </a:spcBef>
+              <a:buClr>
+                <a:srgbClr val="000000"/>
+              </a:buClr>
+              <a:buFont typeface="Arial"/>
+              <a:buChar char="•"/>
+            </a:pPr>
+            <a:r>
+              <a:rPr lang="pt-BR" sz="2000" b="0" strike="noStrike" spc="-1" dirty="0">
+                <a:solidFill>
+                  <a:schemeClr val="dk1"/>
+                </a:solidFill>
+                <a:latin typeface="Calisto MT"/>
+              </a:rPr>
+              <a:t>‌SHENDY, R. </a:t>
+            </a:r>
+            <a:r>
+              <a:rPr lang="pt-BR" sz="2000" b="1" strike="noStrike" spc="-1" dirty="0">
+                <a:solidFill>
+                  <a:schemeClr val="dk1"/>
+                </a:solidFill>
+                <a:latin typeface="Calisto MT"/>
+              </a:rPr>
+              <a:t>Traveling Salesman Problem (TSP) using Genetic Algorithm (Python)</a:t>
+            </a:r>
+            <a:r>
+              <a:rPr lang="pt-BR" sz="2000" b="0" strike="noStrike" spc="-1" dirty="0">
+                <a:solidFill>
+                  <a:schemeClr val="dk1"/>
+                </a:solidFill>
+                <a:latin typeface="Calisto MT"/>
+              </a:rPr>
+              <a:t>. Disponível em: &lt;https://medium.com/aimonks/traveling-salesman-problem-tsp-using-genetic-algorithm-fea640713758&gt;.</a:t>
+            </a:r>
+            <a:endParaRPr lang="en-US" sz="2000" b="0" strike="noStrike" spc="-1" dirty="0">
+              <a:solidFill>
+                <a:schemeClr val="dk1"/>
+              </a:solidFill>
+              <a:latin typeface="Calisto MT"/>
+            </a:endParaRPr>
+          </a:p>
+          <a:p>
+            <a:pPr marL="228600" indent="-228600" defTabSz="914400">
+              <a:lnSpc>
+                <a:spcPct val="110000"/>
+              </a:lnSpc>
+              <a:spcBef>
+                <a:spcPts val="1001"/>
+              </a:spcBef>
+              <a:buClr>
+                <a:srgbClr val="000000"/>
+              </a:buClr>
+              <a:buFont typeface="Arial"/>
+              <a:buChar char="•"/>
+            </a:pPr>
+            <a:r>
+              <a:rPr lang="pt-BR" sz="2000" b="1" strike="noStrike" spc="-1" dirty="0">
+                <a:solidFill>
+                  <a:schemeClr val="dk1"/>
+                </a:solidFill>
+                <a:latin typeface="Calisto MT"/>
+              </a:rPr>
+              <a:t>Traveling Salesman Problem using Genetic Algorithm</a:t>
+            </a:r>
+            <a:r>
+              <a:rPr lang="pt-BR" sz="2000" b="0" strike="noStrike" spc="-1" dirty="0">
+                <a:solidFill>
+                  <a:schemeClr val="dk1"/>
+                </a:solidFill>
+                <a:latin typeface="Calisto MT"/>
+              </a:rPr>
+              <a:t>.</a:t>
+            </a:r>
+            <a:r>
+              <a:rPr lang="pt-BR" sz="2000" b="1" strike="noStrike" spc="-1" dirty="0">
+                <a:solidFill>
+                  <a:schemeClr val="dk1"/>
+                </a:solidFill>
+                <a:latin typeface="Calisto MT"/>
+              </a:rPr>
+              <a:t> </a:t>
+            </a:r>
+            <a:r>
+              <a:rPr lang="pt-BR" sz="2000" b="0" strike="noStrike" spc="-1" dirty="0">
+                <a:solidFill>
+                  <a:schemeClr val="dk1"/>
+                </a:solidFill>
+                <a:latin typeface="Calisto MT"/>
+              </a:rPr>
+              <a:t>Disponível em: &lt;https://www.geeksforgeeks.org/traveling-salesman-problem-using-genetic-algorithm/&gt;.</a:t>
+            </a:r>
+            <a:endParaRPr lang="en-US" sz="2000" b="0" strike="noStrike" spc="-1" dirty="0">
+              <a:solidFill>
+                <a:schemeClr val="dk1"/>
+              </a:solidFill>
+              <a:latin typeface="Calisto MT"/>
+            </a:endParaRPr>
+          </a:p>
+          <a:p>
+            <a:pPr marL="228600" indent="-228600" defTabSz="914400">
+              <a:lnSpc>
+                <a:spcPct val="110000"/>
+              </a:lnSpc>
+              <a:spcBef>
+                <a:spcPts val="1001"/>
+              </a:spcBef>
+              <a:buClr>
+                <a:srgbClr val="000000"/>
+              </a:buClr>
+              <a:buFont typeface="Arial"/>
+              <a:buChar char="•"/>
+            </a:pPr>
+            <a:r>
+              <a:rPr lang="pt-BR" sz="2000" b="0" strike="noStrike" spc="-1" dirty="0">
+                <a:solidFill>
+                  <a:schemeClr val="dk1"/>
+                </a:solidFill>
+                <a:latin typeface="Calisto MT"/>
+              </a:rPr>
+              <a:t>WIKIPEDIA CONTRIBUTORS. </a:t>
+            </a:r>
+            <a:r>
+              <a:rPr lang="pt-BR" sz="2000" b="1" strike="noStrike" spc="-1" dirty="0">
+                <a:solidFill>
+                  <a:schemeClr val="dk1"/>
+                </a:solidFill>
+                <a:latin typeface="Calisto MT"/>
+              </a:rPr>
+              <a:t>Genetic algorithm</a:t>
+            </a:r>
+            <a:r>
+              <a:rPr lang="pt-BR" sz="2000" b="0" strike="noStrike" spc="-1" dirty="0">
+                <a:solidFill>
+                  <a:schemeClr val="dk1"/>
+                </a:solidFill>
+                <a:latin typeface="Calisto MT"/>
+              </a:rPr>
+              <a:t>. Disponível em: &lt;https://en.wikipedia.org/wiki/Genetic_algorithm&gt;.</a:t>
+            </a:r>
+            <a:endParaRPr lang="en-US" sz="2000" b="0" strike="noStrike" spc="-1" dirty="0">
+              <a:solidFill>
+                <a:schemeClr val="dk1"/>
+              </a:solidFill>
+              <a:latin typeface="Calisto MT"/>
+            </a:endParaRPr>
+          </a:p>
+          <a:p>
+            <a:pPr marL="228600" indent="-228600" defTabSz="914400">
+              <a:lnSpc>
+                <a:spcPct val="110000"/>
+              </a:lnSpc>
+              <a:spcBef>
+                <a:spcPts val="1001"/>
+              </a:spcBef>
+              <a:buClr>
+                <a:srgbClr val="000000"/>
+              </a:buClr>
+              <a:buFont typeface="Arial"/>
+              <a:buChar char="•"/>
+            </a:pPr>
+            <a:r>
+              <a:rPr lang="pt-BR" sz="2000" b="0" strike="noStrike" spc="-1" dirty="0">
+                <a:solidFill>
+                  <a:schemeClr val="dk1"/>
+                </a:solidFill>
+                <a:latin typeface="Calisto MT"/>
+                <a:ea typeface="Calisto MT"/>
+              </a:rPr>
+              <a:t>WIKIPEDIA CONTRIBUTORS. </a:t>
+            </a:r>
+            <a:r>
+              <a:rPr lang="pt-BR" sz="2000" b="1" strike="noStrike" spc="-1" dirty="0">
+                <a:solidFill>
+                  <a:schemeClr val="dk1"/>
+                </a:solidFill>
+                <a:latin typeface="Calisto MT"/>
+                <a:ea typeface="Calisto MT"/>
+              </a:rPr>
+              <a:t>Travelling salesman problem</a:t>
+            </a:r>
+            <a:r>
+              <a:rPr lang="pt-BR" sz="2000" b="0" strike="noStrike" spc="-1" dirty="0">
+                <a:solidFill>
+                  <a:schemeClr val="dk1"/>
+                </a:solidFill>
+                <a:latin typeface="Calisto MT"/>
+                <a:ea typeface="Calisto MT"/>
+              </a:rPr>
+              <a:t>.</a:t>
+            </a:r>
+            <a:r>
+              <a:rPr lang="pt-BR" sz="2000" b="1" strike="noStrike" spc="-1" dirty="0">
+                <a:solidFill>
+                  <a:schemeClr val="dk1"/>
+                </a:solidFill>
+                <a:latin typeface="Calisto MT"/>
+                <a:ea typeface="Calisto MT"/>
+              </a:rPr>
+              <a:t> </a:t>
+            </a:r>
+            <a:r>
+              <a:rPr lang="pt-BR" sz="2000" b="0" strike="noStrike" spc="-1" dirty="0">
+                <a:solidFill>
+                  <a:schemeClr val="dk1"/>
+                </a:solidFill>
+                <a:latin typeface="Calisto MT"/>
+                <a:ea typeface="Calisto MT"/>
+              </a:rPr>
+              <a:t>Disponível em: &lt;https://en.wikipedia.org/w/index.php?title=Travelling_salesman_problem&amp;oldid=1225477054&gt;.</a:t>
+            </a:r>
+            <a:endParaRPr lang="en-US" sz="2000" b="0" strike="noStrike" spc="-1" dirty="0">
+              <a:solidFill>
+                <a:schemeClr val="dk1"/>
+              </a:solidFill>
+              <a:latin typeface="Calisto MT"/>
+            </a:endParaRPr>
+          </a:p>
+          <a:p>
+            <a:pPr indent="0" defTabSz="914400">
+              <a:lnSpc>
+                <a:spcPct val="110000"/>
+              </a:lnSpc>
+              <a:spcBef>
+                <a:spcPts val="1001"/>
+              </a:spcBef>
+              <a:buNone/>
+            </a:pPr>
+            <a:endParaRPr lang="en-US" sz="2000" b="0" strike="noStrike" spc="-1" dirty="0">
+              <a:solidFill>
+                <a:schemeClr val="dk1"/>
+              </a:solidFill>
+              <a:latin typeface="Calisto MT"/>
+            </a:endParaRPr>
+          </a:p>
+          <a:p>
+            <a:pPr indent="0" defTabSz="914400">
+              <a:lnSpc>
+                <a:spcPct val="110000"/>
+              </a:lnSpc>
+              <a:spcBef>
+                <a:spcPts val="1001"/>
+              </a:spcBef>
+              <a:buNone/>
+            </a:pPr>
+            <a:endParaRPr lang="en-US" sz="2000" b="0" strike="noStrike" spc="-1" dirty="0">
+              <a:solidFill>
+                <a:schemeClr val="dk1"/>
+              </a:solidFill>
+              <a:latin typeface="Calisto MT"/>
+            </a:endParaRPr>
+          </a:p>
+        </p:txBody>
+      </p:sp>
+      <p:sp>
+        <p:nvSpPr>
+          <p:cNvPr id="4" name="PlaceHolder 3"/>
+          <p:cNvSpPr>
+            <a:spLocks noGrp="1"/>
+          </p:cNvSpPr>
+          <p:nvPr>
+            <p:ph type="ftr" idx="11"/>
+          </p:nvPr>
+        </p:nvSpPr>
+        <p:spPr/>
+        <p:txBody>
+          <a:bodyPr/>
+          <a:lstStyle/>
+          <a:p>
+            <a:r>
+              <a:rPr dirty="0"/>
+              <a:t>
+              </a:t>
+            </a:r>
+          </a:p>
+        </p:txBody>
+      </p:sp>
+      <p:sp>
+        <p:nvSpPr>
+          <p:cNvPr id="5" name="PlaceHolder 4"/>
+          <p:cNvSpPr>
+            <a:spLocks noGrp="1"/>
+          </p:cNvSpPr>
+          <p:nvPr>
+            <p:ph type="sldNum" idx="12"/>
+          </p:nvPr>
+        </p:nvSpPr>
+        <p:spPr/>
+        <p:txBody>
+          <a:bodyPr/>
+          <a:lstStyle/>
+          <a:p>
+            <a:fld id="{02CF5C4C-7FBF-4BEC-A9B8-1DCE4265BCD3}" type="slidenum">
+              <a:rPr/>
+              <a:t>17</a:t>
+            </a:fld>
+            <a:endParaRPr dirty="0"/>
+          </a:p>
+        </p:txBody>
+      </p:sp>
+      <p:sp>
+        <p:nvSpPr>
+          <p:cNvPr id="6" name="PlaceHolder 5"/>
+          <p:cNvSpPr>
+            <a:spLocks noGrp="1"/>
+          </p:cNvSpPr>
+          <p:nvPr>
+            <p:ph type="dt" idx="10"/>
+          </p:nvPr>
+        </p:nvSpPr>
+        <p:spPr/>
+        <p:txBody>
+          <a:bodyPr/>
+          <a:lstStyle/>
+          <a:p>
+            <a:fld id="{30E210F2-C1B3-417B-B632-501DCE9DD73D}" type="datetime1">
+              <a:rPr lang="en-AU"/>
+              <a:t>7/06/2024</a:t>
+            </a:fld>
+            <a:endParaRPr lang="en-AU" dirty="0"/>
+          </a:p>
+        </p:txBody>
+      </p:sp>
+    </p:spTree>
+  </p:cSld>
+  <p:clrMapOvr>
+    <a:masterClrMapping/>
+  </p:clrMapOvr>
+</p:sld>
+</file>
+
+<file path=ppt/slides/slide18.xml><?xml version="1.0" encoding="utf-8"?>
+<p:sld xmlns:a="http://schemas.openxmlformats.org/drawingml/2006/main" xmlns:r="http://schemas.openxmlformats.org/officeDocument/2006/relationships" xmlns:p="http://schemas.openxmlformats.org/presentationml/2006/main">
+  <p:cSld>
+    <p:spTree>
+      <p:nvGrpSpPr>
+        <p:cNvPr id="1" name=""/>
+        <p:cNvGrpSpPr/>
+        <p:nvPr/>
+      </p:nvGrpSpPr>
+      <p:grpSpPr>
+        <a:xfrm>
+          <a:off x="0" y="0"/>
+          <a:ext cx="0" cy="0"/>
+          <a:chOff x="0" y="0"/>
+          <a:chExt cx="0" cy="0"/>
+        </a:xfrm>
+      </p:grpSpPr>
+      <p:sp>
+        <p:nvSpPr>
           <p:cNvPr id="118" name="PlaceHolder 1"/>
           <p:cNvSpPr>
             <a:spLocks noGrp="1"/>
@@ -11442,7 +11731,7 @@
           <a:lstStyle/>
           <a:p>
             <a:fld id="{23535A1B-C7AF-4631-9FB0-03CD2D544D0F}" type="slidenum">
-              <a:t>16</a:t>
+              <a:t>18</a:t>
             </a:fld>
             <a:endParaRPr dirty="0"/>
           </a:p>
